--- a/Real-time rendering.pptx
+++ b/Real-time rendering.pptx
@@ -5,7 +5,7 @@
     <p:sldMasterId id="2147483807" r:id="rId1"/>
   </p:sldMasterIdLst>
   <p:notesMasterIdLst>
-    <p:notesMasterId r:id="rId14"/>
+    <p:notesMasterId r:id="rId17"/>
   </p:notesMasterIdLst>
   <p:sldIdLst>
     <p:sldId id="256" r:id="rId2"/>
@@ -17,9 +17,12 @@
     <p:sldId id="287" r:id="rId8"/>
     <p:sldId id="288" r:id="rId9"/>
     <p:sldId id="289" r:id="rId10"/>
-    <p:sldId id="290" r:id="rId11"/>
-    <p:sldId id="291" r:id="rId12"/>
-    <p:sldId id="292" r:id="rId13"/>
+    <p:sldId id="296" r:id="rId11"/>
+    <p:sldId id="297" r:id="rId12"/>
+    <p:sldId id="290" r:id="rId13"/>
+    <p:sldId id="291" r:id="rId14"/>
+    <p:sldId id="298" r:id="rId15"/>
+    <p:sldId id="292" r:id="rId16"/>
   </p:sldIdLst>
   <p:sldSz cx="12192000" cy="6858000"/>
   <p:notesSz cx="6858000" cy="9144000"/>
@@ -129,7 +132,8 @@
 <file path=ppt/revisionInfo.xml><?xml version="1.0" encoding="utf-8"?>
 <p1510:revInfo xmlns:a="http://schemas.openxmlformats.org/drawingml/2006/main" xmlns:r="http://schemas.openxmlformats.org/officeDocument/2006/relationships" xmlns:p1510="http://schemas.microsoft.com/office/powerpoint/2015/10/main">
   <p1510:revLst>
-    <p1510:client id="{4D155720-5FC5-4159-B9F5-2C043724CEDA}" v="188" dt="2022-12-10T15:21:47.102"/>
+    <p1510:client id="{7BA82023-AA2E-4A19-BDC5-58F8C77A59D6}" v="11" dt="2022-12-11T07:50:29.089"/>
+    <p1510:client id="{CD3F72D4-A35B-4F66-BBC6-A9E2148B89A4}" v="7" dt="2022-12-11T03:53:15.306"/>
   </p1510:revLst>
 </p1510:revInfo>
 </file>
@@ -137,3107 +141,257 @@
 <file path=ppt/changesInfos/changesInfo1.xml><?xml version="1.0" encoding="utf-8"?>
 <pc:chgInfo xmlns:a="http://schemas.openxmlformats.org/drawingml/2006/main" xmlns:r="http://schemas.openxmlformats.org/officeDocument/2006/relationships" xmlns:ac="http://schemas.microsoft.com/office/drawing/2013/main/command" xmlns:pc="http://schemas.microsoft.com/office/powerpoint/2013/main/command">
   <pc:docChgLst>
-    <pc:chgData name="JinFan Lu" userId="0d6d4872cb76e38f" providerId="LiveId" clId="{4D155720-5FC5-4159-B9F5-2C043724CEDA}"/>
-    <pc:docChg chg="undo custSel addSld delSld modSld">
-      <pc:chgData name="JinFan Lu" userId="0d6d4872cb76e38f" providerId="LiveId" clId="{4D155720-5FC5-4159-B9F5-2C043724CEDA}" dt="2022-12-10T15:23:18.198" v="3781" actId="20577"/>
+    <pc:chgData name="JinFan Lu" userId="0d6d4872cb76e38f" providerId="LiveId" clId="{7BA82023-AA2E-4A19-BDC5-58F8C77A59D6}"/>
+    <pc:docChg chg="undo custSel addSld delSld modSld sldOrd">
+      <pc:chgData name="JinFan Lu" userId="0d6d4872cb76e38f" providerId="LiveId" clId="{7BA82023-AA2E-4A19-BDC5-58F8C77A59D6}" dt="2022-12-11T07:51:21.742" v="714" actId="478"/>
       <pc:docMkLst>
         <pc:docMk/>
       </pc:docMkLst>
       <pc:sldChg chg="addSp modSp mod">
-        <pc:chgData name="JinFan Lu" userId="0d6d4872cb76e38f" providerId="LiveId" clId="{4D155720-5FC5-4159-B9F5-2C043724CEDA}" dt="2022-12-10T11:46:01.491" v="422" actId="2085"/>
+        <pc:chgData name="JinFan Lu" userId="0d6d4872cb76e38f" providerId="LiveId" clId="{7BA82023-AA2E-4A19-BDC5-58F8C77A59D6}" dt="2022-12-11T07:35:36.207" v="42" actId="1076"/>
         <pc:sldMkLst>
           <pc:docMk/>
           <pc:sldMk cId="0" sldId="256"/>
         </pc:sldMkLst>
-        <pc:spChg chg="add mod ord">
-          <ac:chgData name="JinFan Lu" userId="0d6d4872cb76e38f" providerId="LiveId" clId="{4D155720-5FC5-4159-B9F5-2C043724CEDA}" dt="2022-12-10T11:46:01.491" v="422" actId="2085"/>
+        <pc:spChg chg="add mod">
+          <ac:chgData name="JinFan Lu" userId="0d6d4872cb76e38f" providerId="LiveId" clId="{7BA82023-AA2E-4A19-BDC5-58F8C77A59D6}" dt="2022-12-11T07:35:31.504" v="41" actId="1076"/>
           <ac:spMkLst>
             <pc:docMk/>
             <pc:sldMk cId="0" sldId="256"/>
-            <ac:spMk id="4" creationId="{363D5ED3-32B2-3723-43CC-DA9C02AA5E85}"/>
+            <ac:spMk id="6" creationId="{F7C740F7-845D-93CB-54AA-2C5E9F60F052}"/>
+          </ac:spMkLst>
+        </pc:spChg>
+        <pc:spChg chg="mod">
+          <ac:chgData name="JinFan Lu" userId="0d6d4872cb76e38f" providerId="LiveId" clId="{7BA82023-AA2E-4A19-BDC5-58F8C77A59D6}" dt="2022-12-11T07:35:36.207" v="42" actId="1076"/>
+          <ac:spMkLst>
+            <pc:docMk/>
+            <pc:sldMk cId="0" sldId="256"/>
+            <ac:spMk id="10" creationId="{6F71A2DD-4F94-8F52-7FE9-521C6FE9962E}"/>
           </ac:spMkLst>
         </pc:spChg>
       </pc:sldChg>
-      <pc:sldChg chg="addSp modSp">
-        <pc:chgData name="JinFan Lu" userId="0d6d4872cb76e38f" providerId="LiveId" clId="{4D155720-5FC5-4159-B9F5-2C043724CEDA}" dt="2022-12-10T11:46:11.929" v="423"/>
-        <pc:sldMkLst>
-          <pc:docMk/>
-          <pc:sldMk cId="971471109" sldId="280"/>
-        </pc:sldMkLst>
-        <pc:spChg chg="add mod">
-          <ac:chgData name="JinFan Lu" userId="0d6d4872cb76e38f" providerId="LiveId" clId="{4D155720-5FC5-4159-B9F5-2C043724CEDA}" dt="2022-12-10T11:46:11.929" v="423"/>
-          <ac:spMkLst>
-            <pc:docMk/>
-            <pc:sldMk cId="971471109" sldId="280"/>
-            <ac:spMk id="3" creationId="{C22F6D7D-E027-4B4A-5201-AB06E031018B}"/>
-          </ac:spMkLst>
-        </pc:spChg>
-      </pc:sldChg>
-      <pc:sldChg chg="addSp delSp modSp mod">
-        <pc:chgData name="JinFan Lu" userId="0d6d4872cb76e38f" providerId="LiveId" clId="{4D155720-5FC5-4159-B9F5-2C043724CEDA}" dt="2022-12-10T12:18:01.507" v="1317" actId="1076"/>
-        <pc:sldMkLst>
-          <pc:docMk/>
-          <pc:sldMk cId="1854901692" sldId="281"/>
-        </pc:sldMkLst>
-        <pc:spChg chg="mod">
-          <ac:chgData name="JinFan Lu" userId="0d6d4872cb76e38f" providerId="LiveId" clId="{4D155720-5FC5-4159-B9F5-2C043724CEDA}" dt="2022-12-10T11:23:41.925" v="71" actId="207"/>
-          <ac:spMkLst>
-            <pc:docMk/>
-            <pc:sldMk cId="1854901692" sldId="281"/>
-            <ac:spMk id="5" creationId="{9611B230-8845-EB30-6ADE-53DA018222E1}"/>
-          </ac:spMkLst>
-        </pc:spChg>
-        <pc:spChg chg="add mod">
-          <ac:chgData name="JinFan Lu" userId="0d6d4872cb76e38f" providerId="LiveId" clId="{4D155720-5FC5-4159-B9F5-2C043724CEDA}" dt="2022-12-10T12:14:36.018" v="1291" actId="1076"/>
-          <ac:spMkLst>
-            <pc:docMk/>
-            <pc:sldMk cId="1854901692" sldId="281"/>
-            <ac:spMk id="9" creationId="{7A3BE674-C199-EE29-5C08-C3379F308300}"/>
-          </ac:spMkLst>
-        </pc:spChg>
-        <pc:spChg chg="add mod">
-          <ac:chgData name="JinFan Lu" userId="0d6d4872cb76e38f" providerId="LiveId" clId="{4D155720-5FC5-4159-B9F5-2C043724CEDA}" dt="2022-12-10T12:14:45.019" v="1293" actId="1076"/>
-          <ac:spMkLst>
-            <pc:docMk/>
-            <pc:sldMk cId="1854901692" sldId="281"/>
-            <ac:spMk id="14" creationId="{CC4C6B45-D8A6-BA39-795C-A6B3E1E9281C}"/>
-          </ac:spMkLst>
-        </pc:spChg>
-        <pc:spChg chg="add mod">
-          <ac:chgData name="JinFan Lu" userId="0d6d4872cb76e38f" providerId="LiveId" clId="{4D155720-5FC5-4159-B9F5-2C043724CEDA}" dt="2022-12-10T12:14:23.972" v="1288" actId="1076"/>
-          <ac:spMkLst>
-            <pc:docMk/>
-            <pc:sldMk cId="1854901692" sldId="281"/>
-            <ac:spMk id="15" creationId="{1F8218E0-D6A4-1C36-80AB-4A3184720C1E}"/>
-          </ac:spMkLst>
-        </pc:spChg>
-        <pc:spChg chg="mod">
-          <ac:chgData name="JinFan Lu" userId="0d6d4872cb76e38f" providerId="LiveId" clId="{4D155720-5FC5-4159-B9F5-2C043724CEDA}" dt="2022-12-10T11:51:22.857" v="451" actId="207"/>
-          <ac:spMkLst>
-            <pc:docMk/>
-            <pc:sldMk cId="1854901692" sldId="281"/>
-            <ac:spMk id="16" creationId="{05A4C2BA-E673-C79E-C4F0-4C488DA45533}"/>
-          </ac:spMkLst>
-        </pc:spChg>
-        <pc:spChg chg="mod">
-          <ac:chgData name="JinFan Lu" userId="0d6d4872cb76e38f" providerId="LiveId" clId="{4D155720-5FC5-4159-B9F5-2C043724CEDA}" dt="2022-12-10T11:51:30.427" v="453" actId="207"/>
-          <ac:spMkLst>
-            <pc:docMk/>
-            <pc:sldMk cId="1854901692" sldId="281"/>
-            <ac:spMk id="17" creationId="{C88A16F2-850F-ACD2-E635-84BA2E9FCF26}"/>
-          </ac:spMkLst>
-        </pc:spChg>
-        <pc:spChg chg="del">
-          <ac:chgData name="JinFan Lu" userId="0d6d4872cb76e38f" providerId="LiveId" clId="{4D155720-5FC5-4159-B9F5-2C043724CEDA}" dt="2022-12-10T11:22:43.330" v="54" actId="478"/>
-          <ac:spMkLst>
-            <pc:docMk/>
-            <pc:sldMk cId="1854901692" sldId="281"/>
-            <ac:spMk id="18" creationId="{728CD146-EBEB-819B-042C-1C97C43E452E}"/>
-          </ac:spMkLst>
-        </pc:spChg>
-        <pc:spChg chg="del">
-          <ac:chgData name="JinFan Lu" userId="0d6d4872cb76e38f" providerId="LiveId" clId="{4D155720-5FC5-4159-B9F5-2C043724CEDA}" dt="2022-12-10T11:22:44.333" v="55" actId="478"/>
-          <ac:spMkLst>
-            <pc:docMk/>
-            <pc:sldMk cId="1854901692" sldId="281"/>
-            <ac:spMk id="19" creationId="{9ACB29BB-6759-F8F8-C871-9B0392CDCE23}"/>
-          </ac:spMkLst>
-        </pc:spChg>
-        <pc:spChg chg="del">
-          <ac:chgData name="JinFan Lu" userId="0d6d4872cb76e38f" providerId="LiveId" clId="{4D155720-5FC5-4159-B9F5-2C043724CEDA}" dt="2022-12-10T11:23:31.365" v="63" actId="478"/>
-          <ac:spMkLst>
-            <pc:docMk/>
-            <pc:sldMk cId="1854901692" sldId="281"/>
-            <ac:spMk id="20" creationId="{61973902-9B26-204A-6EE8-12E5AF188116}"/>
-          </ac:spMkLst>
-        </pc:spChg>
-        <pc:spChg chg="del">
-          <ac:chgData name="JinFan Lu" userId="0d6d4872cb76e38f" providerId="LiveId" clId="{4D155720-5FC5-4159-B9F5-2C043724CEDA}" dt="2022-12-10T11:22:45.098" v="56" actId="478"/>
-          <ac:spMkLst>
-            <pc:docMk/>
-            <pc:sldMk cId="1854901692" sldId="281"/>
-            <ac:spMk id="21" creationId="{CD06B862-7C64-09CC-5DA2-0176F7F525E6}"/>
-          </ac:spMkLst>
-        </pc:spChg>
-        <pc:spChg chg="add mod">
-          <ac:chgData name="JinFan Lu" userId="0d6d4872cb76e38f" providerId="LiveId" clId="{4D155720-5FC5-4159-B9F5-2C043724CEDA}" dt="2022-12-10T12:14:30.729" v="1290" actId="1076"/>
-          <ac:spMkLst>
-            <pc:docMk/>
-            <pc:sldMk cId="1854901692" sldId="281"/>
-            <ac:spMk id="24" creationId="{FA78A1B9-1577-7DB9-CC79-DBE169260ED1}"/>
-          </ac:spMkLst>
-        </pc:spChg>
-        <pc:spChg chg="add mod">
-          <ac:chgData name="JinFan Lu" userId="0d6d4872cb76e38f" providerId="LiveId" clId="{4D155720-5FC5-4159-B9F5-2C043724CEDA}" dt="2022-12-10T11:46:15.329" v="425"/>
-          <ac:spMkLst>
-            <pc:docMk/>
-            <pc:sldMk cId="1854901692" sldId="281"/>
-            <ac:spMk id="25" creationId="{621F2649-1B6D-A050-4C04-68014C451EC6}"/>
-          </ac:spMkLst>
-        </pc:spChg>
-        <pc:spChg chg="add mod">
-          <ac:chgData name="JinFan Lu" userId="0d6d4872cb76e38f" providerId="LiveId" clId="{4D155720-5FC5-4159-B9F5-2C043724CEDA}" dt="2022-12-10T12:16:22.220" v="1305" actId="1076"/>
-          <ac:spMkLst>
-            <pc:docMk/>
-            <pc:sldMk cId="1854901692" sldId="281"/>
-            <ac:spMk id="26" creationId="{E5E6AFC9-DD42-A927-C0B9-806590AA51F4}"/>
-          </ac:spMkLst>
-        </pc:spChg>
-        <pc:spChg chg="add mod">
-          <ac:chgData name="JinFan Lu" userId="0d6d4872cb76e38f" providerId="LiveId" clId="{4D155720-5FC5-4159-B9F5-2C043724CEDA}" dt="2022-12-10T12:17:08.466" v="1309" actId="1076"/>
-          <ac:spMkLst>
-            <pc:docMk/>
-            <pc:sldMk cId="1854901692" sldId="281"/>
-            <ac:spMk id="27" creationId="{32D505E4-CDD9-E35B-63E9-41486E0C41E2}"/>
-          </ac:spMkLst>
-        </pc:spChg>
-        <pc:spChg chg="add mod">
-          <ac:chgData name="JinFan Lu" userId="0d6d4872cb76e38f" providerId="LiveId" clId="{4D155720-5FC5-4159-B9F5-2C043724CEDA}" dt="2022-12-10T12:14:58.053" v="1295" actId="1076"/>
-          <ac:spMkLst>
-            <pc:docMk/>
-            <pc:sldMk cId="1854901692" sldId="281"/>
-            <ac:spMk id="28" creationId="{934E9E3B-9AE9-8A53-16E5-07DE41856E07}"/>
-          </ac:spMkLst>
-        </pc:spChg>
-        <pc:spChg chg="add del">
-          <ac:chgData name="JinFan Lu" userId="0d6d4872cb76e38f" providerId="LiveId" clId="{4D155720-5FC5-4159-B9F5-2C043724CEDA}" dt="2022-12-10T11:55:43.825" v="489"/>
-          <ac:spMkLst>
-            <pc:docMk/>
-            <pc:sldMk cId="1854901692" sldId="281"/>
-            <ac:spMk id="29" creationId="{87702DBE-5F70-7509-0BD1-742B734BD3CC}"/>
-          </ac:spMkLst>
-        </pc:spChg>
-        <pc:spChg chg="add del">
-          <ac:chgData name="JinFan Lu" userId="0d6d4872cb76e38f" providerId="LiveId" clId="{4D155720-5FC5-4159-B9F5-2C043724CEDA}" dt="2022-12-10T11:55:45.441" v="491"/>
-          <ac:spMkLst>
-            <pc:docMk/>
-            <pc:sldMk cId="1854901692" sldId="281"/>
-            <ac:spMk id="30" creationId="{00AE0120-9E1C-D0FD-C94E-62D4151D7FF6}"/>
-          </ac:spMkLst>
-        </pc:spChg>
-        <pc:spChg chg="add del">
-          <ac:chgData name="JinFan Lu" userId="0d6d4872cb76e38f" providerId="LiveId" clId="{4D155720-5FC5-4159-B9F5-2C043724CEDA}" dt="2022-12-10T11:55:50.878" v="493"/>
-          <ac:spMkLst>
-            <pc:docMk/>
-            <pc:sldMk cId="1854901692" sldId="281"/>
-            <ac:spMk id="31" creationId="{9DF88A85-AD37-66E0-CCCA-0FC25ED8C32B}"/>
-          </ac:spMkLst>
-        </pc:spChg>
-        <pc:spChg chg="add del">
-          <ac:chgData name="JinFan Lu" userId="0d6d4872cb76e38f" providerId="LiveId" clId="{4D155720-5FC5-4159-B9F5-2C043724CEDA}" dt="2022-12-10T11:56:09.029" v="507"/>
-          <ac:spMkLst>
-            <pc:docMk/>
-            <pc:sldMk cId="1854901692" sldId="281"/>
-            <ac:spMk id="32" creationId="{2ECBDE7C-42A5-BB59-6167-9B4D573EA010}"/>
-          </ac:spMkLst>
-        </pc:spChg>
-        <pc:spChg chg="add mod">
-          <ac:chgData name="JinFan Lu" userId="0d6d4872cb76e38f" providerId="LiveId" clId="{4D155720-5FC5-4159-B9F5-2C043724CEDA}" dt="2022-12-10T12:17:11.241" v="1310" actId="1076"/>
-          <ac:spMkLst>
-            <pc:docMk/>
-            <pc:sldMk cId="1854901692" sldId="281"/>
-            <ac:spMk id="33" creationId="{E29DC42A-A82C-E8D0-CC02-4598CB976386}"/>
-          </ac:spMkLst>
-        </pc:spChg>
-        <pc:spChg chg="add mod">
-          <ac:chgData name="JinFan Lu" userId="0d6d4872cb76e38f" providerId="LiveId" clId="{4D155720-5FC5-4159-B9F5-2C043724CEDA}" dt="2022-12-10T12:17:46.921" v="1315" actId="1076"/>
-          <ac:spMkLst>
-            <pc:docMk/>
-            <pc:sldMk cId="1854901692" sldId="281"/>
-            <ac:spMk id="34" creationId="{2AEA5FC9-185D-C4C3-B442-4119F0E5088E}"/>
-          </ac:spMkLst>
-        </pc:spChg>
-        <pc:spChg chg="add mod">
-          <ac:chgData name="JinFan Lu" userId="0d6d4872cb76e38f" providerId="LiveId" clId="{4D155720-5FC5-4159-B9F5-2C043724CEDA}" dt="2022-12-10T12:18:01.507" v="1317" actId="1076"/>
-          <ac:spMkLst>
-            <pc:docMk/>
-            <pc:sldMk cId="1854901692" sldId="281"/>
-            <ac:spMk id="35" creationId="{13AE2FA5-15A6-4705-2B49-BD30F429899E}"/>
-          </ac:spMkLst>
-        </pc:spChg>
-        <pc:picChg chg="add del mod modCrop">
-          <ac:chgData name="JinFan Lu" userId="0d6d4872cb76e38f" providerId="LiveId" clId="{4D155720-5FC5-4159-B9F5-2C043724CEDA}" dt="2022-12-10T11:26:21.274" v="197"/>
-          <ac:picMkLst>
-            <pc:docMk/>
-            <pc:sldMk cId="1854901692" sldId="281"/>
-            <ac:picMk id="3" creationId="{E2D69191-A9EA-8E7E-4F5E-7F2E82D03422}"/>
-          </ac:picMkLst>
-        </pc:picChg>
-        <pc:picChg chg="add mod modCrop">
-          <ac:chgData name="JinFan Lu" userId="0d6d4872cb76e38f" providerId="LiveId" clId="{4D155720-5FC5-4159-B9F5-2C043724CEDA}" dt="2022-12-10T12:14:10.262" v="1282" actId="1076"/>
-          <ac:picMkLst>
-            <pc:docMk/>
-            <pc:sldMk cId="1854901692" sldId="281"/>
-            <ac:picMk id="6" creationId="{D939BBF5-CD96-AFA5-320C-91080006CA27}"/>
-          </ac:picMkLst>
-        </pc:picChg>
-        <pc:picChg chg="add mod modCrop">
-          <ac:chgData name="JinFan Lu" userId="0d6d4872cb76e38f" providerId="LiveId" clId="{4D155720-5FC5-4159-B9F5-2C043724CEDA}" dt="2022-12-10T12:14:08.041" v="1281" actId="1076"/>
-          <ac:picMkLst>
-            <pc:docMk/>
-            <pc:sldMk cId="1854901692" sldId="281"/>
-            <ac:picMk id="8" creationId="{DA10520C-8B0E-CDDC-322D-DC162553BCAA}"/>
-          </ac:picMkLst>
-        </pc:picChg>
-        <pc:picChg chg="del">
-          <ac:chgData name="JinFan Lu" userId="0d6d4872cb76e38f" providerId="LiveId" clId="{4D155720-5FC5-4159-B9F5-2C043724CEDA}" dt="2022-12-10T11:23:32.047" v="64" actId="478"/>
-          <ac:picMkLst>
-            <pc:docMk/>
-            <pc:sldMk cId="1854901692" sldId="281"/>
-            <ac:picMk id="11" creationId="{7066C00E-4D1F-C783-79D5-B8A3A5B656AC}"/>
-          </ac:picMkLst>
-        </pc:picChg>
-        <pc:picChg chg="add mod modCrop">
-          <ac:chgData name="JinFan Lu" userId="0d6d4872cb76e38f" providerId="LiveId" clId="{4D155720-5FC5-4159-B9F5-2C043724CEDA}" dt="2022-12-10T12:14:20.920" v="1287" actId="1076"/>
-          <ac:picMkLst>
-            <pc:docMk/>
-            <pc:sldMk cId="1854901692" sldId="281"/>
-            <ac:picMk id="12" creationId="{766D334C-4DE5-39EE-EFA4-7494A2AF4996}"/>
-          </ac:picMkLst>
-        </pc:picChg>
-        <pc:picChg chg="del">
-          <ac:chgData name="JinFan Lu" userId="0d6d4872cb76e38f" providerId="LiveId" clId="{4D155720-5FC5-4159-B9F5-2C043724CEDA}" dt="2022-12-10T11:23:32.626" v="65" actId="478"/>
-          <ac:picMkLst>
-            <pc:docMk/>
-            <pc:sldMk cId="1854901692" sldId="281"/>
-            <ac:picMk id="13" creationId="{D8F05851-B9E6-D7C8-16E8-A7488EE6F6B6}"/>
-          </ac:picMkLst>
-        </pc:picChg>
-        <pc:picChg chg="add mod modCrop">
-          <ac:chgData name="JinFan Lu" userId="0d6d4872cb76e38f" providerId="LiveId" clId="{4D155720-5FC5-4159-B9F5-2C043724CEDA}" dt="2022-12-10T12:14:12.617" v="1283" actId="1076"/>
-          <ac:picMkLst>
-            <pc:docMk/>
-            <pc:sldMk cId="1854901692" sldId="281"/>
-            <ac:picMk id="23" creationId="{5A302DC0-69B6-48F1-9C54-FB6774CFB922}"/>
-          </ac:picMkLst>
-        </pc:picChg>
-      </pc:sldChg>
-      <pc:sldChg chg="addSp modSp">
-        <pc:chgData name="JinFan Lu" userId="0d6d4872cb76e38f" providerId="LiveId" clId="{4D155720-5FC5-4159-B9F5-2C043724CEDA}" dt="2022-12-10T11:46:13.647" v="424"/>
+      <pc:sldChg chg="modSp mod">
+        <pc:chgData name="JinFan Lu" userId="0d6d4872cb76e38f" providerId="LiveId" clId="{7BA82023-AA2E-4A19-BDC5-58F8C77A59D6}" dt="2022-12-11T07:36:57.897" v="56" actId="6549"/>
         <pc:sldMkLst>
           <pc:docMk/>
           <pc:sldMk cId="2464193626" sldId="284"/>
         </pc:sldMkLst>
-        <pc:spChg chg="add mod">
-          <ac:chgData name="JinFan Lu" userId="0d6d4872cb76e38f" providerId="LiveId" clId="{4D155720-5FC5-4159-B9F5-2C043724CEDA}" dt="2022-12-10T11:46:13.647" v="424"/>
+        <pc:spChg chg="mod">
+          <ac:chgData name="JinFan Lu" userId="0d6d4872cb76e38f" providerId="LiveId" clId="{7BA82023-AA2E-4A19-BDC5-58F8C77A59D6}" dt="2022-12-11T07:36:57.897" v="56" actId="6549"/>
           <ac:spMkLst>
             <pc:docMk/>
             <pc:sldMk cId="2464193626" sldId="284"/>
-            <ac:spMk id="3" creationId="{CB3FF91F-8302-CBC0-F409-82B016B1655C}"/>
-          </ac:spMkLst>
-        </pc:spChg>
-      </pc:sldChg>
-      <pc:sldChg chg="addSp delSp modSp add mod">
-        <pc:chgData name="JinFan Lu" userId="0d6d4872cb76e38f" providerId="LiveId" clId="{4D155720-5FC5-4159-B9F5-2C043724CEDA}" dt="2022-12-10T11:50:07.900" v="446" actId="1076"/>
-        <pc:sldMkLst>
-          <pc:docMk/>
-          <pc:sldMk cId="1118283843" sldId="285"/>
-        </pc:sldMkLst>
-        <pc:spChg chg="add mod">
-          <ac:chgData name="JinFan Lu" userId="0d6d4872cb76e38f" providerId="LiveId" clId="{4D155720-5FC5-4159-B9F5-2C043724CEDA}" dt="2022-12-10T11:39:54.862" v="399" actId="255"/>
-          <ac:spMkLst>
-            <pc:docMk/>
-            <pc:sldMk cId="1118283843" sldId="285"/>
-            <ac:spMk id="2" creationId="{83E9E39E-31EF-1040-0157-FB789241028C}"/>
-          </ac:spMkLst>
-        </pc:spChg>
-        <pc:spChg chg="add mod">
-          <ac:chgData name="JinFan Lu" userId="0d6d4872cb76e38f" providerId="LiveId" clId="{4D155720-5FC5-4159-B9F5-2C043724CEDA}" dt="2022-12-10T11:40:03.850" v="404" actId="20577"/>
-          <ac:spMkLst>
-            <pc:docMk/>
-            <pc:sldMk cId="1118283843" sldId="285"/>
-            <ac:spMk id="3" creationId="{DD5A1D06-7ED5-3CFE-EB12-27B9DE41A2CB}"/>
-          </ac:spMkLst>
-        </pc:spChg>
-        <pc:spChg chg="add del mod">
-          <ac:chgData name="JinFan Lu" userId="0d6d4872cb76e38f" providerId="LiveId" clId="{4D155720-5FC5-4159-B9F5-2C043724CEDA}" dt="2022-12-10T11:43:06.527" v="412" actId="478"/>
-          <ac:spMkLst>
-            <pc:docMk/>
-            <pc:sldMk cId="1118283843" sldId="285"/>
-            <ac:spMk id="4" creationId="{1D463A94-764F-3E98-3C11-4020140205EB}"/>
-          </ac:spMkLst>
-        </pc:spChg>
-        <pc:spChg chg="add del mod">
-          <ac:chgData name="JinFan Lu" userId="0d6d4872cb76e38f" providerId="LiveId" clId="{4D155720-5FC5-4159-B9F5-2C043724CEDA}" dt="2022-12-10T11:45:23.610" v="417" actId="478"/>
-          <ac:spMkLst>
-            <pc:docMk/>
-            <pc:sldMk cId="1118283843" sldId="285"/>
-            <ac:spMk id="6" creationId="{F14A9653-E41C-00CF-5CA8-29717BE81EDD}"/>
-          </ac:spMkLst>
-        </pc:spChg>
-        <pc:spChg chg="add mod">
-          <ac:chgData name="JinFan Lu" userId="0d6d4872cb76e38f" providerId="LiveId" clId="{4D155720-5FC5-4159-B9F5-2C043724CEDA}" dt="2022-12-10T11:46:16.932" v="426"/>
-          <ac:spMkLst>
-            <pc:docMk/>
-            <pc:sldMk cId="1118283843" sldId="285"/>
-            <ac:spMk id="7" creationId="{096C5026-AC33-2041-F0AA-9B828DC92B78}"/>
-          </ac:spMkLst>
-        </pc:spChg>
-        <pc:spChg chg="add mod">
-          <ac:chgData name="JinFan Lu" userId="0d6d4872cb76e38f" providerId="LiveId" clId="{4D155720-5FC5-4159-B9F5-2C043724CEDA}" dt="2022-12-10T11:47:11.802" v="432" actId="1076"/>
-          <ac:spMkLst>
-            <pc:docMk/>
-            <pc:sldMk cId="1118283843" sldId="285"/>
-            <ac:spMk id="8" creationId="{5DF5F081-B10F-6324-8D31-06271D82EB0F}"/>
-          </ac:spMkLst>
-        </pc:spChg>
-        <pc:spChg chg="add del">
-          <ac:chgData name="JinFan Lu" userId="0d6d4872cb76e38f" providerId="LiveId" clId="{4D155720-5FC5-4159-B9F5-2C043724CEDA}" dt="2022-12-10T11:47:56.402" v="437" actId="478"/>
-          <ac:spMkLst>
-            <pc:docMk/>
-            <pc:sldMk cId="1118283843" sldId="285"/>
-            <ac:spMk id="9" creationId="{FE07E6FE-D562-34B4-C882-EC22DF8D8C99}"/>
-          </ac:spMkLst>
-        </pc:spChg>
-        <pc:spChg chg="add mod">
-          <ac:chgData name="JinFan Lu" userId="0d6d4872cb76e38f" providerId="LiveId" clId="{4D155720-5FC5-4159-B9F5-2C043724CEDA}" dt="2022-12-10T11:48:50.227" v="444" actId="1076"/>
-          <ac:spMkLst>
-            <pc:docMk/>
-            <pc:sldMk cId="1118283843" sldId="285"/>
-            <ac:spMk id="10" creationId="{516594D1-D7E5-CB61-7150-5C9791EFD0EB}"/>
-          </ac:spMkLst>
-        </pc:spChg>
-        <pc:spChg chg="mod">
-          <ac:chgData name="JinFan Lu" userId="0d6d4872cb76e38f" providerId="LiveId" clId="{4D155720-5FC5-4159-B9F5-2C043724CEDA}" dt="2022-12-10T11:39:09.265" v="386" actId="207"/>
-          <ac:spMkLst>
-            <pc:docMk/>
-            <pc:sldMk cId="1118283843" sldId="285"/>
-            <ac:spMk id="17" creationId="{C88A16F2-850F-ACD2-E635-84BA2E9FCF26}"/>
-          </ac:spMkLst>
-        </pc:spChg>
-        <pc:spChg chg="del mod">
-          <ac:chgData name="JinFan Lu" userId="0d6d4872cb76e38f" providerId="LiveId" clId="{4D155720-5FC5-4159-B9F5-2C043724CEDA}" dt="2022-12-10T11:39:41.465" v="397"/>
-          <ac:spMkLst>
-            <pc:docMk/>
-            <pc:sldMk cId="1118283843" sldId="285"/>
-            <ac:spMk id="18" creationId="{728CD146-EBEB-819B-042C-1C97C43E452E}"/>
-          </ac:spMkLst>
-        </pc:spChg>
-        <pc:spChg chg="del mod">
-          <ac:chgData name="JinFan Lu" userId="0d6d4872cb76e38f" providerId="LiveId" clId="{4D155720-5FC5-4159-B9F5-2C043724CEDA}" dt="2022-12-10T11:39:41.465" v="395"/>
-          <ac:spMkLst>
-            <pc:docMk/>
-            <pc:sldMk cId="1118283843" sldId="285"/>
-            <ac:spMk id="19" creationId="{9ACB29BB-6759-F8F8-C871-9B0392CDCE23}"/>
-          </ac:spMkLst>
-        </pc:spChg>
-        <pc:spChg chg="mod">
-          <ac:chgData name="JinFan Lu" userId="0d6d4872cb76e38f" providerId="LiveId" clId="{4D155720-5FC5-4159-B9F5-2C043724CEDA}" dt="2022-12-10T11:47:15.545" v="433" actId="1076"/>
-          <ac:spMkLst>
-            <pc:docMk/>
-            <pc:sldMk cId="1118283843" sldId="285"/>
-            <ac:spMk id="20" creationId="{61973902-9B26-204A-6EE8-12E5AF188116}"/>
-          </ac:spMkLst>
-        </pc:spChg>
-        <pc:spChg chg="mod">
-          <ac:chgData name="JinFan Lu" userId="0d6d4872cb76e38f" providerId="LiveId" clId="{4D155720-5FC5-4159-B9F5-2C043724CEDA}" dt="2022-12-10T11:50:07.900" v="446" actId="1076"/>
-          <ac:spMkLst>
-            <pc:docMk/>
-            <pc:sldMk cId="1118283843" sldId="285"/>
-            <ac:spMk id="21" creationId="{CD06B862-7C64-09CC-5DA2-0176F7F525E6}"/>
-          </ac:spMkLst>
-        </pc:spChg>
-      </pc:sldChg>
-      <pc:sldChg chg="addSp delSp modSp add mod">
-        <pc:chgData name="JinFan Lu" userId="0d6d4872cb76e38f" providerId="LiveId" clId="{4D155720-5FC5-4159-B9F5-2C043724CEDA}" dt="2022-12-10T12:32:15.607" v="1610" actId="1076"/>
-        <pc:sldMkLst>
-          <pc:docMk/>
-          <pc:sldMk cId="849414161" sldId="286"/>
-        </pc:sldMkLst>
-        <pc:spChg chg="del mod">
-          <ac:chgData name="JinFan Lu" userId="0d6d4872cb76e38f" providerId="LiveId" clId="{4D155720-5FC5-4159-B9F5-2C043724CEDA}" dt="2022-12-10T12:08:22.202" v="1209" actId="478"/>
-          <ac:spMkLst>
-            <pc:docMk/>
-            <pc:sldMk cId="849414161" sldId="286"/>
-            <ac:spMk id="2" creationId="{83E9E39E-31EF-1040-0157-FB789241028C}"/>
-          </ac:spMkLst>
-        </pc:spChg>
-        <pc:spChg chg="del">
-          <ac:chgData name="JinFan Lu" userId="0d6d4872cb76e38f" providerId="LiveId" clId="{4D155720-5FC5-4159-B9F5-2C043724CEDA}" dt="2022-12-10T12:08:23.567" v="1210" actId="478"/>
-          <ac:spMkLst>
-            <pc:docMk/>
-            <pc:sldMk cId="849414161" sldId="286"/>
-            <ac:spMk id="3" creationId="{DD5A1D06-7ED5-3CFE-EB12-27B9DE41A2CB}"/>
-          </ac:spMkLst>
-        </pc:spChg>
-        <pc:spChg chg="add mod">
-          <ac:chgData name="JinFan Lu" userId="0d6d4872cb76e38f" providerId="LiveId" clId="{4D155720-5FC5-4159-B9F5-2C043724CEDA}" dt="2022-12-10T12:12:09.209" v="1248" actId="1076"/>
-          <ac:spMkLst>
-            <pc:docMk/>
-            <pc:sldMk cId="849414161" sldId="286"/>
-            <ac:spMk id="4" creationId="{71016E19-9E66-67F3-610B-4F9D7361F46D}"/>
-          </ac:spMkLst>
-        </pc:spChg>
-        <pc:spChg chg="mod">
-          <ac:chgData name="JinFan Lu" userId="0d6d4872cb76e38f" providerId="LiveId" clId="{4D155720-5FC5-4159-B9F5-2C043724CEDA}" dt="2022-12-10T12:08:53.401" v="1235" actId="1076"/>
-          <ac:spMkLst>
-            <pc:docMk/>
-            <pc:sldMk cId="849414161" sldId="286"/>
-            <ac:spMk id="5" creationId="{9611B230-8845-EB30-6ADE-53DA018222E1}"/>
-          </ac:spMkLst>
-        </pc:spChg>
-        <pc:spChg chg="del">
-          <ac:chgData name="JinFan Lu" userId="0d6d4872cb76e38f" providerId="LiveId" clId="{4D155720-5FC5-4159-B9F5-2C043724CEDA}" dt="2022-12-10T12:08:26.448" v="1212" actId="478"/>
-          <ac:spMkLst>
-            <pc:docMk/>
-            <pc:sldMk cId="849414161" sldId="286"/>
-            <ac:spMk id="8" creationId="{5DF5F081-B10F-6324-8D31-06271D82EB0F}"/>
-          </ac:spMkLst>
-        </pc:spChg>
-        <pc:spChg chg="add mod">
-          <ac:chgData name="JinFan Lu" userId="0d6d4872cb76e38f" providerId="LiveId" clId="{4D155720-5FC5-4159-B9F5-2C043724CEDA}" dt="2022-12-10T12:12:50.965" v="1276" actId="1076"/>
-          <ac:spMkLst>
-            <pc:docMk/>
-            <pc:sldMk cId="849414161" sldId="286"/>
-            <ac:spMk id="9" creationId="{887DF297-2CE0-8B9B-68A5-462EBE30ACDA}"/>
-          </ac:spMkLst>
-        </pc:spChg>
-        <pc:spChg chg="del">
-          <ac:chgData name="JinFan Lu" userId="0d6d4872cb76e38f" providerId="LiveId" clId="{4D155720-5FC5-4159-B9F5-2C043724CEDA}" dt="2022-12-10T12:08:20.260" v="1205" actId="478"/>
-          <ac:spMkLst>
-            <pc:docMk/>
-            <pc:sldMk cId="849414161" sldId="286"/>
-            <ac:spMk id="10" creationId="{516594D1-D7E5-CB61-7150-5C9791EFD0EB}"/>
-          </ac:spMkLst>
-        </pc:spChg>
-        <pc:spChg chg="add mod">
-          <ac:chgData name="JinFan Lu" userId="0d6d4872cb76e38f" providerId="LiveId" clId="{4D155720-5FC5-4159-B9F5-2C043724CEDA}" dt="2022-12-10T12:13:02.583" v="1278" actId="1076"/>
-          <ac:spMkLst>
-            <pc:docMk/>
-            <pc:sldMk cId="849414161" sldId="286"/>
-            <ac:spMk id="12" creationId="{A91486F3-B194-C49B-7E02-4D7FCF79E3B0}"/>
-          </ac:spMkLst>
-        </pc:spChg>
-        <pc:spChg chg="mod">
-          <ac:chgData name="JinFan Lu" userId="0d6d4872cb76e38f" providerId="LiveId" clId="{4D155720-5FC5-4159-B9F5-2C043724CEDA}" dt="2022-12-10T12:08:11.496" v="1202" actId="255"/>
-          <ac:spMkLst>
-            <pc:docMk/>
-            <pc:sldMk cId="849414161" sldId="286"/>
-            <ac:spMk id="16" creationId="{05A4C2BA-E673-C79E-C4F0-4C488DA45533}"/>
-          </ac:spMkLst>
-        </pc:spChg>
-        <pc:spChg chg="mod">
-          <ac:chgData name="JinFan Lu" userId="0d6d4872cb76e38f" providerId="LiveId" clId="{4D155720-5FC5-4159-B9F5-2C043724CEDA}" dt="2022-12-10T12:08:15.639" v="1203" actId="1076"/>
-          <ac:spMkLst>
-            <pc:docMk/>
-            <pc:sldMk cId="849414161" sldId="286"/>
-            <ac:spMk id="17" creationId="{C88A16F2-850F-ACD2-E635-84BA2E9FCF26}"/>
-          </ac:spMkLst>
-        </pc:spChg>
-        <pc:spChg chg="add mod">
-          <ac:chgData name="JinFan Lu" userId="0d6d4872cb76e38f" providerId="LiveId" clId="{4D155720-5FC5-4159-B9F5-2C043724CEDA}" dt="2022-12-10T12:19:58.277" v="1364" actId="1076"/>
-          <ac:spMkLst>
-            <pc:docMk/>
-            <pc:sldMk cId="849414161" sldId="286"/>
-            <ac:spMk id="18" creationId="{77840684-6E6A-DABF-0983-D134DDD0C93D}"/>
-          </ac:spMkLst>
-        </pc:spChg>
-        <pc:spChg chg="del">
-          <ac:chgData name="JinFan Lu" userId="0d6d4872cb76e38f" providerId="LiveId" clId="{4D155720-5FC5-4159-B9F5-2C043724CEDA}" dt="2022-12-10T12:08:25.189" v="1211" actId="478"/>
-          <ac:spMkLst>
-            <pc:docMk/>
-            <pc:sldMk cId="849414161" sldId="286"/>
-            <ac:spMk id="20" creationId="{61973902-9B26-204A-6EE8-12E5AF188116}"/>
-          </ac:spMkLst>
-        </pc:spChg>
-        <pc:spChg chg="del">
-          <ac:chgData name="JinFan Lu" userId="0d6d4872cb76e38f" providerId="LiveId" clId="{4D155720-5FC5-4159-B9F5-2C043724CEDA}" dt="2022-12-10T12:08:19.150" v="1204" actId="478"/>
-          <ac:spMkLst>
-            <pc:docMk/>
-            <pc:sldMk cId="849414161" sldId="286"/>
-            <ac:spMk id="21" creationId="{CD06B862-7C64-09CC-5DA2-0176F7F525E6}"/>
-          </ac:spMkLst>
-        </pc:spChg>
-        <pc:spChg chg="add mod">
-          <ac:chgData name="JinFan Lu" userId="0d6d4872cb76e38f" providerId="LiveId" clId="{4D155720-5FC5-4159-B9F5-2C043724CEDA}" dt="2022-12-10T12:25:52.474" v="1435" actId="1076"/>
-          <ac:spMkLst>
-            <pc:docMk/>
-            <pc:sldMk cId="849414161" sldId="286"/>
-            <ac:spMk id="22" creationId="{F006764E-41E8-DCE9-A534-A713D2E837E5}"/>
-          </ac:spMkLst>
-        </pc:spChg>
-        <pc:spChg chg="add mod">
-          <ac:chgData name="JinFan Lu" userId="0d6d4872cb76e38f" providerId="LiveId" clId="{4D155720-5FC5-4159-B9F5-2C043724CEDA}" dt="2022-12-10T12:24:42.066" v="1421" actId="20577"/>
-          <ac:spMkLst>
-            <pc:docMk/>
-            <pc:sldMk cId="849414161" sldId="286"/>
-            <ac:spMk id="24" creationId="{F6FDD99A-9414-57C2-9525-4D194360F22A}"/>
-          </ac:spMkLst>
-        </pc:spChg>
-        <pc:spChg chg="add mod">
-          <ac:chgData name="JinFan Lu" userId="0d6d4872cb76e38f" providerId="LiveId" clId="{4D155720-5FC5-4159-B9F5-2C043724CEDA}" dt="2022-12-10T12:28:57.189" v="1563" actId="1076"/>
-          <ac:spMkLst>
-            <pc:docMk/>
-            <pc:sldMk cId="849414161" sldId="286"/>
-            <ac:spMk id="27" creationId="{91A839F5-B08E-B66F-7599-455B1794F15D}"/>
-          </ac:spMkLst>
-        </pc:spChg>
-        <pc:spChg chg="add mod">
-          <ac:chgData name="JinFan Lu" userId="0d6d4872cb76e38f" providerId="LiveId" clId="{4D155720-5FC5-4159-B9F5-2C043724CEDA}" dt="2022-12-10T12:28:13.814" v="1508" actId="1076"/>
-          <ac:spMkLst>
-            <pc:docMk/>
-            <pc:sldMk cId="849414161" sldId="286"/>
-            <ac:spMk id="30" creationId="{DEFB5619-2F17-F364-3CAF-4CA911B668A9}"/>
-          </ac:spMkLst>
-        </pc:spChg>
-        <pc:spChg chg="add mod">
-          <ac:chgData name="JinFan Lu" userId="0d6d4872cb76e38f" providerId="LiveId" clId="{4D155720-5FC5-4159-B9F5-2C043724CEDA}" dt="2022-12-10T12:28:44.898" v="1560" actId="20577"/>
-          <ac:spMkLst>
-            <pc:docMk/>
-            <pc:sldMk cId="849414161" sldId="286"/>
-            <ac:spMk id="32" creationId="{9672B5B5-B055-F9AE-81B0-DDA403732142}"/>
-          </ac:spMkLst>
-        </pc:spChg>
-        <pc:spChg chg="add mod">
-          <ac:chgData name="JinFan Lu" userId="0d6d4872cb76e38f" providerId="LiveId" clId="{4D155720-5FC5-4159-B9F5-2C043724CEDA}" dt="2022-12-10T12:28:51.762" v="1562" actId="1076"/>
-          <ac:spMkLst>
-            <pc:docMk/>
-            <pc:sldMk cId="849414161" sldId="286"/>
-            <ac:spMk id="33" creationId="{E9E8F3A1-DA7B-D938-6FBA-454382AF9F40}"/>
-          </ac:spMkLst>
-        </pc:spChg>
-        <pc:spChg chg="add mod">
-          <ac:chgData name="JinFan Lu" userId="0d6d4872cb76e38f" providerId="LiveId" clId="{4D155720-5FC5-4159-B9F5-2C043724CEDA}" dt="2022-12-10T12:30:24.246" v="1586" actId="20577"/>
-          <ac:spMkLst>
-            <pc:docMk/>
-            <pc:sldMk cId="849414161" sldId="286"/>
-            <ac:spMk id="35" creationId="{6B29079A-A9C2-7A45-0BEC-37E05E09F201}"/>
-          </ac:spMkLst>
-        </pc:spChg>
-        <pc:spChg chg="add mod">
-          <ac:chgData name="JinFan Lu" userId="0d6d4872cb76e38f" providerId="LiveId" clId="{4D155720-5FC5-4159-B9F5-2C043724CEDA}" dt="2022-12-10T12:32:00.777" v="1606" actId="1076"/>
-          <ac:spMkLst>
-            <pc:docMk/>
-            <pc:sldMk cId="849414161" sldId="286"/>
-            <ac:spMk id="41" creationId="{7CF73F56-9B97-93BE-E483-7005776C5621}"/>
-          </ac:spMkLst>
-        </pc:spChg>
-        <pc:picChg chg="add mod">
-          <ac:chgData name="JinFan Lu" userId="0d6d4872cb76e38f" providerId="LiveId" clId="{4D155720-5FC5-4159-B9F5-2C043724CEDA}" dt="2022-12-10T12:10:06.565" v="1243" actId="1076"/>
-          <ac:picMkLst>
-            <pc:docMk/>
-            <pc:sldMk cId="849414161" sldId="286"/>
-            <ac:picMk id="6" creationId="{F7EBB252-2A8B-C616-CD16-F2AB97632C09}"/>
-          </ac:picMkLst>
-        </pc:picChg>
-        <pc:picChg chg="del">
-          <ac:chgData name="JinFan Lu" userId="0d6d4872cb76e38f" providerId="LiveId" clId="{4D155720-5FC5-4159-B9F5-2C043724CEDA}" dt="2022-12-10T12:08:20.739" v="1206" actId="478"/>
-          <ac:picMkLst>
-            <pc:docMk/>
-            <pc:sldMk cId="849414161" sldId="286"/>
-            <ac:picMk id="11" creationId="{7066C00E-4D1F-C783-79D5-B8A3A5B656AC}"/>
-          </ac:picMkLst>
-        </pc:picChg>
-        <pc:picChg chg="del">
-          <ac:chgData name="JinFan Lu" userId="0d6d4872cb76e38f" providerId="LiveId" clId="{4D155720-5FC5-4159-B9F5-2C043724CEDA}" dt="2022-12-10T12:08:21.160" v="1207" actId="478"/>
-          <ac:picMkLst>
-            <pc:docMk/>
-            <pc:sldMk cId="849414161" sldId="286"/>
-            <ac:picMk id="13" creationId="{D8F05851-B9E6-D7C8-16E8-A7488EE6F6B6}"/>
-          </ac:picMkLst>
-        </pc:picChg>
-        <pc:picChg chg="add mod">
-          <ac:chgData name="JinFan Lu" userId="0d6d4872cb76e38f" providerId="LiveId" clId="{4D155720-5FC5-4159-B9F5-2C043724CEDA}" dt="2022-12-10T12:19:14.507" v="1329" actId="1076"/>
-          <ac:picMkLst>
-            <pc:docMk/>
-            <pc:sldMk cId="849414161" sldId="286"/>
-            <ac:picMk id="14" creationId="{48E3434B-7A47-2581-B0A9-130D6DD6C86E}"/>
-          </ac:picMkLst>
-        </pc:picChg>
-        <pc:picChg chg="add mod">
-          <ac:chgData name="JinFan Lu" userId="0d6d4872cb76e38f" providerId="LiveId" clId="{4D155720-5FC5-4159-B9F5-2C043724CEDA}" dt="2022-12-10T12:19:17.642" v="1330" actId="1076"/>
-          <ac:picMkLst>
-            <pc:docMk/>
-            <pc:sldMk cId="849414161" sldId="286"/>
-            <ac:picMk id="15" creationId="{063EEECD-CE28-6531-5FFF-19BA53D64BA8}"/>
-          </ac:picMkLst>
-        </pc:picChg>
-        <pc:picChg chg="add mod">
-          <ac:chgData name="JinFan Lu" userId="0d6d4872cb76e38f" providerId="LiveId" clId="{4D155720-5FC5-4159-B9F5-2C043724CEDA}" dt="2022-12-10T12:24:09.933" v="1401" actId="1076"/>
-          <ac:picMkLst>
-            <pc:docMk/>
-            <pc:sldMk cId="849414161" sldId="286"/>
-            <ac:picMk id="19" creationId="{6CAC31F3-B6C1-5306-A60D-57ABF8ABAA53}"/>
-          </ac:picMkLst>
-        </pc:picChg>
-        <pc:picChg chg="add mod">
-          <ac:chgData name="JinFan Lu" userId="0d6d4872cb76e38f" providerId="LiveId" clId="{4D155720-5FC5-4159-B9F5-2C043724CEDA}" dt="2022-12-10T12:25:57.349" v="1437" actId="1076"/>
-          <ac:picMkLst>
-            <pc:docMk/>
-            <pc:sldMk cId="849414161" sldId="286"/>
-            <ac:picMk id="23" creationId="{BCF19536-E503-0764-91CF-A2FC880BBEE6}"/>
-          </ac:picMkLst>
-        </pc:picChg>
-        <pc:picChg chg="add mod">
-          <ac:chgData name="JinFan Lu" userId="0d6d4872cb76e38f" providerId="LiveId" clId="{4D155720-5FC5-4159-B9F5-2C043724CEDA}" dt="2022-12-10T12:24:49.121" v="1422" actId="1076"/>
-          <ac:picMkLst>
-            <pc:docMk/>
-            <pc:sldMk cId="849414161" sldId="286"/>
-            <ac:picMk id="25" creationId="{3170FD9E-2483-7513-CCC4-8E7DAB0C3E8B}"/>
-          </ac:picMkLst>
-        </pc:picChg>
-        <pc:picChg chg="add mod">
-          <ac:chgData name="JinFan Lu" userId="0d6d4872cb76e38f" providerId="LiveId" clId="{4D155720-5FC5-4159-B9F5-2C043724CEDA}" dt="2022-12-10T12:25:03.894" v="1426" actId="1076"/>
-          <ac:picMkLst>
-            <pc:docMk/>
-            <pc:sldMk cId="849414161" sldId="286"/>
-            <ac:picMk id="26" creationId="{1D46AC2A-DAC0-F1AC-12C4-9C6B2165688B}"/>
-          </ac:picMkLst>
-        </pc:picChg>
-        <pc:picChg chg="add mod">
-          <ac:chgData name="JinFan Lu" userId="0d6d4872cb76e38f" providerId="LiveId" clId="{4D155720-5FC5-4159-B9F5-2C043724CEDA}" dt="2022-12-10T12:25:30.485" v="1434" actId="1076"/>
-          <ac:picMkLst>
-            <pc:docMk/>
-            <pc:sldMk cId="849414161" sldId="286"/>
-            <ac:picMk id="28" creationId="{1ED47C7A-7FF1-A0C9-1161-9DE4FB0C6A0C}"/>
-          </ac:picMkLst>
-        </pc:picChg>
-        <pc:picChg chg="add mod">
-          <ac:chgData name="JinFan Lu" userId="0d6d4872cb76e38f" providerId="LiveId" clId="{4D155720-5FC5-4159-B9F5-2C043724CEDA}" dt="2022-12-10T12:27:06.396" v="1453" actId="1076"/>
-          <ac:picMkLst>
-            <pc:docMk/>
-            <pc:sldMk cId="849414161" sldId="286"/>
-            <ac:picMk id="29" creationId="{BCCA8199-C13A-7392-37D2-8039C94755A8}"/>
-          </ac:picMkLst>
-        </pc:picChg>
-        <pc:picChg chg="add mod">
-          <ac:chgData name="JinFan Lu" userId="0d6d4872cb76e38f" providerId="LiveId" clId="{4D155720-5FC5-4159-B9F5-2C043724CEDA}" dt="2022-12-10T12:28:10.127" v="1506" actId="1076"/>
-          <ac:picMkLst>
-            <pc:docMk/>
-            <pc:sldMk cId="849414161" sldId="286"/>
-            <ac:picMk id="31" creationId="{68D71C3B-BBBC-9166-C505-A9FD7293EF16}"/>
-          </ac:picMkLst>
-        </pc:picChg>
-        <pc:picChg chg="add mod">
-          <ac:chgData name="JinFan Lu" userId="0d6d4872cb76e38f" providerId="LiveId" clId="{4D155720-5FC5-4159-B9F5-2C043724CEDA}" dt="2022-12-10T12:30:31.172" v="1587" actId="1076"/>
-          <ac:picMkLst>
-            <pc:docMk/>
-            <pc:sldMk cId="849414161" sldId="286"/>
-            <ac:picMk id="36" creationId="{0A156286-5ED4-391F-FEE8-4B4C6C11C3CF}"/>
-          </ac:picMkLst>
-        </pc:picChg>
-        <pc:picChg chg="add mod">
-          <ac:chgData name="JinFan Lu" userId="0d6d4872cb76e38f" providerId="LiveId" clId="{4D155720-5FC5-4159-B9F5-2C043724CEDA}" dt="2022-12-10T12:30:58.330" v="1591" actId="1076"/>
-          <ac:picMkLst>
-            <pc:docMk/>
-            <pc:sldMk cId="849414161" sldId="286"/>
-            <ac:picMk id="37" creationId="{254455F6-B6D1-FE31-548E-D4FF879E37FC}"/>
-          </ac:picMkLst>
-        </pc:picChg>
-        <pc:picChg chg="add mod">
-          <ac:chgData name="JinFan Lu" userId="0d6d4872cb76e38f" providerId="LiveId" clId="{4D155720-5FC5-4159-B9F5-2C043724CEDA}" dt="2022-12-10T12:31:06.033" v="1594" actId="14100"/>
-          <ac:picMkLst>
-            <pc:docMk/>
-            <pc:sldMk cId="849414161" sldId="286"/>
-            <ac:picMk id="38" creationId="{6AB4696B-594B-BCDB-B1E5-2D3160AA8D93}"/>
-          </ac:picMkLst>
-        </pc:picChg>
-        <pc:picChg chg="add mod">
-          <ac:chgData name="JinFan Lu" userId="0d6d4872cb76e38f" providerId="LiveId" clId="{4D155720-5FC5-4159-B9F5-2C043724CEDA}" dt="2022-12-10T12:31:20.801" v="1598" actId="1076"/>
-          <ac:picMkLst>
-            <pc:docMk/>
-            <pc:sldMk cId="849414161" sldId="286"/>
-            <ac:picMk id="39" creationId="{D4122C3F-8952-4F8C-0B72-D6735C15586B}"/>
-          </ac:picMkLst>
-        </pc:picChg>
-        <pc:picChg chg="add mod">
-          <ac:chgData name="JinFan Lu" userId="0d6d4872cb76e38f" providerId="LiveId" clId="{4D155720-5FC5-4159-B9F5-2C043724CEDA}" dt="2022-12-10T12:32:15.607" v="1610" actId="1076"/>
-          <ac:picMkLst>
-            <pc:docMk/>
-            <pc:sldMk cId="849414161" sldId="286"/>
-            <ac:picMk id="42" creationId="{51BA0460-6A8D-DCF8-EBF6-005790710D81}"/>
-          </ac:picMkLst>
-        </pc:picChg>
-      </pc:sldChg>
-      <pc:sldChg chg="delSp modSp add mod">
-        <pc:chgData name="JinFan Lu" userId="0d6d4872cb76e38f" providerId="LiveId" clId="{4D155720-5FC5-4159-B9F5-2C043724CEDA}" dt="2022-12-10T12:38:13.866" v="1892" actId="207"/>
-        <pc:sldMkLst>
-          <pc:docMk/>
-          <pc:sldMk cId="3275554491" sldId="287"/>
-        </pc:sldMkLst>
-        <pc:spChg chg="mod">
-          <ac:chgData name="JinFan Lu" userId="0d6d4872cb76e38f" providerId="LiveId" clId="{4D155720-5FC5-4159-B9F5-2C043724CEDA}" dt="2022-12-10T12:34:25.908" v="1619" actId="20577"/>
-          <ac:spMkLst>
-            <pc:docMk/>
-            <pc:sldMk cId="3275554491" sldId="287"/>
-            <ac:spMk id="2" creationId="{00000000-0000-0000-0000-000000000000}"/>
-          </ac:spMkLst>
-        </pc:spChg>
-        <pc:spChg chg="mod">
-          <ac:chgData name="JinFan Lu" userId="0d6d4872cb76e38f" providerId="LiveId" clId="{4D155720-5FC5-4159-B9F5-2C043724CEDA}" dt="2022-12-10T12:34:23.546" v="1613" actId="20577"/>
-          <ac:spMkLst>
-            <pc:docMk/>
-            <pc:sldMk cId="3275554491" sldId="287"/>
-            <ac:spMk id="4" creationId="{24C47476-CBE8-9B92-FB06-A56AA09703A8}"/>
-          </ac:spMkLst>
-        </pc:spChg>
-        <pc:spChg chg="mod">
-          <ac:chgData name="JinFan Lu" userId="0d6d4872cb76e38f" providerId="LiveId" clId="{4D155720-5FC5-4159-B9F5-2C043724CEDA}" dt="2022-12-10T12:34:37.847" v="1648" actId="20577"/>
-          <ac:spMkLst>
-            <pc:docMk/>
-            <pc:sldMk cId="3275554491" sldId="287"/>
-            <ac:spMk id="8" creationId="{C2F9B3E6-6A8B-C3CA-C61B-5447E751398F}"/>
-          </ac:spMkLst>
-        </pc:spChg>
-        <pc:spChg chg="mod">
-          <ac:chgData name="JinFan Lu" userId="0d6d4872cb76e38f" providerId="LiveId" clId="{4D155720-5FC5-4159-B9F5-2C043724CEDA}" dt="2022-12-10T12:36:41.224" v="1740" actId="20577"/>
-          <ac:spMkLst>
-            <pc:docMk/>
-            <pc:sldMk cId="3275554491" sldId="287"/>
-            <ac:spMk id="9" creationId="{8049A779-7B06-60C7-A88D-91CD68BBA391}"/>
-          </ac:spMkLst>
-        </pc:spChg>
-        <pc:spChg chg="mod">
-          <ac:chgData name="JinFan Lu" userId="0d6d4872cb76e38f" providerId="LiveId" clId="{4D155720-5FC5-4159-B9F5-2C043724CEDA}" dt="2022-12-10T12:36:36.476" v="1729" actId="20577"/>
-          <ac:spMkLst>
-            <pc:docMk/>
-            <pc:sldMk cId="3275554491" sldId="287"/>
-            <ac:spMk id="10" creationId="{39112D73-8D9C-DAD8-9A24-77CB1FB94967}"/>
-          </ac:spMkLst>
-        </pc:spChg>
-        <pc:spChg chg="mod">
-          <ac:chgData name="JinFan Lu" userId="0d6d4872cb76e38f" providerId="LiveId" clId="{4D155720-5FC5-4159-B9F5-2C043724CEDA}" dt="2022-12-10T12:37:29.653" v="1824" actId="207"/>
-          <ac:spMkLst>
-            <pc:docMk/>
-            <pc:sldMk cId="3275554491" sldId="287"/>
-            <ac:spMk id="13" creationId="{A296331E-7EA5-5B1C-932E-A1FAF661D632}"/>
-          </ac:spMkLst>
-        </pc:spChg>
-        <pc:spChg chg="mod">
-          <ac:chgData name="JinFan Lu" userId="0d6d4872cb76e38f" providerId="LiveId" clId="{4D155720-5FC5-4159-B9F5-2C043724CEDA}" dt="2022-12-10T12:38:13.866" v="1892" actId="207"/>
-          <ac:spMkLst>
-            <pc:docMk/>
-            <pc:sldMk cId="3275554491" sldId="287"/>
-            <ac:spMk id="15" creationId="{3213076F-B4D5-73B5-A441-C2D69F8313F9}"/>
-          </ac:spMkLst>
-        </pc:spChg>
-        <pc:spChg chg="del">
-          <ac:chgData name="JinFan Lu" userId="0d6d4872cb76e38f" providerId="LiveId" clId="{4D155720-5FC5-4159-B9F5-2C043724CEDA}" dt="2022-12-10T12:37:43.010" v="1825" actId="478"/>
-          <ac:spMkLst>
-            <pc:docMk/>
-            <pc:sldMk cId="3275554491" sldId="287"/>
             <ac:spMk id="16" creationId="{5CFAADCA-8A9A-810E-7C2E-1FC57D2B9E76}"/>
           </ac:spMkLst>
         </pc:spChg>
       </pc:sldChg>
-      <pc:sldChg chg="addSp delSp modSp add mod modAnim">
-        <pc:chgData name="JinFan Lu" userId="0d6d4872cb76e38f" providerId="LiveId" clId="{4D155720-5FC5-4159-B9F5-2C043724CEDA}" dt="2022-12-10T14:06:49.409" v="2466" actId="1076"/>
-        <pc:sldMkLst>
-          <pc:docMk/>
-          <pc:sldMk cId="1654991348" sldId="288"/>
-        </pc:sldMkLst>
-        <pc:spChg chg="add mod">
-          <ac:chgData name="JinFan Lu" userId="0d6d4872cb76e38f" providerId="LiveId" clId="{4D155720-5FC5-4159-B9F5-2C043724CEDA}" dt="2022-12-10T14:06:49.409" v="2466" actId="1076"/>
-          <ac:spMkLst>
-            <pc:docMk/>
-            <pc:sldMk cId="1654991348" sldId="288"/>
-            <ac:spMk id="2" creationId="{014923B5-4911-001C-4D46-FB743F0AF217}"/>
-          </ac:spMkLst>
-        </pc:spChg>
-        <pc:spChg chg="add mod">
-          <ac:chgData name="JinFan Lu" userId="0d6d4872cb76e38f" providerId="LiveId" clId="{4D155720-5FC5-4159-B9F5-2C043724CEDA}" dt="2022-12-10T13:57:13.324" v="2190" actId="1076"/>
-          <ac:spMkLst>
-            <pc:docMk/>
-            <pc:sldMk cId="1654991348" sldId="288"/>
-            <ac:spMk id="3" creationId="{E8513558-5716-0642-3A9B-7C6EADA465CF}"/>
-          </ac:spMkLst>
-        </pc:spChg>
-        <pc:spChg chg="del mod">
-          <ac:chgData name="JinFan Lu" userId="0d6d4872cb76e38f" providerId="LiveId" clId="{4D155720-5FC5-4159-B9F5-2C043724CEDA}" dt="2022-12-10T13:51:18.152" v="1930"/>
-          <ac:spMkLst>
-            <pc:docMk/>
-            <pc:sldMk cId="1654991348" sldId="288"/>
-            <ac:spMk id="4" creationId="{71016E19-9E66-67F3-610B-4F9D7361F46D}"/>
-          </ac:spMkLst>
-        </pc:spChg>
-        <pc:spChg chg="mod">
-          <ac:chgData name="JinFan Lu" userId="0d6d4872cb76e38f" providerId="LiveId" clId="{4D155720-5FC5-4159-B9F5-2C043724CEDA}" dt="2022-12-10T13:51:26.432" v="1933" actId="1076"/>
-          <ac:spMkLst>
-            <pc:docMk/>
-            <pc:sldMk cId="1654991348" sldId="288"/>
-            <ac:spMk id="5" creationId="{9611B230-8845-EB30-6ADE-53DA018222E1}"/>
-          </ac:spMkLst>
-        </pc:spChg>
-        <pc:spChg chg="add mod">
-          <ac:chgData name="JinFan Lu" userId="0d6d4872cb76e38f" providerId="LiveId" clId="{4D155720-5FC5-4159-B9F5-2C043724CEDA}" dt="2022-12-10T13:57:20.794" v="2193" actId="1076"/>
-          <ac:spMkLst>
-            <pc:docMk/>
-            <pc:sldMk cId="1654991348" sldId="288"/>
-            <ac:spMk id="8" creationId="{9B3F8E3B-09B4-6185-F40D-1CF24112322B}"/>
-          </ac:spMkLst>
-        </pc:spChg>
-        <pc:spChg chg="del">
-          <ac:chgData name="JinFan Lu" userId="0d6d4872cb76e38f" providerId="LiveId" clId="{4D155720-5FC5-4159-B9F5-2C043724CEDA}" dt="2022-12-10T13:51:29.855" v="1934" actId="478"/>
-          <ac:spMkLst>
-            <pc:docMk/>
-            <pc:sldMk cId="1654991348" sldId="288"/>
-            <ac:spMk id="9" creationId="{887DF297-2CE0-8B9B-68A5-462EBE30ACDA}"/>
-          </ac:spMkLst>
-        </pc:spChg>
-        <pc:spChg chg="del">
-          <ac:chgData name="JinFan Lu" userId="0d6d4872cb76e38f" providerId="LiveId" clId="{4D155720-5FC5-4159-B9F5-2C043724CEDA}" dt="2022-12-10T13:51:39.087" v="1952" actId="478"/>
-          <ac:spMkLst>
-            <pc:docMk/>
-            <pc:sldMk cId="1654991348" sldId="288"/>
-            <ac:spMk id="12" creationId="{A91486F3-B194-C49B-7E02-4D7FCF79E3B0}"/>
-          </ac:spMkLst>
-        </pc:spChg>
-        <pc:spChg chg="mod">
-          <ac:chgData name="JinFan Lu" userId="0d6d4872cb76e38f" providerId="LiveId" clId="{4D155720-5FC5-4159-B9F5-2C043724CEDA}" dt="2022-12-10T13:51:23.709" v="1931" actId="1076"/>
-          <ac:spMkLst>
-            <pc:docMk/>
-            <pc:sldMk cId="1654991348" sldId="288"/>
-            <ac:spMk id="16" creationId="{05A4C2BA-E673-C79E-C4F0-4C488DA45533}"/>
-          </ac:spMkLst>
-        </pc:spChg>
-        <pc:spChg chg="mod">
-          <ac:chgData name="JinFan Lu" userId="0d6d4872cb76e38f" providerId="LiveId" clId="{4D155720-5FC5-4159-B9F5-2C043724CEDA}" dt="2022-12-10T13:51:15.310" v="1927" actId="1076"/>
-          <ac:spMkLst>
-            <pc:docMk/>
-            <pc:sldMk cId="1654991348" sldId="288"/>
-            <ac:spMk id="17" creationId="{C88A16F2-850F-ACD2-E635-84BA2E9FCF26}"/>
-          </ac:spMkLst>
-        </pc:spChg>
-        <pc:spChg chg="del">
-          <ac:chgData name="JinFan Lu" userId="0d6d4872cb76e38f" providerId="LiveId" clId="{4D155720-5FC5-4159-B9F5-2C043724CEDA}" dt="2022-12-10T13:51:32.661" v="1939" actId="478"/>
-          <ac:spMkLst>
-            <pc:docMk/>
-            <pc:sldMk cId="1654991348" sldId="288"/>
-            <ac:spMk id="18" creationId="{77840684-6E6A-DABF-0983-D134DDD0C93D}"/>
-          </ac:spMkLst>
-        </pc:spChg>
-        <pc:spChg chg="del">
-          <ac:chgData name="JinFan Lu" userId="0d6d4872cb76e38f" providerId="LiveId" clId="{4D155720-5FC5-4159-B9F5-2C043724CEDA}" dt="2022-12-10T13:51:38.255" v="1951" actId="478"/>
-          <ac:spMkLst>
-            <pc:docMk/>
-            <pc:sldMk cId="1654991348" sldId="288"/>
-            <ac:spMk id="22" creationId="{F006764E-41E8-DCE9-A534-A713D2E837E5}"/>
-          </ac:spMkLst>
-        </pc:spChg>
-        <pc:spChg chg="del">
-          <ac:chgData name="JinFan Lu" userId="0d6d4872cb76e38f" providerId="LiveId" clId="{4D155720-5FC5-4159-B9F5-2C043724CEDA}" dt="2022-12-10T13:51:33.388" v="1941" actId="478"/>
-          <ac:spMkLst>
-            <pc:docMk/>
-            <pc:sldMk cId="1654991348" sldId="288"/>
-            <ac:spMk id="24" creationId="{F6FDD99A-9414-57C2-9525-4D194360F22A}"/>
-          </ac:spMkLst>
-        </pc:spChg>
-        <pc:spChg chg="del">
-          <ac:chgData name="JinFan Lu" userId="0d6d4872cb76e38f" providerId="LiveId" clId="{4D155720-5FC5-4159-B9F5-2C043724CEDA}" dt="2022-12-10T13:51:37.678" v="1950" actId="478"/>
-          <ac:spMkLst>
-            <pc:docMk/>
-            <pc:sldMk cId="1654991348" sldId="288"/>
-            <ac:spMk id="27" creationId="{91A839F5-B08E-B66F-7599-455B1794F15D}"/>
-          </ac:spMkLst>
-        </pc:spChg>
-        <pc:spChg chg="del mod">
-          <ac:chgData name="JinFan Lu" userId="0d6d4872cb76e38f" providerId="LiveId" clId="{4D155720-5FC5-4159-B9F5-2C043724CEDA}" dt="2022-12-10T13:51:36.005" v="1948" actId="478"/>
-          <ac:spMkLst>
-            <pc:docMk/>
-            <pc:sldMk cId="1654991348" sldId="288"/>
-            <ac:spMk id="30" creationId="{DEFB5619-2F17-F364-3CAF-4CA911B668A9}"/>
-          </ac:spMkLst>
-        </pc:spChg>
-        <pc:spChg chg="del">
-          <ac:chgData name="JinFan Lu" userId="0d6d4872cb76e38f" providerId="LiveId" clId="{4D155720-5FC5-4159-B9F5-2C043724CEDA}" dt="2022-12-10T13:51:35.427" v="1946" actId="478"/>
-          <ac:spMkLst>
-            <pc:docMk/>
-            <pc:sldMk cId="1654991348" sldId="288"/>
-            <ac:spMk id="32" creationId="{9672B5B5-B055-F9AE-81B0-DDA403732142}"/>
-          </ac:spMkLst>
-        </pc:spChg>
-        <pc:spChg chg="del">
-          <ac:chgData name="JinFan Lu" userId="0d6d4872cb76e38f" providerId="LiveId" clId="{4D155720-5FC5-4159-B9F5-2C043724CEDA}" dt="2022-12-10T13:51:40.190" v="1953" actId="478"/>
-          <ac:spMkLst>
-            <pc:docMk/>
-            <pc:sldMk cId="1654991348" sldId="288"/>
-            <ac:spMk id="33" creationId="{E9E8F3A1-DA7B-D938-6FBA-454382AF9F40}"/>
-          </ac:spMkLst>
-        </pc:spChg>
-        <pc:spChg chg="del mod">
-          <ac:chgData name="JinFan Lu" userId="0d6d4872cb76e38f" providerId="LiveId" clId="{4D155720-5FC5-4159-B9F5-2C043724CEDA}" dt="2022-12-10T13:51:41.765" v="1956" actId="478"/>
-          <ac:spMkLst>
-            <pc:docMk/>
-            <pc:sldMk cId="1654991348" sldId="288"/>
-            <ac:spMk id="35" creationId="{6B29079A-A9C2-7A45-0BEC-37E05E09F201}"/>
-          </ac:spMkLst>
-        </pc:spChg>
-        <pc:spChg chg="del">
-          <ac:chgData name="JinFan Lu" userId="0d6d4872cb76e38f" providerId="LiveId" clId="{4D155720-5FC5-4159-B9F5-2C043724CEDA}" dt="2022-12-10T13:51:43.235" v="1958" actId="478"/>
-          <ac:spMkLst>
-            <pc:docMk/>
-            <pc:sldMk cId="1654991348" sldId="288"/>
-            <ac:spMk id="41" creationId="{7CF73F56-9B97-93BE-E483-7005776C5621}"/>
-          </ac:spMkLst>
-        </pc:spChg>
-        <pc:spChg chg="add mod">
-          <ac:chgData name="JinFan Lu" userId="0d6d4872cb76e38f" providerId="LiveId" clId="{4D155720-5FC5-4159-B9F5-2C043724CEDA}" dt="2022-12-10T14:04:08.358" v="2452" actId="20577"/>
-          <ac:spMkLst>
-            <pc:docMk/>
-            <pc:sldMk cId="1654991348" sldId="288"/>
-            <ac:spMk id="173" creationId="{68A02FF7-ACAB-0CD7-7CA2-1F4424C162E1}"/>
-          </ac:spMkLst>
-        </pc:spChg>
-        <pc:grpChg chg="del mod">
-          <ac:chgData name="JinFan Lu" userId="0d6d4872cb76e38f" providerId="LiveId" clId="{4D155720-5FC5-4159-B9F5-2C043724CEDA}" dt="2022-12-10T14:01:08.811" v="2257"/>
-          <ac:grpSpMkLst>
-            <pc:docMk/>
-            <pc:sldMk cId="1654991348" sldId="288"/>
-            <ac:grpSpMk id="46" creationId="{41E5896F-56FA-2DD4-4731-DFCF5EA38076}"/>
-          </ac:grpSpMkLst>
-        </pc:grpChg>
-        <pc:grpChg chg="mod">
-          <ac:chgData name="JinFan Lu" userId="0d6d4872cb76e38f" providerId="LiveId" clId="{4D155720-5FC5-4159-B9F5-2C043724CEDA}" dt="2022-12-10T14:00:49.255" v="2216"/>
-          <ac:grpSpMkLst>
-            <pc:docMk/>
-            <pc:sldMk cId="1654991348" sldId="288"/>
-            <ac:grpSpMk id="54" creationId="{4302A38C-5AF6-806E-6BA5-A44FDAC07CF2}"/>
-          </ac:grpSpMkLst>
-        </pc:grpChg>
-        <pc:grpChg chg="del mod">
-          <ac:chgData name="JinFan Lu" userId="0d6d4872cb76e38f" providerId="LiveId" clId="{4D155720-5FC5-4159-B9F5-2C043724CEDA}" dt="2022-12-10T14:00:57.785" v="2235"/>
-          <ac:grpSpMkLst>
-            <pc:docMk/>
-            <pc:sldMk cId="1654991348" sldId="288"/>
-            <ac:grpSpMk id="64" creationId="{FF45372F-35FA-83E4-D807-1B3DF7E0534A}"/>
-          </ac:grpSpMkLst>
-        </pc:grpChg>
-        <pc:grpChg chg="mod">
-          <ac:chgData name="JinFan Lu" userId="0d6d4872cb76e38f" providerId="LiveId" clId="{4D155720-5FC5-4159-B9F5-2C043724CEDA}" dt="2022-12-10T14:01:05.227" v="2252"/>
-          <ac:grpSpMkLst>
-            <pc:docMk/>
-            <pc:sldMk cId="1654991348" sldId="288"/>
-            <ac:grpSpMk id="76" creationId="{6C3DC733-BC1F-5E65-0DEA-60FBA4368671}"/>
-          </ac:grpSpMkLst>
-        </pc:grpChg>
-        <pc:grpChg chg="mod">
-          <ac:chgData name="JinFan Lu" userId="0d6d4872cb76e38f" providerId="LiveId" clId="{4D155720-5FC5-4159-B9F5-2C043724CEDA}" dt="2022-12-10T14:01:05.227" v="2252"/>
-          <ac:grpSpMkLst>
-            <pc:docMk/>
-            <pc:sldMk cId="1654991348" sldId="288"/>
-            <ac:grpSpMk id="77" creationId="{5162EF53-84E9-7127-79FD-DC8B60F7D8D7}"/>
-          </ac:grpSpMkLst>
-        </pc:grpChg>
-        <pc:grpChg chg="del mod">
-          <ac:chgData name="JinFan Lu" userId="0d6d4872cb76e38f" providerId="LiveId" clId="{4D155720-5FC5-4159-B9F5-2C043724CEDA}" dt="2022-12-10T14:01:10.374" v="2259"/>
-          <ac:grpSpMkLst>
-            <pc:docMk/>
-            <pc:sldMk cId="1654991348" sldId="288"/>
-            <ac:grpSpMk id="82" creationId="{E8981F79-24E7-5673-7EE3-F8AC4539F05F}"/>
-          </ac:grpSpMkLst>
-        </pc:grpChg>
-        <pc:grpChg chg="mod">
-          <ac:chgData name="JinFan Lu" userId="0d6d4872cb76e38f" providerId="LiveId" clId="{4D155720-5FC5-4159-B9F5-2C043724CEDA}" dt="2022-12-10T14:01:13.832" v="2267"/>
-          <ac:grpSpMkLst>
-            <pc:docMk/>
-            <pc:sldMk cId="1654991348" sldId="288"/>
-            <ac:grpSpMk id="84" creationId="{40C0B7FF-68CE-C174-1D6A-20EF75BAF198}"/>
-          </ac:grpSpMkLst>
-        </pc:grpChg>
-        <pc:grpChg chg="mod">
-          <ac:chgData name="JinFan Lu" userId="0d6d4872cb76e38f" providerId="LiveId" clId="{4D155720-5FC5-4159-B9F5-2C043724CEDA}" dt="2022-12-10T14:01:18.497" v="2274"/>
-          <ac:grpSpMkLst>
-            <pc:docMk/>
-            <pc:sldMk cId="1654991348" sldId="288"/>
-            <ac:grpSpMk id="91" creationId="{F8C012E3-53EA-73AB-9788-A0D1346CA263}"/>
-          </ac:grpSpMkLst>
-        </pc:grpChg>
-        <pc:grpChg chg="del mod">
-          <ac:chgData name="JinFan Lu" userId="0d6d4872cb76e38f" providerId="LiveId" clId="{4D155720-5FC5-4159-B9F5-2C043724CEDA}" dt="2022-12-10T14:01:27.008" v="2287"/>
-          <ac:grpSpMkLst>
-            <pc:docMk/>
-            <pc:sldMk cId="1654991348" sldId="288"/>
-            <ac:grpSpMk id="98" creationId="{372D50DA-E4F5-09C8-0CFE-34C5324A66EE}"/>
-          </ac:grpSpMkLst>
-        </pc:grpChg>
-        <pc:grpChg chg="mod">
-          <ac:chgData name="JinFan Lu" userId="0d6d4872cb76e38f" providerId="LiveId" clId="{4D155720-5FC5-4159-B9F5-2C043724CEDA}" dt="2022-12-10T14:01:27.008" v="2287"/>
-          <ac:grpSpMkLst>
-            <pc:docMk/>
-            <pc:sldMk cId="1654991348" sldId="288"/>
-            <ac:grpSpMk id="104" creationId="{158940FC-B364-F332-64B6-C11F57067EEA}"/>
-          </ac:grpSpMkLst>
-        </pc:grpChg>
-        <pc:grpChg chg="del mod">
-          <ac:chgData name="JinFan Lu" userId="0d6d4872cb76e38f" providerId="LiveId" clId="{4D155720-5FC5-4159-B9F5-2C043724CEDA}" dt="2022-12-10T14:01:33.224" v="2296"/>
-          <ac:grpSpMkLst>
-            <pc:docMk/>
-            <pc:sldMk cId="1654991348" sldId="288"/>
-            <ac:grpSpMk id="107" creationId="{8CC5115A-F11B-06A0-CE53-810FB7B74096}"/>
-          </ac:grpSpMkLst>
-        </pc:grpChg>
-        <pc:grpChg chg="del mod">
-          <ac:chgData name="JinFan Lu" userId="0d6d4872cb76e38f" providerId="LiveId" clId="{4D155720-5FC5-4159-B9F5-2C043724CEDA}" dt="2022-12-10T14:01:35.845" v="2302"/>
-          <ac:grpSpMkLst>
-            <pc:docMk/>
-            <pc:sldMk cId="1654991348" sldId="288"/>
-            <ac:grpSpMk id="113" creationId="{FCACAFC0-C726-FD62-1A83-023AC7D047F6}"/>
-          </ac:grpSpMkLst>
-        </pc:grpChg>
-        <pc:grpChg chg="del mod">
-          <ac:chgData name="JinFan Lu" userId="0d6d4872cb76e38f" providerId="LiveId" clId="{4D155720-5FC5-4159-B9F5-2C043724CEDA}" dt="2022-12-10T14:02:29.609" v="2383"/>
-          <ac:grpSpMkLst>
-            <pc:docMk/>
-            <pc:sldMk cId="1654991348" sldId="288"/>
-            <ac:grpSpMk id="116" creationId="{1387B7B4-AB74-A638-C3C6-F1333D72D1DC}"/>
-          </ac:grpSpMkLst>
-        </pc:grpChg>
-        <pc:grpChg chg="del mod">
-          <ac:chgData name="JinFan Lu" userId="0d6d4872cb76e38f" providerId="LiveId" clId="{4D155720-5FC5-4159-B9F5-2C043724CEDA}" dt="2022-12-10T14:02:29.609" v="2383"/>
-          <ac:grpSpMkLst>
-            <pc:docMk/>
-            <pc:sldMk cId="1654991348" sldId="288"/>
-            <ac:grpSpMk id="128" creationId="{DB6A7F50-2E42-6964-169D-720C71F0707B}"/>
-          </ac:grpSpMkLst>
-        </pc:grpChg>
-        <pc:grpChg chg="del mod">
-          <ac:chgData name="JinFan Lu" userId="0d6d4872cb76e38f" providerId="LiveId" clId="{4D155720-5FC5-4159-B9F5-2C043724CEDA}" dt="2022-12-10T14:01:56.862" v="2333"/>
-          <ac:grpSpMkLst>
-            <pc:docMk/>
-            <pc:sldMk cId="1654991348" sldId="288"/>
-            <ac:grpSpMk id="129" creationId="{2BC064E1-9DEA-FFD6-06F9-F5F3635FB041}"/>
-          </ac:grpSpMkLst>
-        </pc:grpChg>
-        <pc:grpChg chg="del mod">
-          <ac:chgData name="JinFan Lu" userId="0d6d4872cb76e38f" providerId="LiveId" clId="{4D155720-5FC5-4159-B9F5-2C043724CEDA}" dt="2022-12-10T14:01:56.862" v="2333"/>
-          <ac:grpSpMkLst>
-            <pc:docMk/>
-            <pc:sldMk cId="1654991348" sldId="288"/>
-            <ac:grpSpMk id="132" creationId="{D21D01B7-41D1-F5E0-8040-A51B9BDFCDB7}"/>
-          </ac:grpSpMkLst>
-        </pc:grpChg>
-        <pc:grpChg chg="del mod">
-          <ac:chgData name="JinFan Lu" userId="0d6d4872cb76e38f" providerId="LiveId" clId="{4D155720-5FC5-4159-B9F5-2C043724CEDA}" dt="2022-12-10T14:01:53.593" v="2330"/>
-          <ac:grpSpMkLst>
-            <pc:docMk/>
-            <pc:sldMk cId="1654991348" sldId="288"/>
-            <ac:grpSpMk id="137" creationId="{B44F3940-9B5E-7633-C112-2B9EFB503279}"/>
-          </ac:grpSpMkLst>
-        </pc:grpChg>
-        <pc:grpChg chg="del mod">
-          <ac:chgData name="JinFan Lu" userId="0d6d4872cb76e38f" providerId="LiveId" clId="{4D155720-5FC5-4159-B9F5-2C043724CEDA}" dt="2022-12-10T14:02:29.609" v="2383"/>
-          <ac:grpSpMkLst>
-            <pc:docMk/>
-            <pc:sldMk cId="1654991348" sldId="288"/>
-            <ac:grpSpMk id="140" creationId="{4F225756-029F-B3A1-7430-FB4C524A1A9A}"/>
-          </ac:grpSpMkLst>
-        </pc:grpChg>
-        <pc:grpChg chg="del mod">
-          <ac:chgData name="JinFan Lu" userId="0d6d4872cb76e38f" providerId="LiveId" clId="{4D155720-5FC5-4159-B9F5-2C043724CEDA}" dt="2022-12-10T14:02:08.603" v="2350"/>
-          <ac:grpSpMkLst>
-            <pc:docMk/>
-            <pc:sldMk cId="1654991348" sldId="288"/>
-            <ac:grpSpMk id="149" creationId="{67407629-EF3E-47A7-A1A8-648B4E1D06D1}"/>
-          </ac:grpSpMkLst>
-        </pc:grpChg>
-        <pc:grpChg chg="del mod">
-          <ac:chgData name="JinFan Lu" userId="0d6d4872cb76e38f" providerId="LiveId" clId="{4D155720-5FC5-4159-B9F5-2C043724CEDA}" dt="2022-12-10T14:02:08.603" v="2351"/>
-          <ac:grpSpMkLst>
-            <pc:docMk/>
-            <pc:sldMk cId="1654991348" sldId="288"/>
-            <ac:grpSpMk id="150" creationId="{F81AB633-4A14-6CCC-ACB2-9DA472B4230D}"/>
-          </ac:grpSpMkLst>
-        </pc:grpChg>
-        <pc:grpChg chg="del mod">
-          <ac:chgData name="JinFan Lu" userId="0d6d4872cb76e38f" providerId="LiveId" clId="{4D155720-5FC5-4159-B9F5-2C043724CEDA}" dt="2022-12-10T14:02:29.609" v="2383"/>
-          <ac:grpSpMkLst>
-            <pc:docMk/>
-            <pc:sldMk cId="1654991348" sldId="288"/>
-            <ac:grpSpMk id="155" creationId="{17F0A1EF-8F6A-54C1-9752-2D312B7EA479}"/>
-          </ac:grpSpMkLst>
-        </pc:grpChg>
-        <pc:grpChg chg="del mod">
-          <ac:chgData name="JinFan Lu" userId="0d6d4872cb76e38f" providerId="LiveId" clId="{4D155720-5FC5-4159-B9F5-2C043724CEDA}" dt="2022-12-10T14:02:22.926" v="2373"/>
-          <ac:grpSpMkLst>
-            <pc:docMk/>
-            <pc:sldMk cId="1654991348" sldId="288"/>
-            <ac:grpSpMk id="162" creationId="{6929F80B-A76F-0D1B-EC1B-4E3B4AD63EDF}"/>
-          </ac:grpSpMkLst>
-        </pc:grpChg>
-        <pc:grpChg chg="del mod">
-          <ac:chgData name="JinFan Lu" userId="0d6d4872cb76e38f" providerId="LiveId" clId="{4D155720-5FC5-4159-B9F5-2C043724CEDA}" dt="2022-12-10T14:02:37.119" v="2385"/>
-          <ac:grpSpMkLst>
-            <pc:docMk/>
-            <pc:sldMk cId="1654991348" sldId="288"/>
-            <ac:grpSpMk id="170" creationId="{52ADD861-B17E-2109-7F44-7E46A3513D70}"/>
-          </ac:grpSpMkLst>
-        </pc:grpChg>
-        <pc:grpChg chg="mod">
-          <ac:chgData name="JinFan Lu" userId="0d6d4872cb76e38f" providerId="LiveId" clId="{4D155720-5FC5-4159-B9F5-2C043724CEDA}" dt="2022-12-10T14:02:37.119" v="2385"/>
-          <ac:grpSpMkLst>
-            <pc:docMk/>
-            <pc:sldMk cId="1654991348" sldId="288"/>
-            <ac:grpSpMk id="172" creationId="{E602B949-F916-EB24-A2CF-F2AF944B3097}"/>
-          </ac:grpSpMkLst>
-        </pc:grpChg>
-        <pc:picChg chg="add del mod">
-          <ac:chgData name="JinFan Lu" userId="0d6d4872cb76e38f" providerId="LiveId" clId="{4D155720-5FC5-4159-B9F5-2C043724CEDA}" dt="2022-12-10T13:56:45.141" v="2180" actId="478"/>
-          <ac:picMkLst>
-            <pc:docMk/>
-            <pc:sldMk cId="1654991348" sldId="288"/>
-            <ac:picMk id="2" creationId="{339F3BF4-3405-FEC7-E4EB-94CA639940E4}"/>
-          </ac:picMkLst>
-        </pc:picChg>
-        <pc:picChg chg="del">
-          <ac:chgData name="JinFan Lu" userId="0d6d4872cb76e38f" providerId="LiveId" clId="{4D155720-5FC5-4159-B9F5-2C043724CEDA}" dt="2022-12-10T13:51:31.595" v="1937" actId="478"/>
-          <ac:picMkLst>
-            <pc:docMk/>
-            <pc:sldMk cId="1654991348" sldId="288"/>
-            <ac:picMk id="6" creationId="{F7EBB252-2A8B-C616-CD16-F2AB97632C09}"/>
-          </ac:picMkLst>
-        </pc:picChg>
-        <pc:picChg chg="add mod">
-          <ac:chgData name="JinFan Lu" userId="0d6d4872cb76e38f" providerId="LiveId" clId="{4D155720-5FC5-4159-B9F5-2C043724CEDA}" dt="2022-12-10T13:57:24.500" v="2194" actId="1076"/>
-          <ac:picMkLst>
-            <pc:docMk/>
-            <pc:sldMk cId="1654991348" sldId="288"/>
-            <ac:picMk id="11" creationId="{B4C59F73-D62D-E3EB-37AA-922477644E02}"/>
-          </ac:picMkLst>
-        </pc:picChg>
-        <pc:picChg chg="del">
-          <ac:chgData name="JinFan Lu" userId="0d6d4872cb76e38f" providerId="LiveId" clId="{4D155720-5FC5-4159-B9F5-2C043724CEDA}" dt="2022-12-10T13:51:31.279" v="1936" actId="478"/>
-          <ac:picMkLst>
-            <pc:docMk/>
-            <pc:sldMk cId="1654991348" sldId="288"/>
-            <ac:picMk id="14" creationId="{48E3434B-7A47-2581-B0A9-130D6DD6C86E}"/>
-          </ac:picMkLst>
-        </pc:picChg>
-        <pc:picChg chg="del">
-          <ac:chgData name="JinFan Lu" userId="0d6d4872cb76e38f" providerId="LiveId" clId="{4D155720-5FC5-4159-B9F5-2C043724CEDA}" dt="2022-12-10T13:51:30.829" v="1935" actId="478"/>
-          <ac:picMkLst>
-            <pc:docMk/>
-            <pc:sldMk cId="1654991348" sldId="288"/>
-            <ac:picMk id="15" creationId="{063EEECD-CE28-6531-5FFF-19BA53D64BA8}"/>
-          </ac:picMkLst>
-        </pc:picChg>
-        <pc:picChg chg="del">
-          <ac:chgData name="JinFan Lu" userId="0d6d4872cb76e38f" providerId="LiveId" clId="{4D155720-5FC5-4159-B9F5-2C043724CEDA}" dt="2022-12-10T13:51:33.635" v="1942" actId="478"/>
-          <ac:picMkLst>
-            <pc:docMk/>
-            <pc:sldMk cId="1654991348" sldId="288"/>
-            <ac:picMk id="19" creationId="{6CAC31F3-B6C1-5306-A60D-57ABF8ABAA53}"/>
-          </ac:picMkLst>
-        </pc:picChg>
-        <pc:picChg chg="del">
-          <ac:chgData name="JinFan Lu" userId="0d6d4872cb76e38f" providerId="LiveId" clId="{4D155720-5FC5-4159-B9F5-2C043724CEDA}" dt="2022-12-10T13:51:32.300" v="1938" actId="478"/>
-          <ac:picMkLst>
-            <pc:docMk/>
-            <pc:sldMk cId="1654991348" sldId="288"/>
-            <ac:picMk id="23" creationId="{BCF19536-E503-0764-91CF-A2FC880BBEE6}"/>
-          </ac:picMkLst>
-        </pc:picChg>
-        <pc:picChg chg="del">
-          <ac:chgData name="JinFan Lu" userId="0d6d4872cb76e38f" providerId="LiveId" clId="{4D155720-5FC5-4159-B9F5-2C043724CEDA}" dt="2022-12-10T13:51:34.261" v="1944" actId="478"/>
-          <ac:picMkLst>
-            <pc:docMk/>
-            <pc:sldMk cId="1654991348" sldId="288"/>
-            <ac:picMk id="25" creationId="{3170FD9E-2483-7513-CCC4-8E7DAB0C3E8B}"/>
-          </ac:picMkLst>
-        </pc:picChg>
-        <pc:picChg chg="del">
-          <ac:chgData name="JinFan Lu" userId="0d6d4872cb76e38f" providerId="LiveId" clId="{4D155720-5FC5-4159-B9F5-2C043724CEDA}" dt="2022-12-10T13:51:33.021" v="1940" actId="478"/>
-          <ac:picMkLst>
-            <pc:docMk/>
-            <pc:sldMk cId="1654991348" sldId="288"/>
-            <ac:picMk id="26" creationId="{1D46AC2A-DAC0-F1AC-12C4-9C6B2165688B}"/>
-          </ac:picMkLst>
-        </pc:picChg>
-        <pc:picChg chg="del">
-          <ac:chgData name="JinFan Lu" userId="0d6d4872cb76e38f" providerId="LiveId" clId="{4D155720-5FC5-4159-B9F5-2C043724CEDA}" dt="2022-12-10T13:51:34.039" v="1943" actId="478"/>
-          <ac:picMkLst>
-            <pc:docMk/>
-            <pc:sldMk cId="1654991348" sldId="288"/>
-            <ac:picMk id="28" creationId="{1ED47C7A-7FF1-A0C9-1161-9DE4FB0C6A0C}"/>
-          </ac:picMkLst>
-        </pc:picChg>
-        <pc:picChg chg="del">
-          <ac:chgData name="JinFan Lu" userId="0d6d4872cb76e38f" providerId="LiveId" clId="{4D155720-5FC5-4159-B9F5-2C043724CEDA}" dt="2022-12-10T13:51:35.607" v="1947" actId="478"/>
-          <ac:picMkLst>
-            <pc:docMk/>
-            <pc:sldMk cId="1654991348" sldId="288"/>
-            <ac:picMk id="29" creationId="{BCCA8199-C13A-7392-37D2-8039C94755A8}"/>
-          </ac:picMkLst>
-        </pc:picChg>
-        <pc:picChg chg="del">
-          <ac:chgData name="JinFan Lu" userId="0d6d4872cb76e38f" providerId="LiveId" clId="{4D155720-5FC5-4159-B9F5-2C043724CEDA}" dt="2022-12-10T13:51:37.160" v="1949" actId="478"/>
-          <ac:picMkLst>
-            <pc:docMk/>
-            <pc:sldMk cId="1654991348" sldId="288"/>
-            <ac:picMk id="31" creationId="{68D71C3B-BBBC-9166-C505-A9FD7293EF16}"/>
-          </ac:picMkLst>
-        </pc:picChg>
-        <pc:picChg chg="del">
-          <ac:chgData name="JinFan Lu" userId="0d6d4872cb76e38f" providerId="LiveId" clId="{4D155720-5FC5-4159-B9F5-2C043724CEDA}" dt="2022-12-10T13:51:45.650" v="1963" actId="478"/>
-          <ac:picMkLst>
-            <pc:docMk/>
-            <pc:sldMk cId="1654991348" sldId="288"/>
-            <ac:picMk id="36" creationId="{0A156286-5ED4-391F-FEE8-4B4C6C11C3CF}"/>
-          </ac:picMkLst>
-        </pc:picChg>
-        <pc:picChg chg="del mod">
-          <ac:chgData name="JinFan Lu" userId="0d6d4872cb76e38f" providerId="LiveId" clId="{4D155720-5FC5-4159-B9F5-2C043724CEDA}" dt="2022-12-10T13:51:45.111" v="1962" actId="478"/>
-          <ac:picMkLst>
-            <pc:docMk/>
-            <pc:sldMk cId="1654991348" sldId="288"/>
-            <ac:picMk id="37" creationId="{254455F6-B6D1-FE31-548E-D4FF879E37FC}"/>
-          </ac:picMkLst>
-        </pc:picChg>
-        <pc:picChg chg="del">
-          <ac:chgData name="JinFan Lu" userId="0d6d4872cb76e38f" providerId="LiveId" clId="{4D155720-5FC5-4159-B9F5-2C043724CEDA}" dt="2022-12-10T13:51:44.704" v="1960" actId="478"/>
-          <ac:picMkLst>
-            <pc:docMk/>
-            <pc:sldMk cId="1654991348" sldId="288"/>
-            <ac:picMk id="38" creationId="{6AB4696B-594B-BCDB-B1E5-2D3160AA8D93}"/>
-          </ac:picMkLst>
-        </pc:picChg>
-        <pc:picChg chg="del">
-          <ac:chgData name="JinFan Lu" userId="0d6d4872cb76e38f" providerId="LiveId" clId="{4D155720-5FC5-4159-B9F5-2C043724CEDA}" dt="2022-12-10T13:51:43.939" v="1959" actId="478"/>
-          <ac:picMkLst>
-            <pc:docMk/>
-            <pc:sldMk cId="1654991348" sldId="288"/>
-            <ac:picMk id="39" creationId="{D4122C3F-8952-4F8C-0B72-D6735C15586B}"/>
-          </ac:picMkLst>
-        </pc:picChg>
-        <pc:picChg chg="del">
-          <ac:chgData name="JinFan Lu" userId="0d6d4872cb76e38f" providerId="LiveId" clId="{4D155720-5FC5-4159-B9F5-2C043724CEDA}" dt="2022-12-10T13:51:42.297" v="1957" actId="478"/>
-          <ac:picMkLst>
-            <pc:docMk/>
-            <pc:sldMk cId="1654991348" sldId="288"/>
-            <ac:picMk id="42" creationId="{51BA0460-6A8D-DCF8-EBF6-005790710D81}"/>
-          </ac:picMkLst>
-        </pc:picChg>
-        <pc:inkChg chg="add mod">
-          <ac:chgData name="JinFan Lu" userId="0d6d4872cb76e38f" providerId="LiveId" clId="{4D155720-5FC5-4159-B9F5-2C043724CEDA}" dt="2022-12-10T14:01:13.832" v="2267"/>
-          <ac:inkMkLst>
-            <pc:docMk/>
-            <pc:sldMk cId="1654991348" sldId="288"/>
-            <ac:inkMk id="13" creationId="{C503C86E-1E9B-A821-86EE-51BD6917D7B8}"/>
-          </ac:inkMkLst>
-        </pc:inkChg>
-        <pc:inkChg chg="add mod">
-          <ac:chgData name="JinFan Lu" userId="0d6d4872cb76e38f" providerId="LiveId" clId="{4D155720-5FC5-4159-B9F5-2C043724CEDA}" dt="2022-12-10T14:01:13.832" v="2267"/>
-          <ac:inkMkLst>
-            <pc:docMk/>
-            <pc:sldMk cId="1654991348" sldId="288"/>
-            <ac:inkMk id="20" creationId="{93A8C7BA-6507-11EB-8EF1-D80D7B352B67}"/>
-          </ac:inkMkLst>
-        </pc:inkChg>
-        <pc:inkChg chg="add del mod">
-          <ac:chgData name="JinFan Lu" userId="0d6d4872cb76e38f" providerId="LiveId" clId="{4D155720-5FC5-4159-B9F5-2C043724CEDA}" dt="2022-12-10T14:01:04.692" v="2248"/>
-          <ac:inkMkLst>
-            <pc:docMk/>
-            <pc:sldMk cId="1654991348" sldId="288"/>
-            <ac:inkMk id="21" creationId="{004D779F-922D-8CC6-4CB1-07BD5AD477C3}"/>
-          </ac:inkMkLst>
-        </pc:inkChg>
-        <pc:inkChg chg="add del mod">
-          <ac:chgData name="JinFan Lu" userId="0d6d4872cb76e38f" providerId="LiveId" clId="{4D155720-5FC5-4159-B9F5-2C043724CEDA}" dt="2022-12-10T14:01:04.692" v="2249"/>
-          <ac:inkMkLst>
-            <pc:docMk/>
-            <pc:sldMk cId="1654991348" sldId="288"/>
-            <ac:inkMk id="34" creationId="{E7BAE59D-3DD7-2962-A7DD-1F067E26F168}"/>
-          </ac:inkMkLst>
-        </pc:inkChg>
-        <pc:inkChg chg="add del mod">
-          <ac:chgData name="JinFan Lu" userId="0d6d4872cb76e38f" providerId="LiveId" clId="{4D155720-5FC5-4159-B9F5-2C043724CEDA}" dt="2022-12-10T14:01:04.693" v="2251"/>
-          <ac:inkMkLst>
-            <pc:docMk/>
-            <pc:sldMk cId="1654991348" sldId="288"/>
-            <ac:inkMk id="40" creationId="{382420AF-A988-10D1-09D8-DF857C31603B}"/>
-          </ac:inkMkLst>
-        </pc:inkChg>
-        <pc:inkChg chg="add del mod">
-          <ac:chgData name="JinFan Lu" userId="0d6d4872cb76e38f" providerId="LiveId" clId="{4D155720-5FC5-4159-B9F5-2C043724CEDA}" dt="2022-12-10T14:01:11.934" v="2262"/>
-          <ac:inkMkLst>
-            <pc:docMk/>
-            <pc:sldMk cId="1654991348" sldId="288"/>
-            <ac:inkMk id="43" creationId="{B2604008-0445-0E5A-D063-5AFF2B59D687}"/>
-          </ac:inkMkLst>
-        </pc:inkChg>
-        <pc:inkChg chg="add del mod">
-          <ac:chgData name="JinFan Lu" userId="0d6d4872cb76e38f" providerId="LiveId" clId="{4D155720-5FC5-4159-B9F5-2C043724CEDA}" dt="2022-12-10T14:01:13.832" v="2267"/>
-          <ac:inkMkLst>
-            <pc:docMk/>
-            <pc:sldMk cId="1654991348" sldId="288"/>
-            <ac:inkMk id="44" creationId="{1AAA1FA8-69C0-0AF6-B653-D314F18BA9C0}"/>
-          </ac:inkMkLst>
-        </pc:inkChg>
-        <pc:inkChg chg="add del mod">
-          <ac:chgData name="JinFan Lu" userId="0d6d4872cb76e38f" providerId="LiveId" clId="{4D155720-5FC5-4159-B9F5-2C043724CEDA}" dt="2022-12-10T14:01:13.832" v="2266"/>
-          <ac:inkMkLst>
-            <pc:docMk/>
-            <pc:sldMk cId="1654991348" sldId="288"/>
-            <ac:inkMk id="45" creationId="{43A54965-5CB0-04B6-E595-37893A668B44}"/>
-          </ac:inkMkLst>
-        </pc:inkChg>
-        <pc:inkChg chg="add mod">
-          <ac:chgData name="JinFan Lu" userId="0d6d4872cb76e38f" providerId="LiveId" clId="{4D155720-5FC5-4159-B9F5-2C043724CEDA}" dt="2022-12-10T14:00:49.255" v="2216"/>
-          <ac:inkMkLst>
-            <pc:docMk/>
-            <pc:sldMk cId="1654991348" sldId="288"/>
-            <ac:inkMk id="47" creationId="{A410CE77-E163-3362-2313-5008BB2F5D2B}"/>
-          </ac:inkMkLst>
-        </pc:inkChg>
-        <pc:inkChg chg="add mod">
-          <ac:chgData name="JinFan Lu" userId="0d6d4872cb76e38f" providerId="LiveId" clId="{4D155720-5FC5-4159-B9F5-2C043724CEDA}" dt="2022-12-10T14:00:49.255" v="2216"/>
-          <ac:inkMkLst>
-            <pc:docMk/>
-            <pc:sldMk cId="1654991348" sldId="288"/>
-            <ac:inkMk id="48" creationId="{14BC26B8-F55F-A34F-332F-CBDC5476BA5C}"/>
-          </ac:inkMkLst>
-        </pc:inkChg>
-        <pc:inkChg chg="add del mod">
-          <ac:chgData name="JinFan Lu" userId="0d6d4872cb76e38f" providerId="LiveId" clId="{4D155720-5FC5-4159-B9F5-2C043724CEDA}" dt="2022-12-10T14:00:48.673" v="2213"/>
-          <ac:inkMkLst>
-            <pc:docMk/>
-            <pc:sldMk cId="1654991348" sldId="288"/>
-            <ac:inkMk id="49" creationId="{1437D00C-370C-EE70-96AB-34A20DF604F9}"/>
-          </ac:inkMkLst>
-        </pc:inkChg>
-        <pc:inkChg chg="add del mod">
-          <ac:chgData name="JinFan Lu" userId="0d6d4872cb76e38f" providerId="LiveId" clId="{4D155720-5FC5-4159-B9F5-2C043724CEDA}" dt="2022-12-10T14:00:48.675" v="2214"/>
-          <ac:inkMkLst>
-            <pc:docMk/>
-            <pc:sldMk cId="1654991348" sldId="288"/>
-            <ac:inkMk id="50" creationId="{7CCF1551-305D-C022-E097-2773DAE5D1FC}"/>
-          </ac:inkMkLst>
-        </pc:inkChg>
-        <pc:inkChg chg="add del mod">
-          <ac:chgData name="JinFan Lu" userId="0d6d4872cb76e38f" providerId="LiveId" clId="{4D155720-5FC5-4159-B9F5-2C043724CEDA}" dt="2022-12-10T14:00:48.671" v="2212"/>
-          <ac:inkMkLst>
-            <pc:docMk/>
-            <pc:sldMk cId="1654991348" sldId="288"/>
-            <ac:inkMk id="51" creationId="{A4947FD7-CB1D-7080-F8E2-71C48227492B}"/>
-          </ac:inkMkLst>
-        </pc:inkChg>
-        <pc:inkChg chg="add del mod">
-          <ac:chgData name="JinFan Lu" userId="0d6d4872cb76e38f" providerId="LiveId" clId="{4D155720-5FC5-4159-B9F5-2C043724CEDA}" dt="2022-12-10T14:00:48.676" v="2215"/>
-          <ac:inkMkLst>
-            <pc:docMk/>
-            <pc:sldMk cId="1654991348" sldId="288"/>
-            <ac:inkMk id="52" creationId="{2C9F4199-E603-ECA5-0002-688209194067}"/>
-          </ac:inkMkLst>
-        </pc:inkChg>
-        <pc:inkChg chg="add del mod">
-          <ac:chgData name="JinFan Lu" userId="0d6d4872cb76e38f" providerId="LiveId" clId="{4D155720-5FC5-4159-B9F5-2C043724CEDA}" dt="2022-12-10T14:00:49.255" v="2216"/>
-          <ac:inkMkLst>
-            <pc:docMk/>
-            <pc:sldMk cId="1654991348" sldId="288"/>
-            <ac:inkMk id="53" creationId="{28EBD77B-F6CC-A0E8-FE10-D1398864C82C}"/>
-          </ac:inkMkLst>
-        </pc:inkChg>
-        <pc:inkChg chg="add del">
-          <ac:chgData name="JinFan Lu" userId="0d6d4872cb76e38f" providerId="LiveId" clId="{4D155720-5FC5-4159-B9F5-2C043724CEDA}" dt="2022-12-10T14:00:56.011" v="2231"/>
-          <ac:inkMkLst>
-            <pc:docMk/>
-            <pc:sldMk cId="1654991348" sldId="288"/>
-            <ac:inkMk id="55" creationId="{8AFA404F-1D64-BCBB-C00C-4CE6397F6B34}"/>
-          </ac:inkMkLst>
-        </pc:inkChg>
-        <pc:inkChg chg="add mod">
-          <ac:chgData name="JinFan Lu" userId="0d6d4872cb76e38f" providerId="LiveId" clId="{4D155720-5FC5-4159-B9F5-2C043724CEDA}" dt="2022-12-10T14:00:56.010" v="2230"/>
-          <ac:inkMkLst>
-            <pc:docMk/>
-            <pc:sldMk cId="1654991348" sldId="288"/>
-            <ac:inkMk id="56" creationId="{846A596F-D096-D6A9-CC70-A32304724A1D}"/>
-          </ac:inkMkLst>
-        </pc:inkChg>
-        <pc:inkChg chg="add del">
-          <ac:chgData name="JinFan Lu" userId="0d6d4872cb76e38f" providerId="LiveId" clId="{4D155720-5FC5-4159-B9F5-2C043724CEDA}" dt="2022-12-10T14:00:55.742" v="2226"/>
-          <ac:inkMkLst>
-            <pc:docMk/>
-            <pc:sldMk cId="1654991348" sldId="288"/>
-            <ac:inkMk id="57" creationId="{ECCFEAC2-75D2-C120-CA62-80A45CD1BA46}"/>
-          </ac:inkMkLst>
-        </pc:inkChg>
-        <pc:inkChg chg="add del">
-          <ac:chgData name="JinFan Lu" userId="0d6d4872cb76e38f" providerId="LiveId" clId="{4D155720-5FC5-4159-B9F5-2C043724CEDA}" dt="2022-12-10T14:00:55.743" v="2228"/>
-          <ac:inkMkLst>
-            <pc:docMk/>
-            <pc:sldMk cId="1654991348" sldId="288"/>
-            <ac:inkMk id="58" creationId="{AE7D811F-05AD-E2B0-D786-641096394FF8}"/>
-          </ac:inkMkLst>
-        </pc:inkChg>
-        <pc:inkChg chg="add del">
-          <ac:chgData name="JinFan Lu" userId="0d6d4872cb76e38f" providerId="LiveId" clId="{4D155720-5FC5-4159-B9F5-2C043724CEDA}" dt="2022-12-10T14:00:55.744" v="2229"/>
-          <ac:inkMkLst>
-            <pc:docMk/>
-            <pc:sldMk cId="1654991348" sldId="288"/>
-            <ac:inkMk id="59" creationId="{9157C727-BA0A-AF00-B835-9D3B0A857A9E}"/>
-          </ac:inkMkLst>
-        </pc:inkChg>
-        <pc:inkChg chg="add del">
-          <ac:chgData name="JinFan Lu" userId="0d6d4872cb76e38f" providerId="LiveId" clId="{4D155720-5FC5-4159-B9F5-2C043724CEDA}" dt="2022-12-10T14:00:55.743" v="2227"/>
-          <ac:inkMkLst>
-            <pc:docMk/>
-            <pc:sldMk cId="1654991348" sldId="288"/>
-            <ac:inkMk id="60" creationId="{9C17E926-728C-369B-BAE2-4B53F619DE7E}"/>
-          </ac:inkMkLst>
-        </pc:inkChg>
-        <pc:inkChg chg="add del mod">
-          <ac:chgData name="JinFan Lu" userId="0d6d4872cb76e38f" providerId="LiveId" clId="{4D155720-5FC5-4159-B9F5-2C043724CEDA}" dt="2022-12-10T14:00:57.785" v="2236"/>
-          <ac:inkMkLst>
-            <pc:docMk/>
-            <pc:sldMk cId="1654991348" sldId="288"/>
-            <ac:inkMk id="61" creationId="{5E939AF7-1505-7B24-DD18-82C3ACAFA529}"/>
-          </ac:inkMkLst>
-        </pc:inkChg>
-        <pc:inkChg chg="add del mod">
-          <ac:chgData name="JinFan Lu" userId="0d6d4872cb76e38f" providerId="LiveId" clId="{4D155720-5FC5-4159-B9F5-2C043724CEDA}" dt="2022-12-10T14:00:57.784" v="2234"/>
-          <ac:inkMkLst>
-            <pc:docMk/>
-            <pc:sldMk cId="1654991348" sldId="288"/>
-            <ac:inkMk id="62" creationId="{0F392FF7-44A1-B6F8-211E-CFCE47B7D01B}"/>
-          </ac:inkMkLst>
-        </pc:inkChg>
-        <pc:inkChg chg="add del mod">
-          <ac:chgData name="JinFan Lu" userId="0d6d4872cb76e38f" providerId="LiveId" clId="{4D155720-5FC5-4159-B9F5-2C043724CEDA}" dt="2022-12-10T14:00:57.785" v="2235"/>
-          <ac:inkMkLst>
-            <pc:docMk/>
-            <pc:sldMk cId="1654991348" sldId="288"/>
-            <ac:inkMk id="63" creationId="{8137FBB0-61C0-56E4-4311-EE06F8C570BA}"/>
-          </ac:inkMkLst>
-        </pc:inkChg>
-        <pc:inkChg chg="add mod">
-          <ac:chgData name="JinFan Lu" userId="0d6d4872cb76e38f" providerId="LiveId" clId="{4D155720-5FC5-4159-B9F5-2C043724CEDA}" dt="2022-12-10T14:01:05.227" v="2252"/>
-          <ac:inkMkLst>
-            <pc:docMk/>
-            <pc:sldMk cId="1654991348" sldId="288"/>
-            <ac:inkMk id="65" creationId="{A1D2368D-9B55-298C-6B5F-73B235E58CBF}"/>
-          </ac:inkMkLst>
-        </pc:inkChg>
-        <pc:inkChg chg="add mod">
-          <ac:chgData name="JinFan Lu" userId="0d6d4872cb76e38f" providerId="LiveId" clId="{4D155720-5FC5-4159-B9F5-2C043724CEDA}" dt="2022-12-10T14:01:05.227" v="2252"/>
-          <ac:inkMkLst>
-            <pc:docMk/>
-            <pc:sldMk cId="1654991348" sldId="288"/>
-            <ac:inkMk id="66" creationId="{74CFA846-7D24-06CD-A404-E77A88CD2422}"/>
-          </ac:inkMkLst>
-        </pc:inkChg>
-        <pc:inkChg chg="add mod">
-          <ac:chgData name="JinFan Lu" userId="0d6d4872cb76e38f" providerId="LiveId" clId="{4D155720-5FC5-4159-B9F5-2C043724CEDA}" dt="2022-12-10T14:01:05.227" v="2252"/>
-          <ac:inkMkLst>
-            <pc:docMk/>
-            <pc:sldMk cId="1654991348" sldId="288"/>
-            <ac:inkMk id="67" creationId="{B788F87C-A2CA-FCBD-651F-F4C67B6EB009}"/>
-          </ac:inkMkLst>
-        </pc:inkChg>
-        <pc:inkChg chg="add mod">
-          <ac:chgData name="JinFan Lu" userId="0d6d4872cb76e38f" providerId="LiveId" clId="{4D155720-5FC5-4159-B9F5-2C043724CEDA}" dt="2022-12-10T14:01:05.227" v="2252"/>
-          <ac:inkMkLst>
-            <pc:docMk/>
-            <pc:sldMk cId="1654991348" sldId="288"/>
-            <ac:inkMk id="68" creationId="{99CE7D05-FC58-D68B-DD80-1BC59E36BBC5}"/>
-          </ac:inkMkLst>
-        </pc:inkChg>
-        <pc:inkChg chg="add mod">
-          <ac:chgData name="JinFan Lu" userId="0d6d4872cb76e38f" providerId="LiveId" clId="{4D155720-5FC5-4159-B9F5-2C043724CEDA}" dt="2022-12-10T14:01:05.227" v="2252"/>
-          <ac:inkMkLst>
-            <pc:docMk/>
-            <pc:sldMk cId="1654991348" sldId="288"/>
-            <ac:inkMk id="69" creationId="{64DFF048-5937-BEF7-1652-A90DAD558FE8}"/>
-          </ac:inkMkLst>
-        </pc:inkChg>
-        <pc:inkChg chg="add mod">
-          <ac:chgData name="JinFan Lu" userId="0d6d4872cb76e38f" providerId="LiveId" clId="{4D155720-5FC5-4159-B9F5-2C043724CEDA}" dt="2022-12-10T14:01:05.227" v="2252"/>
-          <ac:inkMkLst>
-            <pc:docMk/>
-            <pc:sldMk cId="1654991348" sldId="288"/>
-            <ac:inkMk id="70" creationId="{3CAEE5A4-521A-A4A0-C917-E555EFC788B4}"/>
-          </ac:inkMkLst>
-        </pc:inkChg>
-        <pc:inkChg chg="add mod">
-          <ac:chgData name="JinFan Lu" userId="0d6d4872cb76e38f" providerId="LiveId" clId="{4D155720-5FC5-4159-B9F5-2C043724CEDA}" dt="2022-12-10T14:01:05.227" v="2252"/>
-          <ac:inkMkLst>
-            <pc:docMk/>
-            <pc:sldMk cId="1654991348" sldId="288"/>
-            <ac:inkMk id="71" creationId="{F1F6CF8C-1A26-B533-51F5-F879EB676324}"/>
-          </ac:inkMkLst>
-        </pc:inkChg>
-        <pc:inkChg chg="add mod">
-          <ac:chgData name="JinFan Lu" userId="0d6d4872cb76e38f" providerId="LiveId" clId="{4D155720-5FC5-4159-B9F5-2C043724CEDA}" dt="2022-12-10T14:01:05.227" v="2252"/>
-          <ac:inkMkLst>
-            <pc:docMk/>
-            <pc:sldMk cId="1654991348" sldId="288"/>
-            <ac:inkMk id="72" creationId="{23DE761A-E091-3672-A515-0467B60B7BF1}"/>
-          </ac:inkMkLst>
-        </pc:inkChg>
-        <pc:inkChg chg="add mod">
-          <ac:chgData name="JinFan Lu" userId="0d6d4872cb76e38f" providerId="LiveId" clId="{4D155720-5FC5-4159-B9F5-2C043724CEDA}" dt="2022-12-10T14:01:05.227" v="2252"/>
-          <ac:inkMkLst>
-            <pc:docMk/>
-            <pc:sldMk cId="1654991348" sldId="288"/>
-            <ac:inkMk id="73" creationId="{63172E29-CB52-3B70-0AF6-AFE83188D68B}"/>
-          </ac:inkMkLst>
-        </pc:inkChg>
-        <pc:inkChg chg="add mod">
-          <ac:chgData name="JinFan Lu" userId="0d6d4872cb76e38f" providerId="LiveId" clId="{4D155720-5FC5-4159-B9F5-2C043724CEDA}" dt="2022-12-10T14:01:05.227" v="2252"/>
-          <ac:inkMkLst>
-            <pc:docMk/>
-            <pc:sldMk cId="1654991348" sldId="288"/>
-            <ac:inkMk id="74" creationId="{96A55E44-C652-CF9A-78A6-8F2F242C4E01}"/>
-          </ac:inkMkLst>
-        </pc:inkChg>
-        <pc:inkChg chg="add mod">
-          <ac:chgData name="JinFan Lu" userId="0d6d4872cb76e38f" providerId="LiveId" clId="{4D155720-5FC5-4159-B9F5-2C043724CEDA}" dt="2022-12-10T14:01:05.227" v="2252"/>
-          <ac:inkMkLst>
-            <pc:docMk/>
-            <pc:sldMk cId="1654991348" sldId="288"/>
-            <ac:inkMk id="75" creationId="{56B37616-3796-7E33-BB60-5C94D4A8726A}"/>
-          </ac:inkMkLst>
-        </pc:inkChg>
-        <pc:inkChg chg="add del mod">
-          <ac:chgData name="JinFan Lu" userId="0d6d4872cb76e38f" providerId="LiveId" clId="{4D155720-5FC5-4159-B9F5-2C043724CEDA}" dt="2022-12-10T14:01:11.933" v="2260"/>
-          <ac:inkMkLst>
-            <pc:docMk/>
-            <pc:sldMk cId="1654991348" sldId="288"/>
-            <ac:inkMk id="78" creationId="{1AE1515D-21F0-FA88-AC73-03D900304EDC}"/>
-          </ac:inkMkLst>
-        </pc:inkChg>
-        <pc:inkChg chg="add del mod">
-          <ac:chgData name="JinFan Lu" userId="0d6d4872cb76e38f" providerId="LiveId" clId="{4D155720-5FC5-4159-B9F5-2C043724CEDA}" dt="2022-12-10T14:01:11.935" v="2263"/>
-          <ac:inkMkLst>
-            <pc:docMk/>
-            <pc:sldMk cId="1654991348" sldId="288"/>
-            <ac:inkMk id="79" creationId="{74410ED0-3490-6B4D-4FD1-E72663CE48F0}"/>
-          </ac:inkMkLst>
-        </pc:inkChg>
-        <pc:inkChg chg="add del mod">
-          <ac:chgData name="JinFan Lu" userId="0d6d4872cb76e38f" providerId="LiveId" clId="{4D155720-5FC5-4159-B9F5-2C043724CEDA}" dt="2022-12-10T14:01:11.935" v="2264"/>
-          <ac:inkMkLst>
-            <pc:docMk/>
-            <pc:sldMk cId="1654991348" sldId="288"/>
-            <ac:inkMk id="80" creationId="{D9EB6DA6-8B74-73A5-CA72-9802799135B9}"/>
-          </ac:inkMkLst>
-        </pc:inkChg>
-        <pc:inkChg chg="add del mod">
-          <ac:chgData name="JinFan Lu" userId="0d6d4872cb76e38f" providerId="LiveId" clId="{4D155720-5FC5-4159-B9F5-2C043724CEDA}" dt="2022-12-10T14:01:11.936" v="2265"/>
-          <ac:inkMkLst>
-            <pc:docMk/>
-            <pc:sldMk cId="1654991348" sldId="288"/>
-            <ac:inkMk id="81" creationId="{23DD73E1-7228-24C5-3599-18E818DF2D34}"/>
-          </ac:inkMkLst>
-        </pc:inkChg>
-        <pc:inkChg chg="add del mod">
-          <ac:chgData name="JinFan Lu" userId="0d6d4872cb76e38f" providerId="LiveId" clId="{4D155720-5FC5-4159-B9F5-2C043724CEDA}" dt="2022-12-10T14:01:11.934" v="2261"/>
-          <ac:inkMkLst>
-            <pc:docMk/>
-            <pc:sldMk cId="1654991348" sldId="288"/>
-            <ac:inkMk id="83" creationId="{55E5ACEF-20DD-66F6-0115-E329D5AEC1AB}"/>
-          </ac:inkMkLst>
-        </pc:inkChg>
-        <pc:inkChg chg="add mod">
-          <ac:chgData name="JinFan Lu" userId="0d6d4872cb76e38f" providerId="LiveId" clId="{4D155720-5FC5-4159-B9F5-2C043724CEDA}" dt="2022-12-10T14:01:18.497" v="2274"/>
-          <ac:inkMkLst>
-            <pc:docMk/>
-            <pc:sldMk cId="1654991348" sldId="288"/>
-            <ac:inkMk id="85" creationId="{D337FF01-C540-22CD-9038-6BA873F33D75}"/>
-          </ac:inkMkLst>
-        </pc:inkChg>
-        <pc:inkChg chg="add mod">
-          <ac:chgData name="JinFan Lu" userId="0d6d4872cb76e38f" providerId="LiveId" clId="{4D155720-5FC5-4159-B9F5-2C043724CEDA}" dt="2022-12-10T14:01:18.497" v="2274"/>
-          <ac:inkMkLst>
-            <pc:docMk/>
-            <pc:sldMk cId="1654991348" sldId="288"/>
-            <ac:inkMk id="86" creationId="{519A55A5-A448-AE61-B59A-BEA206D16F74}"/>
-          </ac:inkMkLst>
-        </pc:inkChg>
-        <pc:inkChg chg="add mod">
-          <ac:chgData name="JinFan Lu" userId="0d6d4872cb76e38f" providerId="LiveId" clId="{4D155720-5FC5-4159-B9F5-2C043724CEDA}" dt="2022-12-10T14:01:18.497" v="2274"/>
-          <ac:inkMkLst>
-            <pc:docMk/>
-            <pc:sldMk cId="1654991348" sldId="288"/>
-            <ac:inkMk id="87" creationId="{87158CBA-E958-4841-72A8-B594AEA8672E}"/>
-          </ac:inkMkLst>
-        </pc:inkChg>
-        <pc:inkChg chg="add mod">
-          <ac:chgData name="JinFan Lu" userId="0d6d4872cb76e38f" providerId="LiveId" clId="{4D155720-5FC5-4159-B9F5-2C043724CEDA}" dt="2022-12-10T14:01:18.497" v="2274"/>
-          <ac:inkMkLst>
-            <pc:docMk/>
-            <pc:sldMk cId="1654991348" sldId="288"/>
-            <ac:inkMk id="88" creationId="{8495F8ED-2FDC-5924-491D-E2329A35D9FC}"/>
-          </ac:inkMkLst>
-        </pc:inkChg>
-        <pc:inkChg chg="add mod">
-          <ac:chgData name="JinFan Lu" userId="0d6d4872cb76e38f" providerId="LiveId" clId="{4D155720-5FC5-4159-B9F5-2C043724CEDA}" dt="2022-12-10T14:01:18.497" v="2274"/>
-          <ac:inkMkLst>
-            <pc:docMk/>
-            <pc:sldMk cId="1654991348" sldId="288"/>
-            <ac:inkMk id="89" creationId="{F632D6D4-81BB-A3B8-3693-EF227707BC8E}"/>
-          </ac:inkMkLst>
-        </pc:inkChg>
-        <pc:inkChg chg="add mod">
-          <ac:chgData name="JinFan Lu" userId="0d6d4872cb76e38f" providerId="LiveId" clId="{4D155720-5FC5-4159-B9F5-2C043724CEDA}" dt="2022-12-10T14:01:18.497" v="2274"/>
-          <ac:inkMkLst>
-            <pc:docMk/>
-            <pc:sldMk cId="1654991348" sldId="288"/>
-            <ac:inkMk id="90" creationId="{9B8EB69B-2B48-1D7B-7F4D-3CC5A184F8D7}"/>
-          </ac:inkMkLst>
-        </pc:inkChg>
-        <pc:inkChg chg="add mod">
-          <ac:chgData name="JinFan Lu" userId="0d6d4872cb76e38f" providerId="LiveId" clId="{4D155720-5FC5-4159-B9F5-2C043724CEDA}" dt="2022-12-10T14:01:27.008" v="2287"/>
-          <ac:inkMkLst>
-            <pc:docMk/>
-            <pc:sldMk cId="1654991348" sldId="288"/>
-            <ac:inkMk id="92" creationId="{7A2EC93E-C160-E376-7D52-7FDB7C66FAB5}"/>
-          </ac:inkMkLst>
-        </pc:inkChg>
-        <pc:inkChg chg="add mod">
-          <ac:chgData name="JinFan Lu" userId="0d6d4872cb76e38f" providerId="LiveId" clId="{4D155720-5FC5-4159-B9F5-2C043724CEDA}" dt="2022-12-10T14:01:27.008" v="2287"/>
-          <ac:inkMkLst>
-            <pc:docMk/>
-            <pc:sldMk cId="1654991348" sldId="288"/>
-            <ac:inkMk id="93" creationId="{3F674BC5-45A3-45A7-6BD9-640CC9BA8914}"/>
-          </ac:inkMkLst>
-        </pc:inkChg>
-        <pc:inkChg chg="add mod">
-          <ac:chgData name="JinFan Lu" userId="0d6d4872cb76e38f" providerId="LiveId" clId="{4D155720-5FC5-4159-B9F5-2C043724CEDA}" dt="2022-12-10T14:01:27.008" v="2287"/>
-          <ac:inkMkLst>
-            <pc:docMk/>
-            <pc:sldMk cId="1654991348" sldId="288"/>
-            <ac:inkMk id="94" creationId="{73F0FF40-CC8B-830D-8414-A2C309F2FD43}"/>
-          </ac:inkMkLst>
-        </pc:inkChg>
-        <pc:inkChg chg="add mod">
-          <ac:chgData name="JinFan Lu" userId="0d6d4872cb76e38f" providerId="LiveId" clId="{4D155720-5FC5-4159-B9F5-2C043724CEDA}" dt="2022-12-10T14:01:27.008" v="2287"/>
-          <ac:inkMkLst>
-            <pc:docMk/>
-            <pc:sldMk cId="1654991348" sldId="288"/>
-            <ac:inkMk id="95" creationId="{666C68F3-30E6-1AA8-2708-8631391B9A12}"/>
-          </ac:inkMkLst>
-        </pc:inkChg>
-        <pc:inkChg chg="add mod">
-          <ac:chgData name="JinFan Lu" userId="0d6d4872cb76e38f" providerId="LiveId" clId="{4D155720-5FC5-4159-B9F5-2C043724CEDA}" dt="2022-12-10T14:01:27.008" v="2287"/>
-          <ac:inkMkLst>
-            <pc:docMk/>
-            <pc:sldMk cId="1654991348" sldId="288"/>
-            <ac:inkMk id="96" creationId="{94F15924-BE73-3258-F321-3115C6CA8111}"/>
-          </ac:inkMkLst>
-        </pc:inkChg>
-        <pc:inkChg chg="add mod">
-          <ac:chgData name="JinFan Lu" userId="0d6d4872cb76e38f" providerId="LiveId" clId="{4D155720-5FC5-4159-B9F5-2C043724CEDA}" dt="2022-12-10T14:01:27.008" v="2287"/>
-          <ac:inkMkLst>
-            <pc:docMk/>
-            <pc:sldMk cId="1654991348" sldId="288"/>
-            <ac:inkMk id="97" creationId="{4DE457A0-2800-9EF6-AF11-562FA6227253}"/>
-          </ac:inkMkLst>
-        </pc:inkChg>
-        <pc:inkChg chg="add mod">
-          <ac:chgData name="JinFan Lu" userId="0d6d4872cb76e38f" providerId="LiveId" clId="{4D155720-5FC5-4159-B9F5-2C043724CEDA}" dt="2022-12-10T14:01:27.008" v="2287"/>
-          <ac:inkMkLst>
-            <pc:docMk/>
-            <pc:sldMk cId="1654991348" sldId="288"/>
-            <ac:inkMk id="99" creationId="{80356104-0428-5404-BB2E-FBFCD43C83D3}"/>
-          </ac:inkMkLst>
-        </pc:inkChg>
-        <pc:inkChg chg="add mod">
-          <ac:chgData name="JinFan Lu" userId="0d6d4872cb76e38f" providerId="LiveId" clId="{4D155720-5FC5-4159-B9F5-2C043724CEDA}" dt="2022-12-10T14:01:27.008" v="2287"/>
-          <ac:inkMkLst>
-            <pc:docMk/>
-            <pc:sldMk cId="1654991348" sldId="288"/>
-            <ac:inkMk id="100" creationId="{B73FD1C8-5235-85BD-4C11-7FAE9B543687}"/>
-          </ac:inkMkLst>
-        </pc:inkChg>
-        <pc:inkChg chg="add mod">
-          <ac:chgData name="JinFan Lu" userId="0d6d4872cb76e38f" providerId="LiveId" clId="{4D155720-5FC5-4159-B9F5-2C043724CEDA}" dt="2022-12-10T14:01:27.008" v="2287"/>
-          <ac:inkMkLst>
-            <pc:docMk/>
-            <pc:sldMk cId="1654991348" sldId="288"/>
-            <ac:inkMk id="101" creationId="{11F42FA6-EDFF-1E8F-0EB1-8BFC5D33AD35}"/>
-          </ac:inkMkLst>
-        </pc:inkChg>
-        <pc:inkChg chg="add">
-          <ac:chgData name="JinFan Lu" userId="0d6d4872cb76e38f" providerId="LiveId" clId="{4D155720-5FC5-4159-B9F5-2C043724CEDA}" dt="2022-12-10T14:01:25.663" v="2285" actId="9405"/>
-          <ac:inkMkLst>
-            <pc:docMk/>
-            <pc:sldMk cId="1654991348" sldId="288"/>
-            <ac:inkMk id="102" creationId="{DBC20C06-37B5-4619-B184-1C02F47B68B9}"/>
-          </ac:inkMkLst>
-        </pc:inkChg>
-        <pc:inkChg chg="add">
-          <ac:chgData name="JinFan Lu" userId="0d6d4872cb76e38f" providerId="LiveId" clId="{4D155720-5FC5-4159-B9F5-2C043724CEDA}" dt="2022-12-10T14:01:26.071" v="2286" actId="9405"/>
-          <ac:inkMkLst>
-            <pc:docMk/>
-            <pc:sldMk cId="1654991348" sldId="288"/>
-            <ac:inkMk id="103" creationId="{168466BA-4FDF-DF86-F58E-EC578B096BB4}"/>
-          </ac:inkMkLst>
-        </pc:inkChg>
-        <pc:inkChg chg="add del mod">
-          <ac:chgData name="JinFan Lu" userId="0d6d4872cb76e38f" providerId="LiveId" clId="{4D155720-5FC5-4159-B9F5-2C043724CEDA}" dt="2022-12-10T14:01:35.179" v="2301"/>
-          <ac:inkMkLst>
-            <pc:docMk/>
-            <pc:sldMk cId="1654991348" sldId="288"/>
-            <ac:inkMk id="105" creationId="{5160211A-24DC-CC49-4C61-66C445D5F148}"/>
-          </ac:inkMkLst>
-        </pc:inkChg>
-        <pc:inkChg chg="add del mod">
-          <ac:chgData name="JinFan Lu" userId="0d6d4872cb76e38f" providerId="LiveId" clId="{4D155720-5FC5-4159-B9F5-2C043724CEDA}" dt="2022-12-10T14:01:35.845" v="2302"/>
-          <ac:inkMkLst>
-            <pc:docMk/>
-            <pc:sldMk cId="1654991348" sldId="288"/>
-            <ac:inkMk id="106" creationId="{2C67BF8D-71C1-F2D6-1463-468F91FD0291}"/>
-          </ac:inkMkLst>
-        </pc:inkChg>
-        <pc:inkChg chg="add del mod">
-          <ac:chgData name="JinFan Lu" userId="0d6d4872cb76e38f" providerId="LiveId" clId="{4D155720-5FC5-4159-B9F5-2C043724CEDA}" dt="2022-12-10T14:01:34.395" v="2298"/>
-          <ac:inkMkLst>
-            <pc:docMk/>
-            <pc:sldMk cId="1654991348" sldId="288"/>
-            <ac:inkMk id="108" creationId="{1D44A0E8-C112-FC9F-DD67-0CCFFF5E1334}"/>
-          </ac:inkMkLst>
-        </pc:inkChg>
-        <pc:inkChg chg="add del mod">
-          <ac:chgData name="JinFan Lu" userId="0d6d4872cb76e38f" providerId="LiveId" clId="{4D155720-5FC5-4159-B9F5-2C043724CEDA}" dt="2022-12-10T14:01:34.397" v="2300"/>
-          <ac:inkMkLst>
-            <pc:docMk/>
-            <pc:sldMk cId="1654991348" sldId="288"/>
-            <ac:inkMk id="109" creationId="{84C9051B-929A-5244-0D73-A7B0E486AB6C}"/>
-          </ac:inkMkLst>
-        </pc:inkChg>
-        <pc:inkChg chg="add del mod">
-          <ac:chgData name="JinFan Lu" userId="0d6d4872cb76e38f" providerId="LiveId" clId="{4D155720-5FC5-4159-B9F5-2C043724CEDA}" dt="2022-12-10T14:01:34.394" v="2297"/>
-          <ac:inkMkLst>
-            <pc:docMk/>
-            <pc:sldMk cId="1654991348" sldId="288"/>
-            <ac:inkMk id="110" creationId="{E6E36FF4-E27F-0217-1743-6C734C944503}"/>
-          </ac:inkMkLst>
-        </pc:inkChg>
-        <pc:inkChg chg="add del mod">
-          <ac:chgData name="JinFan Lu" userId="0d6d4872cb76e38f" providerId="LiveId" clId="{4D155720-5FC5-4159-B9F5-2C043724CEDA}" dt="2022-12-10T14:01:35.845" v="2303"/>
-          <ac:inkMkLst>
-            <pc:docMk/>
-            <pc:sldMk cId="1654991348" sldId="288"/>
-            <ac:inkMk id="111" creationId="{83150642-ADB7-6FC7-0D5A-DF846146130A}"/>
-          </ac:inkMkLst>
-        </pc:inkChg>
-        <pc:inkChg chg="add del mod">
-          <ac:chgData name="JinFan Lu" userId="0d6d4872cb76e38f" providerId="LiveId" clId="{4D155720-5FC5-4159-B9F5-2C043724CEDA}" dt="2022-12-10T14:01:34.396" v="2299"/>
-          <ac:inkMkLst>
-            <pc:docMk/>
-            <pc:sldMk cId="1654991348" sldId="288"/>
-            <ac:inkMk id="112" creationId="{0BEC40FC-AF9B-673E-8BB6-248A5FE5652C}"/>
-          </ac:inkMkLst>
-        </pc:inkChg>
-        <pc:inkChg chg="add mod">
-          <ac:chgData name="JinFan Lu" userId="0d6d4872cb76e38f" providerId="LiveId" clId="{4D155720-5FC5-4159-B9F5-2C043724CEDA}" dt="2022-12-10T14:02:37.119" v="2385"/>
-          <ac:inkMkLst>
-            <pc:docMk/>
-            <pc:sldMk cId="1654991348" sldId="288"/>
-            <ac:inkMk id="114" creationId="{55842EE7-85A7-B2D2-0AB3-D5721667AB6F}"/>
-          </ac:inkMkLst>
-        </pc:inkChg>
-        <pc:inkChg chg="add mod">
-          <ac:chgData name="JinFan Lu" userId="0d6d4872cb76e38f" providerId="LiveId" clId="{4D155720-5FC5-4159-B9F5-2C043724CEDA}" dt="2022-12-10T14:02:37.119" v="2385"/>
-          <ac:inkMkLst>
-            <pc:docMk/>
-            <pc:sldMk cId="1654991348" sldId="288"/>
-            <ac:inkMk id="115" creationId="{265E06FA-0E62-94CA-0D03-78B0A5307677}"/>
-          </ac:inkMkLst>
-        </pc:inkChg>
-        <pc:inkChg chg="add mod">
-          <ac:chgData name="JinFan Lu" userId="0d6d4872cb76e38f" providerId="LiveId" clId="{4D155720-5FC5-4159-B9F5-2C043724CEDA}" dt="2022-12-10T14:02:37.119" v="2385"/>
-          <ac:inkMkLst>
-            <pc:docMk/>
-            <pc:sldMk cId="1654991348" sldId="288"/>
-            <ac:inkMk id="117" creationId="{B4BD5757-F737-DCFE-9F1B-1E26A938236C}"/>
-          </ac:inkMkLst>
-        </pc:inkChg>
-        <pc:inkChg chg="add del mod">
-          <ac:chgData name="JinFan Lu" userId="0d6d4872cb76e38f" providerId="LiveId" clId="{4D155720-5FC5-4159-B9F5-2C043724CEDA}" dt="2022-12-10T14:02:08.601" v="2346"/>
-          <ac:inkMkLst>
-            <pc:docMk/>
-            <pc:sldMk cId="1654991348" sldId="288"/>
-            <ac:inkMk id="118" creationId="{B1E50210-8F2E-DC24-360B-77C0E0B676B9}"/>
-          </ac:inkMkLst>
-        </pc:inkChg>
-        <pc:inkChg chg="add mod">
-          <ac:chgData name="JinFan Lu" userId="0d6d4872cb76e38f" providerId="LiveId" clId="{4D155720-5FC5-4159-B9F5-2C043724CEDA}" dt="2022-12-10T14:02:37.119" v="2385"/>
-          <ac:inkMkLst>
-            <pc:docMk/>
-            <pc:sldMk cId="1654991348" sldId="288"/>
-            <ac:inkMk id="119" creationId="{744AB636-399D-7E48-755E-B29C2D5CA553}"/>
-          </ac:inkMkLst>
-        </pc:inkChg>
-        <pc:inkChg chg="add mod">
-          <ac:chgData name="JinFan Lu" userId="0d6d4872cb76e38f" providerId="LiveId" clId="{4D155720-5FC5-4159-B9F5-2C043724CEDA}" dt="2022-12-10T14:02:37.119" v="2385"/>
-          <ac:inkMkLst>
-            <pc:docMk/>
-            <pc:sldMk cId="1654991348" sldId="288"/>
-            <ac:inkMk id="120" creationId="{2C8FD5F0-66AE-B2AE-18F0-33D4186EDE96}"/>
-          </ac:inkMkLst>
-        </pc:inkChg>
-        <pc:inkChg chg="add mod">
-          <ac:chgData name="JinFan Lu" userId="0d6d4872cb76e38f" providerId="LiveId" clId="{4D155720-5FC5-4159-B9F5-2C043724CEDA}" dt="2022-12-10T14:02:37.119" v="2385"/>
-          <ac:inkMkLst>
-            <pc:docMk/>
-            <pc:sldMk cId="1654991348" sldId="288"/>
-            <ac:inkMk id="121" creationId="{143810BF-F3E6-AFC2-017F-5B9EE7A3E295}"/>
-          </ac:inkMkLst>
-        </pc:inkChg>
-        <pc:inkChg chg="add mod">
-          <ac:chgData name="JinFan Lu" userId="0d6d4872cb76e38f" providerId="LiveId" clId="{4D155720-5FC5-4159-B9F5-2C043724CEDA}" dt="2022-12-10T14:02:37.119" v="2385"/>
-          <ac:inkMkLst>
-            <pc:docMk/>
-            <pc:sldMk cId="1654991348" sldId="288"/>
-            <ac:inkMk id="122" creationId="{310781FD-0FAD-782D-0C23-CD5A77FD5F6A}"/>
-          </ac:inkMkLst>
-        </pc:inkChg>
-        <pc:inkChg chg="add mod">
-          <ac:chgData name="JinFan Lu" userId="0d6d4872cb76e38f" providerId="LiveId" clId="{4D155720-5FC5-4159-B9F5-2C043724CEDA}" dt="2022-12-10T14:02:37.119" v="2385"/>
-          <ac:inkMkLst>
-            <pc:docMk/>
-            <pc:sldMk cId="1654991348" sldId="288"/>
-            <ac:inkMk id="123" creationId="{AD26632E-B9E7-B687-0854-950B3DD2BA79}"/>
-          </ac:inkMkLst>
-        </pc:inkChg>
-        <pc:inkChg chg="add mod">
-          <ac:chgData name="JinFan Lu" userId="0d6d4872cb76e38f" providerId="LiveId" clId="{4D155720-5FC5-4159-B9F5-2C043724CEDA}" dt="2022-12-10T14:02:37.119" v="2385"/>
-          <ac:inkMkLst>
-            <pc:docMk/>
-            <pc:sldMk cId="1654991348" sldId="288"/>
-            <ac:inkMk id="124" creationId="{2C19499C-C54D-C487-9842-0BF896579CB3}"/>
-          </ac:inkMkLst>
-        </pc:inkChg>
-        <pc:inkChg chg="add mod">
-          <ac:chgData name="JinFan Lu" userId="0d6d4872cb76e38f" providerId="LiveId" clId="{4D155720-5FC5-4159-B9F5-2C043724CEDA}" dt="2022-12-10T14:02:37.119" v="2385"/>
-          <ac:inkMkLst>
-            <pc:docMk/>
-            <pc:sldMk cId="1654991348" sldId="288"/>
-            <ac:inkMk id="125" creationId="{7BD7C3ED-F8E0-C705-CAF5-BD26ED2FF248}"/>
-          </ac:inkMkLst>
-        </pc:inkChg>
-        <pc:inkChg chg="add mod">
-          <ac:chgData name="JinFan Lu" userId="0d6d4872cb76e38f" providerId="LiveId" clId="{4D155720-5FC5-4159-B9F5-2C043724CEDA}" dt="2022-12-10T14:02:37.119" v="2385"/>
-          <ac:inkMkLst>
-            <pc:docMk/>
-            <pc:sldMk cId="1654991348" sldId="288"/>
-            <ac:inkMk id="126" creationId="{27A83933-8CBB-150D-D48D-CA4D5EA04B3D}"/>
-          </ac:inkMkLst>
-        </pc:inkChg>
-        <pc:inkChg chg="add mod">
-          <ac:chgData name="JinFan Lu" userId="0d6d4872cb76e38f" providerId="LiveId" clId="{4D155720-5FC5-4159-B9F5-2C043724CEDA}" dt="2022-12-10T14:02:37.119" v="2385"/>
-          <ac:inkMkLst>
-            <pc:docMk/>
-            <pc:sldMk cId="1654991348" sldId="288"/>
-            <ac:inkMk id="127" creationId="{E8025EC1-DC51-CB04-0CB9-55BF90BED8BE}"/>
-          </ac:inkMkLst>
-        </pc:inkChg>
-        <pc:inkChg chg="add del mod">
-          <ac:chgData name="JinFan Lu" userId="0d6d4872cb76e38f" providerId="LiveId" clId="{4D155720-5FC5-4159-B9F5-2C043724CEDA}" dt="2022-12-10T14:02:08.603" v="2353"/>
-          <ac:inkMkLst>
-            <pc:docMk/>
-            <pc:sldMk cId="1654991348" sldId="288"/>
-            <ac:inkMk id="130" creationId="{E3F4D3B2-749A-40FF-1E11-E2D473B5A328}"/>
-          </ac:inkMkLst>
-        </pc:inkChg>
-        <pc:inkChg chg="add del mod">
-          <ac:chgData name="JinFan Lu" userId="0d6d4872cb76e38f" providerId="LiveId" clId="{4D155720-5FC5-4159-B9F5-2C043724CEDA}" dt="2022-12-10T14:02:08.603" v="2354"/>
-          <ac:inkMkLst>
-            <pc:docMk/>
-            <pc:sldMk cId="1654991348" sldId="288"/>
-            <ac:inkMk id="131" creationId="{0D2B0D1B-0946-71EE-4B47-E354D10C7CAD}"/>
-          </ac:inkMkLst>
-        </pc:inkChg>
-        <pc:inkChg chg="add del mod">
-          <ac:chgData name="JinFan Lu" userId="0d6d4872cb76e38f" providerId="LiveId" clId="{4D155720-5FC5-4159-B9F5-2C043724CEDA}" dt="2022-12-10T14:01:53.592" v="2329"/>
-          <ac:inkMkLst>
-            <pc:docMk/>
-            <pc:sldMk cId="1654991348" sldId="288"/>
-            <ac:inkMk id="133" creationId="{B3B8C3AD-A650-74E6-006D-2B9D76034B73}"/>
-          </ac:inkMkLst>
-        </pc:inkChg>
-        <pc:inkChg chg="add del mod">
-          <ac:chgData name="JinFan Lu" userId="0d6d4872cb76e38f" providerId="LiveId" clId="{4D155720-5FC5-4159-B9F5-2C043724CEDA}" dt="2022-12-10T14:01:53.593" v="2330"/>
-          <ac:inkMkLst>
-            <pc:docMk/>
-            <pc:sldMk cId="1654991348" sldId="288"/>
-            <ac:inkMk id="134" creationId="{CD8D06F6-F3BB-DE61-6867-587F2BF5A9A2}"/>
-          </ac:inkMkLst>
-        </pc:inkChg>
-        <pc:inkChg chg="add del mod">
-          <ac:chgData name="JinFan Lu" userId="0d6d4872cb76e38f" providerId="LiveId" clId="{4D155720-5FC5-4159-B9F5-2C043724CEDA}" dt="2022-12-10T14:01:59.145" v="2336"/>
-          <ac:inkMkLst>
-            <pc:docMk/>
-            <pc:sldMk cId="1654991348" sldId="288"/>
-            <ac:inkMk id="135" creationId="{B6B47306-B554-E947-5CF6-17001C1D2ED6}"/>
-          </ac:inkMkLst>
-        </pc:inkChg>
-        <pc:inkChg chg="add del mod">
-          <ac:chgData name="JinFan Lu" userId="0d6d4872cb76e38f" providerId="LiveId" clId="{4D155720-5FC5-4159-B9F5-2C043724CEDA}" dt="2022-12-10T14:01:53.592" v="2328"/>
-          <ac:inkMkLst>
-            <pc:docMk/>
-            <pc:sldMk cId="1654991348" sldId="288"/>
-            <ac:inkMk id="136" creationId="{A77F3E2A-7C76-B674-FC81-F0BF9EF62D38}"/>
-          </ac:inkMkLst>
-        </pc:inkChg>
-        <pc:inkChg chg="add del mod">
-          <ac:chgData name="JinFan Lu" userId="0d6d4872cb76e38f" providerId="LiveId" clId="{4D155720-5FC5-4159-B9F5-2C043724CEDA}" dt="2022-12-10T14:01:58.412" v="2335"/>
-          <ac:inkMkLst>
-            <pc:docMk/>
-            <pc:sldMk cId="1654991348" sldId="288"/>
-            <ac:inkMk id="138" creationId="{B07F09B6-6B4A-7F1E-63DC-1B080A29F735}"/>
-          </ac:inkMkLst>
-        </pc:inkChg>
-        <pc:inkChg chg="add del mod">
-          <ac:chgData name="JinFan Lu" userId="0d6d4872cb76e38f" providerId="LiveId" clId="{4D155720-5FC5-4159-B9F5-2C043724CEDA}" dt="2022-12-10T14:01:58.411" v="2334"/>
-          <ac:inkMkLst>
-            <pc:docMk/>
-            <pc:sldMk cId="1654991348" sldId="288"/>
-            <ac:inkMk id="139" creationId="{192789BB-15B4-6EAD-E6C7-32261DC35C59}"/>
-          </ac:inkMkLst>
-        </pc:inkChg>
-        <pc:inkChg chg="add del mod">
-          <ac:chgData name="JinFan Lu" userId="0d6d4872cb76e38f" providerId="LiveId" clId="{4D155720-5FC5-4159-B9F5-2C043724CEDA}" dt="2022-12-10T14:02:08.603" v="2351"/>
-          <ac:inkMkLst>
-            <pc:docMk/>
-            <pc:sldMk cId="1654991348" sldId="288"/>
-            <ac:inkMk id="141" creationId="{92CDE9C5-E75B-07F8-BDA9-EB0C4385A935}"/>
-          </ac:inkMkLst>
-        </pc:inkChg>
-        <pc:inkChg chg="add del mod">
-          <ac:chgData name="JinFan Lu" userId="0d6d4872cb76e38f" providerId="LiveId" clId="{4D155720-5FC5-4159-B9F5-2C043724CEDA}" dt="2022-12-10T14:02:08.603" v="2352"/>
-          <ac:inkMkLst>
-            <pc:docMk/>
-            <pc:sldMk cId="1654991348" sldId="288"/>
-            <ac:inkMk id="142" creationId="{7EF1707B-6265-E854-FADE-079DE6E2EA2E}"/>
-          </ac:inkMkLst>
-        </pc:inkChg>
-        <pc:inkChg chg="add del mod">
-          <ac:chgData name="JinFan Lu" userId="0d6d4872cb76e38f" providerId="LiveId" clId="{4D155720-5FC5-4159-B9F5-2C043724CEDA}" dt="2022-12-10T14:02:08.602" v="2349"/>
-          <ac:inkMkLst>
-            <pc:docMk/>
-            <pc:sldMk cId="1654991348" sldId="288"/>
-            <ac:inkMk id="143" creationId="{865F2EE8-826B-8078-6636-BB710E6753C2}"/>
-          </ac:inkMkLst>
-        </pc:inkChg>
-        <pc:inkChg chg="add del mod">
-          <ac:chgData name="JinFan Lu" userId="0d6d4872cb76e38f" providerId="LiveId" clId="{4D155720-5FC5-4159-B9F5-2C043724CEDA}" dt="2022-12-10T14:02:08.602" v="2348"/>
-          <ac:inkMkLst>
-            <pc:docMk/>
-            <pc:sldMk cId="1654991348" sldId="288"/>
-            <ac:inkMk id="144" creationId="{77A18C5F-DBF4-25A8-30DE-B8DEE419D1B1}"/>
-          </ac:inkMkLst>
-        </pc:inkChg>
-        <pc:inkChg chg="add del mod">
-          <ac:chgData name="JinFan Lu" userId="0d6d4872cb76e38f" providerId="LiveId" clId="{4D155720-5FC5-4159-B9F5-2C043724CEDA}" dt="2022-12-10T14:02:08.602" v="2347"/>
-          <ac:inkMkLst>
-            <pc:docMk/>
-            <pc:sldMk cId="1654991348" sldId="288"/>
-            <ac:inkMk id="145" creationId="{86F9DE7A-A970-1476-A831-DD2D2668DB5D}"/>
-          </ac:inkMkLst>
-        </pc:inkChg>
-        <pc:inkChg chg="add del mod">
-          <ac:chgData name="JinFan Lu" userId="0d6d4872cb76e38f" providerId="LiveId" clId="{4D155720-5FC5-4159-B9F5-2C043724CEDA}" dt="2022-12-10T14:02:08.604" v="2355"/>
-          <ac:inkMkLst>
-            <pc:docMk/>
-            <pc:sldMk cId="1654991348" sldId="288"/>
-            <ac:inkMk id="146" creationId="{9F837FC5-F7CD-89FF-3446-65135F340E9C}"/>
-          </ac:inkMkLst>
-        </pc:inkChg>
-        <pc:inkChg chg="add del mod">
-          <ac:chgData name="JinFan Lu" userId="0d6d4872cb76e38f" providerId="LiveId" clId="{4D155720-5FC5-4159-B9F5-2C043724CEDA}" dt="2022-12-10T14:02:08.603" v="2350"/>
-          <ac:inkMkLst>
-            <pc:docMk/>
-            <pc:sldMk cId="1654991348" sldId="288"/>
-            <ac:inkMk id="147" creationId="{36865D9B-5E82-5BA0-FAC5-1DF1F3EDEE12}"/>
-          </ac:inkMkLst>
-        </pc:inkChg>
-        <pc:inkChg chg="add del">
-          <ac:chgData name="JinFan Lu" userId="0d6d4872cb76e38f" providerId="LiveId" clId="{4D155720-5FC5-4159-B9F5-2C043724CEDA}" dt="2022-12-10T14:02:22.926" v="2374"/>
-          <ac:inkMkLst>
-            <pc:docMk/>
-            <pc:sldMk cId="1654991348" sldId="288"/>
-            <ac:inkMk id="148" creationId="{57A8291C-4002-C703-025B-5B546849076A}"/>
-          </ac:inkMkLst>
-        </pc:inkChg>
-        <pc:inkChg chg="add mod">
-          <ac:chgData name="JinFan Lu" userId="0d6d4872cb76e38f" providerId="LiveId" clId="{4D155720-5FC5-4159-B9F5-2C043724CEDA}" dt="2022-12-10T14:02:37.119" v="2385"/>
-          <ac:inkMkLst>
-            <pc:docMk/>
-            <pc:sldMk cId="1654991348" sldId="288"/>
-            <ac:inkMk id="151" creationId="{43065A30-27AD-A596-D2CB-9B566AF8798C}"/>
-          </ac:inkMkLst>
-        </pc:inkChg>
-        <pc:inkChg chg="add mod">
-          <ac:chgData name="JinFan Lu" userId="0d6d4872cb76e38f" providerId="LiveId" clId="{4D155720-5FC5-4159-B9F5-2C043724CEDA}" dt="2022-12-10T14:02:37.119" v="2385"/>
-          <ac:inkMkLst>
-            <pc:docMk/>
-            <pc:sldMk cId="1654991348" sldId="288"/>
-            <ac:inkMk id="152" creationId="{C3BBD6F0-5E1F-7680-E580-A588731376D3}"/>
-          </ac:inkMkLst>
-        </pc:inkChg>
-        <pc:inkChg chg="add mod">
-          <ac:chgData name="JinFan Lu" userId="0d6d4872cb76e38f" providerId="LiveId" clId="{4D155720-5FC5-4159-B9F5-2C043724CEDA}" dt="2022-12-10T14:02:37.119" v="2385"/>
-          <ac:inkMkLst>
-            <pc:docMk/>
-            <pc:sldMk cId="1654991348" sldId="288"/>
-            <ac:inkMk id="153" creationId="{04F9F20D-F0E3-CE24-DC01-514227DBD272}"/>
-          </ac:inkMkLst>
-        </pc:inkChg>
-        <pc:inkChg chg="add mod">
-          <ac:chgData name="JinFan Lu" userId="0d6d4872cb76e38f" providerId="LiveId" clId="{4D155720-5FC5-4159-B9F5-2C043724CEDA}" dt="2022-12-10T14:02:37.119" v="2385"/>
-          <ac:inkMkLst>
-            <pc:docMk/>
-            <pc:sldMk cId="1654991348" sldId="288"/>
-            <ac:inkMk id="154" creationId="{6FA43090-FE64-BE14-065D-8111D76DDC2D}"/>
-          </ac:inkMkLst>
-        </pc:inkChg>
-        <pc:inkChg chg="add del mod">
-          <ac:chgData name="JinFan Lu" userId="0d6d4872cb76e38f" providerId="LiveId" clId="{4D155720-5FC5-4159-B9F5-2C043724CEDA}" dt="2022-12-10T14:02:22.925" v="2372"/>
-          <ac:inkMkLst>
-            <pc:docMk/>
-            <pc:sldMk cId="1654991348" sldId="288"/>
-            <ac:inkMk id="156" creationId="{C3B3861F-C8A6-1C64-E362-EEAA9B32F6BA}"/>
-          </ac:inkMkLst>
-        </pc:inkChg>
-        <pc:inkChg chg="add del mod">
-          <ac:chgData name="JinFan Lu" userId="0d6d4872cb76e38f" providerId="LiveId" clId="{4D155720-5FC5-4159-B9F5-2C043724CEDA}" dt="2022-12-10T14:02:22.924" v="2368"/>
-          <ac:inkMkLst>
-            <pc:docMk/>
-            <pc:sldMk cId="1654991348" sldId="288"/>
-            <ac:inkMk id="157" creationId="{4A61346D-66E1-E066-0882-830BD9AC63BD}"/>
-          </ac:inkMkLst>
-        </pc:inkChg>
-        <pc:inkChg chg="add del mod">
-          <ac:chgData name="JinFan Lu" userId="0d6d4872cb76e38f" providerId="LiveId" clId="{4D155720-5FC5-4159-B9F5-2C043724CEDA}" dt="2022-12-10T14:02:22.925" v="2369"/>
-          <ac:inkMkLst>
-            <pc:docMk/>
-            <pc:sldMk cId="1654991348" sldId="288"/>
-            <ac:inkMk id="158" creationId="{5246AA45-675C-4295-027B-16EEE48FD7EB}"/>
-          </ac:inkMkLst>
-        </pc:inkChg>
-        <pc:inkChg chg="add del mod">
-          <ac:chgData name="JinFan Lu" userId="0d6d4872cb76e38f" providerId="LiveId" clId="{4D155720-5FC5-4159-B9F5-2C043724CEDA}" dt="2022-12-10T14:02:22.925" v="2370"/>
-          <ac:inkMkLst>
-            <pc:docMk/>
-            <pc:sldMk cId="1654991348" sldId="288"/>
-            <ac:inkMk id="159" creationId="{D825C484-BBEB-B3E0-E8AA-EF37EF0E86A1}"/>
-          </ac:inkMkLst>
-        </pc:inkChg>
-        <pc:inkChg chg="add del mod">
-          <ac:chgData name="JinFan Lu" userId="0d6d4872cb76e38f" providerId="LiveId" clId="{4D155720-5FC5-4159-B9F5-2C043724CEDA}" dt="2022-12-10T14:02:22.926" v="2375"/>
-          <ac:inkMkLst>
-            <pc:docMk/>
-            <pc:sldMk cId="1654991348" sldId="288"/>
-            <ac:inkMk id="160" creationId="{28F844F6-A95C-9F77-7AA1-7FCB6F79C689}"/>
-          </ac:inkMkLst>
-        </pc:inkChg>
-        <pc:inkChg chg="add del mod">
-          <ac:chgData name="JinFan Lu" userId="0d6d4872cb76e38f" providerId="LiveId" clId="{4D155720-5FC5-4159-B9F5-2C043724CEDA}" dt="2022-12-10T14:02:22.926" v="2373"/>
-          <ac:inkMkLst>
-            <pc:docMk/>
-            <pc:sldMk cId="1654991348" sldId="288"/>
-            <ac:inkMk id="161" creationId="{42CC7FD4-D08B-C314-8F9F-3D589712708F}"/>
-          </ac:inkMkLst>
-        </pc:inkChg>
-        <pc:inkChg chg="add mod">
-          <ac:chgData name="JinFan Lu" userId="0d6d4872cb76e38f" providerId="LiveId" clId="{4D155720-5FC5-4159-B9F5-2C043724CEDA}" dt="2022-12-10T14:02:37.119" v="2385"/>
-          <ac:inkMkLst>
-            <pc:docMk/>
-            <pc:sldMk cId="1654991348" sldId="288"/>
-            <ac:inkMk id="163" creationId="{EE8CBB24-7BC5-175D-64F0-76FF8295D005}"/>
-          </ac:inkMkLst>
-        </pc:inkChg>
-        <pc:inkChg chg="add mod">
-          <ac:chgData name="JinFan Lu" userId="0d6d4872cb76e38f" providerId="LiveId" clId="{4D155720-5FC5-4159-B9F5-2C043724CEDA}" dt="2022-12-10T14:02:37.119" v="2385"/>
-          <ac:inkMkLst>
-            <pc:docMk/>
-            <pc:sldMk cId="1654991348" sldId="288"/>
-            <ac:inkMk id="164" creationId="{649338F7-5A2C-A758-7F91-F14BB891E58F}"/>
-          </ac:inkMkLst>
-        </pc:inkChg>
-        <pc:inkChg chg="add mod">
-          <ac:chgData name="JinFan Lu" userId="0d6d4872cb76e38f" providerId="LiveId" clId="{4D155720-5FC5-4159-B9F5-2C043724CEDA}" dt="2022-12-10T14:02:37.119" v="2385"/>
-          <ac:inkMkLst>
-            <pc:docMk/>
-            <pc:sldMk cId="1654991348" sldId="288"/>
-            <ac:inkMk id="165" creationId="{760B5390-D10E-6D19-5711-5EDCA99861F7}"/>
-          </ac:inkMkLst>
-        </pc:inkChg>
-        <pc:inkChg chg="add mod">
-          <ac:chgData name="JinFan Lu" userId="0d6d4872cb76e38f" providerId="LiveId" clId="{4D155720-5FC5-4159-B9F5-2C043724CEDA}" dt="2022-12-10T14:02:37.119" v="2385"/>
-          <ac:inkMkLst>
-            <pc:docMk/>
-            <pc:sldMk cId="1654991348" sldId="288"/>
-            <ac:inkMk id="166" creationId="{A7BB2D76-A38D-2B3C-7C82-6D4628236375}"/>
-          </ac:inkMkLst>
-        </pc:inkChg>
-        <pc:inkChg chg="add mod">
-          <ac:chgData name="JinFan Lu" userId="0d6d4872cb76e38f" providerId="LiveId" clId="{4D155720-5FC5-4159-B9F5-2C043724CEDA}" dt="2022-12-10T14:02:37.119" v="2385"/>
-          <ac:inkMkLst>
-            <pc:docMk/>
-            <pc:sldMk cId="1654991348" sldId="288"/>
-            <ac:inkMk id="167" creationId="{D3CE77F6-64A4-A74F-FA86-3EA83358274A}"/>
-          </ac:inkMkLst>
-        </pc:inkChg>
-        <pc:inkChg chg="add mod">
-          <ac:chgData name="JinFan Lu" userId="0d6d4872cb76e38f" providerId="LiveId" clId="{4D155720-5FC5-4159-B9F5-2C043724CEDA}" dt="2022-12-10T14:02:37.119" v="2385"/>
-          <ac:inkMkLst>
-            <pc:docMk/>
-            <pc:sldMk cId="1654991348" sldId="288"/>
-            <ac:inkMk id="168" creationId="{D767C6ED-8D69-DC6D-10D0-1B197925A845}"/>
-          </ac:inkMkLst>
-        </pc:inkChg>
-        <pc:inkChg chg="add mod">
-          <ac:chgData name="JinFan Lu" userId="0d6d4872cb76e38f" providerId="LiveId" clId="{4D155720-5FC5-4159-B9F5-2C043724CEDA}" dt="2022-12-10T14:02:37.119" v="2385"/>
-          <ac:inkMkLst>
-            <pc:docMk/>
-            <pc:sldMk cId="1654991348" sldId="288"/>
-            <ac:inkMk id="169" creationId="{D7DFE070-039F-0991-5D10-63878BF45B3F}"/>
-          </ac:inkMkLst>
-        </pc:inkChg>
-        <pc:inkChg chg="add mod">
-          <ac:chgData name="JinFan Lu" userId="0d6d4872cb76e38f" providerId="LiveId" clId="{4D155720-5FC5-4159-B9F5-2C043724CEDA}" dt="2022-12-10T14:02:37.119" v="2385"/>
-          <ac:inkMkLst>
-            <pc:docMk/>
-            <pc:sldMk cId="1654991348" sldId="288"/>
-            <ac:inkMk id="171" creationId="{15840596-594F-16B2-5544-83605D78DFF3}"/>
-          </ac:inkMkLst>
-        </pc:inkChg>
-      </pc:sldChg>
-      <pc:sldChg chg="add del">
-        <pc:chgData name="JinFan Lu" userId="0d6d4872cb76e38f" providerId="LiveId" clId="{4D155720-5FC5-4159-B9F5-2C043724CEDA}" dt="2022-12-10T14:06:02.574" v="2455"/>
-        <pc:sldMkLst>
-          <pc:docMk/>
-          <pc:sldMk cId="269776619" sldId="289"/>
-        </pc:sldMkLst>
-      </pc:sldChg>
-      <pc:sldChg chg="addSp delSp modSp add mod delAnim">
-        <pc:chgData name="JinFan Lu" userId="0d6d4872cb76e38f" providerId="LiveId" clId="{4D155720-5FC5-4159-B9F5-2C043724CEDA}" dt="2022-12-10T14:13:16.674" v="2694"/>
-        <pc:sldMkLst>
-          <pc:docMk/>
-          <pc:sldMk cId="4275058371" sldId="289"/>
-        </pc:sldMkLst>
-        <pc:spChg chg="add del mod">
-          <ac:chgData name="JinFan Lu" userId="0d6d4872cb76e38f" providerId="LiveId" clId="{4D155720-5FC5-4159-B9F5-2C043724CEDA}" dt="2022-12-10T14:08:27.795" v="2479"/>
-          <ac:spMkLst>
-            <pc:docMk/>
-            <pc:sldMk cId="4275058371" sldId="289"/>
-            <ac:spMk id="2" creationId="{BA50D911-5B16-99A0-E74F-1C869653E52D}"/>
-          </ac:spMkLst>
-        </pc:spChg>
-        <pc:spChg chg="del">
-          <ac:chgData name="JinFan Lu" userId="0d6d4872cb76e38f" providerId="LiveId" clId="{4D155720-5FC5-4159-B9F5-2C043724CEDA}" dt="2022-12-10T14:06:09.247" v="2458" actId="478"/>
-          <ac:spMkLst>
-            <pc:docMk/>
-            <pc:sldMk cId="4275058371" sldId="289"/>
-            <ac:spMk id="3" creationId="{E8513558-5716-0642-3A9B-7C6EADA465CF}"/>
-          </ac:spMkLst>
-        </pc:spChg>
-        <pc:spChg chg="add mod">
-          <ac:chgData name="JinFan Lu" userId="0d6d4872cb76e38f" providerId="LiveId" clId="{4D155720-5FC5-4159-B9F5-2C043724CEDA}" dt="2022-12-10T14:09:07.769" v="2530" actId="1076"/>
-          <ac:spMkLst>
-            <pc:docMk/>
-            <pc:sldMk cId="4275058371" sldId="289"/>
-            <ac:spMk id="6" creationId="{45118AD1-54F4-BE4B-93DB-FE04F9AD5A2E}"/>
-          </ac:spMkLst>
-        </pc:spChg>
-        <pc:spChg chg="add mod">
-          <ac:chgData name="JinFan Lu" userId="0d6d4872cb76e38f" providerId="LiveId" clId="{4D155720-5FC5-4159-B9F5-2C043724CEDA}" dt="2022-12-10T14:09:15.729" v="2532" actId="1076"/>
-          <ac:spMkLst>
-            <pc:docMk/>
-            <pc:sldMk cId="4275058371" sldId="289"/>
-            <ac:spMk id="8" creationId="{8E74D8A7-DE9D-BFFD-D7E7-8C236A45F65E}"/>
-          </ac:spMkLst>
-        </pc:spChg>
-        <pc:spChg chg="del">
-          <ac:chgData name="JinFan Lu" userId="0d6d4872cb76e38f" providerId="LiveId" clId="{4D155720-5FC5-4159-B9F5-2C043724CEDA}" dt="2022-12-10T14:06:21.068" v="2460" actId="478"/>
-          <ac:spMkLst>
-            <pc:docMk/>
-            <pc:sldMk cId="4275058371" sldId="289"/>
-            <ac:spMk id="8" creationId="{9B3F8E3B-09B4-6185-F40D-1CF24112322B}"/>
-          </ac:spMkLst>
-        </pc:spChg>
-        <pc:spChg chg="add mod">
-          <ac:chgData name="JinFan Lu" userId="0d6d4872cb76e38f" providerId="LiveId" clId="{4D155720-5FC5-4159-B9F5-2C043724CEDA}" dt="2022-12-10T14:11:42.193" v="2634" actId="20577"/>
-          <ac:spMkLst>
-            <pc:docMk/>
-            <pc:sldMk cId="4275058371" sldId="289"/>
-            <ac:spMk id="13" creationId="{30457547-D172-F0D5-23B1-8B7F9E08FBFC}"/>
-          </ac:spMkLst>
-        </pc:spChg>
-        <pc:spChg chg="add mod">
-          <ac:chgData name="JinFan Lu" userId="0d6d4872cb76e38f" providerId="LiveId" clId="{4D155720-5FC5-4159-B9F5-2C043724CEDA}" dt="2022-12-10T14:11:49.009" v="2636" actId="1076"/>
-          <ac:spMkLst>
-            <pc:docMk/>
-            <pc:sldMk cId="4275058371" sldId="289"/>
-            <ac:spMk id="14" creationId="{10A1C368-5678-B7BC-E79E-A7A3A59FE56C}"/>
-          </ac:spMkLst>
-        </pc:spChg>
-        <pc:spChg chg="add mod">
-          <ac:chgData name="JinFan Lu" userId="0d6d4872cb76e38f" providerId="LiveId" clId="{4D155720-5FC5-4159-B9F5-2C043724CEDA}" dt="2022-12-10T14:12:35.715" v="2692" actId="20577"/>
-          <ac:spMkLst>
-            <pc:docMk/>
-            <pc:sldMk cId="4275058371" sldId="289"/>
-            <ac:spMk id="15" creationId="{DA611C08-2E89-8E32-CF76-66A08452FE52}"/>
-          </ac:spMkLst>
-        </pc:spChg>
-        <pc:spChg chg="add mod">
-          <ac:chgData name="JinFan Lu" userId="0d6d4872cb76e38f" providerId="LiveId" clId="{4D155720-5FC5-4159-B9F5-2C043724CEDA}" dt="2022-12-10T14:11:59.974" v="2640" actId="1076"/>
-          <ac:spMkLst>
-            <pc:docMk/>
-            <pc:sldMk cId="4275058371" sldId="289"/>
-            <ac:spMk id="18" creationId="{027822CA-7ACB-018C-C81D-4FB12E533CD3}"/>
-          </ac:spMkLst>
-        </pc:spChg>
-        <pc:spChg chg="add del mod">
-          <ac:chgData name="JinFan Lu" userId="0d6d4872cb76e38f" providerId="LiveId" clId="{4D155720-5FC5-4159-B9F5-2C043724CEDA}" dt="2022-12-10T14:13:16.674" v="2694"/>
-          <ac:spMkLst>
-            <pc:docMk/>
-            <pc:sldMk cId="4275058371" sldId="289"/>
-            <ac:spMk id="19" creationId="{6BC58F81-EB7D-FC64-0444-C343E049C4F8}"/>
-          </ac:spMkLst>
-        </pc:spChg>
-        <pc:spChg chg="del">
-          <ac:chgData name="JinFan Lu" userId="0d6d4872cb76e38f" providerId="LiveId" clId="{4D155720-5FC5-4159-B9F5-2C043724CEDA}" dt="2022-12-10T14:06:22.540" v="2461" actId="478"/>
-          <ac:spMkLst>
-            <pc:docMk/>
-            <pc:sldMk cId="4275058371" sldId="289"/>
-            <ac:spMk id="173" creationId="{68A02FF7-ACAB-0CD7-7CA2-1F4424C162E1}"/>
-          </ac:spMkLst>
-        </pc:spChg>
-        <pc:grpChg chg="del">
-          <ac:chgData name="JinFan Lu" userId="0d6d4872cb76e38f" providerId="LiveId" clId="{4D155720-5FC5-4159-B9F5-2C043724CEDA}" dt="2022-12-10T14:06:19.077" v="2459" actId="478"/>
-          <ac:grpSpMkLst>
-            <pc:docMk/>
-            <pc:sldMk cId="4275058371" sldId="289"/>
-            <ac:grpSpMk id="54" creationId="{4302A38C-5AF6-806E-6BA5-A44FDAC07CF2}"/>
-          </ac:grpSpMkLst>
-        </pc:grpChg>
-        <pc:grpChg chg="del">
-          <ac:chgData name="JinFan Lu" userId="0d6d4872cb76e38f" providerId="LiveId" clId="{4D155720-5FC5-4159-B9F5-2C043724CEDA}" dt="2022-12-10T14:06:21.068" v="2460" actId="478"/>
-          <ac:grpSpMkLst>
-            <pc:docMk/>
-            <pc:sldMk cId="4275058371" sldId="289"/>
-            <ac:grpSpMk id="76" creationId="{6C3DC733-BC1F-5E65-0DEA-60FBA4368671}"/>
-          </ac:grpSpMkLst>
-        </pc:grpChg>
-        <pc:grpChg chg="del">
-          <ac:chgData name="JinFan Lu" userId="0d6d4872cb76e38f" providerId="LiveId" clId="{4D155720-5FC5-4159-B9F5-2C043724CEDA}" dt="2022-12-10T14:06:21.068" v="2460" actId="478"/>
-          <ac:grpSpMkLst>
-            <pc:docMk/>
-            <pc:sldMk cId="4275058371" sldId="289"/>
-            <ac:grpSpMk id="77" creationId="{5162EF53-84E9-7127-79FD-DC8B60F7D8D7}"/>
-          </ac:grpSpMkLst>
-        </pc:grpChg>
-        <pc:grpChg chg="del">
-          <ac:chgData name="JinFan Lu" userId="0d6d4872cb76e38f" providerId="LiveId" clId="{4D155720-5FC5-4159-B9F5-2C043724CEDA}" dt="2022-12-10T14:06:19.077" v="2459" actId="478"/>
-          <ac:grpSpMkLst>
-            <pc:docMk/>
-            <pc:sldMk cId="4275058371" sldId="289"/>
-            <ac:grpSpMk id="84" creationId="{40C0B7FF-68CE-C174-1D6A-20EF75BAF198}"/>
-          </ac:grpSpMkLst>
-        </pc:grpChg>
-        <pc:grpChg chg="del">
-          <ac:chgData name="JinFan Lu" userId="0d6d4872cb76e38f" providerId="LiveId" clId="{4D155720-5FC5-4159-B9F5-2C043724CEDA}" dt="2022-12-10T14:06:19.077" v="2459" actId="478"/>
-          <ac:grpSpMkLst>
-            <pc:docMk/>
-            <pc:sldMk cId="4275058371" sldId="289"/>
-            <ac:grpSpMk id="91" creationId="{F8C012E3-53EA-73AB-9788-A0D1346CA263}"/>
-          </ac:grpSpMkLst>
-        </pc:grpChg>
-        <pc:grpChg chg="del">
-          <ac:chgData name="JinFan Lu" userId="0d6d4872cb76e38f" providerId="LiveId" clId="{4D155720-5FC5-4159-B9F5-2C043724CEDA}" dt="2022-12-10T14:06:19.077" v="2459" actId="478"/>
-          <ac:grpSpMkLst>
-            <pc:docMk/>
-            <pc:sldMk cId="4275058371" sldId="289"/>
-            <ac:grpSpMk id="104" creationId="{158940FC-B364-F332-64B6-C11F57067EEA}"/>
-          </ac:grpSpMkLst>
-        </pc:grpChg>
-        <pc:grpChg chg="del">
-          <ac:chgData name="JinFan Lu" userId="0d6d4872cb76e38f" providerId="LiveId" clId="{4D155720-5FC5-4159-B9F5-2C043724CEDA}" dt="2022-12-10T14:06:19.077" v="2459" actId="478"/>
-          <ac:grpSpMkLst>
-            <pc:docMk/>
-            <pc:sldMk cId="4275058371" sldId="289"/>
-            <ac:grpSpMk id="172" creationId="{E602B949-F916-EB24-A2CF-F2AF944B3097}"/>
-          </ac:grpSpMkLst>
-        </pc:grpChg>
-        <pc:picChg chg="add mod">
-          <ac:chgData name="JinFan Lu" userId="0d6d4872cb76e38f" providerId="LiveId" clId="{4D155720-5FC5-4159-B9F5-2C043724CEDA}" dt="2022-12-10T14:11:04.831" v="2567" actId="14100"/>
-          <ac:picMkLst>
-            <pc:docMk/>
-            <pc:sldMk cId="4275058371" sldId="289"/>
-            <ac:picMk id="4" creationId="{5DB55677-0FA2-0E8F-9FF6-0A5D3D971879}"/>
-          </ac:picMkLst>
-        </pc:picChg>
-        <pc:picChg chg="add mod">
-          <ac:chgData name="JinFan Lu" userId="0d6d4872cb76e38f" providerId="LiveId" clId="{4D155720-5FC5-4159-B9F5-2C043724CEDA}" dt="2022-12-10T14:11:07.796" v="2568" actId="1076"/>
-          <ac:picMkLst>
-            <pc:docMk/>
-            <pc:sldMk cId="4275058371" sldId="289"/>
-            <ac:picMk id="10" creationId="{09D992B4-016E-4FB0-399F-06EBC3BC4EBB}"/>
-          </ac:picMkLst>
-        </pc:picChg>
-        <pc:picChg chg="del">
-          <ac:chgData name="JinFan Lu" userId="0d6d4872cb76e38f" providerId="LiveId" clId="{4D155720-5FC5-4159-B9F5-2C043724CEDA}" dt="2022-12-10T14:06:07.780" v="2457" actId="478"/>
-          <ac:picMkLst>
-            <pc:docMk/>
-            <pc:sldMk cId="4275058371" sldId="289"/>
-            <ac:picMk id="11" creationId="{B4C59F73-D62D-E3EB-37AA-922477644E02}"/>
-          </ac:picMkLst>
-        </pc:picChg>
-        <pc:picChg chg="add mod">
-          <ac:chgData name="JinFan Lu" userId="0d6d4872cb76e38f" providerId="LiveId" clId="{4D155720-5FC5-4159-B9F5-2C043724CEDA}" dt="2022-12-10T14:11:15.977" v="2569" actId="1076"/>
-          <ac:picMkLst>
-            <pc:docMk/>
-            <pc:sldMk cId="4275058371" sldId="289"/>
-            <ac:picMk id="12" creationId="{30CA9842-0853-BBBD-2B69-4877F4D16149}"/>
-          </ac:picMkLst>
-        </pc:picChg>
-        <pc:inkChg chg="del topLvl">
-          <ac:chgData name="JinFan Lu" userId="0d6d4872cb76e38f" providerId="LiveId" clId="{4D155720-5FC5-4159-B9F5-2C043724CEDA}" dt="2022-12-10T14:06:19.077" v="2459" actId="478"/>
-          <ac:inkMkLst>
-            <pc:docMk/>
-            <pc:sldMk cId="4275058371" sldId="289"/>
-            <ac:inkMk id="13" creationId="{C503C86E-1E9B-A821-86EE-51BD6917D7B8}"/>
-          </ac:inkMkLst>
-        </pc:inkChg>
-        <pc:inkChg chg="del topLvl">
-          <ac:chgData name="JinFan Lu" userId="0d6d4872cb76e38f" providerId="LiveId" clId="{4D155720-5FC5-4159-B9F5-2C043724CEDA}" dt="2022-12-10T14:06:19.077" v="2459" actId="478"/>
-          <ac:inkMkLst>
-            <pc:docMk/>
-            <pc:sldMk cId="4275058371" sldId="289"/>
-            <ac:inkMk id="20" creationId="{93A8C7BA-6507-11EB-8EF1-D80D7B352B67}"/>
-          </ac:inkMkLst>
-        </pc:inkChg>
-        <pc:inkChg chg="del topLvl">
-          <ac:chgData name="JinFan Lu" userId="0d6d4872cb76e38f" providerId="LiveId" clId="{4D155720-5FC5-4159-B9F5-2C043724CEDA}" dt="2022-12-10T14:06:19.077" v="2459" actId="478"/>
-          <ac:inkMkLst>
-            <pc:docMk/>
-            <pc:sldMk cId="4275058371" sldId="289"/>
-            <ac:inkMk id="47" creationId="{A410CE77-E163-3362-2313-5008BB2F5D2B}"/>
-          </ac:inkMkLst>
-        </pc:inkChg>
-        <pc:inkChg chg="del topLvl">
-          <ac:chgData name="JinFan Lu" userId="0d6d4872cb76e38f" providerId="LiveId" clId="{4D155720-5FC5-4159-B9F5-2C043724CEDA}" dt="2022-12-10T14:06:19.077" v="2459" actId="478"/>
-          <ac:inkMkLst>
-            <pc:docMk/>
-            <pc:sldMk cId="4275058371" sldId="289"/>
-            <ac:inkMk id="48" creationId="{14BC26B8-F55F-A34F-332F-CBDC5476BA5C}"/>
-          </ac:inkMkLst>
-        </pc:inkChg>
-        <pc:inkChg chg="del">
-          <ac:chgData name="JinFan Lu" userId="0d6d4872cb76e38f" providerId="LiveId" clId="{4D155720-5FC5-4159-B9F5-2C043724CEDA}" dt="2022-12-10T14:06:21.068" v="2460" actId="478"/>
-          <ac:inkMkLst>
-            <pc:docMk/>
-            <pc:sldMk cId="4275058371" sldId="289"/>
-            <ac:inkMk id="56" creationId="{846A596F-D096-D6A9-CC70-A32304724A1D}"/>
-          </ac:inkMkLst>
-        </pc:inkChg>
-        <pc:inkChg chg="del topLvl">
-          <ac:chgData name="JinFan Lu" userId="0d6d4872cb76e38f" providerId="LiveId" clId="{4D155720-5FC5-4159-B9F5-2C043724CEDA}" dt="2022-12-10T14:06:19.077" v="2459" actId="478"/>
-          <ac:inkMkLst>
-            <pc:docMk/>
-            <pc:sldMk cId="4275058371" sldId="289"/>
-            <ac:inkMk id="85" creationId="{D337FF01-C540-22CD-9038-6BA873F33D75}"/>
-          </ac:inkMkLst>
-        </pc:inkChg>
-        <pc:inkChg chg="del topLvl">
-          <ac:chgData name="JinFan Lu" userId="0d6d4872cb76e38f" providerId="LiveId" clId="{4D155720-5FC5-4159-B9F5-2C043724CEDA}" dt="2022-12-10T14:06:19.077" v="2459" actId="478"/>
-          <ac:inkMkLst>
-            <pc:docMk/>
-            <pc:sldMk cId="4275058371" sldId="289"/>
-            <ac:inkMk id="86" creationId="{519A55A5-A448-AE61-B59A-BEA206D16F74}"/>
-          </ac:inkMkLst>
-        </pc:inkChg>
-        <pc:inkChg chg="del">
-          <ac:chgData name="JinFan Lu" userId="0d6d4872cb76e38f" providerId="LiveId" clId="{4D155720-5FC5-4159-B9F5-2C043724CEDA}" dt="2022-12-10T14:06:19.077" v="2459" actId="478"/>
-          <ac:inkMkLst>
-            <pc:docMk/>
-            <pc:sldMk cId="4275058371" sldId="289"/>
-            <ac:inkMk id="87" creationId="{87158CBA-E958-4841-72A8-B594AEA8672E}"/>
-          </ac:inkMkLst>
-        </pc:inkChg>
-        <pc:inkChg chg="del">
-          <ac:chgData name="JinFan Lu" userId="0d6d4872cb76e38f" providerId="LiveId" clId="{4D155720-5FC5-4159-B9F5-2C043724CEDA}" dt="2022-12-10T14:06:19.077" v="2459" actId="478"/>
-          <ac:inkMkLst>
-            <pc:docMk/>
-            <pc:sldMk cId="4275058371" sldId="289"/>
-            <ac:inkMk id="88" creationId="{8495F8ED-2FDC-5924-491D-E2329A35D9FC}"/>
-          </ac:inkMkLst>
-        </pc:inkChg>
-        <pc:inkChg chg="del">
-          <ac:chgData name="JinFan Lu" userId="0d6d4872cb76e38f" providerId="LiveId" clId="{4D155720-5FC5-4159-B9F5-2C043724CEDA}" dt="2022-12-10T14:06:19.077" v="2459" actId="478"/>
-          <ac:inkMkLst>
-            <pc:docMk/>
-            <pc:sldMk cId="4275058371" sldId="289"/>
-            <ac:inkMk id="89" creationId="{F632D6D4-81BB-A3B8-3693-EF227707BC8E}"/>
-          </ac:inkMkLst>
-        </pc:inkChg>
-        <pc:inkChg chg="del">
-          <ac:chgData name="JinFan Lu" userId="0d6d4872cb76e38f" providerId="LiveId" clId="{4D155720-5FC5-4159-B9F5-2C043724CEDA}" dt="2022-12-10T14:06:19.077" v="2459" actId="478"/>
-          <ac:inkMkLst>
-            <pc:docMk/>
-            <pc:sldMk cId="4275058371" sldId="289"/>
-            <ac:inkMk id="90" creationId="{9B8EB69B-2B48-1D7B-7F4D-3CC5A184F8D7}"/>
-          </ac:inkMkLst>
-        </pc:inkChg>
-        <pc:inkChg chg="del topLvl">
-          <ac:chgData name="JinFan Lu" userId="0d6d4872cb76e38f" providerId="LiveId" clId="{4D155720-5FC5-4159-B9F5-2C043724CEDA}" dt="2022-12-10T14:06:19.077" v="2459" actId="478"/>
-          <ac:inkMkLst>
-            <pc:docMk/>
-            <pc:sldMk cId="4275058371" sldId="289"/>
-            <ac:inkMk id="92" creationId="{7A2EC93E-C160-E376-7D52-7FDB7C66FAB5}"/>
-          </ac:inkMkLst>
-        </pc:inkChg>
-        <pc:inkChg chg="del">
-          <ac:chgData name="JinFan Lu" userId="0d6d4872cb76e38f" providerId="LiveId" clId="{4D155720-5FC5-4159-B9F5-2C043724CEDA}" dt="2022-12-10T14:06:19.077" v="2459" actId="478"/>
-          <ac:inkMkLst>
-            <pc:docMk/>
-            <pc:sldMk cId="4275058371" sldId="289"/>
-            <ac:inkMk id="93" creationId="{3F674BC5-45A3-45A7-6BD9-640CC9BA8914}"/>
-          </ac:inkMkLst>
-        </pc:inkChg>
-        <pc:inkChg chg="del">
-          <ac:chgData name="JinFan Lu" userId="0d6d4872cb76e38f" providerId="LiveId" clId="{4D155720-5FC5-4159-B9F5-2C043724CEDA}" dt="2022-12-10T14:06:19.077" v="2459" actId="478"/>
-          <ac:inkMkLst>
-            <pc:docMk/>
-            <pc:sldMk cId="4275058371" sldId="289"/>
-            <ac:inkMk id="94" creationId="{73F0FF40-CC8B-830D-8414-A2C309F2FD43}"/>
-          </ac:inkMkLst>
-        </pc:inkChg>
-        <pc:inkChg chg="del">
-          <ac:chgData name="JinFan Lu" userId="0d6d4872cb76e38f" providerId="LiveId" clId="{4D155720-5FC5-4159-B9F5-2C043724CEDA}" dt="2022-12-10T14:06:19.077" v="2459" actId="478"/>
-          <ac:inkMkLst>
-            <pc:docMk/>
-            <pc:sldMk cId="4275058371" sldId="289"/>
-            <ac:inkMk id="95" creationId="{666C68F3-30E6-1AA8-2708-8631391B9A12}"/>
-          </ac:inkMkLst>
-        </pc:inkChg>
-        <pc:inkChg chg="del">
-          <ac:chgData name="JinFan Lu" userId="0d6d4872cb76e38f" providerId="LiveId" clId="{4D155720-5FC5-4159-B9F5-2C043724CEDA}" dt="2022-12-10T14:06:19.077" v="2459" actId="478"/>
-          <ac:inkMkLst>
-            <pc:docMk/>
-            <pc:sldMk cId="4275058371" sldId="289"/>
-            <ac:inkMk id="96" creationId="{94F15924-BE73-3258-F321-3115C6CA8111}"/>
-          </ac:inkMkLst>
-        </pc:inkChg>
-        <pc:inkChg chg="del">
-          <ac:chgData name="JinFan Lu" userId="0d6d4872cb76e38f" providerId="LiveId" clId="{4D155720-5FC5-4159-B9F5-2C043724CEDA}" dt="2022-12-10T14:06:19.077" v="2459" actId="478"/>
-          <ac:inkMkLst>
-            <pc:docMk/>
-            <pc:sldMk cId="4275058371" sldId="289"/>
-            <ac:inkMk id="97" creationId="{4DE457A0-2800-9EF6-AF11-562FA6227253}"/>
-          </ac:inkMkLst>
-        </pc:inkChg>
-        <pc:inkChg chg="del">
-          <ac:chgData name="JinFan Lu" userId="0d6d4872cb76e38f" providerId="LiveId" clId="{4D155720-5FC5-4159-B9F5-2C043724CEDA}" dt="2022-12-10T14:06:19.077" v="2459" actId="478"/>
-          <ac:inkMkLst>
-            <pc:docMk/>
-            <pc:sldMk cId="4275058371" sldId="289"/>
-            <ac:inkMk id="99" creationId="{80356104-0428-5404-BB2E-FBFCD43C83D3}"/>
-          </ac:inkMkLst>
-        </pc:inkChg>
-        <pc:inkChg chg="del">
-          <ac:chgData name="JinFan Lu" userId="0d6d4872cb76e38f" providerId="LiveId" clId="{4D155720-5FC5-4159-B9F5-2C043724CEDA}" dt="2022-12-10T14:06:19.077" v="2459" actId="478"/>
-          <ac:inkMkLst>
-            <pc:docMk/>
-            <pc:sldMk cId="4275058371" sldId="289"/>
-            <ac:inkMk id="100" creationId="{B73FD1C8-5235-85BD-4C11-7FAE9B543687}"/>
-          </ac:inkMkLst>
-        </pc:inkChg>
-        <pc:inkChg chg="del topLvl">
-          <ac:chgData name="JinFan Lu" userId="0d6d4872cb76e38f" providerId="LiveId" clId="{4D155720-5FC5-4159-B9F5-2C043724CEDA}" dt="2022-12-10T14:06:21.068" v="2460" actId="478"/>
-          <ac:inkMkLst>
-            <pc:docMk/>
-            <pc:sldMk cId="4275058371" sldId="289"/>
-            <ac:inkMk id="101" creationId="{11F42FA6-EDFF-1E8F-0EB1-8BFC5D33AD35}"/>
-          </ac:inkMkLst>
-        </pc:inkChg>
-        <pc:inkChg chg="del">
-          <ac:chgData name="JinFan Lu" userId="0d6d4872cb76e38f" providerId="LiveId" clId="{4D155720-5FC5-4159-B9F5-2C043724CEDA}" dt="2022-12-10T14:06:21.068" v="2460" actId="478"/>
-          <ac:inkMkLst>
-            <pc:docMk/>
-            <pc:sldMk cId="4275058371" sldId="289"/>
-            <ac:inkMk id="102" creationId="{DBC20C06-37B5-4619-B184-1C02F47B68B9}"/>
-          </ac:inkMkLst>
-        </pc:inkChg>
-        <pc:inkChg chg="del">
-          <ac:chgData name="JinFan Lu" userId="0d6d4872cb76e38f" providerId="LiveId" clId="{4D155720-5FC5-4159-B9F5-2C043724CEDA}" dt="2022-12-10T14:06:21.068" v="2460" actId="478"/>
-          <ac:inkMkLst>
-            <pc:docMk/>
-            <pc:sldMk cId="4275058371" sldId="289"/>
-            <ac:inkMk id="103" creationId="{168466BA-4FDF-DF86-F58E-EC578B096BB4}"/>
-          </ac:inkMkLst>
-        </pc:inkChg>
-        <pc:inkChg chg="del">
-          <ac:chgData name="JinFan Lu" userId="0d6d4872cb76e38f" providerId="LiveId" clId="{4D155720-5FC5-4159-B9F5-2C043724CEDA}" dt="2022-12-10T14:06:19.077" v="2459" actId="478"/>
-          <ac:inkMkLst>
-            <pc:docMk/>
-            <pc:sldMk cId="4275058371" sldId="289"/>
-            <ac:inkMk id="114" creationId="{55842EE7-85A7-B2D2-0AB3-D5721667AB6F}"/>
-          </ac:inkMkLst>
-        </pc:inkChg>
-        <pc:inkChg chg="del">
-          <ac:chgData name="JinFan Lu" userId="0d6d4872cb76e38f" providerId="LiveId" clId="{4D155720-5FC5-4159-B9F5-2C043724CEDA}" dt="2022-12-10T14:06:19.077" v="2459" actId="478"/>
-          <ac:inkMkLst>
-            <pc:docMk/>
-            <pc:sldMk cId="4275058371" sldId="289"/>
-            <ac:inkMk id="115" creationId="{265E06FA-0E62-94CA-0D03-78B0A5307677}"/>
-          </ac:inkMkLst>
-        </pc:inkChg>
-        <pc:inkChg chg="del topLvl">
-          <ac:chgData name="JinFan Lu" userId="0d6d4872cb76e38f" providerId="LiveId" clId="{4D155720-5FC5-4159-B9F5-2C043724CEDA}" dt="2022-12-10T14:06:19.077" v="2459" actId="478"/>
-          <ac:inkMkLst>
-            <pc:docMk/>
-            <pc:sldMk cId="4275058371" sldId="289"/>
-            <ac:inkMk id="117" creationId="{B4BD5757-F737-DCFE-9F1B-1E26A938236C}"/>
-          </ac:inkMkLst>
-        </pc:inkChg>
-        <pc:inkChg chg="del topLvl">
-          <ac:chgData name="JinFan Lu" userId="0d6d4872cb76e38f" providerId="LiveId" clId="{4D155720-5FC5-4159-B9F5-2C043724CEDA}" dt="2022-12-10T14:06:19.077" v="2459" actId="478"/>
-          <ac:inkMkLst>
-            <pc:docMk/>
-            <pc:sldMk cId="4275058371" sldId="289"/>
-            <ac:inkMk id="119" creationId="{744AB636-399D-7E48-755E-B29C2D5CA553}"/>
-          </ac:inkMkLst>
-        </pc:inkChg>
-        <pc:inkChg chg="del">
-          <ac:chgData name="JinFan Lu" userId="0d6d4872cb76e38f" providerId="LiveId" clId="{4D155720-5FC5-4159-B9F5-2C043724CEDA}" dt="2022-12-10T14:06:19.077" v="2459" actId="478"/>
-          <ac:inkMkLst>
-            <pc:docMk/>
-            <pc:sldMk cId="4275058371" sldId="289"/>
-            <ac:inkMk id="120" creationId="{2C8FD5F0-66AE-B2AE-18F0-33D4186EDE96}"/>
-          </ac:inkMkLst>
-        </pc:inkChg>
-        <pc:inkChg chg="del">
-          <ac:chgData name="JinFan Lu" userId="0d6d4872cb76e38f" providerId="LiveId" clId="{4D155720-5FC5-4159-B9F5-2C043724CEDA}" dt="2022-12-10T14:06:19.077" v="2459" actId="478"/>
-          <ac:inkMkLst>
-            <pc:docMk/>
-            <pc:sldMk cId="4275058371" sldId="289"/>
-            <ac:inkMk id="121" creationId="{143810BF-F3E6-AFC2-017F-5B9EE7A3E295}"/>
-          </ac:inkMkLst>
-        </pc:inkChg>
-        <pc:inkChg chg="del">
-          <ac:chgData name="JinFan Lu" userId="0d6d4872cb76e38f" providerId="LiveId" clId="{4D155720-5FC5-4159-B9F5-2C043724CEDA}" dt="2022-12-10T14:06:19.077" v="2459" actId="478"/>
-          <ac:inkMkLst>
-            <pc:docMk/>
-            <pc:sldMk cId="4275058371" sldId="289"/>
-            <ac:inkMk id="122" creationId="{310781FD-0FAD-782D-0C23-CD5A77FD5F6A}"/>
-          </ac:inkMkLst>
-        </pc:inkChg>
-        <pc:inkChg chg="del">
-          <ac:chgData name="JinFan Lu" userId="0d6d4872cb76e38f" providerId="LiveId" clId="{4D155720-5FC5-4159-B9F5-2C043724CEDA}" dt="2022-12-10T14:06:19.077" v="2459" actId="478"/>
-          <ac:inkMkLst>
-            <pc:docMk/>
-            <pc:sldMk cId="4275058371" sldId="289"/>
-            <ac:inkMk id="123" creationId="{AD26632E-B9E7-B687-0854-950B3DD2BA79}"/>
-          </ac:inkMkLst>
-        </pc:inkChg>
-        <pc:inkChg chg="del">
-          <ac:chgData name="JinFan Lu" userId="0d6d4872cb76e38f" providerId="LiveId" clId="{4D155720-5FC5-4159-B9F5-2C043724CEDA}" dt="2022-12-10T14:06:19.077" v="2459" actId="478"/>
-          <ac:inkMkLst>
-            <pc:docMk/>
-            <pc:sldMk cId="4275058371" sldId="289"/>
-            <ac:inkMk id="124" creationId="{2C19499C-C54D-C487-9842-0BF896579CB3}"/>
-          </ac:inkMkLst>
-        </pc:inkChg>
-        <pc:inkChg chg="del">
-          <ac:chgData name="JinFan Lu" userId="0d6d4872cb76e38f" providerId="LiveId" clId="{4D155720-5FC5-4159-B9F5-2C043724CEDA}" dt="2022-12-10T14:06:19.077" v="2459" actId="478"/>
-          <ac:inkMkLst>
-            <pc:docMk/>
-            <pc:sldMk cId="4275058371" sldId="289"/>
-            <ac:inkMk id="125" creationId="{7BD7C3ED-F8E0-C705-CAF5-BD26ED2FF248}"/>
-          </ac:inkMkLst>
-        </pc:inkChg>
-        <pc:inkChg chg="del">
-          <ac:chgData name="JinFan Lu" userId="0d6d4872cb76e38f" providerId="LiveId" clId="{4D155720-5FC5-4159-B9F5-2C043724CEDA}" dt="2022-12-10T14:06:19.077" v="2459" actId="478"/>
-          <ac:inkMkLst>
-            <pc:docMk/>
-            <pc:sldMk cId="4275058371" sldId="289"/>
-            <ac:inkMk id="126" creationId="{27A83933-8CBB-150D-D48D-CA4D5EA04B3D}"/>
-          </ac:inkMkLst>
-        </pc:inkChg>
-        <pc:inkChg chg="del">
-          <ac:chgData name="JinFan Lu" userId="0d6d4872cb76e38f" providerId="LiveId" clId="{4D155720-5FC5-4159-B9F5-2C043724CEDA}" dt="2022-12-10T14:06:19.077" v="2459" actId="478"/>
-          <ac:inkMkLst>
-            <pc:docMk/>
-            <pc:sldMk cId="4275058371" sldId="289"/>
-            <ac:inkMk id="127" creationId="{E8025EC1-DC51-CB04-0CB9-55BF90BED8BE}"/>
-          </ac:inkMkLst>
-        </pc:inkChg>
-        <pc:inkChg chg="del">
-          <ac:chgData name="JinFan Lu" userId="0d6d4872cb76e38f" providerId="LiveId" clId="{4D155720-5FC5-4159-B9F5-2C043724CEDA}" dt="2022-12-10T14:06:19.077" v="2459" actId="478"/>
-          <ac:inkMkLst>
-            <pc:docMk/>
-            <pc:sldMk cId="4275058371" sldId="289"/>
-            <ac:inkMk id="151" creationId="{43065A30-27AD-A596-D2CB-9B566AF8798C}"/>
-          </ac:inkMkLst>
-        </pc:inkChg>
-        <pc:inkChg chg="del">
-          <ac:chgData name="JinFan Lu" userId="0d6d4872cb76e38f" providerId="LiveId" clId="{4D155720-5FC5-4159-B9F5-2C043724CEDA}" dt="2022-12-10T14:06:19.077" v="2459" actId="478"/>
-          <ac:inkMkLst>
-            <pc:docMk/>
-            <pc:sldMk cId="4275058371" sldId="289"/>
-            <ac:inkMk id="152" creationId="{C3BBD6F0-5E1F-7680-E580-A588731376D3}"/>
-          </ac:inkMkLst>
-        </pc:inkChg>
-        <pc:inkChg chg="del">
-          <ac:chgData name="JinFan Lu" userId="0d6d4872cb76e38f" providerId="LiveId" clId="{4D155720-5FC5-4159-B9F5-2C043724CEDA}" dt="2022-12-10T14:06:19.077" v="2459" actId="478"/>
-          <ac:inkMkLst>
-            <pc:docMk/>
-            <pc:sldMk cId="4275058371" sldId="289"/>
-            <ac:inkMk id="153" creationId="{04F9F20D-F0E3-CE24-DC01-514227DBD272}"/>
-          </ac:inkMkLst>
-        </pc:inkChg>
-        <pc:inkChg chg="del">
-          <ac:chgData name="JinFan Lu" userId="0d6d4872cb76e38f" providerId="LiveId" clId="{4D155720-5FC5-4159-B9F5-2C043724CEDA}" dt="2022-12-10T14:06:19.077" v="2459" actId="478"/>
-          <ac:inkMkLst>
-            <pc:docMk/>
-            <pc:sldMk cId="4275058371" sldId="289"/>
-            <ac:inkMk id="154" creationId="{6FA43090-FE64-BE14-065D-8111D76DDC2D}"/>
-          </ac:inkMkLst>
-        </pc:inkChg>
-        <pc:inkChg chg="del">
-          <ac:chgData name="JinFan Lu" userId="0d6d4872cb76e38f" providerId="LiveId" clId="{4D155720-5FC5-4159-B9F5-2C043724CEDA}" dt="2022-12-10T14:06:19.077" v="2459" actId="478"/>
-          <ac:inkMkLst>
-            <pc:docMk/>
-            <pc:sldMk cId="4275058371" sldId="289"/>
-            <ac:inkMk id="163" creationId="{EE8CBB24-7BC5-175D-64F0-76FF8295D005}"/>
-          </ac:inkMkLst>
-        </pc:inkChg>
-        <pc:inkChg chg="del">
-          <ac:chgData name="JinFan Lu" userId="0d6d4872cb76e38f" providerId="LiveId" clId="{4D155720-5FC5-4159-B9F5-2C043724CEDA}" dt="2022-12-10T14:06:19.077" v="2459" actId="478"/>
-          <ac:inkMkLst>
-            <pc:docMk/>
-            <pc:sldMk cId="4275058371" sldId="289"/>
-            <ac:inkMk id="164" creationId="{649338F7-5A2C-A758-7F91-F14BB891E58F}"/>
-          </ac:inkMkLst>
-        </pc:inkChg>
-        <pc:inkChg chg="del">
-          <ac:chgData name="JinFan Lu" userId="0d6d4872cb76e38f" providerId="LiveId" clId="{4D155720-5FC5-4159-B9F5-2C043724CEDA}" dt="2022-12-10T14:06:19.077" v="2459" actId="478"/>
-          <ac:inkMkLst>
-            <pc:docMk/>
-            <pc:sldMk cId="4275058371" sldId="289"/>
-            <ac:inkMk id="165" creationId="{760B5390-D10E-6D19-5711-5EDCA99861F7}"/>
-          </ac:inkMkLst>
-        </pc:inkChg>
-        <pc:inkChg chg="del">
-          <ac:chgData name="JinFan Lu" userId="0d6d4872cb76e38f" providerId="LiveId" clId="{4D155720-5FC5-4159-B9F5-2C043724CEDA}" dt="2022-12-10T14:06:19.077" v="2459" actId="478"/>
-          <ac:inkMkLst>
-            <pc:docMk/>
-            <pc:sldMk cId="4275058371" sldId="289"/>
-            <ac:inkMk id="166" creationId="{A7BB2D76-A38D-2B3C-7C82-6D4628236375}"/>
-          </ac:inkMkLst>
-        </pc:inkChg>
-        <pc:inkChg chg="del">
-          <ac:chgData name="JinFan Lu" userId="0d6d4872cb76e38f" providerId="LiveId" clId="{4D155720-5FC5-4159-B9F5-2C043724CEDA}" dt="2022-12-10T14:06:19.077" v="2459" actId="478"/>
-          <ac:inkMkLst>
-            <pc:docMk/>
-            <pc:sldMk cId="4275058371" sldId="289"/>
-            <ac:inkMk id="167" creationId="{D3CE77F6-64A4-A74F-FA86-3EA83358274A}"/>
-          </ac:inkMkLst>
-        </pc:inkChg>
-        <pc:inkChg chg="del">
-          <ac:chgData name="JinFan Lu" userId="0d6d4872cb76e38f" providerId="LiveId" clId="{4D155720-5FC5-4159-B9F5-2C043724CEDA}" dt="2022-12-10T14:06:19.077" v="2459" actId="478"/>
-          <ac:inkMkLst>
-            <pc:docMk/>
-            <pc:sldMk cId="4275058371" sldId="289"/>
-            <ac:inkMk id="168" creationId="{D767C6ED-8D69-DC6D-10D0-1B197925A845}"/>
-          </ac:inkMkLst>
-        </pc:inkChg>
-        <pc:inkChg chg="del">
-          <ac:chgData name="JinFan Lu" userId="0d6d4872cb76e38f" providerId="LiveId" clId="{4D155720-5FC5-4159-B9F5-2C043724CEDA}" dt="2022-12-10T14:06:19.077" v="2459" actId="478"/>
-          <ac:inkMkLst>
-            <pc:docMk/>
-            <pc:sldMk cId="4275058371" sldId="289"/>
-            <ac:inkMk id="169" creationId="{D7DFE070-039F-0991-5D10-63878BF45B3F}"/>
-          </ac:inkMkLst>
-        </pc:inkChg>
-        <pc:inkChg chg="del">
-          <ac:chgData name="JinFan Lu" userId="0d6d4872cb76e38f" providerId="LiveId" clId="{4D155720-5FC5-4159-B9F5-2C043724CEDA}" dt="2022-12-10T14:06:19.077" v="2459" actId="478"/>
-          <ac:inkMkLst>
-            <pc:docMk/>
-            <pc:sldMk cId="4275058371" sldId="289"/>
-            <ac:inkMk id="171" creationId="{15840596-594F-16B2-5544-83605D78DFF3}"/>
-          </ac:inkMkLst>
-        </pc:inkChg>
-      </pc:sldChg>
-      <pc:sldChg chg="addSp delSp modSp add mod">
-        <pc:chgData name="JinFan Lu" userId="0d6d4872cb76e38f" providerId="LiveId" clId="{4D155720-5FC5-4159-B9F5-2C043724CEDA}" dt="2022-12-10T15:23:18.198" v="3781" actId="20577"/>
+      <pc:sldChg chg="addSp modSp mod">
+        <pc:chgData name="JinFan Lu" userId="0d6d4872cb76e38f" providerId="LiveId" clId="{7BA82023-AA2E-4A19-BDC5-58F8C77A59D6}" dt="2022-12-11T07:38:54.409" v="91" actId="1076"/>
         <pc:sldMkLst>
           <pc:docMk/>
           <pc:sldMk cId="1033672659" sldId="290"/>
         </pc:sldMkLst>
         <pc:spChg chg="add mod">
-          <ac:chgData name="JinFan Lu" userId="0d6d4872cb76e38f" providerId="LiveId" clId="{4D155720-5FC5-4159-B9F5-2C043724CEDA}" dt="2022-12-10T15:22:14.340" v="3750" actId="1076"/>
+          <ac:chgData name="JinFan Lu" userId="0d6d4872cb76e38f" providerId="LiveId" clId="{7BA82023-AA2E-4A19-BDC5-58F8C77A59D6}" dt="2022-12-11T07:38:42.717" v="89" actId="1038"/>
           <ac:spMkLst>
             <pc:docMk/>
             <pc:sldMk cId="1033672659" sldId="290"/>
-            <ac:spMk id="2" creationId="{A27843AA-FD5E-12A5-9F2C-340F9C3315A5}"/>
+            <ac:spMk id="4" creationId="{A8DE00EF-8B78-EA97-E503-898EC258F87C}"/>
           </ac:spMkLst>
         </pc:spChg>
         <pc:spChg chg="add mod">
-          <ac:chgData name="JinFan Lu" userId="0d6d4872cb76e38f" providerId="LiveId" clId="{4D155720-5FC5-4159-B9F5-2C043724CEDA}" dt="2022-12-10T15:22:14.340" v="3750" actId="1076"/>
+          <ac:chgData name="JinFan Lu" userId="0d6d4872cb76e38f" providerId="LiveId" clId="{7BA82023-AA2E-4A19-BDC5-58F8C77A59D6}" dt="2022-12-11T07:38:54.409" v="91" actId="1076"/>
           <ac:spMkLst>
             <pc:docMk/>
             <pc:sldMk cId="1033672659" sldId="290"/>
-            <ac:spMk id="3" creationId="{1C072FC8-945A-713F-3C65-4C7EA8832E05}"/>
+            <ac:spMk id="8" creationId="{7FCFD9E0-8185-4EB1-F69B-B9045EE54E84}"/>
           </ac:spMkLst>
         </pc:spChg>
-        <pc:spChg chg="mod">
-          <ac:chgData name="JinFan Lu" userId="0d6d4872cb76e38f" providerId="LiveId" clId="{4D155720-5FC5-4159-B9F5-2C043724CEDA}" dt="2022-12-10T15:22:14.340" v="3750" actId="1076"/>
-          <ac:spMkLst>
-            <pc:docMk/>
-            <pc:sldMk cId="1033672659" sldId="290"/>
-            <ac:spMk id="5" creationId="{9611B230-8845-EB30-6ADE-53DA018222E1}"/>
-          </ac:spMkLst>
-        </pc:spChg>
-        <pc:spChg chg="del mod">
-          <ac:chgData name="JinFan Lu" userId="0d6d4872cb76e38f" providerId="LiveId" clId="{4D155720-5FC5-4159-B9F5-2C043724CEDA}" dt="2022-12-10T14:13:22.075" v="2700" actId="478"/>
-          <ac:spMkLst>
-            <pc:docMk/>
-            <pc:sldMk cId="1033672659" sldId="290"/>
-            <ac:spMk id="6" creationId="{45118AD1-54F4-BE4B-93DB-FE04F9AD5A2E}"/>
-          </ac:spMkLst>
-        </pc:spChg>
-        <pc:spChg chg="mod">
-          <ac:chgData name="JinFan Lu" userId="0d6d4872cb76e38f" providerId="LiveId" clId="{4D155720-5FC5-4159-B9F5-2C043724CEDA}" dt="2022-12-10T15:22:14.340" v="3750" actId="1076"/>
-          <ac:spMkLst>
-            <pc:docMk/>
-            <pc:sldMk cId="1033672659" sldId="290"/>
-            <ac:spMk id="7" creationId="{096C5026-AC33-2041-F0AA-9B828DC92B78}"/>
-          </ac:spMkLst>
-        </pc:spChg>
-        <pc:spChg chg="del">
-          <ac:chgData name="JinFan Lu" userId="0d6d4872cb76e38f" providerId="LiveId" clId="{4D155720-5FC5-4159-B9F5-2C043724CEDA}" dt="2022-12-10T14:13:23.853" v="2702" actId="478"/>
-          <ac:spMkLst>
-            <pc:docMk/>
-            <pc:sldMk cId="1033672659" sldId="290"/>
-            <ac:spMk id="8" creationId="{8E74D8A7-DE9D-BFFD-D7E7-8C236A45F65E}"/>
-          </ac:spMkLst>
-        </pc:spChg>
-        <pc:spChg chg="add del mod">
-          <ac:chgData name="JinFan Lu" userId="0d6d4872cb76e38f" providerId="LiveId" clId="{4D155720-5FC5-4159-B9F5-2C043724CEDA}" dt="2022-12-10T14:16:41.224" v="2799" actId="767"/>
-          <ac:spMkLst>
-            <pc:docMk/>
-            <pc:sldMk cId="1033672659" sldId="290"/>
-            <ac:spMk id="9" creationId="{2F3DA2A1-2408-AABB-B39D-35836F6C9B29}"/>
-          </ac:spMkLst>
-        </pc:spChg>
-        <pc:spChg chg="add mod">
-          <ac:chgData name="JinFan Lu" userId="0d6d4872cb76e38f" providerId="LiveId" clId="{4D155720-5FC5-4159-B9F5-2C043724CEDA}" dt="2022-12-10T15:22:34.475" v="3755" actId="255"/>
-          <ac:spMkLst>
-            <pc:docMk/>
-            <pc:sldMk cId="1033672659" sldId="290"/>
-            <ac:spMk id="10" creationId="{037FB670-4960-94EF-BB88-1F2EE31A22DB}"/>
-          </ac:spMkLst>
-        </pc:spChg>
-        <pc:spChg chg="add mod">
-          <ac:chgData name="JinFan Lu" userId="0d6d4872cb76e38f" providerId="LiveId" clId="{4D155720-5FC5-4159-B9F5-2C043724CEDA}" dt="2022-12-10T15:23:18.198" v="3781" actId="20577"/>
-          <ac:spMkLst>
-            <pc:docMk/>
-            <pc:sldMk cId="1033672659" sldId="290"/>
-            <ac:spMk id="11" creationId="{330A9407-F3B4-BC71-D523-D22980F19D67}"/>
-          </ac:spMkLst>
-        </pc:spChg>
-        <pc:spChg chg="del">
-          <ac:chgData name="JinFan Lu" userId="0d6d4872cb76e38f" providerId="LiveId" clId="{4D155720-5FC5-4159-B9F5-2C043724CEDA}" dt="2022-12-10T14:13:23.040" v="2701" actId="478"/>
-          <ac:spMkLst>
-            <pc:docMk/>
-            <pc:sldMk cId="1033672659" sldId="290"/>
-            <ac:spMk id="13" creationId="{30457547-D172-F0D5-23B1-8B7F9E08FBFC}"/>
-          </ac:spMkLst>
-        </pc:spChg>
-        <pc:spChg chg="del">
-          <ac:chgData name="JinFan Lu" userId="0d6d4872cb76e38f" providerId="LiveId" clId="{4D155720-5FC5-4159-B9F5-2C043724CEDA}" dt="2022-12-10T14:13:24.411" v="2703" actId="478"/>
-          <ac:spMkLst>
-            <pc:docMk/>
-            <pc:sldMk cId="1033672659" sldId="290"/>
-            <ac:spMk id="14" creationId="{10A1C368-5678-B7BC-E79E-A7A3A59FE56C}"/>
-          </ac:spMkLst>
-        </pc:spChg>
-        <pc:spChg chg="del">
-          <ac:chgData name="JinFan Lu" userId="0d6d4872cb76e38f" providerId="LiveId" clId="{4D155720-5FC5-4159-B9F5-2C043724CEDA}" dt="2022-12-10T14:13:25.942" v="2705" actId="478"/>
-          <ac:spMkLst>
-            <pc:docMk/>
-            <pc:sldMk cId="1033672659" sldId="290"/>
-            <ac:spMk id="15" creationId="{DA611C08-2E89-8E32-CF76-66A08452FE52}"/>
-          </ac:spMkLst>
-        </pc:spChg>
-        <pc:spChg chg="mod">
-          <ac:chgData name="JinFan Lu" userId="0d6d4872cb76e38f" providerId="LiveId" clId="{4D155720-5FC5-4159-B9F5-2C043724CEDA}" dt="2022-12-10T15:22:14.340" v="3750" actId="1076"/>
-          <ac:spMkLst>
-            <pc:docMk/>
-            <pc:sldMk cId="1033672659" sldId="290"/>
-            <ac:spMk id="16" creationId="{05A4C2BA-E673-C79E-C4F0-4C488DA45533}"/>
-          </ac:spMkLst>
-        </pc:spChg>
-        <pc:spChg chg="mod">
-          <ac:chgData name="JinFan Lu" userId="0d6d4872cb76e38f" providerId="LiveId" clId="{4D155720-5FC5-4159-B9F5-2C043724CEDA}" dt="2022-12-10T15:22:14.340" v="3750" actId="1076"/>
-          <ac:spMkLst>
-            <pc:docMk/>
-            <pc:sldMk cId="1033672659" sldId="290"/>
-            <ac:spMk id="17" creationId="{C88A16F2-850F-ACD2-E635-84BA2E9FCF26}"/>
-          </ac:spMkLst>
-        </pc:spChg>
-        <pc:spChg chg="del">
-          <ac:chgData name="JinFan Lu" userId="0d6d4872cb76e38f" providerId="LiveId" clId="{4D155720-5FC5-4159-B9F5-2C043724CEDA}" dt="2022-12-10T14:13:25.065" v="2704" actId="478"/>
-          <ac:spMkLst>
-            <pc:docMk/>
-            <pc:sldMk cId="1033672659" sldId="290"/>
-            <ac:spMk id="18" creationId="{027822CA-7ACB-018C-C81D-4FB12E533CD3}"/>
-          </ac:spMkLst>
-        </pc:spChg>
-        <pc:spChg chg="add mod">
-          <ac:chgData name="JinFan Lu" userId="0d6d4872cb76e38f" providerId="LiveId" clId="{4D155720-5FC5-4159-B9F5-2C043724CEDA}" dt="2022-12-10T15:22:14.340" v="3750" actId="1076"/>
-          <ac:spMkLst>
-            <pc:docMk/>
-            <pc:sldMk cId="1033672659" sldId="290"/>
-            <ac:spMk id="19" creationId="{E574676F-DAA0-6C48-F376-100F387B7BFE}"/>
-          </ac:spMkLst>
-        </pc:spChg>
-        <pc:spChg chg="add mod">
-          <ac:chgData name="JinFan Lu" userId="0d6d4872cb76e38f" providerId="LiveId" clId="{4D155720-5FC5-4159-B9F5-2C043724CEDA}" dt="2022-12-10T15:22:14.340" v="3750" actId="1076"/>
-          <ac:spMkLst>
-            <pc:docMk/>
-            <pc:sldMk cId="1033672659" sldId="290"/>
-            <ac:spMk id="20" creationId="{369DA084-064D-41B9-1A3D-4B9662605ECC}"/>
-          </ac:spMkLst>
-        </pc:spChg>
-        <pc:picChg chg="del">
-          <ac:chgData name="JinFan Lu" userId="0d6d4872cb76e38f" providerId="LiveId" clId="{4D155720-5FC5-4159-B9F5-2C043724CEDA}" dt="2022-12-10T14:13:20.751" v="2698" actId="478"/>
-          <ac:picMkLst>
-            <pc:docMk/>
-            <pc:sldMk cId="1033672659" sldId="290"/>
-            <ac:picMk id="4" creationId="{5DB55677-0FA2-0E8F-9FF6-0A5D3D971879}"/>
-          </ac:picMkLst>
-        </pc:picChg>
-        <pc:picChg chg="add mod modCrop">
-          <ac:chgData name="JinFan Lu" userId="0d6d4872cb76e38f" providerId="LiveId" clId="{4D155720-5FC5-4159-B9F5-2C043724CEDA}" dt="2022-12-10T15:22:14.340" v="3750" actId="1076"/>
+        <pc:picChg chg="mod">
+          <ac:chgData name="JinFan Lu" userId="0d6d4872cb76e38f" providerId="LiveId" clId="{7BA82023-AA2E-4A19-BDC5-58F8C77A59D6}" dt="2022-12-11T07:38:38.955" v="65" actId="1076"/>
           <ac:picMkLst>
             <pc:docMk/>
             <pc:sldMk cId="1033672659" sldId="290"/>
             <ac:picMk id="6" creationId="{2E421C30-5091-E60A-9587-2A027B1CB12B}"/>
           </ac:picMkLst>
         </pc:picChg>
-        <pc:picChg chg="add mod modCrop">
-          <ac:chgData name="JinFan Lu" userId="0d6d4872cb76e38f" providerId="LiveId" clId="{4D155720-5FC5-4159-B9F5-2C043724CEDA}" dt="2022-12-10T15:22:14.340" v="3750" actId="1076"/>
+      </pc:sldChg>
+      <pc:sldChg chg="del">
+        <pc:chgData name="JinFan Lu" userId="0d6d4872cb76e38f" providerId="LiveId" clId="{7BA82023-AA2E-4A19-BDC5-58F8C77A59D6}" dt="2022-12-11T07:38:09.176" v="57" actId="47"/>
+        <pc:sldMkLst>
+          <pc:docMk/>
+          <pc:sldMk cId="1804058426" sldId="293"/>
+        </pc:sldMkLst>
+      </pc:sldChg>
+      <pc:sldChg chg="addSp delSp modSp mod">
+        <pc:chgData name="JinFan Lu" userId="0d6d4872cb76e38f" providerId="LiveId" clId="{7BA82023-AA2E-4A19-BDC5-58F8C77A59D6}" dt="2022-12-11T07:41:12.350" v="139" actId="1076"/>
+        <pc:sldMkLst>
+          <pc:docMk/>
+          <pc:sldMk cId="3318405941" sldId="296"/>
+        </pc:sldMkLst>
+        <pc:spChg chg="add del mod">
+          <ac:chgData name="JinFan Lu" userId="0d6d4872cb76e38f" providerId="LiveId" clId="{7BA82023-AA2E-4A19-BDC5-58F8C77A59D6}" dt="2022-12-11T07:40:32.094" v="129"/>
+          <ac:spMkLst>
+            <pc:docMk/>
+            <pc:sldMk cId="3318405941" sldId="296"/>
+            <ac:spMk id="3" creationId="{06479A1C-AA4D-3BFC-BD8A-8B06A4E68C2D}"/>
+          </ac:spMkLst>
+        </pc:spChg>
+        <pc:spChg chg="add del mod">
+          <ac:chgData name="JinFan Lu" userId="0d6d4872cb76e38f" providerId="LiveId" clId="{7BA82023-AA2E-4A19-BDC5-58F8C77A59D6}" dt="2022-12-11T07:40:26.954" v="126"/>
+          <ac:spMkLst>
+            <pc:docMk/>
+            <pc:sldMk cId="3318405941" sldId="296"/>
+            <ac:spMk id="9" creationId="{41004107-5072-2354-8C5A-3AEA852F6CC2}"/>
+          </ac:spMkLst>
+        </pc:spChg>
+        <pc:spChg chg="add mod">
+          <ac:chgData name="JinFan Lu" userId="0d6d4872cb76e38f" providerId="LiveId" clId="{7BA82023-AA2E-4A19-BDC5-58F8C77A59D6}" dt="2022-12-11T07:41:04.297" v="137" actId="1076"/>
+          <ac:spMkLst>
+            <pc:docMk/>
+            <pc:sldMk cId="3318405941" sldId="296"/>
+            <ac:spMk id="10" creationId="{0ECB978D-DAD2-9EDC-0229-7039C4025CA4}"/>
+          </ac:spMkLst>
+        </pc:spChg>
+        <pc:spChg chg="add mod">
+          <ac:chgData name="JinFan Lu" userId="0d6d4872cb76e38f" providerId="LiveId" clId="{7BA82023-AA2E-4A19-BDC5-58F8C77A59D6}" dt="2022-12-11T07:41:12.350" v="139" actId="1076"/>
+          <ac:spMkLst>
+            <pc:docMk/>
+            <pc:sldMk cId="3318405941" sldId="296"/>
+            <ac:spMk id="11" creationId="{1EE0365C-A2CC-5A66-4B69-6F7B43B0F0E9}"/>
+          </ac:spMkLst>
+        </pc:spChg>
+        <pc:picChg chg="mod">
+          <ac:chgData name="JinFan Lu" userId="0d6d4872cb76e38f" providerId="LiveId" clId="{7BA82023-AA2E-4A19-BDC5-58F8C77A59D6}" dt="2022-12-11T07:40:25.405" v="125" actId="1076"/>
           <ac:picMkLst>
             <pc:docMk/>
-            <pc:sldMk cId="1033672659" sldId="290"/>
-            <ac:picMk id="9" creationId="{5D82DCF4-2910-285E-2103-E8F3CA34B6A1}"/>
-          </ac:picMkLst>
-        </pc:picChg>
-        <pc:picChg chg="del">
-          <ac:chgData name="JinFan Lu" userId="0d6d4872cb76e38f" providerId="LiveId" clId="{4D155720-5FC5-4159-B9F5-2C043724CEDA}" dt="2022-12-10T14:13:20.437" v="2697" actId="478"/>
-          <ac:picMkLst>
-            <pc:docMk/>
-            <pc:sldMk cId="1033672659" sldId="290"/>
-            <ac:picMk id="10" creationId="{09D992B4-016E-4FB0-399F-06EBC3BC4EBB}"/>
-          </ac:picMkLst>
-        </pc:picChg>
-        <pc:picChg chg="del">
-          <ac:chgData name="JinFan Lu" userId="0d6d4872cb76e38f" providerId="LiveId" clId="{4D155720-5FC5-4159-B9F5-2C043724CEDA}" dt="2022-12-10T14:13:20.147" v="2696" actId="478"/>
-          <ac:picMkLst>
-            <pc:docMk/>
-            <pc:sldMk cId="1033672659" sldId="290"/>
-            <ac:picMk id="12" creationId="{30CA9842-0853-BBBD-2B69-4877F4D16149}"/>
+            <pc:sldMk cId="3318405941" sldId="296"/>
+            <ac:picMk id="2" creationId="{92370C9C-2580-BB00-65CB-3D57973483B5}"/>
           </ac:picMkLst>
         </pc:picChg>
       </pc:sldChg>
-      <pc:sldChg chg="addSp delSp modSp add mod">
-        <pc:chgData name="JinFan Lu" userId="0d6d4872cb76e38f" providerId="LiveId" clId="{4D155720-5FC5-4159-B9F5-2C043724CEDA}" dt="2022-12-10T14:35:29.687" v="3633" actId="20577"/>
+      <pc:sldChg chg="addSp delSp modSp mod">
+        <pc:chgData name="JinFan Lu" userId="0d6d4872cb76e38f" providerId="LiveId" clId="{7BA82023-AA2E-4A19-BDC5-58F8C77A59D6}" dt="2022-12-11T07:49:56.138" v="642" actId="207"/>
         <pc:sldMkLst>
           <pc:docMk/>
-          <pc:sldMk cId="2910498250" sldId="291"/>
+          <pc:sldMk cId="1231654191" sldId="297"/>
+        </pc:sldMkLst>
+        <pc:spChg chg="add mod">
+          <ac:chgData name="JinFan Lu" userId="0d6d4872cb76e38f" providerId="LiveId" clId="{7BA82023-AA2E-4A19-BDC5-58F8C77A59D6}" dt="2022-12-11T07:42:58.040" v="153" actId="1076"/>
+          <ac:spMkLst>
+            <pc:docMk/>
+            <pc:sldMk cId="1231654191" sldId="297"/>
+            <ac:spMk id="3" creationId="{DAEB3E81-6D29-7F03-6143-1F7F157CDF37}"/>
+          </ac:spMkLst>
+        </pc:spChg>
+        <pc:spChg chg="mod">
+          <ac:chgData name="JinFan Lu" userId="0d6d4872cb76e38f" providerId="LiveId" clId="{7BA82023-AA2E-4A19-BDC5-58F8C77A59D6}" dt="2022-12-11T07:49:56.138" v="642" actId="207"/>
+          <ac:spMkLst>
+            <pc:docMk/>
+            <pc:sldMk cId="1231654191" sldId="297"/>
+            <ac:spMk id="6" creationId="{45118AD1-54F4-BE4B-93DB-FE04F9AD5A2E}"/>
+          </ac:spMkLst>
+        </pc:spChg>
+        <pc:spChg chg="add mod">
+          <ac:chgData name="JinFan Lu" userId="0d6d4872cb76e38f" providerId="LiveId" clId="{7BA82023-AA2E-4A19-BDC5-58F8C77A59D6}" dt="2022-12-11T07:49:47.583" v="641" actId="207"/>
+          <ac:spMkLst>
+            <pc:docMk/>
+            <pc:sldMk cId="1231654191" sldId="297"/>
+            <ac:spMk id="9" creationId="{3F6CEC24-07AA-A7E7-6BCE-B5B981799D85}"/>
+          </ac:spMkLst>
+        </pc:spChg>
+        <pc:picChg chg="mod">
+          <ac:chgData name="JinFan Lu" userId="0d6d4872cb76e38f" providerId="LiveId" clId="{7BA82023-AA2E-4A19-BDC5-58F8C77A59D6}" dt="2022-12-11T07:42:53.602" v="152" actId="1076"/>
+          <ac:picMkLst>
+            <pc:docMk/>
+            <pc:sldMk cId="1231654191" sldId="297"/>
+            <ac:picMk id="2" creationId="{2069E47C-6082-E93D-1807-43E0C4231EFB}"/>
+          </ac:picMkLst>
+        </pc:picChg>
+        <pc:picChg chg="add del">
+          <ac:chgData name="JinFan Lu" userId="0d6d4872cb76e38f" providerId="LiveId" clId="{7BA82023-AA2E-4A19-BDC5-58F8C77A59D6}" dt="2022-12-11T07:42:28.472" v="145" actId="478"/>
+          <ac:picMkLst>
+            <pc:docMk/>
+            <pc:sldMk cId="1231654191" sldId="297"/>
+            <ac:picMk id="4" creationId="{5DB55677-0FA2-0E8F-9FF6-0A5D3D971879}"/>
+          </ac:picMkLst>
+        </pc:picChg>
+      </pc:sldChg>
+      <pc:sldChg chg="delSp modSp add mod ord">
+        <pc:chgData name="JinFan Lu" userId="0d6d4872cb76e38f" providerId="LiveId" clId="{7BA82023-AA2E-4A19-BDC5-58F8C77A59D6}" dt="2022-12-11T07:51:21.742" v="714" actId="478"/>
+        <pc:sldMkLst>
+          <pc:docMk/>
+          <pc:sldMk cId="1410855541" sldId="298"/>
         </pc:sldMkLst>
         <pc:spChg chg="mod">
-          <ac:chgData name="JinFan Lu" userId="0d6d4872cb76e38f" providerId="LiveId" clId="{4D155720-5FC5-4159-B9F5-2C043724CEDA}" dt="2022-12-10T14:23:16.911" v="3245" actId="20577"/>
+          <ac:chgData name="JinFan Lu" userId="0d6d4872cb76e38f" providerId="LiveId" clId="{7BA82023-AA2E-4A19-BDC5-58F8C77A59D6}" dt="2022-12-11T07:51:10.142" v="707" actId="27636"/>
           <ac:spMkLst>
             <pc:docMk/>
-            <pc:sldMk cId="2910498250" sldId="291"/>
+            <pc:sldMk cId="1410855541" sldId="298"/>
             <ac:spMk id="2" creationId="{00000000-0000-0000-0000-000000000000}"/>
           </ac:spMkLst>
         </pc:spChg>
         <pc:spChg chg="mod">
-          <ac:chgData name="JinFan Lu" userId="0d6d4872cb76e38f" providerId="LiveId" clId="{4D155720-5FC5-4159-B9F5-2C043724CEDA}" dt="2022-12-10T14:23:13.102" v="3237" actId="20577"/>
+          <ac:chgData name="JinFan Lu" userId="0d6d4872cb76e38f" providerId="LiveId" clId="{7BA82023-AA2E-4A19-BDC5-58F8C77A59D6}" dt="2022-12-11T07:50:32.803" v="647" actId="20577"/>
           <ac:spMkLst>
             <pc:docMk/>
-            <pc:sldMk cId="2910498250" sldId="291"/>
-            <ac:spMk id="4" creationId="{24C47476-CBE8-9B92-FB06-A56AA09703A8}"/>
-          </ac:spMkLst>
-        </pc:spChg>
-        <pc:spChg chg="add del mod">
-          <ac:chgData name="JinFan Lu" userId="0d6d4872cb76e38f" providerId="LiveId" clId="{4D155720-5FC5-4159-B9F5-2C043724CEDA}" dt="2022-12-10T14:23:51.618" v="3281" actId="20577"/>
-          <ac:spMkLst>
-            <pc:docMk/>
-            <pc:sldMk cId="2910498250" sldId="291"/>
-            <ac:spMk id="8" creationId="{C2F9B3E6-6A8B-C3CA-C61B-5447E751398F}"/>
-          </ac:spMkLst>
-        </pc:spChg>
-        <pc:spChg chg="add del mod">
-          <ac:chgData name="JinFan Lu" userId="0d6d4872cb76e38f" providerId="LiveId" clId="{4D155720-5FC5-4159-B9F5-2C043724CEDA}" dt="2022-12-10T14:24:27.380" v="3368" actId="20577"/>
-          <ac:spMkLst>
-            <pc:docMk/>
-            <pc:sldMk cId="2910498250" sldId="291"/>
-            <ac:spMk id="9" creationId="{8049A779-7B06-60C7-A88D-91CD68BBA391}"/>
-          </ac:spMkLst>
-        </pc:spChg>
-        <pc:spChg chg="add del mod">
-          <ac:chgData name="JinFan Lu" userId="0d6d4872cb76e38f" providerId="LiveId" clId="{4D155720-5FC5-4159-B9F5-2C043724CEDA}" dt="2022-12-10T14:24:24.402" v="3361" actId="207"/>
-          <ac:spMkLst>
-            <pc:docMk/>
-            <pc:sldMk cId="2910498250" sldId="291"/>
-            <ac:spMk id="10" creationId="{39112D73-8D9C-DAD8-9A24-77CB1FB94967}"/>
-          </ac:spMkLst>
-        </pc:spChg>
-        <pc:spChg chg="add mod">
-          <ac:chgData name="JinFan Lu" userId="0d6d4872cb76e38f" providerId="LiveId" clId="{4D155720-5FC5-4159-B9F5-2C043724CEDA}" dt="2022-12-10T14:26:42.227" v="3516" actId="20577"/>
-          <ac:spMkLst>
-            <pc:docMk/>
-            <pc:sldMk cId="2910498250" sldId="291"/>
-            <ac:spMk id="11" creationId="{BCD0CB0D-C47A-363F-0A13-154C21335DBE}"/>
-          </ac:spMkLst>
-        </pc:spChg>
-        <pc:spChg chg="add del mod">
-          <ac:chgData name="JinFan Lu" userId="0d6d4872cb76e38f" providerId="LiveId" clId="{4D155720-5FC5-4159-B9F5-2C043724CEDA}" dt="2022-12-10T14:25:08.105" v="3444" actId="20577"/>
-          <ac:spMkLst>
-            <pc:docMk/>
-            <pc:sldMk cId="2910498250" sldId="291"/>
-            <ac:spMk id="13" creationId="{A296331E-7EA5-5B1C-932E-A1FAF661D632}"/>
-          </ac:spMkLst>
-        </pc:spChg>
-        <pc:spChg chg="add del mod">
-          <ac:chgData name="JinFan Lu" userId="0d6d4872cb76e38f" providerId="LiveId" clId="{4D155720-5FC5-4159-B9F5-2C043724CEDA}" dt="2022-12-10T14:35:29.687" v="3633" actId="20577"/>
-          <ac:spMkLst>
-            <pc:docMk/>
-            <pc:sldMk cId="2910498250" sldId="291"/>
-            <ac:spMk id="15" creationId="{3213076F-B4D5-73B5-A441-C2D69F8313F9}"/>
-          </ac:spMkLst>
-        </pc:spChg>
-      </pc:sldChg>
-      <pc:sldChg chg="addSp delSp modSp add mod">
-        <pc:chgData name="JinFan Lu" userId="0d6d4872cb76e38f" providerId="LiveId" clId="{4D155720-5FC5-4159-B9F5-2C043724CEDA}" dt="2022-12-10T14:34:31.938" v="3597" actId="14100"/>
-        <pc:sldMkLst>
-          <pc:docMk/>
-          <pc:sldMk cId="1018885316" sldId="292"/>
-        </pc:sldMkLst>
-        <pc:spChg chg="mod">
-          <ac:chgData name="JinFan Lu" userId="0d6d4872cb76e38f" providerId="LiveId" clId="{4D155720-5FC5-4159-B9F5-2C043724CEDA}" dt="2022-12-10T14:27:57.248" v="3538" actId="20577"/>
-          <ac:spMkLst>
-            <pc:docMk/>
-            <pc:sldMk cId="1018885316" sldId="292"/>
-            <ac:spMk id="2" creationId="{00000000-0000-0000-0000-000000000000}"/>
-          </ac:spMkLst>
-        </pc:spChg>
-        <pc:spChg chg="mod">
-          <ac:chgData name="JinFan Lu" userId="0d6d4872cb76e38f" providerId="LiveId" clId="{4D155720-5FC5-4159-B9F5-2C043724CEDA}" dt="2022-12-10T14:27:30.364" v="3519" actId="20577"/>
-          <ac:spMkLst>
-            <pc:docMk/>
-            <pc:sldMk cId="1018885316" sldId="292"/>
+            <pc:sldMk cId="1410855541" sldId="298"/>
             <ac:spMk id="4" creationId="{24C47476-CBE8-9B92-FB06-A56AA09703A8}"/>
           </ac:spMkLst>
         </pc:spChg>
         <pc:spChg chg="del">
-          <ac:chgData name="JinFan Lu" userId="0d6d4872cb76e38f" providerId="LiveId" clId="{4D155720-5FC5-4159-B9F5-2C043724CEDA}" dt="2022-12-10T14:27:36.836" v="3530" actId="478"/>
+          <ac:chgData name="JinFan Lu" userId="0d6d4872cb76e38f" providerId="LiveId" clId="{7BA82023-AA2E-4A19-BDC5-58F8C77A59D6}" dt="2022-12-11T07:51:16.552" v="708" actId="478"/>
           <ac:spMkLst>
             <pc:docMk/>
-            <pc:sldMk cId="1018885316" sldId="292"/>
-            <ac:spMk id="8" creationId="{C2F9B3E6-6A8B-C3CA-C61B-5447E751398F}"/>
-          </ac:spMkLst>
-        </pc:spChg>
-        <pc:spChg chg="del">
-          <ac:chgData name="JinFan Lu" userId="0d6d4872cb76e38f" providerId="LiveId" clId="{4D155720-5FC5-4159-B9F5-2C043724CEDA}" dt="2022-12-10T14:27:38.133" v="3532" actId="478"/>
-          <ac:spMkLst>
-            <pc:docMk/>
-            <pc:sldMk cId="1018885316" sldId="292"/>
-            <ac:spMk id="9" creationId="{8049A779-7B06-60C7-A88D-91CD68BBA391}"/>
-          </ac:spMkLst>
-        </pc:spChg>
-        <pc:spChg chg="del">
-          <ac:chgData name="JinFan Lu" userId="0d6d4872cb76e38f" providerId="LiveId" clId="{4D155720-5FC5-4159-B9F5-2C043724CEDA}" dt="2022-12-10T14:27:37.608" v="3531" actId="478"/>
-          <ac:spMkLst>
-            <pc:docMk/>
-            <pc:sldMk cId="1018885316" sldId="292"/>
-            <ac:spMk id="10" creationId="{39112D73-8D9C-DAD8-9A24-77CB1FB94967}"/>
-          </ac:spMkLst>
-        </pc:spChg>
-        <pc:spChg chg="del">
-          <ac:chgData name="JinFan Lu" userId="0d6d4872cb76e38f" providerId="LiveId" clId="{4D155720-5FC5-4159-B9F5-2C043724CEDA}" dt="2022-12-10T14:27:40.791" v="3536" actId="478"/>
-          <ac:spMkLst>
-            <pc:docMk/>
-            <pc:sldMk cId="1018885316" sldId="292"/>
-            <ac:spMk id="11" creationId="{BCD0CB0D-C47A-363F-0A13-154C21335DBE}"/>
-          </ac:spMkLst>
-        </pc:spChg>
-        <pc:spChg chg="add mod">
-          <ac:chgData name="JinFan Lu" userId="0d6d4872cb76e38f" providerId="LiveId" clId="{4D155720-5FC5-4159-B9F5-2C043724CEDA}" dt="2022-12-10T14:30:30.747" v="3579" actId="255"/>
-          <ac:spMkLst>
-            <pc:docMk/>
-            <pc:sldMk cId="1018885316" sldId="292"/>
+            <pc:sldMk cId="1410855541" sldId="298"/>
             <ac:spMk id="12" creationId="{E05DB6C0-8A2B-0222-F77F-A87B12E5AF60}"/>
           </ac:spMkLst>
         </pc:spChg>
         <pc:spChg chg="del">
-          <ac:chgData name="JinFan Lu" userId="0d6d4872cb76e38f" providerId="LiveId" clId="{4D155720-5FC5-4159-B9F5-2C043724CEDA}" dt="2022-12-10T14:27:38.704" v="3533" actId="478"/>
+          <ac:chgData name="JinFan Lu" userId="0d6d4872cb76e38f" providerId="LiveId" clId="{7BA82023-AA2E-4A19-BDC5-58F8C77A59D6}" dt="2022-12-11T07:51:17.542" v="709" actId="478"/>
           <ac:spMkLst>
             <pc:docMk/>
-            <pc:sldMk cId="1018885316" sldId="292"/>
-            <ac:spMk id="13" creationId="{A296331E-7EA5-5B1C-932E-A1FAF661D632}"/>
-          </ac:spMkLst>
-        </pc:spChg>
-        <pc:spChg chg="add mod">
-          <ac:chgData name="JinFan Lu" userId="0d6d4872cb76e38f" providerId="LiveId" clId="{4D155720-5FC5-4159-B9F5-2C043724CEDA}" dt="2022-12-10T14:31:00.141" v="3585" actId="1076"/>
-          <ac:spMkLst>
-            <pc:docMk/>
-            <pc:sldMk cId="1018885316" sldId="292"/>
+            <pc:sldMk cId="1410855541" sldId="298"/>
             <ac:spMk id="14" creationId="{C8E01C50-0AF2-7524-B3D9-B4B5BD872E7B}"/>
           </ac:spMkLst>
         </pc:spChg>
-        <pc:spChg chg="del mod">
-          <ac:chgData name="JinFan Lu" userId="0d6d4872cb76e38f" providerId="LiveId" clId="{4D155720-5FC5-4159-B9F5-2C043724CEDA}" dt="2022-12-10T14:27:39.936" v="3535" actId="478"/>
+        <pc:spChg chg="del">
+          <ac:chgData name="JinFan Lu" userId="0d6d4872cb76e38f" providerId="LiveId" clId="{7BA82023-AA2E-4A19-BDC5-58F8C77A59D6}" dt="2022-12-11T07:51:18.314" v="710" actId="478"/>
           <ac:spMkLst>
             <pc:docMk/>
-            <pc:sldMk cId="1018885316" sldId="292"/>
-            <ac:spMk id="15" creationId="{3213076F-B4D5-73B5-A441-C2D69F8313F9}"/>
-          </ac:spMkLst>
-        </pc:spChg>
-        <pc:spChg chg="add del mod">
-          <ac:chgData name="JinFan Lu" userId="0d6d4872cb76e38f" providerId="LiveId" clId="{4D155720-5FC5-4159-B9F5-2C043724CEDA}" dt="2022-12-10T14:28:52.113" v="3554"/>
-          <ac:spMkLst>
-            <pc:docMk/>
-            <pc:sldMk cId="1018885316" sldId="292"/>
-            <ac:spMk id="16" creationId="{77CDF82F-267F-7477-C98C-C8CB527180A9}"/>
-          </ac:spMkLst>
-        </pc:spChg>
-        <pc:spChg chg="add mod">
-          <ac:chgData name="JinFan Lu" userId="0d6d4872cb76e38f" providerId="LiveId" clId="{4D155720-5FC5-4159-B9F5-2C043724CEDA}" dt="2022-12-10T14:31:06.291" v="3586" actId="1076"/>
-          <ac:spMkLst>
-            <pc:docMk/>
-            <pc:sldMk cId="1018885316" sldId="292"/>
+            <pc:sldMk cId="1410855541" sldId="298"/>
             <ac:spMk id="17" creationId="{0CF07A6A-587B-0176-6EA4-8F8F2E61FD65}"/>
           </ac:spMkLst>
         </pc:spChg>
-        <pc:spChg chg="add mod">
-          <ac:chgData name="JinFan Lu" userId="0d6d4872cb76e38f" providerId="LiveId" clId="{4D155720-5FC5-4159-B9F5-2C043724CEDA}" dt="2022-12-10T14:31:11.015" v="3587" actId="1076"/>
+        <pc:spChg chg="del">
+          <ac:chgData name="JinFan Lu" userId="0d6d4872cb76e38f" providerId="LiveId" clId="{7BA82023-AA2E-4A19-BDC5-58F8C77A59D6}" dt="2022-12-11T07:51:19.048" v="711" actId="478"/>
           <ac:spMkLst>
             <pc:docMk/>
-            <pc:sldMk cId="1018885316" sldId="292"/>
+            <pc:sldMk cId="1410855541" sldId="298"/>
             <ac:spMk id="18" creationId="{37825EF9-79FC-C792-79EA-2BC7D7DA15C0}"/>
           </ac:spMkLst>
         </pc:spChg>
-        <pc:spChg chg="add mod">
-          <ac:chgData name="JinFan Lu" userId="0d6d4872cb76e38f" providerId="LiveId" clId="{4D155720-5FC5-4159-B9F5-2C043724CEDA}" dt="2022-12-10T14:31:13.206" v="3588" actId="1076"/>
+        <pc:spChg chg="del">
+          <ac:chgData name="JinFan Lu" userId="0d6d4872cb76e38f" providerId="LiveId" clId="{7BA82023-AA2E-4A19-BDC5-58F8C77A59D6}" dt="2022-12-11T07:51:20.016" v="712" actId="478"/>
           <ac:spMkLst>
             <pc:docMk/>
-            <pc:sldMk cId="1018885316" sldId="292"/>
+            <pc:sldMk cId="1410855541" sldId="298"/>
             <ac:spMk id="19" creationId="{05CE25B5-50BD-F1CE-11C9-3F3988A6BD32}"/>
           </ac:spMkLst>
         </pc:spChg>
-        <pc:spChg chg="add mod">
-          <ac:chgData name="JinFan Lu" userId="0d6d4872cb76e38f" providerId="LiveId" clId="{4D155720-5FC5-4159-B9F5-2C043724CEDA}" dt="2022-12-10T14:31:16.304" v="3589" actId="1076"/>
+        <pc:spChg chg="del">
+          <ac:chgData name="JinFan Lu" userId="0d6d4872cb76e38f" providerId="LiveId" clId="{7BA82023-AA2E-4A19-BDC5-58F8C77A59D6}" dt="2022-12-11T07:51:21.027" v="713" actId="478"/>
           <ac:spMkLst>
             <pc:docMk/>
-            <pc:sldMk cId="1018885316" sldId="292"/>
+            <pc:sldMk cId="1410855541" sldId="298"/>
             <ac:spMk id="20" creationId="{1E9C6C22-72EF-9CB0-26FA-B521450298C6}"/>
           </ac:spMkLst>
         </pc:spChg>
-        <pc:spChg chg="add mod">
-          <ac:chgData name="JinFan Lu" userId="0d6d4872cb76e38f" providerId="LiveId" clId="{4D155720-5FC5-4159-B9F5-2C043724CEDA}" dt="2022-12-10T14:34:31.938" v="3597" actId="14100"/>
+        <pc:spChg chg="del">
+          <ac:chgData name="JinFan Lu" userId="0d6d4872cb76e38f" providerId="LiveId" clId="{7BA82023-AA2E-4A19-BDC5-58F8C77A59D6}" dt="2022-12-11T07:51:21.742" v="714" actId="478"/>
           <ac:spMkLst>
             <pc:docMk/>
-            <pc:sldMk cId="1018885316" sldId="292"/>
+            <pc:sldMk cId="1410855541" sldId="298"/>
             <ac:spMk id="21" creationId="{1B7FD6CD-4B96-817D-5B04-F17139CD8E84}"/>
           </ac:spMkLst>
         </pc:spChg>
@@ -5163,7 +2317,7 @@
           <a:p>
             <a:fld id="{E9AD8E21-A31B-42C7-939F-B96C5E34853E}" type="datetimeFigureOut">
               <a:rPr lang="zh-CN" altLang="en-US" smtClean="0"/>
-              <a:t>2022/12/10</a:t>
+              <a:t>2022/12/11</a:t>
             </a:fld>
             <a:endParaRPr lang="zh-CN" altLang="en-US"/>
           </a:p>
@@ -5661,7 +2815,7 @@
           <a:p>
             <a:fld id="{60ED7750-87EB-455A-A98D-C26857567B74}" type="datetimeFigureOut">
               <a:rPr lang="zh-CN" altLang="en-US" smtClean="0"/>
-              <a:t>2022/12/10</a:t>
+              <a:t>2022/12/11</a:t>
             </a:fld>
             <a:endParaRPr lang="zh-CN" altLang="en-US"/>
           </a:p>
@@ -5859,7 +3013,7 @@
           <a:p>
             <a:fld id="{60ED7750-87EB-455A-A98D-C26857567B74}" type="datetimeFigureOut">
               <a:rPr lang="zh-CN" altLang="en-US" smtClean="0"/>
-              <a:t>2022/12/10</a:t>
+              <a:t>2022/12/11</a:t>
             </a:fld>
             <a:endParaRPr lang="zh-CN" altLang="en-US"/>
           </a:p>
@@ -6067,7 +3221,7 @@
           <a:p>
             <a:fld id="{60ED7750-87EB-455A-A98D-C26857567B74}" type="datetimeFigureOut">
               <a:rPr lang="zh-CN" altLang="en-US" smtClean="0"/>
-              <a:t>2022/12/10</a:t>
+              <a:t>2022/12/11</a:t>
             </a:fld>
             <a:endParaRPr lang="zh-CN" altLang="en-US"/>
           </a:p>
@@ -6390,7 +3544,7 @@
           <a:p>
             <a:fld id="{60ED7750-87EB-455A-A98D-C26857567B74}" type="datetimeFigureOut">
               <a:rPr lang="zh-CN" altLang="en-US" smtClean="0"/>
-              <a:t>2022/12/10</a:t>
+              <a:t>2022/12/11</a:t>
             </a:fld>
             <a:endParaRPr lang="zh-CN" altLang="en-US"/>
           </a:p>
@@ -6665,7 +3819,7 @@
           <a:p>
             <a:fld id="{60ED7750-87EB-455A-A98D-C26857567B74}" type="datetimeFigureOut">
               <a:rPr lang="zh-CN" altLang="en-US" smtClean="0"/>
-              <a:t>2022/12/10</a:t>
+              <a:t>2022/12/11</a:t>
             </a:fld>
             <a:endParaRPr lang="zh-CN" altLang="en-US"/>
           </a:p>
@@ -6930,7 +4084,7 @@
           <a:p>
             <a:fld id="{60ED7750-87EB-455A-A98D-C26857567B74}" type="datetimeFigureOut">
               <a:rPr lang="zh-CN" altLang="en-US" smtClean="0"/>
-              <a:t>2022/12/10</a:t>
+              <a:t>2022/12/11</a:t>
             </a:fld>
             <a:endParaRPr lang="zh-CN" altLang="en-US"/>
           </a:p>
@@ -7342,7 +4496,7 @@
           <a:p>
             <a:fld id="{60ED7750-87EB-455A-A98D-C26857567B74}" type="datetimeFigureOut">
               <a:rPr lang="zh-CN" altLang="en-US" smtClean="0"/>
-              <a:t>2022/12/10</a:t>
+              <a:t>2022/12/11</a:t>
             </a:fld>
             <a:endParaRPr lang="zh-CN" altLang="en-US"/>
           </a:p>
@@ -7483,7 +4637,7 @@
           <a:p>
             <a:fld id="{60ED7750-87EB-455A-A98D-C26857567B74}" type="datetimeFigureOut">
               <a:rPr lang="zh-CN" altLang="en-US" smtClean="0"/>
-              <a:t>2022/12/10</a:t>
+              <a:t>2022/12/11</a:t>
             </a:fld>
             <a:endParaRPr lang="zh-CN" altLang="en-US"/>
           </a:p>
@@ -7596,7 +4750,7 @@
           <a:p>
             <a:fld id="{60ED7750-87EB-455A-A98D-C26857567B74}" type="datetimeFigureOut">
               <a:rPr lang="zh-CN" altLang="en-US" smtClean="0"/>
-              <a:t>2022/12/10</a:t>
+              <a:t>2022/12/11</a:t>
             </a:fld>
             <a:endParaRPr lang="zh-CN" altLang="en-US"/>
           </a:p>
@@ -7907,7 +5061,7 @@
           <a:p>
             <a:fld id="{60ED7750-87EB-455A-A98D-C26857567B74}" type="datetimeFigureOut">
               <a:rPr lang="zh-CN" altLang="en-US" smtClean="0"/>
-              <a:t>2022/12/10</a:t>
+              <a:t>2022/12/11</a:t>
             </a:fld>
             <a:endParaRPr lang="zh-CN" altLang="en-US"/>
           </a:p>
@@ -8195,7 +5349,7 @@
           <a:p>
             <a:fld id="{60ED7750-87EB-455A-A98D-C26857567B74}" type="datetimeFigureOut">
               <a:rPr lang="zh-CN" altLang="en-US" smtClean="0"/>
-              <a:t>2022/12/10</a:t>
+              <a:t>2022/12/11</a:t>
             </a:fld>
             <a:endParaRPr lang="zh-CN" altLang="en-US"/>
           </a:p>
@@ -8436,7 +5590,7 @@
           <a:p>
             <a:fld id="{60ED7750-87EB-455A-A98D-C26857567B74}" type="datetimeFigureOut">
               <a:rPr lang="zh-CN" altLang="en-US" smtClean="0"/>
-              <a:t>2022/12/10</a:t>
+              <a:t>2022/12/11</a:t>
             </a:fld>
             <a:endParaRPr lang="zh-CN" altLang="en-US"/>
           </a:p>
@@ -9143,8 +6297,8 @@
         </p:nvSpPr>
         <p:spPr>
           <a:xfrm>
-            <a:off x="3207091" y="1699424"/>
-            <a:ext cx="3894005" cy="369332"/>
+            <a:off x="3060670" y="1677685"/>
+            <a:ext cx="1427356" cy="369332"/>
           </a:xfrm>
           <a:prstGeom prst="rect">
             <a:avLst/>
@@ -9157,8 +6311,9 @@
           </a:bodyPr>
           <a:lstStyle/>
           <a:p>
-            <a:r>
-              <a:rPr lang="en-US" altLang="zh-CN" sz="1800">
+            <a:pPr algn="ctr"/>
+            <a:r>
+              <a:rPr lang="en-US" altLang="zh-CN" sz="1800" dirty="0">
                 <a:latin typeface="Cascadia Code" panose="020B0609020000020004" pitchFamily="49" charset="0"/>
                 <a:cs typeface="Cascadia Code" panose="020B0609020000020004" pitchFamily="49" charset="0"/>
               </a:rPr>
@@ -9204,6 +6359,49 @@
               <a:t>A presentation of Intro to Computer Science</a:t>
             </a:r>
             <a:endParaRPr lang="zh-CN" altLang="en-US" sz="1600" dirty="0">
+              <a:latin typeface="Cascadia Code Light" panose="020B0609020000020004" pitchFamily="49" charset="0"/>
+              <a:cs typeface="Cascadia Code Light" panose="020B0609020000020004" pitchFamily="49" charset="0"/>
+            </a:endParaRPr>
+          </a:p>
+        </p:txBody>
+      </p:sp>
+      <p:sp>
+        <p:nvSpPr>
+          <p:cNvPr id="6" name="文本框 5">
+            <a:extLst>
+              <a:ext uri="{FF2B5EF4-FFF2-40B4-BE49-F238E27FC236}">
+                <a16:creationId xmlns:a16="http://schemas.microsoft.com/office/drawing/2014/main" id="{F7C740F7-845D-93CB-54AA-2C5E9F60F052}"/>
+              </a:ext>
+            </a:extLst>
+          </p:cNvPr>
+          <p:cNvSpPr txBox="1"/>
+          <p:nvPr/>
+        </p:nvSpPr>
+        <p:spPr>
+          <a:xfrm>
+            <a:off x="2846566" y="2047017"/>
+            <a:ext cx="1855563" cy="276999"/>
+          </a:xfrm>
+          <a:prstGeom prst="rect">
+            <a:avLst/>
+          </a:prstGeom>
+          <a:noFill/>
+        </p:spPr>
+        <p:txBody>
+          <a:bodyPr wrap="square" rtlCol="0">
+            <a:spAutoFit/>
+          </a:bodyPr>
+          <a:lstStyle/>
+          <a:p>
+            <a:pPr algn="ctr"/>
+            <a:r>
+              <a:rPr lang="en-US" altLang="zh-CN" sz="1200" dirty="0">
+                <a:latin typeface="Cascadia Code Light" panose="020B0609020000020004" pitchFamily="49" charset="0"/>
+                <a:cs typeface="Cascadia Code Light" panose="020B0609020000020004" pitchFamily="49" charset="0"/>
+              </a:rPr>
+              <a:t>Brief Introduction</a:t>
+            </a:r>
+            <a:endParaRPr lang="zh-CN" altLang="en-US" sz="1200" dirty="0">
               <a:latin typeface="Cascadia Code Light" panose="020B0609020000020004" pitchFamily="49" charset="0"/>
               <a:cs typeface="Cascadia Code Light" panose="020B0609020000020004" pitchFamily="49" charset="0"/>
             </a:endParaRPr>
@@ -9249,7 +6447,7 @@
         </p:nvSpPr>
         <p:spPr>
           <a:xfrm>
-            <a:off x="0" y="0"/>
+            <a:off x="0" y="3114"/>
             <a:ext cx="2846567" cy="6858000"/>
           </a:xfrm>
           <a:prstGeom prst="rect">
@@ -9312,8 +6510,8 @@
         </p:nvSpPr>
         <p:spPr>
           <a:xfrm>
-            <a:off x="288561" y="2468142"/>
-            <a:ext cx="2472759" cy="646331"/>
+            <a:off x="239496" y="1382897"/>
+            <a:ext cx="2472759" cy="2862322"/>
           </a:xfrm>
           <a:prstGeom prst="rect">
             <a:avLst/>
@@ -9332,7 +6530,7 @@
                 <a:latin typeface="Cascadia Code" panose="020B0609020000020004" pitchFamily="49" charset="0"/>
                 <a:cs typeface="Cascadia Code" panose="020B0609020000020004" pitchFamily="49" charset="0"/>
               </a:rPr>
-              <a:t>Question</a:t>
+              <a:t>Signed Distance Field Soft Shadow</a:t>
             </a:r>
             <a:endParaRPr lang="zh-CN" altLang="en-US" sz="3600" dirty="0">
               <a:latin typeface="Cascadia Code" panose="020B0609020000020004" pitchFamily="49" charset="0"/>
@@ -9355,7 +6553,7 @@
         </p:nvSpPr>
         <p:spPr>
           <a:xfrm>
-            <a:off x="406680" y="3379516"/>
+            <a:off x="406680" y="4450177"/>
             <a:ext cx="2439887" cy="92739"/>
           </a:xfrm>
           <a:prstGeom prst="rect">
@@ -9417,7 +6615,7 @@
         </p:nvSpPr>
         <p:spPr>
           <a:xfrm>
-            <a:off x="11347481" y="6009624"/>
+            <a:off x="11347481" y="6012738"/>
             <a:ext cx="844519" cy="845262"/>
           </a:xfrm>
           <a:prstGeom prst="rect">
@@ -9457,12 +6655,48 @@
           </a:p>
         </p:txBody>
       </p:sp>
-      <p:sp>
-        <p:nvSpPr>
-          <p:cNvPr id="2" name="文本框 1">
-            <a:extLst>
-              <a:ext uri="{FF2B5EF4-FFF2-40B4-BE49-F238E27FC236}">
-                <a16:creationId xmlns:a16="http://schemas.microsoft.com/office/drawing/2014/main" id="{A27843AA-FD5E-12A5-9F2C-340F9C3315A5}"/>
+      <p:pic>
+        <p:nvPicPr>
+          <p:cNvPr id="4" name="图片 3" descr="图片包含 台球, 室内, 表面, 苹果&#10;&#10;描述已自动生成">
+            <a:extLst>
+              <a:ext uri="{FF2B5EF4-FFF2-40B4-BE49-F238E27FC236}">
+                <a16:creationId xmlns:a16="http://schemas.microsoft.com/office/drawing/2014/main" id="{5DB55677-0FA2-0E8F-9FF6-0A5D3D971879}"/>
+              </a:ext>
+            </a:extLst>
+          </p:cNvPr>
+          <p:cNvPicPr>
+            <a:picLocks noChangeAspect="1"/>
+          </p:cNvPicPr>
+          <p:nvPr/>
+        </p:nvPicPr>
+        <p:blipFill>
+          <a:blip r:embed="rId2">
+            <a:extLst>
+              <a:ext uri="{28A0092B-C50C-407E-A947-70E740481C1C}">
+                <a14:useLocalDpi xmlns:a14="http://schemas.microsoft.com/office/drawing/2010/main" val="0"/>
+              </a:ext>
+            </a:extLst>
+          </a:blip>
+          <a:stretch>
+            <a:fillRect/>
+          </a:stretch>
+        </p:blipFill>
+        <p:spPr>
+          <a:xfrm>
+            <a:off x="3912532" y="1090578"/>
+            <a:ext cx="7146715" cy="5344791"/>
+          </a:xfrm>
+          <a:prstGeom prst="rect">
+            <a:avLst/>
+          </a:prstGeom>
+        </p:spPr>
+      </p:pic>
+      <p:sp>
+        <p:nvSpPr>
+          <p:cNvPr id="6" name="文本框 5">
+            <a:extLst>
+              <a:ext uri="{FF2B5EF4-FFF2-40B4-BE49-F238E27FC236}">
+                <a16:creationId xmlns:a16="http://schemas.microsoft.com/office/drawing/2014/main" id="{45118AD1-54F4-BE4B-93DB-FE04F9AD5A2E}"/>
               </a:ext>
             </a:extLst>
           </p:cNvPr>
@@ -9471,8 +6705,8 @@
         </p:nvSpPr>
         <p:spPr>
           <a:xfrm>
-            <a:off x="3434574" y="529481"/>
-            <a:ext cx="8113627" cy="461665"/>
+            <a:off x="4566377" y="535644"/>
+            <a:ext cx="6162260" cy="369332"/>
           </a:xfrm>
           <a:prstGeom prst="rect">
             <a:avLst/>
@@ -9486,33 +6720,13 @@
           <a:lstStyle/>
           <a:p>
             <a:r>
-              <a:rPr lang="en-US" altLang="zh-CN" sz="2400" dirty="0">
+              <a:rPr lang="en-US" altLang="zh-CN" dirty="0">
                 <a:latin typeface="Cascadia Code Light" panose="020B0609020000020004" pitchFamily="49" charset="0"/>
                 <a:cs typeface="Cascadia Code Light" panose="020B0609020000020004" pitchFamily="49" charset="0"/>
               </a:rPr>
-              <a:t>Why don’t use </a:t>
-            </a:r>
-            <a:r>
-              <a:rPr lang="en-US" altLang="zh-CN" sz="2400" dirty="0">
-                <a:solidFill>
-                  <a:schemeClr val="accent2">
-                    <a:lumMod val="40000"/>
-                    <a:lumOff val="60000"/>
-                  </a:schemeClr>
-                </a:solidFill>
-                <a:latin typeface="Cascadia Code Light" panose="020B0609020000020004" pitchFamily="49" charset="0"/>
-                <a:cs typeface="Cascadia Code Light" panose="020B0609020000020004" pitchFamily="49" charset="0"/>
-              </a:rPr>
-              <a:t>vector</a:t>
-            </a:r>
-            <a:r>
-              <a:rPr lang="en-US" altLang="zh-CN" sz="2400" dirty="0">
-                <a:latin typeface="Cascadia Code Light" panose="020B0609020000020004" pitchFamily="49" charset="0"/>
-                <a:cs typeface="Cascadia Code Light" panose="020B0609020000020004" pitchFamily="49" charset="0"/>
-              </a:rPr>
-              <a:t> to describe distance?</a:t>
-            </a:r>
-            <a:endParaRPr lang="zh-CN" altLang="en-US" sz="2400" dirty="0">
+              <a:t>Without Draw Sphere on Light Position</a:t>
+            </a:r>
+            <a:endParaRPr lang="zh-CN" altLang="en-US" dirty="0">
               <a:latin typeface="Cascadia Code Light" panose="020B0609020000020004" pitchFamily="49" charset="0"/>
               <a:cs typeface="Cascadia Code Light" panose="020B0609020000020004" pitchFamily="49" charset="0"/>
             </a:endParaRPr>
@@ -9521,10 +6735,10 @@
       </p:sp>
       <p:sp>
         <p:nvSpPr>
-          <p:cNvPr id="3" name="椭圆 2">
-            <a:extLst>
-              <a:ext uri="{FF2B5EF4-FFF2-40B4-BE49-F238E27FC236}">
-                <a16:creationId xmlns:a16="http://schemas.microsoft.com/office/drawing/2014/main" id="{1C072FC8-945A-713F-3C65-4C7EA8832E05}"/>
+          <p:cNvPr id="8" name="椭圆 7">
+            <a:extLst>
+              <a:ext uri="{FF2B5EF4-FFF2-40B4-BE49-F238E27FC236}">
+                <a16:creationId xmlns:a16="http://schemas.microsoft.com/office/drawing/2014/main" id="{8E74D8A7-DE9D-BFFD-D7E7-8C236A45F65E}"/>
               </a:ext>
             </a:extLst>
           </p:cNvPr>
@@ -9533,7 +6747,7 @@
         </p:nvSpPr>
         <p:spPr>
           <a:xfrm>
-            <a:off x="3372128" y="322276"/>
+            <a:off x="4411974" y="657863"/>
             <a:ext cx="124893" cy="124893"/>
           </a:xfrm>
           <a:prstGeom prst="ellipse">
@@ -9574,150 +6788,12 @@
           </a:p>
         </p:txBody>
       </p:sp>
-      <p:sp>
-        <p:nvSpPr>
-          <p:cNvPr id="11" name="文本框 10">
-            <a:extLst>
-              <a:ext uri="{FF2B5EF4-FFF2-40B4-BE49-F238E27FC236}">
-                <a16:creationId xmlns:a16="http://schemas.microsoft.com/office/drawing/2014/main" id="{330A9407-F3B4-BC71-D523-D22980F19D67}"/>
-              </a:ext>
-            </a:extLst>
-          </p:cNvPr>
-          <p:cNvSpPr txBox="1"/>
-          <p:nvPr/>
-        </p:nvSpPr>
-        <p:spPr>
-          <a:xfrm>
-            <a:off x="4036737" y="1188358"/>
-            <a:ext cx="6391879" cy="338554"/>
-          </a:xfrm>
-          <a:prstGeom prst="rect">
-            <a:avLst/>
-          </a:prstGeom>
-          <a:noFill/>
-        </p:spPr>
-        <p:txBody>
-          <a:bodyPr wrap="square" rtlCol="0">
-            <a:spAutoFit/>
-          </a:bodyPr>
-          <a:lstStyle/>
-          <a:p>
-            <a:r>
-              <a:rPr lang="en-US" altLang="zh-CN" sz="1600">
-                <a:latin typeface="Cascadia Code Light" panose="020B0609020000020004" pitchFamily="49" charset="0"/>
-                <a:cs typeface="Cascadia Code Light" panose="020B0609020000020004" pitchFamily="49" charset="0"/>
-              </a:rPr>
-              <a:t>It could </a:t>
-            </a:r>
-            <a:r>
-              <a:rPr lang="en-US" altLang="zh-CN" sz="1600" dirty="0">
-                <a:latin typeface="Cascadia Code Light" panose="020B0609020000020004" pitchFamily="49" charset="0"/>
-                <a:cs typeface="Cascadia Code Light" panose="020B0609020000020004" pitchFamily="49" charset="0"/>
-              </a:rPr>
-              <a:t>interpolate better when we query distance</a:t>
-            </a:r>
-            <a:endParaRPr lang="zh-CN" altLang="en-US" sz="1600" dirty="0">
-              <a:latin typeface="Cascadia Code Light" panose="020B0609020000020004" pitchFamily="49" charset="0"/>
-              <a:cs typeface="Cascadia Code Light" panose="020B0609020000020004" pitchFamily="49" charset="0"/>
-            </a:endParaRPr>
-          </a:p>
-        </p:txBody>
-      </p:sp>
-      <p:sp>
-        <p:nvSpPr>
-          <p:cNvPr id="19" name="文本框 18">
-            <a:extLst>
-              <a:ext uri="{FF2B5EF4-FFF2-40B4-BE49-F238E27FC236}">
-                <a16:creationId xmlns:a16="http://schemas.microsoft.com/office/drawing/2014/main" id="{E574676F-DAA0-6C48-F376-100F387B7BFE}"/>
-              </a:ext>
-            </a:extLst>
-          </p:cNvPr>
-          <p:cNvSpPr txBox="1"/>
-          <p:nvPr/>
-        </p:nvSpPr>
-        <p:spPr>
-          <a:xfrm>
-            <a:off x="4036737" y="1649343"/>
-            <a:ext cx="6391879" cy="830997"/>
-          </a:xfrm>
-          <a:prstGeom prst="rect">
-            <a:avLst/>
-          </a:prstGeom>
-          <a:noFill/>
-        </p:spPr>
-        <p:txBody>
-          <a:bodyPr wrap="square" rtlCol="0">
-            <a:spAutoFit/>
-          </a:bodyPr>
-          <a:lstStyle/>
-          <a:p>
-            <a:r>
-              <a:rPr lang="en-US" altLang="zh-CN" sz="1600" dirty="0">
-                <a:latin typeface="Cascadia Code Light" panose="020B0609020000020004" pitchFamily="49" charset="0"/>
-                <a:cs typeface="Cascadia Code Light" panose="020B0609020000020004" pitchFamily="49" charset="0"/>
-              </a:rPr>
-              <a:t>Floating point precision is not important</a:t>
-            </a:r>
-          </a:p>
-          <a:p>
-            <a:r>
-              <a:rPr lang="en-US" altLang="zh-CN" sz="1600" dirty="0">
-                <a:latin typeface="Cascadia Code Light" panose="020B0609020000020004" pitchFamily="49" charset="0"/>
-                <a:cs typeface="Cascadia Code Light" panose="020B0609020000020004" pitchFamily="49" charset="0"/>
-              </a:rPr>
-              <a:t>So, we can compress the vector to a float to achieve the same memory consumption</a:t>
-            </a:r>
-          </a:p>
-        </p:txBody>
-      </p:sp>
-      <p:sp>
-        <p:nvSpPr>
-          <p:cNvPr id="20" name="文本框 19">
-            <a:extLst>
-              <a:ext uri="{FF2B5EF4-FFF2-40B4-BE49-F238E27FC236}">
-                <a16:creationId xmlns:a16="http://schemas.microsoft.com/office/drawing/2014/main" id="{369DA084-064D-41B9-1A3D-4B9662605ECC}"/>
-              </a:ext>
-            </a:extLst>
-          </p:cNvPr>
-          <p:cNvSpPr txBox="1"/>
-          <p:nvPr/>
-        </p:nvSpPr>
-        <p:spPr>
-          <a:xfrm>
-            <a:off x="4036737" y="2602771"/>
-            <a:ext cx="6391879" cy="584775"/>
-          </a:xfrm>
-          <a:prstGeom prst="rect">
-            <a:avLst/>
-          </a:prstGeom>
-          <a:noFill/>
-        </p:spPr>
-        <p:txBody>
-          <a:bodyPr wrap="square" rtlCol="0">
-            <a:spAutoFit/>
-          </a:bodyPr>
-          <a:lstStyle/>
-          <a:p>
-            <a:r>
-              <a:rPr lang="en-US" altLang="zh-CN" sz="1600" dirty="0">
-                <a:latin typeface="Cascadia Code Light" panose="020B0609020000020004" pitchFamily="49" charset="0"/>
-                <a:cs typeface="Cascadia Code Light" panose="020B0609020000020004" pitchFamily="49" charset="0"/>
-              </a:rPr>
-              <a:t>When we generate the SDF, we actually already know this vector and can directly get it</a:t>
-            </a:r>
-            <a:endParaRPr lang="zh-CN" altLang="en-US" sz="1600" dirty="0">
-              <a:latin typeface="Cascadia Code Light" panose="020B0609020000020004" pitchFamily="49" charset="0"/>
-              <a:cs typeface="Cascadia Code Light" panose="020B0609020000020004" pitchFamily="49" charset="0"/>
-            </a:endParaRPr>
-          </a:p>
-        </p:txBody>
-      </p:sp>
       <p:pic>
         <p:nvPicPr>
-          <p:cNvPr id="6" name="图片 5" descr="图片包含 台球, 鸡蛋, 桌子, 表面&#10;&#10;描述已自动生成">
-            <a:extLst>
-              <a:ext uri="{FF2B5EF4-FFF2-40B4-BE49-F238E27FC236}">
-                <a16:creationId xmlns:a16="http://schemas.microsoft.com/office/drawing/2014/main" id="{2E421C30-5091-E60A-9587-2A027B1CB12B}"/>
+          <p:cNvPr id="2" name="图片 1" descr="黑暗的鸡蛋&#10;&#10;低可信度描述已自动生成">
+            <a:extLst>
+              <a:ext uri="{FF2B5EF4-FFF2-40B4-BE49-F238E27FC236}">
+                <a16:creationId xmlns:a16="http://schemas.microsoft.com/office/drawing/2014/main" id="{92370C9C-2580-BB00-65CB-3D57973483B5}"/>
               </a:ext>
             </a:extLst>
           </p:cNvPr>
@@ -9726,108 +6802,136 @@
           </p:cNvPicPr>
           <p:nvPr/>
         </p:nvPicPr>
-        <p:blipFill rotWithShape="1">
-          <a:blip r:embed="rId2">
+        <p:blipFill>
+          <a:blip r:embed="rId3">
             <a:extLst>
               <a:ext uri="{28A0092B-C50C-407E-A947-70E740481C1C}">
                 <a14:useLocalDpi xmlns:a14="http://schemas.microsoft.com/office/drawing/2010/main" val="0"/>
               </a:ext>
             </a:extLst>
           </a:blip>
-          <a:srcRect l="71455" t="23428" r="16056" b="62574"/>
-          <a:stretch/>
+          <a:stretch>
+            <a:fillRect/>
+          </a:stretch>
         </p:blipFill>
         <p:spPr>
           <a:xfrm>
-            <a:off x="4153857" y="3793646"/>
-            <a:ext cx="3018898" cy="2528645"/>
+            <a:off x="3912532" y="1090578"/>
+            <a:ext cx="7146715" cy="5231394"/>
           </a:xfrm>
           <a:prstGeom prst="rect">
             <a:avLst/>
           </a:prstGeom>
         </p:spPr>
       </p:pic>
-      <p:pic>
-        <p:nvPicPr>
-          <p:cNvPr id="9" name="图片 8" descr="桌子上的鸡蛋&#10;&#10;描述已自动生成">
-            <a:extLst>
-              <a:ext uri="{FF2B5EF4-FFF2-40B4-BE49-F238E27FC236}">
-                <a16:creationId xmlns:a16="http://schemas.microsoft.com/office/drawing/2014/main" id="{5D82DCF4-2910-285E-2103-E8F3CA34B6A1}"/>
-              </a:ext>
-            </a:extLst>
-          </p:cNvPr>
-          <p:cNvPicPr>
-            <a:picLocks noChangeAspect="1"/>
-          </p:cNvPicPr>
+      <p:sp>
+        <p:nvSpPr>
+          <p:cNvPr id="10" name="椭圆 9">
+            <a:extLst>
+              <a:ext uri="{FF2B5EF4-FFF2-40B4-BE49-F238E27FC236}">
+                <a16:creationId xmlns:a16="http://schemas.microsoft.com/office/drawing/2014/main" id="{0ECB978D-DAD2-9EDC-0229-7039C4025CA4}"/>
+              </a:ext>
+            </a:extLst>
+          </p:cNvPr>
+          <p:cNvSpPr/>
           <p:nvPr/>
-        </p:nvPicPr>
-        <p:blipFill rotWithShape="1">
-          <a:blip r:embed="rId3">
-            <a:extLst>
-              <a:ext uri="{28A0092B-C50C-407E-A947-70E740481C1C}">
-                <a14:useLocalDpi xmlns:a14="http://schemas.microsoft.com/office/drawing/2010/main" val="0"/>
-              </a:ext>
-            </a:extLst>
-          </a:blip>
-          <a:srcRect l="73355" t="22647" r="15176" b="62479"/>
-          <a:stretch/>
-        </p:blipFill>
-        <p:spPr>
-          <a:xfrm>
-            <a:off x="7770101" y="3793646"/>
-            <a:ext cx="2608377" cy="2528645"/>
-          </a:xfrm>
-          <a:prstGeom prst="rect">
-            <a:avLst/>
-          </a:prstGeom>
-        </p:spPr>
-      </p:pic>
-      <p:sp>
-        <p:nvSpPr>
-          <p:cNvPr id="10" name="文本框 9">
-            <a:extLst>
-              <a:ext uri="{FF2B5EF4-FFF2-40B4-BE49-F238E27FC236}">
-                <a16:creationId xmlns:a16="http://schemas.microsoft.com/office/drawing/2014/main" id="{037FB670-4960-94EF-BB88-1F2EE31A22DB}"/>
-              </a:ext>
-            </a:extLst>
-          </p:cNvPr>
-          <p:cNvSpPr txBox="1"/>
-          <p:nvPr/>
-        </p:nvSpPr>
-        <p:spPr>
-          <a:xfrm>
-            <a:off x="4036737" y="3241219"/>
-            <a:ext cx="6717853" cy="338554"/>
-          </a:xfrm>
-          <a:prstGeom prst="rect">
+        </p:nvSpPr>
+        <p:spPr>
+          <a:xfrm>
+            <a:off x="4380203" y="2814058"/>
+            <a:ext cx="780585" cy="780585"/>
+          </a:xfrm>
+          <a:prstGeom prst="ellipse">
             <a:avLst/>
           </a:prstGeom>
           <a:noFill/>
-        </p:spPr>
-        <p:txBody>
-          <a:bodyPr wrap="square" rtlCol="0">
-            <a:spAutoFit/>
-          </a:bodyPr>
-          <a:lstStyle/>
-          <a:p>
-            <a:r>
-              <a:rPr lang="en-US" altLang="zh-CN" sz="1600" dirty="0">
-                <a:latin typeface="Cascadia Code Light" panose="020B0609020000020004" pitchFamily="49" charset="0"/>
-                <a:cs typeface="Cascadia Code Light" panose="020B0609020000020004" pitchFamily="49" charset="0"/>
-              </a:rPr>
-              <a:t>Dramatically decrease incompleteness of the edges</a:t>
-            </a:r>
-            <a:endParaRPr lang="zh-CN" altLang="en-US" sz="1600" dirty="0">
-              <a:latin typeface="Cascadia Code Light" panose="020B0609020000020004" pitchFamily="49" charset="0"/>
-              <a:cs typeface="Cascadia Code Light" panose="020B0609020000020004" pitchFamily="49" charset="0"/>
-            </a:endParaRPr>
+          <a:ln>
+            <a:solidFill>
+              <a:srgbClr val="FF0000"/>
+            </a:solidFill>
+          </a:ln>
+        </p:spPr>
+        <p:style>
+          <a:lnRef idx="2">
+            <a:schemeClr val="accent1">
+              <a:shade val="50000"/>
+            </a:schemeClr>
+          </a:lnRef>
+          <a:fillRef idx="1">
+            <a:schemeClr val="accent1"/>
+          </a:fillRef>
+          <a:effectRef idx="0">
+            <a:schemeClr val="accent1"/>
+          </a:effectRef>
+          <a:fontRef idx="minor">
+            <a:schemeClr val="lt1"/>
+          </a:fontRef>
+        </p:style>
+        <p:txBody>
+          <a:bodyPr rtlCol="0" anchor="ctr"/>
+          <a:lstStyle/>
+          <a:p>
+            <a:pPr algn="ctr"/>
+            <a:endParaRPr lang="zh-CN" altLang="en-US"/>
+          </a:p>
+        </p:txBody>
+      </p:sp>
+      <p:sp>
+        <p:nvSpPr>
+          <p:cNvPr id="11" name="椭圆 10">
+            <a:extLst>
+              <a:ext uri="{FF2B5EF4-FFF2-40B4-BE49-F238E27FC236}">
+                <a16:creationId xmlns:a16="http://schemas.microsoft.com/office/drawing/2014/main" id="{1EE0365C-A2CC-5A66-4B69-6F7B43B0F0E9}"/>
+              </a:ext>
+            </a:extLst>
+          </p:cNvPr>
+          <p:cNvSpPr/>
+          <p:nvPr/>
+        </p:nvSpPr>
+        <p:spPr>
+          <a:xfrm>
+            <a:off x="5246281" y="4427364"/>
+            <a:ext cx="780585" cy="780585"/>
+          </a:xfrm>
+          <a:prstGeom prst="ellipse">
+            <a:avLst/>
+          </a:prstGeom>
+          <a:noFill/>
+          <a:ln>
+            <a:solidFill>
+              <a:srgbClr val="FF0000"/>
+            </a:solidFill>
+          </a:ln>
+        </p:spPr>
+        <p:style>
+          <a:lnRef idx="2">
+            <a:schemeClr val="accent1">
+              <a:shade val="50000"/>
+            </a:schemeClr>
+          </a:lnRef>
+          <a:fillRef idx="1">
+            <a:schemeClr val="accent1"/>
+          </a:fillRef>
+          <a:effectRef idx="0">
+            <a:schemeClr val="accent1"/>
+          </a:effectRef>
+          <a:fontRef idx="minor">
+            <a:schemeClr val="lt1"/>
+          </a:fontRef>
+        </p:style>
+        <p:txBody>
+          <a:bodyPr rtlCol="0" anchor="ctr"/>
+          <a:lstStyle/>
+          <a:p>
+            <a:pPr algn="ctr"/>
+            <a:endParaRPr lang="zh-CN" altLang="en-US"/>
           </a:p>
         </p:txBody>
       </p:sp>
     </p:spTree>
     <p:extLst>
       <p:ext uri="{BB962C8B-B14F-4D97-AF65-F5344CB8AC3E}">
-        <p14:creationId xmlns:p14="http://schemas.microsoft.com/office/powerpoint/2010/main" val="1033672659"/>
+        <p14:creationId xmlns:p14="http://schemas.microsoft.com/office/powerpoint/2010/main" val="3318405941"/>
       </p:ext>
     </p:extLst>
   </p:cSld>
@@ -9868,7 +6972,7 @@
         </p:nvSpPr>
         <p:spPr>
           <a:xfrm>
-            <a:off x="0" y="0"/>
+            <a:off x="0" y="3114"/>
             <a:ext cx="2846567" cy="6858000"/>
           </a:xfrm>
           <a:prstGeom prst="rect">
@@ -9904,51 +7008,11 @@
           <a:lstStyle/>
           <a:p>
             <a:pPr algn="ctr"/>
-            <a:endParaRPr lang="zh-CN" altLang="en-US"/>
-          </a:p>
-        </p:txBody>
-      </p:sp>
-      <p:sp>
-        <p:nvSpPr>
-          <p:cNvPr id="2" name="标题 1"/>
-          <p:cNvSpPr>
-            <a:spLocks noGrp="1"/>
-          </p:cNvSpPr>
-          <p:nvPr>
-            <p:ph type="ctrTitle"/>
-          </p:nvPr>
-        </p:nvSpPr>
-        <p:spPr>
-          <a:xfrm>
-            <a:off x="4438153" y="1578334"/>
-            <a:ext cx="6530945" cy="1012278"/>
-          </a:xfrm>
-        </p:spPr>
-        <p:txBody>
-          <a:bodyPr anchor="b">
-            <a:normAutofit/>
-          </a:bodyPr>
-          <a:lstStyle/>
-          <a:p>
-            <a:pPr lvl="0"/>
-            <a:r>
-              <a:rPr lang="en-US" altLang="zh-CN" dirty="0">
-                <a:solidFill>
-                  <a:schemeClr val="accent2">
-                    <a:lumMod val="60000"/>
-                    <a:lumOff val="40000"/>
-                  </a:schemeClr>
-                </a:solidFill>
-                <a:latin typeface="Cascadia Code" panose="020B0609020000020004" pitchFamily="49" charset="0"/>
-                <a:cs typeface="Cascadia Code" panose="020B0609020000020004" pitchFamily="49" charset="0"/>
-              </a:rPr>
-              <a:t>Summary</a:t>
-            </a:r>
-            <a:endParaRPr lang="zh-CN" dirty="0">
+            <a:endParaRPr lang="zh-CN" altLang="en-US" sz="6000" dirty="0">
               <a:solidFill>
                 <a:schemeClr val="accent2">
-                  <a:lumMod val="60000"/>
-                  <a:lumOff val="40000"/>
+                  <a:lumMod val="40000"/>
+                  <a:lumOff val="60000"/>
                 </a:schemeClr>
               </a:solidFill>
               <a:latin typeface="Cascadia Code" panose="020B0609020000020004" pitchFamily="49" charset="0"/>
@@ -9959,74 +7023,20 @@
       </p:sp>
       <p:sp>
         <p:nvSpPr>
-          <p:cNvPr id="6" name="图文框 5">
-            <a:extLst>
-              <a:ext uri="{FF2B5EF4-FFF2-40B4-BE49-F238E27FC236}">
-                <a16:creationId xmlns:a16="http://schemas.microsoft.com/office/drawing/2014/main" id="{F160F534-B0FC-7175-B79C-D39A51BB52D8}"/>
-              </a:ext>
-            </a:extLst>
-          </p:cNvPr>
-          <p:cNvSpPr/>
+          <p:cNvPr id="16" name="文本框 15">
+            <a:extLst>
+              <a:ext uri="{FF2B5EF4-FFF2-40B4-BE49-F238E27FC236}">
+                <a16:creationId xmlns:a16="http://schemas.microsoft.com/office/drawing/2014/main" id="{05A4C2BA-E673-C79E-C4F0-4C488DA45533}"/>
+              </a:ext>
+            </a:extLst>
+          </p:cNvPr>
+          <p:cNvSpPr txBox="1"/>
           <p:nvPr/>
         </p:nvSpPr>
         <p:spPr>
           <a:xfrm>
-            <a:off x="1591586" y="1578334"/>
-            <a:ext cx="2509961" cy="3701332"/>
-          </a:xfrm>
-          <a:prstGeom prst="frame">
-            <a:avLst>
-              <a:gd name="adj1" fmla="val 7590"/>
-            </a:avLst>
-          </a:prstGeom>
-          <a:ln>
-            <a:headEnd type="none" w="med" len="med"/>
-            <a:tailEnd type="none" w="med" len="med"/>
-          </a:ln>
-        </p:spPr>
-        <p:style>
-          <a:lnRef idx="1">
-            <a:schemeClr val="dk1"/>
-          </a:lnRef>
-          <a:fillRef idx="3">
-            <a:schemeClr val="dk1"/>
-          </a:fillRef>
-          <a:effectRef idx="2">
-            <a:schemeClr val="dk1"/>
-          </a:effectRef>
-          <a:fontRef idx="minor">
-            <a:schemeClr val="lt1"/>
-          </a:fontRef>
-        </p:style>
-        <p:txBody>
-          <a:bodyPr rtlCol="0" anchor="ctr"/>
-          <a:lstStyle/>
-          <a:p>
-            <a:pPr algn="ctr"/>
-            <a:endParaRPr lang="zh-CN" altLang="en-US">
-              <a:solidFill>
-                <a:schemeClr val="tx1"/>
-              </a:solidFill>
-            </a:endParaRPr>
-          </a:p>
-        </p:txBody>
-      </p:sp>
-      <p:sp>
-        <p:nvSpPr>
-          <p:cNvPr id="4" name="矩形 3">
-            <a:extLst>
-              <a:ext uri="{FF2B5EF4-FFF2-40B4-BE49-F238E27FC236}">
-                <a16:creationId xmlns:a16="http://schemas.microsoft.com/office/drawing/2014/main" id="{24C47476-CBE8-9B92-FB06-A56AA09703A8}"/>
-              </a:ext>
-            </a:extLst>
-          </p:cNvPr>
-          <p:cNvSpPr/>
-          <p:nvPr/>
-        </p:nvSpPr>
-        <p:spPr>
-          <a:xfrm>
-            <a:off x="2425146" y="2300465"/>
-            <a:ext cx="842839" cy="1323439"/>
+            <a:off x="239496" y="1382897"/>
+            <a:ext cx="2472759" cy="2862322"/>
           </a:xfrm>
           <a:prstGeom prst="rect">
             <a:avLst/>
@@ -10034,67 +7044,6 @@
           <a:noFill/>
         </p:spPr>
         <p:txBody>
-          <a:bodyPr wrap="square" lIns="91440" tIns="45720" rIns="91440" bIns="45720">
-            <a:spAutoFit/>
-          </a:bodyPr>
-          <a:lstStyle/>
-          <a:p>
-            <a:pPr algn="ctr"/>
-            <a:r>
-              <a:rPr lang="en-US" altLang="zh-CN" sz="8000" b="0" cap="none" spc="0" dirty="0">
-                <a:ln w="0"/>
-                <a:solidFill>
-                  <a:schemeClr val="tx1"/>
-                </a:solidFill>
-                <a:effectLst>
-                  <a:outerShdw blurRad="50800" dist="38100" dir="10800000" algn="r" rotWithShape="0">
-                    <a:prstClr val="black">
-                      <a:alpha val="40000"/>
-                    </a:prstClr>
-                  </a:outerShdw>
-                </a:effectLst>
-              </a:rPr>
-              <a:t>4</a:t>
-            </a:r>
-            <a:endParaRPr lang="zh-CN" altLang="en-US" sz="8000" b="0" cap="none" spc="0" dirty="0">
-              <a:ln w="0"/>
-              <a:solidFill>
-                <a:schemeClr val="tx1"/>
-              </a:solidFill>
-              <a:effectLst>
-                <a:outerShdw blurRad="50800" dist="38100" dir="10800000" algn="r" rotWithShape="0">
-                  <a:prstClr val="black">
-                    <a:alpha val="40000"/>
-                  </a:prstClr>
-                </a:outerShdw>
-              </a:effectLst>
-            </a:endParaRPr>
-          </a:p>
-        </p:txBody>
-      </p:sp>
-      <p:sp>
-        <p:nvSpPr>
-          <p:cNvPr id="7" name="文本框 6">
-            <a:extLst>
-              <a:ext uri="{FF2B5EF4-FFF2-40B4-BE49-F238E27FC236}">
-                <a16:creationId xmlns:a16="http://schemas.microsoft.com/office/drawing/2014/main" id="{8C038C79-9039-17A4-C782-8CA4ECA87AEE}"/>
-              </a:ext>
-            </a:extLst>
-          </p:cNvPr>
-          <p:cNvSpPr txBox="1"/>
-          <p:nvPr/>
-        </p:nvSpPr>
-        <p:spPr>
-          <a:xfrm>
-            <a:off x="2117032" y="3928565"/>
-            <a:ext cx="1459065" cy="523220"/>
-          </a:xfrm>
-          <a:prstGeom prst="rect">
-            <a:avLst/>
-          </a:prstGeom>
-          <a:noFill/>
-        </p:spPr>
-        <p:txBody>
           <a:bodyPr wrap="square" rtlCol="0">
             <a:spAutoFit/>
           </a:bodyPr>
@@ -10102,16 +7051,14 @@
           <a:p>
             <a:pPr algn="ctr"/>
             <a:r>
-              <a:rPr lang="en-US" altLang="zh-CN" sz="2800" dirty="0">
+              <a:rPr lang="en-US" altLang="zh-CN" sz="3600" dirty="0">
                 <a:latin typeface="Cascadia Code" panose="020B0609020000020004" pitchFamily="49" charset="0"/>
-                <a:ea typeface="+mj-ea"/>
                 <a:cs typeface="Cascadia Code" panose="020B0609020000020004" pitchFamily="49" charset="0"/>
               </a:rPr>
-              <a:t>PART</a:t>
-            </a:r>
-            <a:endParaRPr lang="zh-CN" altLang="en-US" sz="2800" dirty="0">
+              <a:t>Signed Distance Field Soft Shadow</a:t>
+            </a:r>
+            <a:endParaRPr lang="zh-CN" altLang="en-US" sz="3600" dirty="0">
               <a:latin typeface="Cascadia Code" panose="020B0609020000020004" pitchFamily="49" charset="0"/>
-              <a:ea typeface="+mj-ea"/>
               <a:cs typeface="Cascadia Code" panose="020B0609020000020004" pitchFamily="49" charset="0"/>
             </a:endParaRPr>
           </a:p>
@@ -10119,291 +7066,10 @@
       </p:sp>
       <p:sp>
         <p:nvSpPr>
-          <p:cNvPr id="8" name="文本框 7">
-            <a:extLst>
-              <a:ext uri="{FF2B5EF4-FFF2-40B4-BE49-F238E27FC236}">
-                <a16:creationId xmlns:a16="http://schemas.microsoft.com/office/drawing/2014/main" id="{C2F9B3E6-6A8B-C3CA-C61B-5447E751398F}"/>
-              </a:ext>
-            </a:extLst>
-          </p:cNvPr>
-          <p:cNvSpPr txBox="1"/>
-          <p:nvPr/>
-        </p:nvSpPr>
-        <p:spPr>
-          <a:xfrm>
-            <a:off x="4783450" y="3150654"/>
-            <a:ext cx="5247861" cy="369332"/>
-          </a:xfrm>
-          <a:prstGeom prst="rect">
-            <a:avLst/>
-          </a:prstGeom>
-          <a:noFill/>
-        </p:spPr>
-        <p:txBody>
-          <a:bodyPr wrap="square" rtlCol="0">
-            <a:spAutoFit/>
-          </a:bodyPr>
-          <a:lstStyle/>
-          <a:p>
-            <a:r>
-              <a:rPr lang="en-US" altLang="zh-CN" dirty="0">
-                <a:latin typeface="Cascadia Code Light" panose="020B0609020000020004" pitchFamily="49" charset="0"/>
-                <a:cs typeface="Cascadia Code Light" panose="020B0609020000020004" pitchFamily="49" charset="0"/>
-              </a:rPr>
-              <a:t>Lighting and Shadows</a:t>
-            </a:r>
-          </a:p>
-        </p:txBody>
-      </p:sp>
-      <p:sp>
-        <p:nvSpPr>
-          <p:cNvPr id="9" name="文本框 8">
-            <a:extLst>
-              <a:ext uri="{FF2B5EF4-FFF2-40B4-BE49-F238E27FC236}">
-                <a16:creationId xmlns:a16="http://schemas.microsoft.com/office/drawing/2014/main" id="{8049A779-7B06-60C7-A88D-91CD68BBA391}"/>
-              </a:ext>
-            </a:extLst>
-          </p:cNvPr>
-          <p:cNvSpPr txBox="1"/>
-          <p:nvPr/>
-        </p:nvSpPr>
-        <p:spPr>
-          <a:xfrm>
-            <a:off x="4783450" y="4079152"/>
-            <a:ext cx="6651266" cy="369332"/>
-          </a:xfrm>
-          <a:prstGeom prst="rect">
-            <a:avLst/>
-          </a:prstGeom>
-          <a:noFill/>
-        </p:spPr>
-        <p:txBody>
-          <a:bodyPr wrap="square" rtlCol="0">
-            <a:spAutoFit/>
-          </a:bodyPr>
-          <a:lstStyle/>
-          <a:p>
-            <a:r>
-              <a:rPr lang="en-US" altLang="zh-CN" dirty="0">
-                <a:latin typeface="Cascadia Code Light" panose="020B0609020000020004" pitchFamily="49" charset="0"/>
-                <a:cs typeface="Cascadia Code Light" panose="020B0609020000020004" pitchFamily="49" charset="0"/>
-              </a:rPr>
-              <a:t>Coding</a:t>
-            </a:r>
-            <a:endParaRPr lang="zh-CN" altLang="en-US" dirty="0">
-              <a:latin typeface="Cascadia Code Light" panose="020B0609020000020004" pitchFamily="49" charset="0"/>
-              <a:cs typeface="Cascadia Code Light" panose="020B0609020000020004" pitchFamily="49" charset="0"/>
-            </a:endParaRPr>
-          </a:p>
-        </p:txBody>
-      </p:sp>
-      <p:sp>
-        <p:nvSpPr>
-          <p:cNvPr id="10" name="文本框 9">
-            <a:extLst>
-              <a:ext uri="{FF2B5EF4-FFF2-40B4-BE49-F238E27FC236}">
-                <a16:creationId xmlns:a16="http://schemas.microsoft.com/office/drawing/2014/main" id="{39112D73-8D9C-DAD8-9A24-77CB1FB94967}"/>
-              </a:ext>
-            </a:extLst>
-          </p:cNvPr>
-          <p:cNvSpPr txBox="1"/>
-          <p:nvPr/>
-        </p:nvSpPr>
-        <p:spPr>
-          <a:xfrm>
-            <a:off x="5218771" y="3519110"/>
-            <a:ext cx="5750327" cy="307777"/>
-          </a:xfrm>
-          <a:prstGeom prst="rect">
-            <a:avLst/>
-          </a:prstGeom>
-          <a:noFill/>
-        </p:spPr>
-        <p:txBody>
-          <a:bodyPr wrap="square" rtlCol="0">
-            <a:spAutoFit/>
-          </a:bodyPr>
-          <a:lstStyle/>
-          <a:p>
-            <a:r>
-              <a:rPr lang="en-US" altLang="zh-CN" sz="1400" dirty="0">
-                <a:solidFill>
-                  <a:schemeClr val="accent2">
-                    <a:lumMod val="40000"/>
-                    <a:lumOff val="60000"/>
-                  </a:schemeClr>
-                </a:solidFill>
-                <a:latin typeface="Cascadia Code Light" panose="020B0609020000020004" pitchFamily="49" charset="0"/>
-                <a:cs typeface="Cascadia Code Light" panose="020B0609020000020004" pitchFamily="49" charset="0"/>
-              </a:rPr>
-              <a:t>Explore</a:t>
-            </a:r>
-            <a:r>
-              <a:rPr lang="en-US" altLang="zh-CN" sz="1400" dirty="0">
-                <a:latin typeface="Cascadia Code Light" panose="020B0609020000020004" pitchFamily="49" charset="0"/>
-                <a:cs typeface="Cascadia Code Light" panose="020B0609020000020004" pitchFamily="49" charset="0"/>
-              </a:rPr>
-              <a:t> and </a:t>
-            </a:r>
-            <a:r>
-              <a:rPr lang="en-US" altLang="zh-CN" sz="1400" dirty="0">
-                <a:solidFill>
-                  <a:schemeClr val="accent2">
-                    <a:lumMod val="40000"/>
-                    <a:lumOff val="60000"/>
-                  </a:schemeClr>
-                </a:solidFill>
-                <a:latin typeface="Cascadia Code Light" panose="020B0609020000020004" pitchFamily="49" charset="0"/>
-                <a:cs typeface="Cascadia Code Light" panose="020B0609020000020004" pitchFamily="49" charset="0"/>
-              </a:rPr>
-              <a:t>Reproduction</a:t>
-            </a:r>
-            <a:r>
-              <a:rPr lang="en-US" altLang="zh-CN" sz="1400" dirty="0">
-                <a:latin typeface="Cascadia Code Light" panose="020B0609020000020004" pitchFamily="49" charset="0"/>
-                <a:cs typeface="Cascadia Code Light" panose="020B0609020000020004" pitchFamily="49" charset="0"/>
-              </a:rPr>
-              <a:t> some state-of-art technology</a:t>
-            </a:r>
-          </a:p>
-        </p:txBody>
-      </p:sp>
-      <p:sp>
-        <p:nvSpPr>
-          <p:cNvPr id="13" name="文本框 12">
-            <a:extLst>
-              <a:ext uri="{FF2B5EF4-FFF2-40B4-BE49-F238E27FC236}">
-                <a16:creationId xmlns:a16="http://schemas.microsoft.com/office/drawing/2014/main" id="{A296331E-7EA5-5B1C-932E-A1FAF661D632}"/>
-              </a:ext>
-            </a:extLst>
-          </p:cNvPr>
-          <p:cNvSpPr txBox="1"/>
-          <p:nvPr/>
-        </p:nvSpPr>
-        <p:spPr>
-          <a:xfrm>
-            <a:off x="5215291" y="4450501"/>
-            <a:ext cx="5750327" cy="307777"/>
-          </a:xfrm>
-          <a:prstGeom prst="rect">
-            <a:avLst/>
-          </a:prstGeom>
-          <a:noFill/>
-        </p:spPr>
-        <p:txBody>
-          <a:bodyPr wrap="square" rtlCol="0">
-            <a:spAutoFit/>
-          </a:bodyPr>
-          <a:lstStyle/>
-          <a:p>
-            <a:r>
-              <a:rPr lang="en-US" altLang="zh-CN" sz="1400" dirty="0">
-                <a:latin typeface="Cascadia Code Light" panose="020B0609020000020004" pitchFamily="49" charset="0"/>
-                <a:cs typeface="Cascadia Code Light" panose="020B0609020000020004" pitchFamily="49" charset="0"/>
-              </a:rPr>
-              <a:t>We wrote everything in </a:t>
-            </a:r>
-            <a:r>
-              <a:rPr lang="en-US" altLang="zh-CN" sz="1400" dirty="0">
-                <a:solidFill>
-                  <a:schemeClr val="accent2">
-                    <a:lumMod val="40000"/>
-                    <a:lumOff val="60000"/>
-                  </a:schemeClr>
-                </a:solidFill>
-                <a:latin typeface="Cascadia Code Light" panose="020B0609020000020004" pitchFamily="49" charset="0"/>
-                <a:cs typeface="Cascadia Code Light" panose="020B0609020000020004" pitchFamily="49" charset="0"/>
-              </a:rPr>
-              <a:t>OpenGL </a:t>
-            </a:r>
-            <a:r>
-              <a:rPr lang="en-US" altLang="zh-CN" sz="1400" dirty="0">
-                <a:latin typeface="Cascadia Code Light" panose="020B0609020000020004" pitchFamily="49" charset="0"/>
-                <a:cs typeface="Cascadia Code Light" panose="020B0609020000020004" pitchFamily="49" charset="0"/>
-              </a:rPr>
-              <a:t>all by ourselves.</a:t>
-            </a:r>
-          </a:p>
-        </p:txBody>
-      </p:sp>
-      <p:sp>
-        <p:nvSpPr>
-          <p:cNvPr id="15" name="文本框 14">
-            <a:extLst>
-              <a:ext uri="{FF2B5EF4-FFF2-40B4-BE49-F238E27FC236}">
-                <a16:creationId xmlns:a16="http://schemas.microsoft.com/office/drawing/2014/main" id="{3213076F-B4D5-73B5-A441-C2D69F8313F9}"/>
-              </a:ext>
-            </a:extLst>
-          </p:cNvPr>
-          <p:cNvSpPr txBox="1"/>
-          <p:nvPr/>
-        </p:nvSpPr>
-        <p:spPr>
-          <a:xfrm>
-            <a:off x="5215290" y="4812544"/>
-            <a:ext cx="6163414" cy="307777"/>
-          </a:xfrm>
-          <a:prstGeom prst="rect">
-            <a:avLst/>
-          </a:prstGeom>
-          <a:noFill/>
-        </p:spPr>
-        <p:txBody>
-          <a:bodyPr wrap="square" rtlCol="0">
-            <a:spAutoFit/>
-          </a:bodyPr>
-          <a:lstStyle/>
-          <a:p>
-            <a:r>
-              <a:rPr lang="en-US" altLang="zh-CN" sz="1400" dirty="0">
-                <a:latin typeface="Cascadia Code Light" panose="020B0609020000020004" pitchFamily="49" charset="0"/>
-                <a:cs typeface="Cascadia Code Light" panose="020B0609020000020004" pitchFamily="49" charset="0"/>
-              </a:rPr>
-              <a:t>Everything is public on </a:t>
-            </a:r>
-            <a:r>
-              <a:rPr lang="en-US" altLang="zh-CN" sz="1400" dirty="0" err="1">
-                <a:solidFill>
-                  <a:schemeClr val="accent2">
-                    <a:lumMod val="40000"/>
-                    <a:lumOff val="60000"/>
-                  </a:schemeClr>
-                </a:solidFill>
-                <a:latin typeface="Cascadia Code Light" panose="020B0609020000020004" pitchFamily="49" charset="0"/>
-                <a:cs typeface="Cascadia Code Light" panose="020B0609020000020004" pitchFamily="49" charset="0"/>
-              </a:rPr>
-              <a:t>Github</a:t>
-            </a:r>
-            <a:r>
-              <a:rPr lang="en-US" altLang="zh-CN" sz="1400" dirty="0">
-                <a:latin typeface="Cascadia Code Light" panose="020B0609020000020004" pitchFamily="49" charset="0"/>
-                <a:cs typeface="Cascadia Code Light" panose="020B0609020000020004" pitchFamily="49" charset="0"/>
-              </a:rPr>
-              <a:t>(</a:t>
-            </a:r>
-            <a:r>
-              <a:rPr lang="en-US" altLang="zh-CN" sz="1400">
-                <a:latin typeface="Cascadia Code Light" panose="020B0609020000020004" pitchFamily="49" charset="0"/>
-                <a:cs typeface="Cascadia Code Light" panose="020B0609020000020004" pitchFamily="49" charset="0"/>
-              </a:rPr>
-              <a:t>at last almost </a:t>
-            </a:r>
-            <a:r>
-              <a:rPr lang="en-US" altLang="zh-CN" sz="1400" dirty="0">
-                <a:latin typeface="Cascadia Code Light" panose="020B0609020000020004" pitchFamily="49" charset="0"/>
-                <a:cs typeface="Cascadia Code Light" panose="020B0609020000020004" pitchFamily="49" charset="0"/>
-              </a:rPr>
-              <a:t>2000 lines)</a:t>
-            </a:r>
-          </a:p>
-        </p:txBody>
-      </p:sp>
-      <p:sp>
-        <p:nvSpPr>
-          <p:cNvPr id="3" name="矩形 2">
-            <a:extLst>
-              <a:ext uri="{FF2B5EF4-FFF2-40B4-BE49-F238E27FC236}">
-                <a16:creationId xmlns:a16="http://schemas.microsoft.com/office/drawing/2014/main" id="{CB3FF91F-8302-CBC0-F409-82B016B1655C}"/>
+          <p:cNvPr id="17" name="矩形 16">
+            <a:extLst>
+              <a:ext uri="{FF2B5EF4-FFF2-40B4-BE49-F238E27FC236}">
+                <a16:creationId xmlns:a16="http://schemas.microsoft.com/office/drawing/2014/main" id="{C88A16F2-850F-ACD2-E635-84BA2E9FCF26}"/>
               </a:ext>
             </a:extLst>
           </p:cNvPr>
@@ -10412,15 +7078,16 @@
         </p:nvSpPr>
         <p:spPr>
           <a:xfrm>
-            <a:off x="11347481" y="6012738"/>
-            <a:ext cx="844519" cy="845262"/>
+            <a:off x="406680" y="4450177"/>
+            <a:ext cx="2439887" cy="92739"/>
           </a:xfrm>
           <a:prstGeom prst="rect">
             <a:avLst/>
           </a:prstGeom>
           <a:solidFill>
-            <a:schemeClr val="bg1">
-              <a:lumMod val="95000"/>
+            <a:schemeClr val="accent2">
+              <a:lumMod val="40000"/>
+              <a:lumOff val="60000"/>
             </a:schemeClr>
           </a:solidFill>
           <a:ln>
@@ -10448,6 +7115,1731 @@
           <a:lstStyle/>
           <a:p>
             <a:pPr algn="ctr"/>
+            <a:endParaRPr lang="zh-CN" altLang="en-US">
+              <a:solidFill>
+                <a:schemeClr val="accent1">
+                  <a:lumMod val="40000"/>
+                  <a:lumOff val="60000"/>
+                </a:schemeClr>
+              </a:solidFill>
+            </a:endParaRPr>
+          </a:p>
+        </p:txBody>
+      </p:sp>
+      <p:sp>
+        <p:nvSpPr>
+          <p:cNvPr id="7" name="矩形 6">
+            <a:extLst>
+              <a:ext uri="{FF2B5EF4-FFF2-40B4-BE49-F238E27FC236}">
+                <a16:creationId xmlns:a16="http://schemas.microsoft.com/office/drawing/2014/main" id="{096C5026-AC33-2041-F0AA-9B828DC92B78}"/>
+              </a:ext>
+            </a:extLst>
+          </p:cNvPr>
+          <p:cNvSpPr/>
+          <p:nvPr/>
+        </p:nvSpPr>
+        <p:spPr>
+          <a:xfrm>
+            <a:off x="11347481" y="6012738"/>
+            <a:ext cx="844519" cy="845262"/>
+          </a:xfrm>
+          <a:prstGeom prst="rect">
+            <a:avLst/>
+          </a:prstGeom>
+          <a:solidFill>
+            <a:schemeClr val="bg1">
+              <a:lumMod val="95000"/>
+            </a:schemeClr>
+          </a:solidFill>
+          <a:ln>
+            <a:noFill/>
+          </a:ln>
+        </p:spPr>
+        <p:style>
+          <a:lnRef idx="2">
+            <a:schemeClr val="accent1">
+              <a:shade val="50000"/>
+            </a:schemeClr>
+          </a:lnRef>
+          <a:fillRef idx="1">
+            <a:schemeClr val="accent1"/>
+          </a:fillRef>
+          <a:effectRef idx="0">
+            <a:schemeClr val="accent1"/>
+          </a:effectRef>
+          <a:fontRef idx="minor">
+            <a:schemeClr val="lt1"/>
+          </a:fontRef>
+        </p:style>
+        <p:txBody>
+          <a:bodyPr rtlCol="0" anchor="ctr"/>
+          <a:lstStyle/>
+          <a:p>
+            <a:pPr algn="ctr"/>
+            <a:endParaRPr lang="zh-CN" altLang="en-US"/>
+          </a:p>
+        </p:txBody>
+      </p:sp>
+      <p:sp>
+        <p:nvSpPr>
+          <p:cNvPr id="6" name="文本框 5">
+            <a:extLst>
+              <a:ext uri="{FF2B5EF4-FFF2-40B4-BE49-F238E27FC236}">
+                <a16:creationId xmlns:a16="http://schemas.microsoft.com/office/drawing/2014/main" id="{45118AD1-54F4-BE4B-93DB-FE04F9AD5A2E}"/>
+              </a:ext>
+            </a:extLst>
+          </p:cNvPr>
+          <p:cNvSpPr txBox="1"/>
+          <p:nvPr/>
+        </p:nvSpPr>
+        <p:spPr>
+          <a:xfrm>
+            <a:off x="4566377" y="535644"/>
+            <a:ext cx="5260078" cy="369332"/>
+          </a:xfrm>
+          <a:prstGeom prst="rect">
+            <a:avLst/>
+          </a:prstGeom>
+          <a:noFill/>
+        </p:spPr>
+        <p:txBody>
+          <a:bodyPr wrap="square" rtlCol="0">
+            <a:spAutoFit/>
+          </a:bodyPr>
+          <a:lstStyle/>
+          <a:p>
+            <a:pPr algn="ctr"/>
+            <a:r>
+              <a:rPr lang="en-US" altLang="zh-CN" dirty="0">
+                <a:latin typeface="Cascadia Code Light" panose="020B0609020000020004" pitchFamily="49" charset="0"/>
+                <a:cs typeface="Cascadia Code Light" panose="020B0609020000020004" pitchFamily="49" charset="0"/>
+              </a:rPr>
+              <a:t>Use Some </a:t>
+            </a:r>
+            <a:r>
+              <a:rPr lang="en-US" altLang="zh-CN" dirty="0">
+                <a:solidFill>
+                  <a:schemeClr val="accent2">
+                    <a:lumMod val="40000"/>
+                    <a:lumOff val="60000"/>
+                  </a:schemeClr>
+                </a:solidFill>
+                <a:latin typeface="Cascadia Code Light" panose="020B0609020000020004" pitchFamily="49" charset="0"/>
+                <a:cs typeface="Cascadia Code Light" panose="020B0609020000020004" pitchFamily="49" charset="0"/>
+              </a:rPr>
+              <a:t>Approximation</a:t>
+            </a:r>
+            <a:r>
+              <a:rPr lang="en-US" altLang="zh-CN" dirty="0">
+                <a:latin typeface="Cascadia Code Light" panose="020B0609020000020004" pitchFamily="49" charset="0"/>
+                <a:cs typeface="Cascadia Code Light" panose="020B0609020000020004" pitchFamily="49" charset="0"/>
+              </a:rPr>
+              <a:t> to Generate SDF</a:t>
+            </a:r>
+            <a:endParaRPr lang="zh-CN" altLang="en-US" dirty="0">
+              <a:latin typeface="Cascadia Code Light" panose="020B0609020000020004" pitchFamily="49" charset="0"/>
+              <a:cs typeface="Cascadia Code Light" panose="020B0609020000020004" pitchFamily="49" charset="0"/>
+            </a:endParaRPr>
+          </a:p>
+        </p:txBody>
+      </p:sp>
+      <p:sp>
+        <p:nvSpPr>
+          <p:cNvPr id="8" name="椭圆 7">
+            <a:extLst>
+              <a:ext uri="{FF2B5EF4-FFF2-40B4-BE49-F238E27FC236}">
+                <a16:creationId xmlns:a16="http://schemas.microsoft.com/office/drawing/2014/main" id="{8E74D8A7-DE9D-BFFD-D7E7-8C236A45F65E}"/>
+              </a:ext>
+            </a:extLst>
+          </p:cNvPr>
+          <p:cNvSpPr/>
+          <p:nvPr/>
+        </p:nvSpPr>
+        <p:spPr>
+          <a:xfrm>
+            <a:off x="4411974" y="657863"/>
+            <a:ext cx="124893" cy="124893"/>
+          </a:xfrm>
+          <a:prstGeom prst="ellipse">
+            <a:avLst/>
+          </a:prstGeom>
+          <a:solidFill>
+            <a:schemeClr val="accent2">
+              <a:lumMod val="40000"/>
+              <a:lumOff val="60000"/>
+            </a:schemeClr>
+          </a:solidFill>
+          <a:ln>
+            <a:noFill/>
+          </a:ln>
+        </p:spPr>
+        <p:style>
+          <a:lnRef idx="2">
+            <a:schemeClr val="accent1">
+              <a:shade val="50000"/>
+            </a:schemeClr>
+          </a:lnRef>
+          <a:fillRef idx="1">
+            <a:schemeClr val="accent1"/>
+          </a:fillRef>
+          <a:effectRef idx="0">
+            <a:schemeClr val="accent1"/>
+          </a:effectRef>
+          <a:fontRef idx="minor">
+            <a:schemeClr val="lt1"/>
+          </a:fontRef>
+        </p:style>
+        <p:txBody>
+          <a:bodyPr rtlCol="0" anchor="ctr"/>
+          <a:lstStyle/>
+          <a:p>
+            <a:pPr algn="ctr"/>
+            <a:endParaRPr lang="zh-CN" altLang="en-US"/>
+          </a:p>
+        </p:txBody>
+      </p:sp>
+      <p:pic>
+        <p:nvPicPr>
+          <p:cNvPr id="2" name="图片 1" descr="桌子上的鸡蛋&#10;&#10;描述已自动生成">
+            <a:extLst>
+              <a:ext uri="{FF2B5EF4-FFF2-40B4-BE49-F238E27FC236}">
+                <a16:creationId xmlns:a16="http://schemas.microsoft.com/office/drawing/2014/main" id="{2069E47C-6082-E93D-1807-43E0C4231EFB}"/>
+              </a:ext>
+            </a:extLst>
+          </p:cNvPr>
+          <p:cNvPicPr>
+            <a:picLocks noChangeAspect="1"/>
+          </p:cNvPicPr>
+          <p:nvPr/>
+        </p:nvPicPr>
+        <p:blipFill>
+          <a:blip r:embed="rId2">
+            <a:extLst>
+              <a:ext uri="{28A0092B-C50C-407E-A947-70E740481C1C}">
+                <a14:useLocalDpi xmlns:a14="http://schemas.microsoft.com/office/drawing/2010/main" val="0"/>
+              </a:ext>
+            </a:extLst>
+          </a:blip>
+          <a:stretch>
+            <a:fillRect/>
+          </a:stretch>
+        </p:blipFill>
+        <p:spPr>
+          <a:xfrm>
+            <a:off x="4011539" y="1852276"/>
+            <a:ext cx="6369754" cy="4713621"/>
+          </a:xfrm>
+          <a:prstGeom prst="rect">
+            <a:avLst/>
+          </a:prstGeom>
+        </p:spPr>
+      </p:pic>
+      <p:sp>
+        <p:nvSpPr>
+          <p:cNvPr id="3" name="椭圆 2">
+            <a:extLst>
+              <a:ext uri="{FF2B5EF4-FFF2-40B4-BE49-F238E27FC236}">
+                <a16:creationId xmlns:a16="http://schemas.microsoft.com/office/drawing/2014/main" id="{DAEB3E81-6D29-7F03-6143-1F7F157CDF37}"/>
+              </a:ext>
+            </a:extLst>
+          </p:cNvPr>
+          <p:cNvSpPr/>
+          <p:nvPr/>
+        </p:nvSpPr>
+        <p:spPr>
+          <a:xfrm>
+            <a:off x="8666732" y="2917159"/>
+            <a:ext cx="780585" cy="780585"/>
+          </a:xfrm>
+          <a:prstGeom prst="ellipse">
+            <a:avLst/>
+          </a:prstGeom>
+          <a:noFill/>
+          <a:ln>
+            <a:solidFill>
+              <a:srgbClr val="FF0000"/>
+            </a:solidFill>
+          </a:ln>
+        </p:spPr>
+        <p:style>
+          <a:lnRef idx="2">
+            <a:schemeClr val="accent1">
+              <a:shade val="50000"/>
+            </a:schemeClr>
+          </a:lnRef>
+          <a:fillRef idx="1">
+            <a:schemeClr val="accent1"/>
+          </a:fillRef>
+          <a:effectRef idx="0">
+            <a:schemeClr val="accent1"/>
+          </a:effectRef>
+          <a:fontRef idx="minor">
+            <a:schemeClr val="lt1"/>
+          </a:fontRef>
+        </p:style>
+        <p:txBody>
+          <a:bodyPr rtlCol="0" anchor="ctr"/>
+          <a:lstStyle/>
+          <a:p>
+            <a:pPr algn="ctr"/>
+            <a:endParaRPr lang="zh-CN" altLang="en-US"/>
+          </a:p>
+        </p:txBody>
+      </p:sp>
+      <p:sp>
+        <p:nvSpPr>
+          <p:cNvPr id="9" name="文本框 8">
+            <a:extLst>
+              <a:ext uri="{FF2B5EF4-FFF2-40B4-BE49-F238E27FC236}">
+                <a16:creationId xmlns:a16="http://schemas.microsoft.com/office/drawing/2014/main" id="{3F6CEC24-07AA-A7E7-6BCE-B5B981799D85}"/>
+              </a:ext>
+            </a:extLst>
+          </p:cNvPr>
+          <p:cNvSpPr txBox="1"/>
+          <p:nvPr/>
+        </p:nvSpPr>
+        <p:spPr>
+          <a:xfrm>
+            <a:off x="4011539" y="981307"/>
+            <a:ext cx="6369754" cy="707886"/>
+          </a:xfrm>
+          <a:prstGeom prst="rect">
+            <a:avLst/>
+          </a:prstGeom>
+          <a:noFill/>
+        </p:spPr>
+        <p:txBody>
+          <a:bodyPr wrap="square" rtlCol="0">
+            <a:spAutoFit/>
+          </a:bodyPr>
+          <a:lstStyle/>
+          <a:p>
+            <a:r>
+              <a:rPr lang="en-US" altLang="zh-CN" sz="1000" dirty="0">
+                <a:latin typeface="Cascadia Code Light" panose="020B0609020000020004" pitchFamily="49" charset="0"/>
+                <a:cs typeface="Cascadia Code Light" panose="020B0609020000020004" pitchFamily="49" charset="0"/>
+              </a:rPr>
+              <a:t>We generate a cube SDF which is slightly larger than object, since the object is much smaller than whole scenes. Then, when we need to query any point on the scene, we use </a:t>
+            </a:r>
+            <a:r>
+              <a:rPr lang="en-US" altLang="zh-CN" sz="1000" dirty="0">
+                <a:solidFill>
+                  <a:schemeClr val="accent2">
+                    <a:lumMod val="40000"/>
+                    <a:lumOff val="60000"/>
+                  </a:schemeClr>
+                </a:solidFill>
+                <a:latin typeface="Cascadia Code Light" panose="020B0609020000020004" pitchFamily="49" charset="0"/>
+                <a:cs typeface="Cascadia Code Light" panose="020B0609020000020004" pitchFamily="49" charset="0"/>
+              </a:rPr>
+              <a:t>the smallest distance between this point to the cube </a:t>
+            </a:r>
+            <a:r>
+              <a:rPr lang="en-US" altLang="zh-CN" sz="1000" dirty="0">
+                <a:latin typeface="Cascadia Code Light" panose="020B0609020000020004" pitchFamily="49" charset="0"/>
+                <a:cs typeface="Cascadia Code Light" panose="020B0609020000020004" pitchFamily="49" charset="0"/>
+              </a:rPr>
+              <a:t>plus </a:t>
+            </a:r>
+            <a:r>
+              <a:rPr lang="en-US" altLang="zh-CN" sz="1000" dirty="0">
+                <a:solidFill>
+                  <a:schemeClr val="accent2">
+                    <a:lumMod val="40000"/>
+                    <a:lumOff val="60000"/>
+                  </a:schemeClr>
+                </a:solidFill>
+                <a:latin typeface="Cascadia Code Light" panose="020B0609020000020004" pitchFamily="49" charset="0"/>
+                <a:cs typeface="Cascadia Code Light" panose="020B0609020000020004" pitchFamily="49" charset="0"/>
+              </a:rPr>
+              <a:t>the</a:t>
+            </a:r>
+            <a:r>
+              <a:rPr lang="en-US" altLang="zh-CN" sz="1000" dirty="0">
+                <a:latin typeface="Cascadia Code Light" panose="020B0609020000020004" pitchFamily="49" charset="0"/>
+                <a:cs typeface="Cascadia Code Light" panose="020B0609020000020004" pitchFamily="49" charset="0"/>
+              </a:rPr>
+              <a:t> </a:t>
+            </a:r>
+            <a:r>
+              <a:rPr lang="en-US" altLang="zh-CN" sz="1000" dirty="0">
+                <a:solidFill>
+                  <a:schemeClr val="accent2">
+                    <a:lumMod val="40000"/>
+                    <a:lumOff val="60000"/>
+                  </a:schemeClr>
+                </a:solidFill>
+                <a:latin typeface="Cascadia Code Light" panose="020B0609020000020004" pitchFamily="49" charset="0"/>
+                <a:cs typeface="Cascadia Code Light" panose="020B0609020000020004" pitchFamily="49" charset="0"/>
+              </a:rPr>
+              <a:t>preprocessed</a:t>
+            </a:r>
+            <a:r>
+              <a:rPr lang="en-US" altLang="zh-CN" sz="1000" dirty="0">
+                <a:latin typeface="Cascadia Code Light" panose="020B0609020000020004" pitchFamily="49" charset="0"/>
+                <a:cs typeface="Cascadia Code Light" panose="020B0609020000020004" pitchFamily="49" charset="0"/>
+              </a:rPr>
+              <a:t> </a:t>
+            </a:r>
+            <a:r>
+              <a:rPr lang="en-US" altLang="zh-CN" sz="1000" dirty="0">
+                <a:solidFill>
+                  <a:schemeClr val="accent2">
+                    <a:lumMod val="40000"/>
+                    <a:lumOff val="60000"/>
+                  </a:schemeClr>
+                </a:solidFill>
+                <a:latin typeface="Cascadia Code Light" panose="020B0609020000020004" pitchFamily="49" charset="0"/>
+                <a:cs typeface="Cascadia Code Light" panose="020B0609020000020004" pitchFamily="49" charset="0"/>
+              </a:rPr>
+              <a:t>SDF distance of the intersection point of such shortest distance.</a:t>
+            </a:r>
+            <a:endParaRPr lang="zh-CN" altLang="en-US" sz="1000" dirty="0">
+              <a:solidFill>
+                <a:schemeClr val="accent2">
+                  <a:lumMod val="40000"/>
+                  <a:lumOff val="60000"/>
+                </a:schemeClr>
+              </a:solidFill>
+              <a:latin typeface="Cascadia Code Light" panose="020B0609020000020004" pitchFamily="49" charset="0"/>
+              <a:cs typeface="Cascadia Code Light" panose="020B0609020000020004" pitchFamily="49" charset="0"/>
+            </a:endParaRPr>
+          </a:p>
+        </p:txBody>
+      </p:sp>
+    </p:spTree>
+    <p:extLst>
+      <p:ext uri="{BB962C8B-B14F-4D97-AF65-F5344CB8AC3E}">
+        <p14:creationId xmlns:p14="http://schemas.microsoft.com/office/powerpoint/2010/main" val="1231654191"/>
+      </p:ext>
+    </p:extLst>
+  </p:cSld>
+  <p:clrMapOvr>
+    <a:masterClrMapping/>
+  </p:clrMapOvr>
+</p:sld>
+</file>
+
+<file path=ppt/slides/slide12.xml><?xml version="1.0" encoding="utf-8"?>
+<p:sld xmlns:a="http://schemas.openxmlformats.org/drawingml/2006/main" xmlns:r="http://schemas.openxmlformats.org/officeDocument/2006/relationships" xmlns:p="http://schemas.openxmlformats.org/presentationml/2006/main">
+  <p:cSld>
+    <p:spTree>
+      <p:nvGrpSpPr>
+        <p:cNvPr id="1" name=""/>
+        <p:cNvGrpSpPr/>
+        <p:nvPr/>
+      </p:nvGrpSpPr>
+      <p:grpSpPr>
+        <a:xfrm>
+          <a:off x="0" y="0"/>
+          <a:ext cx="0" cy="0"/>
+          <a:chOff x="0" y="0"/>
+          <a:chExt cx="0" cy="0"/>
+        </a:xfrm>
+      </p:grpSpPr>
+      <p:sp>
+        <p:nvSpPr>
+          <p:cNvPr id="5" name="矩形 4">
+            <a:extLst>
+              <a:ext uri="{FF2B5EF4-FFF2-40B4-BE49-F238E27FC236}">
+                <a16:creationId xmlns:a16="http://schemas.microsoft.com/office/drawing/2014/main" id="{9611B230-8845-EB30-6ADE-53DA018222E1}"/>
+              </a:ext>
+            </a:extLst>
+          </p:cNvPr>
+          <p:cNvSpPr/>
+          <p:nvPr/>
+        </p:nvSpPr>
+        <p:spPr>
+          <a:xfrm>
+            <a:off x="0" y="0"/>
+            <a:ext cx="2846567" cy="6858000"/>
+          </a:xfrm>
+          <a:prstGeom prst="rect">
+            <a:avLst/>
+          </a:prstGeom>
+          <a:solidFill>
+            <a:schemeClr val="bg1">
+              <a:lumMod val="95000"/>
+            </a:schemeClr>
+          </a:solidFill>
+          <a:ln>
+            <a:noFill/>
+          </a:ln>
+        </p:spPr>
+        <p:style>
+          <a:lnRef idx="2">
+            <a:schemeClr val="accent1">
+              <a:shade val="50000"/>
+            </a:schemeClr>
+          </a:lnRef>
+          <a:fillRef idx="1">
+            <a:schemeClr val="accent1"/>
+          </a:fillRef>
+          <a:effectRef idx="0">
+            <a:schemeClr val="accent1"/>
+          </a:effectRef>
+          <a:fontRef idx="minor">
+            <a:schemeClr val="lt1"/>
+          </a:fontRef>
+        </p:style>
+        <p:txBody>
+          <a:bodyPr rtlCol="0" anchor="ctr"/>
+          <a:lstStyle/>
+          <a:p>
+            <a:pPr algn="ctr"/>
+            <a:endParaRPr lang="zh-CN" altLang="en-US" sz="6000" dirty="0">
+              <a:solidFill>
+                <a:schemeClr val="accent2">
+                  <a:lumMod val="40000"/>
+                  <a:lumOff val="60000"/>
+                </a:schemeClr>
+              </a:solidFill>
+              <a:latin typeface="Cascadia Code" panose="020B0609020000020004" pitchFamily="49" charset="0"/>
+              <a:cs typeface="Cascadia Code" panose="020B0609020000020004" pitchFamily="49" charset="0"/>
+            </a:endParaRPr>
+          </a:p>
+        </p:txBody>
+      </p:sp>
+      <p:sp>
+        <p:nvSpPr>
+          <p:cNvPr id="16" name="文本框 15">
+            <a:extLst>
+              <a:ext uri="{FF2B5EF4-FFF2-40B4-BE49-F238E27FC236}">
+                <a16:creationId xmlns:a16="http://schemas.microsoft.com/office/drawing/2014/main" id="{05A4C2BA-E673-C79E-C4F0-4C488DA45533}"/>
+              </a:ext>
+            </a:extLst>
+          </p:cNvPr>
+          <p:cNvSpPr txBox="1"/>
+          <p:nvPr/>
+        </p:nvSpPr>
+        <p:spPr>
+          <a:xfrm>
+            <a:off x="288561" y="2468142"/>
+            <a:ext cx="2472759" cy="646331"/>
+          </a:xfrm>
+          <a:prstGeom prst="rect">
+            <a:avLst/>
+          </a:prstGeom>
+          <a:noFill/>
+        </p:spPr>
+        <p:txBody>
+          <a:bodyPr wrap="square" rtlCol="0">
+            <a:spAutoFit/>
+          </a:bodyPr>
+          <a:lstStyle/>
+          <a:p>
+            <a:pPr algn="ctr"/>
+            <a:r>
+              <a:rPr lang="en-US" altLang="zh-CN" sz="3600" dirty="0">
+                <a:latin typeface="Cascadia Code" panose="020B0609020000020004" pitchFamily="49" charset="0"/>
+                <a:cs typeface="Cascadia Code" panose="020B0609020000020004" pitchFamily="49" charset="0"/>
+              </a:rPr>
+              <a:t>Question</a:t>
+            </a:r>
+            <a:endParaRPr lang="zh-CN" altLang="en-US" sz="3600" dirty="0">
+              <a:latin typeface="Cascadia Code" panose="020B0609020000020004" pitchFamily="49" charset="0"/>
+              <a:cs typeface="Cascadia Code" panose="020B0609020000020004" pitchFamily="49" charset="0"/>
+            </a:endParaRPr>
+          </a:p>
+        </p:txBody>
+      </p:sp>
+      <p:sp>
+        <p:nvSpPr>
+          <p:cNvPr id="17" name="矩形 16">
+            <a:extLst>
+              <a:ext uri="{FF2B5EF4-FFF2-40B4-BE49-F238E27FC236}">
+                <a16:creationId xmlns:a16="http://schemas.microsoft.com/office/drawing/2014/main" id="{C88A16F2-850F-ACD2-E635-84BA2E9FCF26}"/>
+              </a:ext>
+            </a:extLst>
+          </p:cNvPr>
+          <p:cNvSpPr/>
+          <p:nvPr/>
+        </p:nvSpPr>
+        <p:spPr>
+          <a:xfrm>
+            <a:off x="406680" y="3379516"/>
+            <a:ext cx="2439887" cy="92739"/>
+          </a:xfrm>
+          <a:prstGeom prst="rect">
+            <a:avLst/>
+          </a:prstGeom>
+          <a:solidFill>
+            <a:schemeClr val="accent2">
+              <a:lumMod val="40000"/>
+              <a:lumOff val="60000"/>
+            </a:schemeClr>
+          </a:solidFill>
+          <a:ln>
+            <a:noFill/>
+          </a:ln>
+        </p:spPr>
+        <p:style>
+          <a:lnRef idx="2">
+            <a:schemeClr val="accent1">
+              <a:shade val="50000"/>
+            </a:schemeClr>
+          </a:lnRef>
+          <a:fillRef idx="1">
+            <a:schemeClr val="accent1"/>
+          </a:fillRef>
+          <a:effectRef idx="0">
+            <a:schemeClr val="accent1"/>
+          </a:effectRef>
+          <a:fontRef idx="minor">
+            <a:schemeClr val="lt1"/>
+          </a:fontRef>
+        </p:style>
+        <p:txBody>
+          <a:bodyPr rtlCol="0" anchor="ctr"/>
+          <a:lstStyle/>
+          <a:p>
+            <a:pPr algn="ctr"/>
+            <a:endParaRPr lang="zh-CN" altLang="en-US">
+              <a:solidFill>
+                <a:schemeClr val="accent1">
+                  <a:lumMod val="40000"/>
+                  <a:lumOff val="60000"/>
+                </a:schemeClr>
+              </a:solidFill>
+            </a:endParaRPr>
+          </a:p>
+        </p:txBody>
+      </p:sp>
+      <p:sp>
+        <p:nvSpPr>
+          <p:cNvPr id="7" name="矩形 6">
+            <a:extLst>
+              <a:ext uri="{FF2B5EF4-FFF2-40B4-BE49-F238E27FC236}">
+                <a16:creationId xmlns:a16="http://schemas.microsoft.com/office/drawing/2014/main" id="{096C5026-AC33-2041-F0AA-9B828DC92B78}"/>
+              </a:ext>
+            </a:extLst>
+          </p:cNvPr>
+          <p:cNvSpPr/>
+          <p:nvPr/>
+        </p:nvSpPr>
+        <p:spPr>
+          <a:xfrm>
+            <a:off x="11347481" y="6009624"/>
+            <a:ext cx="844519" cy="845262"/>
+          </a:xfrm>
+          <a:prstGeom prst="rect">
+            <a:avLst/>
+          </a:prstGeom>
+          <a:solidFill>
+            <a:schemeClr val="bg1">
+              <a:lumMod val="95000"/>
+            </a:schemeClr>
+          </a:solidFill>
+          <a:ln>
+            <a:noFill/>
+          </a:ln>
+        </p:spPr>
+        <p:style>
+          <a:lnRef idx="2">
+            <a:schemeClr val="accent1">
+              <a:shade val="50000"/>
+            </a:schemeClr>
+          </a:lnRef>
+          <a:fillRef idx="1">
+            <a:schemeClr val="accent1"/>
+          </a:fillRef>
+          <a:effectRef idx="0">
+            <a:schemeClr val="accent1"/>
+          </a:effectRef>
+          <a:fontRef idx="minor">
+            <a:schemeClr val="lt1"/>
+          </a:fontRef>
+        </p:style>
+        <p:txBody>
+          <a:bodyPr rtlCol="0" anchor="ctr"/>
+          <a:lstStyle/>
+          <a:p>
+            <a:pPr algn="ctr"/>
+            <a:endParaRPr lang="zh-CN" altLang="en-US"/>
+          </a:p>
+        </p:txBody>
+      </p:sp>
+      <p:sp>
+        <p:nvSpPr>
+          <p:cNvPr id="2" name="文本框 1">
+            <a:extLst>
+              <a:ext uri="{FF2B5EF4-FFF2-40B4-BE49-F238E27FC236}">
+                <a16:creationId xmlns:a16="http://schemas.microsoft.com/office/drawing/2014/main" id="{A27843AA-FD5E-12A5-9F2C-340F9C3315A5}"/>
+              </a:ext>
+            </a:extLst>
+          </p:cNvPr>
+          <p:cNvSpPr txBox="1"/>
+          <p:nvPr/>
+        </p:nvSpPr>
+        <p:spPr>
+          <a:xfrm>
+            <a:off x="3434574" y="529481"/>
+            <a:ext cx="8113627" cy="461665"/>
+          </a:xfrm>
+          <a:prstGeom prst="rect">
+            <a:avLst/>
+          </a:prstGeom>
+          <a:noFill/>
+        </p:spPr>
+        <p:txBody>
+          <a:bodyPr wrap="square" rtlCol="0">
+            <a:spAutoFit/>
+          </a:bodyPr>
+          <a:lstStyle/>
+          <a:p>
+            <a:r>
+              <a:rPr lang="en-US" altLang="zh-CN" sz="2400" dirty="0">
+                <a:latin typeface="Cascadia Code Light" panose="020B0609020000020004" pitchFamily="49" charset="0"/>
+                <a:cs typeface="Cascadia Code Light" panose="020B0609020000020004" pitchFamily="49" charset="0"/>
+              </a:rPr>
+              <a:t>Why don’t use </a:t>
+            </a:r>
+            <a:r>
+              <a:rPr lang="en-US" altLang="zh-CN" sz="2400" dirty="0">
+                <a:solidFill>
+                  <a:schemeClr val="accent2">
+                    <a:lumMod val="40000"/>
+                    <a:lumOff val="60000"/>
+                  </a:schemeClr>
+                </a:solidFill>
+                <a:latin typeface="Cascadia Code Light" panose="020B0609020000020004" pitchFamily="49" charset="0"/>
+                <a:cs typeface="Cascadia Code Light" panose="020B0609020000020004" pitchFamily="49" charset="0"/>
+              </a:rPr>
+              <a:t>vector</a:t>
+            </a:r>
+            <a:r>
+              <a:rPr lang="en-US" altLang="zh-CN" sz="2400" dirty="0">
+                <a:latin typeface="Cascadia Code Light" panose="020B0609020000020004" pitchFamily="49" charset="0"/>
+                <a:cs typeface="Cascadia Code Light" panose="020B0609020000020004" pitchFamily="49" charset="0"/>
+              </a:rPr>
+              <a:t> to describe distance?</a:t>
+            </a:r>
+            <a:endParaRPr lang="zh-CN" altLang="en-US" sz="2400" dirty="0">
+              <a:latin typeface="Cascadia Code Light" panose="020B0609020000020004" pitchFamily="49" charset="0"/>
+              <a:cs typeface="Cascadia Code Light" panose="020B0609020000020004" pitchFamily="49" charset="0"/>
+            </a:endParaRPr>
+          </a:p>
+        </p:txBody>
+      </p:sp>
+      <p:sp>
+        <p:nvSpPr>
+          <p:cNvPr id="3" name="椭圆 2">
+            <a:extLst>
+              <a:ext uri="{FF2B5EF4-FFF2-40B4-BE49-F238E27FC236}">
+                <a16:creationId xmlns:a16="http://schemas.microsoft.com/office/drawing/2014/main" id="{1C072FC8-945A-713F-3C65-4C7EA8832E05}"/>
+              </a:ext>
+            </a:extLst>
+          </p:cNvPr>
+          <p:cNvSpPr/>
+          <p:nvPr/>
+        </p:nvSpPr>
+        <p:spPr>
+          <a:xfrm>
+            <a:off x="3372128" y="322276"/>
+            <a:ext cx="124893" cy="124893"/>
+          </a:xfrm>
+          <a:prstGeom prst="ellipse">
+            <a:avLst/>
+          </a:prstGeom>
+          <a:solidFill>
+            <a:schemeClr val="accent2">
+              <a:lumMod val="40000"/>
+              <a:lumOff val="60000"/>
+            </a:schemeClr>
+          </a:solidFill>
+          <a:ln>
+            <a:noFill/>
+          </a:ln>
+        </p:spPr>
+        <p:style>
+          <a:lnRef idx="2">
+            <a:schemeClr val="accent1">
+              <a:shade val="50000"/>
+            </a:schemeClr>
+          </a:lnRef>
+          <a:fillRef idx="1">
+            <a:schemeClr val="accent1"/>
+          </a:fillRef>
+          <a:effectRef idx="0">
+            <a:schemeClr val="accent1"/>
+          </a:effectRef>
+          <a:fontRef idx="minor">
+            <a:schemeClr val="lt1"/>
+          </a:fontRef>
+        </p:style>
+        <p:txBody>
+          <a:bodyPr rtlCol="0" anchor="ctr"/>
+          <a:lstStyle/>
+          <a:p>
+            <a:pPr algn="ctr"/>
+            <a:endParaRPr lang="zh-CN" altLang="en-US"/>
+          </a:p>
+        </p:txBody>
+      </p:sp>
+      <p:sp>
+        <p:nvSpPr>
+          <p:cNvPr id="11" name="文本框 10">
+            <a:extLst>
+              <a:ext uri="{FF2B5EF4-FFF2-40B4-BE49-F238E27FC236}">
+                <a16:creationId xmlns:a16="http://schemas.microsoft.com/office/drawing/2014/main" id="{330A9407-F3B4-BC71-D523-D22980F19D67}"/>
+              </a:ext>
+            </a:extLst>
+          </p:cNvPr>
+          <p:cNvSpPr txBox="1"/>
+          <p:nvPr/>
+        </p:nvSpPr>
+        <p:spPr>
+          <a:xfrm>
+            <a:off x="4036737" y="1188358"/>
+            <a:ext cx="6391879" cy="338554"/>
+          </a:xfrm>
+          <a:prstGeom prst="rect">
+            <a:avLst/>
+          </a:prstGeom>
+          <a:noFill/>
+        </p:spPr>
+        <p:txBody>
+          <a:bodyPr wrap="square" rtlCol="0">
+            <a:spAutoFit/>
+          </a:bodyPr>
+          <a:lstStyle/>
+          <a:p>
+            <a:r>
+              <a:rPr lang="en-US" altLang="zh-CN" sz="1600">
+                <a:latin typeface="Cascadia Code Light" panose="020B0609020000020004" pitchFamily="49" charset="0"/>
+                <a:cs typeface="Cascadia Code Light" panose="020B0609020000020004" pitchFamily="49" charset="0"/>
+              </a:rPr>
+              <a:t>It could </a:t>
+            </a:r>
+            <a:r>
+              <a:rPr lang="en-US" altLang="zh-CN" sz="1600" dirty="0">
+                <a:latin typeface="Cascadia Code Light" panose="020B0609020000020004" pitchFamily="49" charset="0"/>
+                <a:cs typeface="Cascadia Code Light" panose="020B0609020000020004" pitchFamily="49" charset="0"/>
+              </a:rPr>
+              <a:t>interpolate better when we query distance</a:t>
+            </a:r>
+            <a:endParaRPr lang="zh-CN" altLang="en-US" sz="1600" dirty="0">
+              <a:latin typeface="Cascadia Code Light" panose="020B0609020000020004" pitchFamily="49" charset="0"/>
+              <a:cs typeface="Cascadia Code Light" panose="020B0609020000020004" pitchFamily="49" charset="0"/>
+            </a:endParaRPr>
+          </a:p>
+        </p:txBody>
+      </p:sp>
+      <p:sp>
+        <p:nvSpPr>
+          <p:cNvPr id="19" name="文本框 18">
+            <a:extLst>
+              <a:ext uri="{FF2B5EF4-FFF2-40B4-BE49-F238E27FC236}">
+                <a16:creationId xmlns:a16="http://schemas.microsoft.com/office/drawing/2014/main" id="{E574676F-DAA0-6C48-F376-100F387B7BFE}"/>
+              </a:ext>
+            </a:extLst>
+          </p:cNvPr>
+          <p:cNvSpPr txBox="1"/>
+          <p:nvPr/>
+        </p:nvSpPr>
+        <p:spPr>
+          <a:xfrm>
+            <a:off x="4036737" y="1649343"/>
+            <a:ext cx="6391879" cy="830997"/>
+          </a:xfrm>
+          <a:prstGeom prst="rect">
+            <a:avLst/>
+          </a:prstGeom>
+          <a:noFill/>
+        </p:spPr>
+        <p:txBody>
+          <a:bodyPr wrap="square" rtlCol="0">
+            <a:spAutoFit/>
+          </a:bodyPr>
+          <a:lstStyle/>
+          <a:p>
+            <a:r>
+              <a:rPr lang="en-US" altLang="zh-CN" sz="1600" dirty="0">
+                <a:latin typeface="Cascadia Code Light" panose="020B0609020000020004" pitchFamily="49" charset="0"/>
+                <a:cs typeface="Cascadia Code Light" panose="020B0609020000020004" pitchFamily="49" charset="0"/>
+              </a:rPr>
+              <a:t>Floating point precision is not important</a:t>
+            </a:r>
+          </a:p>
+          <a:p>
+            <a:r>
+              <a:rPr lang="en-US" altLang="zh-CN" sz="1600" dirty="0">
+                <a:latin typeface="Cascadia Code Light" panose="020B0609020000020004" pitchFamily="49" charset="0"/>
+                <a:cs typeface="Cascadia Code Light" panose="020B0609020000020004" pitchFamily="49" charset="0"/>
+              </a:rPr>
+              <a:t>So, we can compress the vector to a float to achieve the same memory consumption</a:t>
+            </a:r>
+          </a:p>
+        </p:txBody>
+      </p:sp>
+      <p:sp>
+        <p:nvSpPr>
+          <p:cNvPr id="20" name="文本框 19">
+            <a:extLst>
+              <a:ext uri="{FF2B5EF4-FFF2-40B4-BE49-F238E27FC236}">
+                <a16:creationId xmlns:a16="http://schemas.microsoft.com/office/drawing/2014/main" id="{369DA084-064D-41B9-1A3D-4B9662605ECC}"/>
+              </a:ext>
+            </a:extLst>
+          </p:cNvPr>
+          <p:cNvSpPr txBox="1"/>
+          <p:nvPr/>
+        </p:nvSpPr>
+        <p:spPr>
+          <a:xfrm>
+            <a:off x="4036737" y="2602771"/>
+            <a:ext cx="6391879" cy="584775"/>
+          </a:xfrm>
+          <a:prstGeom prst="rect">
+            <a:avLst/>
+          </a:prstGeom>
+          <a:noFill/>
+        </p:spPr>
+        <p:txBody>
+          <a:bodyPr wrap="square" rtlCol="0">
+            <a:spAutoFit/>
+          </a:bodyPr>
+          <a:lstStyle/>
+          <a:p>
+            <a:r>
+              <a:rPr lang="en-US" altLang="zh-CN" sz="1600" dirty="0">
+                <a:latin typeface="Cascadia Code Light" panose="020B0609020000020004" pitchFamily="49" charset="0"/>
+                <a:cs typeface="Cascadia Code Light" panose="020B0609020000020004" pitchFamily="49" charset="0"/>
+              </a:rPr>
+              <a:t>When we generate the SDF, we actually already know this vector and can directly get it</a:t>
+            </a:r>
+            <a:endParaRPr lang="zh-CN" altLang="en-US" sz="1600" dirty="0">
+              <a:latin typeface="Cascadia Code Light" panose="020B0609020000020004" pitchFamily="49" charset="0"/>
+              <a:cs typeface="Cascadia Code Light" panose="020B0609020000020004" pitchFamily="49" charset="0"/>
+            </a:endParaRPr>
+          </a:p>
+        </p:txBody>
+      </p:sp>
+      <p:pic>
+        <p:nvPicPr>
+          <p:cNvPr id="6" name="图片 5" descr="图片包含 台球, 鸡蛋, 桌子, 表面&#10;&#10;描述已自动生成">
+            <a:extLst>
+              <a:ext uri="{FF2B5EF4-FFF2-40B4-BE49-F238E27FC236}">
+                <a16:creationId xmlns:a16="http://schemas.microsoft.com/office/drawing/2014/main" id="{2E421C30-5091-E60A-9587-2A027B1CB12B}"/>
+              </a:ext>
+            </a:extLst>
+          </p:cNvPr>
+          <p:cNvPicPr>
+            <a:picLocks noChangeAspect="1"/>
+          </p:cNvPicPr>
+          <p:nvPr/>
+        </p:nvPicPr>
+        <p:blipFill rotWithShape="1">
+          <a:blip r:embed="rId2">
+            <a:extLst>
+              <a:ext uri="{28A0092B-C50C-407E-A947-70E740481C1C}">
+                <a14:useLocalDpi xmlns:a14="http://schemas.microsoft.com/office/drawing/2010/main" val="0"/>
+              </a:ext>
+            </a:extLst>
+          </a:blip>
+          <a:srcRect l="71455" t="23428" r="16056" b="62574"/>
+          <a:stretch/>
+        </p:blipFill>
+        <p:spPr>
+          <a:xfrm>
+            <a:off x="4153857" y="3793646"/>
+            <a:ext cx="3018898" cy="2528645"/>
+          </a:xfrm>
+          <a:prstGeom prst="rect">
+            <a:avLst/>
+          </a:prstGeom>
+        </p:spPr>
+      </p:pic>
+      <p:pic>
+        <p:nvPicPr>
+          <p:cNvPr id="9" name="图片 8" descr="桌子上的鸡蛋&#10;&#10;描述已自动生成">
+            <a:extLst>
+              <a:ext uri="{FF2B5EF4-FFF2-40B4-BE49-F238E27FC236}">
+                <a16:creationId xmlns:a16="http://schemas.microsoft.com/office/drawing/2014/main" id="{5D82DCF4-2910-285E-2103-E8F3CA34B6A1}"/>
+              </a:ext>
+            </a:extLst>
+          </p:cNvPr>
+          <p:cNvPicPr>
+            <a:picLocks noChangeAspect="1"/>
+          </p:cNvPicPr>
+          <p:nvPr/>
+        </p:nvPicPr>
+        <p:blipFill rotWithShape="1">
+          <a:blip r:embed="rId3">
+            <a:extLst>
+              <a:ext uri="{28A0092B-C50C-407E-A947-70E740481C1C}">
+                <a14:useLocalDpi xmlns:a14="http://schemas.microsoft.com/office/drawing/2010/main" val="0"/>
+              </a:ext>
+            </a:extLst>
+          </a:blip>
+          <a:srcRect l="73355" t="22647" r="15176" b="62479"/>
+          <a:stretch/>
+        </p:blipFill>
+        <p:spPr>
+          <a:xfrm>
+            <a:off x="7770101" y="3793646"/>
+            <a:ext cx="2608377" cy="2528645"/>
+          </a:xfrm>
+          <a:prstGeom prst="rect">
+            <a:avLst/>
+          </a:prstGeom>
+        </p:spPr>
+      </p:pic>
+      <p:sp>
+        <p:nvSpPr>
+          <p:cNvPr id="10" name="文本框 9">
+            <a:extLst>
+              <a:ext uri="{FF2B5EF4-FFF2-40B4-BE49-F238E27FC236}">
+                <a16:creationId xmlns:a16="http://schemas.microsoft.com/office/drawing/2014/main" id="{037FB670-4960-94EF-BB88-1F2EE31A22DB}"/>
+              </a:ext>
+            </a:extLst>
+          </p:cNvPr>
+          <p:cNvSpPr txBox="1"/>
+          <p:nvPr/>
+        </p:nvSpPr>
+        <p:spPr>
+          <a:xfrm>
+            <a:off x="4036737" y="3241219"/>
+            <a:ext cx="6717853" cy="338554"/>
+          </a:xfrm>
+          <a:prstGeom prst="rect">
+            <a:avLst/>
+          </a:prstGeom>
+          <a:noFill/>
+        </p:spPr>
+        <p:txBody>
+          <a:bodyPr wrap="square" rtlCol="0">
+            <a:spAutoFit/>
+          </a:bodyPr>
+          <a:lstStyle/>
+          <a:p>
+            <a:r>
+              <a:rPr lang="en-US" altLang="zh-CN" sz="1600" dirty="0">
+                <a:latin typeface="Cascadia Code Light" panose="020B0609020000020004" pitchFamily="49" charset="0"/>
+                <a:cs typeface="Cascadia Code Light" panose="020B0609020000020004" pitchFamily="49" charset="0"/>
+              </a:rPr>
+              <a:t>Dramatically decrease incompleteness of the edges</a:t>
+            </a:r>
+            <a:endParaRPr lang="zh-CN" altLang="en-US" sz="1600" dirty="0">
+              <a:latin typeface="Cascadia Code Light" panose="020B0609020000020004" pitchFamily="49" charset="0"/>
+              <a:cs typeface="Cascadia Code Light" panose="020B0609020000020004" pitchFamily="49" charset="0"/>
+            </a:endParaRPr>
+          </a:p>
+        </p:txBody>
+      </p:sp>
+      <p:sp>
+        <p:nvSpPr>
+          <p:cNvPr id="4" name="椭圆 3">
+            <a:extLst>
+              <a:ext uri="{FF2B5EF4-FFF2-40B4-BE49-F238E27FC236}">
+                <a16:creationId xmlns:a16="http://schemas.microsoft.com/office/drawing/2014/main" id="{A8DE00EF-8B78-EA97-E503-898EC258F87C}"/>
+              </a:ext>
+            </a:extLst>
+          </p:cNvPr>
+          <p:cNvSpPr/>
+          <p:nvPr/>
+        </p:nvSpPr>
+        <p:spPr>
+          <a:xfrm>
+            <a:off x="5383813" y="4554157"/>
+            <a:ext cx="780585" cy="780585"/>
+          </a:xfrm>
+          <a:prstGeom prst="ellipse">
+            <a:avLst/>
+          </a:prstGeom>
+          <a:noFill/>
+          <a:ln>
+            <a:solidFill>
+              <a:srgbClr val="FF0000"/>
+            </a:solidFill>
+          </a:ln>
+        </p:spPr>
+        <p:style>
+          <a:lnRef idx="2">
+            <a:schemeClr val="accent1">
+              <a:shade val="50000"/>
+            </a:schemeClr>
+          </a:lnRef>
+          <a:fillRef idx="1">
+            <a:schemeClr val="accent1"/>
+          </a:fillRef>
+          <a:effectRef idx="0">
+            <a:schemeClr val="accent1"/>
+          </a:effectRef>
+          <a:fontRef idx="minor">
+            <a:schemeClr val="lt1"/>
+          </a:fontRef>
+        </p:style>
+        <p:txBody>
+          <a:bodyPr rtlCol="0" anchor="ctr"/>
+          <a:lstStyle/>
+          <a:p>
+            <a:pPr algn="ctr"/>
+            <a:endParaRPr lang="zh-CN" altLang="en-US"/>
+          </a:p>
+        </p:txBody>
+      </p:sp>
+      <p:sp>
+        <p:nvSpPr>
+          <p:cNvPr id="8" name="椭圆 7">
+            <a:extLst>
+              <a:ext uri="{FF2B5EF4-FFF2-40B4-BE49-F238E27FC236}">
+                <a16:creationId xmlns:a16="http://schemas.microsoft.com/office/drawing/2014/main" id="{7FCFD9E0-8185-4EB1-F69B-B9045EE54E84}"/>
+              </a:ext>
+            </a:extLst>
+          </p:cNvPr>
+          <p:cNvSpPr/>
+          <p:nvPr/>
+        </p:nvSpPr>
+        <p:spPr>
+          <a:xfrm>
+            <a:off x="8836974" y="4556386"/>
+            <a:ext cx="780585" cy="780585"/>
+          </a:xfrm>
+          <a:prstGeom prst="ellipse">
+            <a:avLst/>
+          </a:prstGeom>
+          <a:noFill/>
+          <a:ln>
+            <a:solidFill>
+              <a:srgbClr val="FF0000"/>
+            </a:solidFill>
+          </a:ln>
+        </p:spPr>
+        <p:style>
+          <a:lnRef idx="2">
+            <a:schemeClr val="accent1">
+              <a:shade val="50000"/>
+            </a:schemeClr>
+          </a:lnRef>
+          <a:fillRef idx="1">
+            <a:schemeClr val="accent1"/>
+          </a:fillRef>
+          <a:effectRef idx="0">
+            <a:schemeClr val="accent1"/>
+          </a:effectRef>
+          <a:fontRef idx="minor">
+            <a:schemeClr val="lt1"/>
+          </a:fontRef>
+        </p:style>
+        <p:txBody>
+          <a:bodyPr rtlCol="0" anchor="ctr"/>
+          <a:lstStyle/>
+          <a:p>
+            <a:pPr algn="ctr"/>
+            <a:endParaRPr lang="zh-CN" altLang="en-US" dirty="0"/>
+          </a:p>
+        </p:txBody>
+      </p:sp>
+    </p:spTree>
+    <p:extLst>
+      <p:ext uri="{BB962C8B-B14F-4D97-AF65-F5344CB8AC3E}">
+        <p14:creationId xmlns:p14="http://schemas.microsoft.com/office/powerpoint/2010/main" val="1033672659"/>
+      </p:ext>
+    </p:extLst>
+  </p:cSld>
+  <p:clrMapOvr>
+    <a:masterClrMapping/>
+  </p:clrMapOvr>
+</p:sld>
+</file>
+
+<file path=ppt/slides/slide13.xml><?xml version="1.0" encoding="utf-8"?>
+<p:sld xmlns:a="http://schemas.openxmlformats.org/drawingml/2006/main" xmlns:r="http://schemas.openxmlformats.org/officeDocument/2006/relationships" xmlns:p="http://schemas.openxmlformats.org/presentationml/2006/main">
+  <p:cSld>
+    <p:spTree>
+      <p:nvGrpSpPr>
+        <p:cNvPr id="1" name=""/>
+        <p:cNvGrpSpPr/>
+        <p:nvPr/>
+      </p:nvGrpSpPr>
+      <p:grpSpPr>
+        <a:xfrm>
+          <a:off x="0" y="0"/>
+          <a:ext cx="0" cy="0"/>
+          <a:chOff x="0" y="0"/>
+          <a:chExt cx="0" cy="0"/>
+        </a:xfrm>
+      </p:grpSpPr>
+      <p:sp>
+        <p:nvSpPr>
+          <p:cNvPr id="5" name="矩形 4">
+            <a:extLst>
+              <a:ext uri="{FF2B5EF4-FFF2-40B4-BE49-F238E27FC236}">
+                <a16:creationId xmlns:a16="http://schemas.microsoft.com/office/drawing/2014/main" id="{9611B230-8845-EB30-6ADE-53DA018222E1}"/>
+              </a:ext>
+            </a:extLst>
+          </p:cNvPr>
+          <p:cNvSpPr/>
+          <p:nvPr/>
+        </p:nvSpPr>
+        <p:spPr>
+          <a:xfrm>
+            <a:off x="0" y="0"/>
+            <a:ext cx="2846567" cy="6858000"/>
+          </a:xfrm>
+          <a:prstGeom prst="rect">
+            <a:avLst/>
+          </a:prstGeom>
+          <a:solidFill>
+            <a:schemeClr val="bg1">
+              <a:lumMod val="95000"/>
+            </a:schemeClr>
+          </a:solidFill>
+          <a:ln>
+            <a:noFill/>
+          </a:ln>
+        </p:spPr>
+        <p:style>
+          <a:lnRef idx="2">
+            <a:schemeClr val="accent1">
+              <a:shade val="50000"/>
+            </a:schemeClr>
+          </a:lnRef>
+          <a:fillRef idx="1">
+            <a:schemeClr val="accent1"/>
+          </a:fillRef>
+          <a:effectRef idx="0">
+            <a:schemeClr val="accent1"/>
+          </a:effectRef>
+          <a:fontRef idx="minor">
+            <a:schemeClr val="lt1"/>
+          </a:fontRef>
+        </p:style>
+        <p:txBody>
+          <a:bodyPr rtlCol="0" anchor="ctr"/>
+          <a:lstStyle/>
+          <a:p>
+            <a:pPr algn="ctr"/>
+            <a:endParaRPr lang="zh-CN" altLang="en-US"/>
+          </a:p>
+        </p:txBody>
+      </p:sp>
+      <p:sp>
+        <p:nvSpPr>
+          <p:cNvPr id="2" name="标题 1"/>
+          <p:cNvSpPr>
+            <a:spLocks noGrp="1"/>
+          </p:cNvSpPr>
+          <p:nvPr>
+            <p:ph type="ctrTitle"/>
+          </p:nvPr>
+        </p:nvSpPr>
+        <p:spPr>
+          <a:xfrm>
+            <a:off x="4438153" y="1578334"/>
+            <a:ext cx="6530945" cy="1012278"/>
+          </a:xfrm>
+        </p:spPr>
+        <p:txBody>
+          <a:bodyPr anchor="b">
+            <a:normAutofit/>
+          </a:bodyPr>
+          <a:lstStyle/>
+          <a:p>
+            <a:pPr lvl="0"/>
+            <a:r>
+              <a:rPr lang="en-US" altLang="zh-CN" dirty="0">
+                <a:solidFill>
+                  <a:schemeClr val="accent2">
+                    <a:lumMod val="60000"/>
+                    <a:lumOff val="40000"/>
+                  </a:schemeClr>
+                </a:solidFill>
+                <a:latin typeface="Cascadia Code" panose="020B0609020000020004" pitchFamily="49" charset="0"/>
+                <a:cs typeface="Cascadia Code" panose="020B0609020000020004" pitchFamily="49" charset="0"/>
+              </a:rPr>
+              <a:t>Summary</a:t>
+            </a:r>
+            <a:endParaRPr lang="zh-CN" dirty="0">
+              <a:solidFill>
+                <a:schemeClr val="accent2">
+                  <a:lumMod val="60000"/>
+                  <a:lumOff val="40000"/>
+                </a:schemeClr>
+              </a:solidFill>
+              <a:latin typeface="Cascadia Code" panose="020B0609020000020004" pitchFamily="49" charset="0"/>
+              <a:cs typeface="Cascadia Code" panose="020B0609020000020004" pitchFamily="49" charset="0"/>
+            </a:endParaRPr>
+          </a:p>
+        </p:txBody>
+      </p:sp>
+      <p:sp>
+        <p:nvSpPr>
+          <p:cNvPr id="6" name="图文框 5">
+            <a:extLst>
+              <a:ext uri="{FF2B5EF4-FFF2-40B4-BE49-F238E27FC236}">
+                <a16:creationId xmlns:a16="http://schemas.microsoft.com/office/drawing/2014/main" id="{F160F534-B0FC-7175-B79C-D39A51BB52D8}"/>
+              </a:ext>
+            </a:extLst>
+          </p:cNvPr>
+          <p:cNvSpPr/>
+          <p:nvPr/>
+        </p:nvSpPr>
+        <p:spPr>
+          <a:xfrm>
+            <a:off x="1591586" y="1578334"/>
+            <a:ext cx="2509961" cy="3701332"/>
+          </a:xfrm>
+          <a:prstGeom prst="frame">
+            <a:avLst>
+              <a:gd name="adj1" fmla="val 7590"/>
+            </a:avLst>
+          </a:prstGeom>
+          <a:ln>
+            <a:headEnd type="none" w="med" len="med"/>
+            <a:tailEnd type="none" w="med" len="med"/>
+          </a:ln>
+        </p:spPr>
+        <p:style>
+          <a:lnRef idx="1">
+            <a:schemeClr val="dk1"/>
+          </a:lnRef>
+          <a:fillRef idx="3">
+            <a:schemeClr val="dk1"/>
+          </a:fillRef>
+          <a:effectRef idx="2">
+            <a:schemeClr val="dk1"/>
+          </a:effectRef>
+          <a:fontRef idx="minor">
+            <a:schemeClr val="lt1"/>
+          </a:fontRef>
+        </p:style>
+        <p:txBody>
+          <a:bodyPr rtlCol="0" anchor="ctr"/>
+          <a:lstStyle/>
+          <a:p>
+            <a:pPr algn="ctr"/>
+            <a:endParaRPr lang="zh-CN" altLang="en-US">
+              <a:solidFill>
+                <a:schemeClr val="tx1"/>
+              </a:solidFill>
+            </a:endParaRPr>
+          </a:p>
+        </p:txBody>
+      </p:sp>
+      <p:sp>
+        <p:nvSpPr>
+          <p:cNvPr id="4" name="矩形 3">
+            <a:extLst>
+              <a:ext uri="{FF2B5EF4-FFF2-40B4-BE49-F238E27FC236}">
+                <a16:creationId xmlns:a16="http://schemas.microsoft.com/office/drawing/2014/main" id="{24C47476-CBE8-9B92-FB06-A56AA09703A8}"/>
+              </a:ext>
+            </a:extLst>
+          </p:cNvPr>
+          <p:cNvSpPr/>
+          <p:nvPr/>
+        </p:nvSpPr>
+        <p:spPr>
+          <a:xfrm>
+            <a:off x="2425146" y="2300465"/>
+            <a:ext cx="842839" cy="1323439"/>
+          </a:xfrm>
+          <a:prstGeom prst="rect">
+            <a:avLst/>
+          </a:prstGeom>
+          <a:noFill/>
+        </p:spPr>
+        <p:txBody>
+          <a:bodyPr wrap="square" lIns="91440" tIns="45720" rIns="91440" bIns="45720">
+            <a:spAutoFit/>
+          </a:bodyPr>
+          <a:lstStyle/>
+          <a:p>
+            <a:pPr algn="ctr"/>
+            <a:r>
+              <a:rPr lang="en-US" altLang="zh-CN" sz="8000" b="0" cap="none" spc="0" dirty="0">
+                <a:ln w="0"/>
+                <a:solidFill>
+                  <a:schemeClr val="tx1"/>
+                </a:solidFill>
+                <a:effectLst>
+                  <a:outerShdw blurRad="50800" dist="38100" dir="10800000" algn="r" rotWithShape="0">
+                    <a:prstClr val="black">
+                      <a:alpha val="40000"/>
+                    </a:prstClr>
+                  </a:outerShdw>
+                </a:effectLst>
+              </a:rPr>
+              <a:t>4</a:t>
+            </a:r>
+            <a:endParaRPr lang="zh-CN" altLang="en-US" sz="8000" b="0" cap="none" spc="0" dirty="0">
+              <a:ln w="0"/>
+              <a:solidFill>
+                <a:schemeClr val="tx1"/>
+              </a:solidFill>
+              <a:effectLst>
+                <a:outerShdw blurRad="50800" dist="38100" dir="10800000" algn="r" rotWithShape="0">
+                  <a:prstClr val="black">
+                    <a:alpha val="40000"/>
+                  </a:prstClr>
+                </a:outerShdw>
+              </a:effectLst>
+            </a:endParaRPr>
+          </a:p>
+        </p:txBody>
+      </p:sp>
+      <p:sp>
+        <p:nvSpPr>
+          <p:cNvPr id="7" name="文本框 6">
+            <a:extLst>
+              <a:ext uri="{FF2B5EF4-FFF2-40B4-BE49-F238E27FC236}">
+                <a16:creationId xmlns:a16="http://schemas.microsoft.com/office/drawing/2014/main" id="{8C038C79-9039-17A4-C782-8CA4ECA87AEE}"/>
+              </a:ext>
+            </a:extLst>
+          </p:cNvPr>
+          <p:cNvSpPr txBox="1"/>
+          <p:nvPr/>
+        </p:nvSpPr>
+        <p:spPr>
+          <a:xfrm>
+            <a:off x="2117032" y="3928565"/>
+            <a:ext cx="1459065" cy="523220"/>
+          </a:xfrm>
+          <a:prstGeom prst="rect">
+            <a:avLst/>
+          </a:prstGeom>
+          <a:noFill/>
+        </p:spPr>
+        <p:txBody>
+          <a:bodyPr wrap="square" rtlCol="0">
+            <a:spAutoFit/>
+          </a:bodyPr>
+          <a:lstStyle/>
+          <a:p>
+            <a:pPr algn="ctr"/>
+            <a:r>
+              <a:rPr lang="en-US" altLang="zh-CN" sz="2800" dirty="0">
+                <a:latin typeface="Cascadia Code" panose="020B0609020000020004" pitchFamily="49" charset="0"/>
+                <a:ea typeface="+mj-ea"/>
+                <a:cs typeface="Cascadia Code" panose="020B0609020000020004" pitchFamily="49" charset="0"/>
+              </a:rPr>
+              <a:t>PART</a:t>
+            </a:r>
+            <a:endParaRPr lang="zh-CN" altLang="en-US" sz="2800" dirty="0">
+              <a:latin typeface="Cascadia Code" panose="020B0609020000020004" pitchFamily="49" charset="0"/>
+              <a:ea typeface="+mj-ea"/>
+              <a:cs typeface="Cascadia Code" panose="020B0609020000020004" pitchFamily="49" charset="0"/>
+            </a:endParaRPr>
+          </a:p>
+        </p:txBody>
+      </p:sp>
+      <p:sp>
+        <p:nvSpPr>
+          <p:cNvPr id="8" name="文本框 7">
+            <a:extLst>
+              <a:ext uri="{FF2B5EF4-FFF2-40B4-BE49-F238E27FC236}">
+                <a16:creationId xmlns:a16="http://schemas.microsoft.com/office/drawing/2014/main" id="{C2F9B3E6-6A8B-C3CA-C61B-5447E751398F}"/>
+              </a:ext>
+            </a:extLst>
+          </p:cNvPr>
+          <p:cNvSpPr txBox="1"/>
+          <p:nvPr/>
+        </p:nvSpPr>
+        <p:spPr>
+          <a:xfrm>
+            <a:off x="4783450" y="3150654"/>
+            <a:ext cx="5247861" cy="369332"/>
+          </a:xfrm>
+          <a:prstGeom prst="rect">
+            <a:avLst/>
+          </a:prstGeom>
+          <a:noFill/>
+        </p:spPr>
+        <p:txBody>
+          <a:bodyPr wrap="square" rtlCol="0">
+            <a:spAutoFit/>
+          </a:bodyPr>
+          <a:lstStyle/>
+          <a:p>
+            <a:r>
+              <a:rPr lang="en-US" altLang="zh-CN" dirty="0">
+                <a:latin typeface="Cascadia Code Light" panose="020B0609020000020004" pitchFamily="49" charset="0"/>
+                <a:cs typeface="Cascadia Code Light" panose="020B0609020000020004" pitchFamily="49" charset="0"/>
+              </a:rPr>
+              <a:t>Lighting and Shadows</a:t>
+            </a:r>
+          </a:p>
+        </p:txBody>
+      </p:sp>
+      <p:sp>
+        <p:nvSpPr>
+          <p:cNvPr id="9" name="文本框 8">
+            <a:extLst>
+              <a:ext uri="{FF2B5EF4-FFF2-40B4-BE49-F238E27FC236}">
+                <a16:creationId xmlns:a16="http://schemas.microsoft.com/office/drawing/2014/main" id="{8049A779-7B06-60C7-A88D-91CD68BBA391}"/>
+              </a:ext>
+            </a:extLst>
+          </p:cNvPr>
+          <p:cNvSpPr txBox="1"/>
+          <p:nvPr/>
+        </p:nvSpPr>
+        <p:spPr>
+          <a:xfrm>
+            <a:off x="4783450" y="4079152"/>
+            <a:ext cx="6651266" cy="369332"/>
+          </a:xfrm>
+          <a:prstGeom prst="rect">
+            <a:avLst/>
+          </a:prstGeom>
+          <a:noFill/>
+        </p:spPr>
+        <p:txBody>
+          <a:bodyPr wrap="square" rtlCol="0">
+            <a:spAutoFit/>
+          </a:bodyPr>
+          <a:lstStyle/>
+          <a:p>
+            <a:r>
+              <a:rPr lang="en-US" altLang="zh-CN" dirty="0">
+                <a:latin typeface="Cascadia Code Light" panose="020B0609020000020004" pitchFamily="49" charset="0"/>
+                <a:cs typeface="Cascadia Code Light" panose="020B0609020000020004" pitchFamily="49" charset="0"/>
+              </a:rPr>
+              <a:t>Coding</a:t>
+            </a:r>
+            <a:endParaRPr lang="zh-CN" altLang="en-US" dirty="0">
+              <a:latin typeface="Cascadia Code Light" panose="020B0609020000020004" pitchFamily="49" charset="0"/>
+              <a:cs typeface="Cascadia Code Light" panose="020B0609020000020004" pitchFamily="49" charset="0"/>
+            </a:endParaRPr>
+          </a:p>
+        </p:txBody>
+      </p:sp>
+      <p:sp>
+        <p:nvSpPr>
+          <p:cNvPr id="10" name="文本框 9">
+            <a:extLst>
+              <a:ext uri="{FF2B5EF4-FFF2-40B4-BE49-F238E27FC236}">
+                <a16:creationId xmlns:a16="http://schemas.microsoft.com/office/drawing/2014/main" id="{39112D73-8D9C-DAD8-9A24-77CB1FB94967}"/>
+              </a:ext>
+            </a:extLst>
+          </p:cNvPr>
+          <p:cNvSpPr txBox="1"/>
+          <p:nvPr/>
+        </p:nvSpPr>
+        <p:spPr>
+          <a:xfrm>
+            <a:off x="5218771" y="3519110"/>
+            <a:ext cx="5750327" cy="307777"/>
+          </a:xfrm>
+          <a:prstGeom prst="rect">
+            <a:avLst/>
+          </a:prstGeom>
+          <a:noFill/>
+        </p:spPr>
+        <p:txBody>
+          <a:bodyPr wrap="square" rtlCol="0">
+            <a:spAutoFit/>
+          </a:bodyPr>
+          <a:lstStyle/>
+          <a:p>
+            <a:r>
+              <a:rPr lang="en-US" altLang="zh-CN" sz="1400" dirty="0">
+                <a:solidFill>
+                  <a:schemeClr val="accent2">
+                    <a:lumMod val="40000"/>
+                    <a:lumOff val="60000"/>
+                  </a:schemeClr>
+                </a:solidFill>
+                <a:latin typeface="Cascadia Code Light" panose="020B0609020000020004" pitchFamily="49" charset="0"/>
+                <a:cs typeface="Cascadia Code Light" panose="020B0609020000020004" pitchFamily="49" charset="0"/>
+              </a:rPr>
+              <a:t>Explore</a:t>
+            </a:r>
+            <a:r>
+              <a:rPr lang="en-US" altLang="zh-CN" sz="1400" dirty="0">
+                <a:latin typeface="Cascadia Code Light" panose="020B0609020000020004" pitchFamily="49" charset="0"/>
+                <a:cs typeface="Cascadia Code Light" panose="020B0609020000020004" pitchFamily="49" charset="0"/>
+              </a:rPr>
+              <a:t> and </a:t>
+            </a:r>
+            <a:r>
+              <a:rPr lang="en-US" altLang="zh-CN" sz="1400" dirty="0">
+                <a:solidFill>
+                  <a:schemeClr val="accent2">
+                    <a:lumMod val="40000"/>
+                    <a:lumOff val="60000"/>
+                  </a:schemeClr>
+                </a:solidFill>
+                <a:latin typeface="Cascadia Code Light" panose="020B0609020000020004" pitchFamily="49" charset="0"/>
+                <a:cs typeface="Cascadia Code Light" panose="020B0609020000020004" pitchFamily="49" charset="0"/>
+              </a:rPr>
+              <a:t>Reproduction</a:t>
+            </a:r>
+            <a:r>
+              <a:rPr lang="en-US" altLang="zh-CN" sz="1400" dirty="0">
+                <a:latin typeface="Cascadia Code Light" panose="020B0609020000020004" pitchFamily="49" charset="0"/>
+                <a:cs typeface="Cascadia Code Light" panose="020B0609020000020004" pitchFamily="49" charset="0"/>
+              </a:rPr>
+              <a:t> some state-of-art technology</a:t>
+            </a:r>
+          </a:p>
+        </p:txBody>
+      </p:sp>
+      <p:sp>
+        <p:nvSpPr>
+          <p:cNvPr id="13" name="文本框 12">
+            <a:extLst>
+              <a:ext uri="{FF2B5EF4-FFF2-40B4-BE49-F238E27FC236}">
+                <a16:creationId xmlns:a16="http://schemas.microsoft.com/office/drawing/2014/main" id="{A296331E-7EA5-5B1C-932E-A1FAF661D632}"/>
+              </a:ext>
+            </a:extLst>
+          </p:cNvPr>
+          <p:cNvSpPr txBox="1"/>
+          <p:nvPr/>
+        </p:nvSpPr>
+        <p:spPr>
+          <a:xfrm>
+            <a:off x="5215291" y="4450501"/>
+            <a:ext cx="5750327" cy="307777"/>
+          </a:xfrm>
+          <a:prstGeom prst="rect">
+            <a:avLst/>
+          </a:prstGeom>
+          <a:noFill/>
+        </p:spPr>
+        <p:txBody>
+          <a:bodyPr wrap="square" rtlCol="0">
+            <a:spAutoFit/>
+          </a:bodyPr>
+          <a:lstStyle/>
+          <a:p>
+            <a:r>
+              <a:rPr lang="en-US" altLang="zh-CN" sz="1400" dirty="0">
+                <a:latin typeface="Cascadia Code Light" panose="020B0609020000020004" pitchFamily="49" charset="0"/>
+                <a:cs typeface="Cascadia Code Light" panose="020B0609020000020004" pitchFamily="49" charset="0"/>
+              </a:rPr>
+              <a:t>We wrote everything in </a:t>
+            </a:r>
+            <a:r>
+              <a:rPr lang="en-US" altLang="zh-CN" sz="1400" dirty="0">
+                <a:solidFill>
+                  <a:schemeClr val="accent2">
+                    <a:lumMod val="40000"/>
+                    <a:lumOff val="60000"/>
+                  </a:schemeClr>
+                </a:solidFill>
+                <a:latin typeface="Cascadia Code Light" panose="020B0609020000020004" pitchFamily="49" charset="0"/>
+                <a:cs typeface="Cascadia Code Light" panose="020B0609020000020004" pitchFamily="49" charset="0"/>
+              </a:rPr>
+              <a:t>OpenGL </a:t>
+            </a:r>
+            <a:r>
+              <a:rPr lang="en-US" altLang="zh-CN" sz="1400" dirty="0">
+                <a:latin typeface="Cascadia Code Light" panose="020B0609020000020004" pitchFamily="49" charset="0"/>
+                <a:cs typeface="Cascadia Code Light" panose="020B0609020000020004" pitchFamily="49" charset="0"/>
+              </a:rPr>
+              <a:t>all by ourselves.</a:t>
+            </a:r>
+          </a:p>
+        </p:txBody>
+      </p:sp>
+      <p:sp>
+        <p:nvSpPr>
+          <p:cNvPr id="15" name="文本框 14">
+            <a:extLst>
+              <a:ext uri="{FF2B5EF4-FFF2-40B4-BE49-F238E27FC236}">
+                <a16:creationId xmlns:a16="http://schemas.microsoft.com/office/drawing/2014/main" id="{3213076F-B4D5-73B5-A441-C2D69F8313F9}"/>
+              </a:ext>
+            </a:extLst>
+          </p:cNvPr>
+          <p:cNvSpPr txBox="1"/>
+          <p:nvPr/>
+        </p:nvSpPr>
+        <p:spPr>
+          <a:xfrm>
+            <a:off x="5215290" y="4812544"/>
+            <a:ext cx="6163414" cy="307777"/>
+          </a:xfrm>
+          <a:prstGeom prst="rect">
+            <a:avLst/>
+          </a:prstGeom>
+          <a:noFill/>
+        </p:spPr>
+        <p:txBody>
+          <a:bodyPr wrap="square" rtlCol="0">
+            <a:spAutoFit/>
+          </a:bodyPr>
+          <a:lstStyle/>
+          <a:p>
+            <a:r>
+              <a:rPr lang="en-US" altLang="zh-CN" sz="1400" dirty="0">
+                <a:latin typeface="Cascadia Code Light" panose="020B0609020000020004" pitchFamily="49" charset="0"/>
+                <a:cs typeface="Cascadia Code Light" panose="020B0609020000020004" pitchFamily="49" charset="0"/>
+              </a:rPr>
+              <a:t>Everything is public on </a:t>
+            </a:r>
+            <a:r>
+              <a:rPr lang="en-US" altLang="zh-CN" sz="1400" dirty="0" err="1">
+                <a:solidFill>
+                  <a:schemeClr val="accent2">
+                    <a:lumMod val="40000"/>
+                    <a:lumOff val="60000"/>
+                  </a:schemeClr>
+                </a:solidFill>
+                <a:latin typeface="Cascadia Code Light" panose="020B0609020000020004" pitchFamily="49" charset="0"/>
+                <a:cs typeface="Cascadia Code Light" panose="020B0609020000020004" pitchFamily="49" charset="0"/>
+              </a:rPr>
+              <a:t>Github</a:t>
+            </a:r>
+            <a:r>
+              <a:rPr lang="en-US" altLang="zh-CN" sz="1400" dirty="0">
+                <a:latin typeface="Cascadia Code Light" panose="020B0609020000020004" pitchFamily="49" charset="0"/>
+                <a:cs typeface="Cascadia Code Light" panose="020B0609020000020004" pitchFamily="49" charset="0"/>
+              </a:rPr>
+              <a:t>(at last almost 2000 lines)</a:t>
+            </a:r>
+          </a:p>
+        </p:txBody>
+      </p:sp>
+      <p:sp>
+        <p:nvSpPr>
+          <p:cNvPr id="3" name="矩形 2">
+            <a:extLst>
+              <a:ext uri="{FF2B5EF4-FFF2-40B4-BE49-F238E27FC236}">
+                <a16:creationId xmlns:a16="http://schemas.microsoft.com/office/drawing/2014/main" id="{CB3FF91F-8302-CBC0-F409-82B016B1655C}"/>
+              </a:ext>
+            </a:extLst>
+          </p:cNvPr>
+          <p:cNvSpPr/>
+          <p:nvPr/>
+        </p:nvSpPr>
+        <p:spPr>
+          <a:xfrm>
+            <a:off x="11347481" y="6012738"/>
+            <a:ext cx="844519" cy="845262"/>
+          </a:xfrm>
+          <a:prstGeom prst="rect">
+            <a:avLst/>
+          </a:prstGeom>
+          <a:solidFill>
+            <a:schemeClr val="bg1">
+              <a:lumMod val="95000"/>
+            </a:schemeClr>
+          </a:solidFill>
+          <a:ln>
+            <a:noFill/>
+          </a:ln>
+        </p:spPr>
+        <p:style>
+          <a:lnRef idx="2">
+            <a:schemeClr val="accent1">
+              <a:shade val="50000"/>
+            </a:schemeClr>
+          </a:lnRef>
+          <a:fillRef idx="1">
+            <a:schemeClr val="accent1"/>
+          </a:fillRef>
+          <a:effectRef idx="0">
+            <a:schemeClr val="accent1"/>
+          </a:effectRef>
+          <a:fontRef idx="minor">
+            <a:schemeClr val="lt1"/>
+          </a:fontRef>
+        </p:style>
+        <p:txBody>
+          <a:bodyPr rtlCol="0" anchor="ctr"/>
+          <a:lstStyle/>
+          <a:p>
+            <a:pPr algn="ctr"/>
             <a:endParaRPr lang="zh-CN" altLang="en-US"/>
           </a:p>
         </p:txBody>
@@ -10503,7 +8895,354 @@
 </p:sld>
 </file>
 
-<file path=ppt/slides/slide12.xml><?xml version="1.0" encoding="utf-8"?>
+<file path=ppt/slides/slide14.xml><?xml version="1.0" encoding="utf-8"?>
+<p:sld xmlns:a="http://schemas.openxmlformats.org/drawingml/2006/main" xmlns:r="http://schemas.openxmlformats.org/officeDocument/2006/relationships" xmlns:p="http://schemas.openxmlformats.org/presentationml/2006/main">
+  <p:cSld>
+    <p:spTree>
+      <p:nvGrpSpPr>
+        <p:cNvPr id="1" name=""/>
+        <p:cNvGrpSpPr/>
+        <p:nvPr/>
+      </p:nvGrpSpPr>
+      <p:grpSpPr>
+        <a:xfrm>
+          <a:off x="0" y="0"/>
+          <a:ext cx="0" cy="0"/>
+          <a:chOff x="0" y="0"/>
+          <a:chExt cx="0" cy="0"/>
+        </a:xfrm>
+      </p:grpSpPr>
+      <p:sp>
+        <p:nvSpPr>
+          <p:cNvPr id="5" name="矩形 4">
+            <a:extLst>
+              <a:ext uri="{FF2B5EF4-FFF2-40B4-BE49-F238E27FC236}">
+                <a16:creationId xmlns:a16="http://schemas.microsoft.com/office/drawing/2014/main" id="{9611B230-8845-EB30-6ADE-53DA018222E1}"/>
+              </a:ext>
+            </a:extLst>
+          </p:cNvPr>
+          <p:cNvSpPr/>
+          <p:nvPr/>
+        </p:nvSpPr>
+        <p:spPr>
+          <a:xfrm>
+            <a:off x="0" y="0"/>
+            <a:ext cx="2846567" cy="6858000"/>
+          </a:xfrm>
+          <a:prstGeom prst="rect">
+            <a:avLst/>
+          </a:prstGeom>
+          <a:solidFill>
+            <a:schemeClr val="bg1">
+              <a:lumMod val="95000"/>
+            </a:schemeClr>
+          </a:solidFill>
+          <a:ln>
+            <a:noFill/>
+          </a:ln>
+        </p:spPr>
+        <p:style>
+          <a:lnRef idx="2">
+            <a:schemeClr val="accent1">
+              <a:shade val="50000"/>
+            </a:schemeClr>
+          </a:lnRef>
+          <a:fillRef idx="1">
+            <a:schemeClr val="accent1"/>
+          </a:fillRef>
+          <a:effectRef idx="0">
+            <a:schemeClr val="accent1"/>
+          </a:effectRef>
+          <a:fontRef idx="minor">
+            <a:schemeClr val="lt1"/>
+          </a:fontRef>
+        </p:style>
+        <p:txBody>
+          <a:bodyPr rtlCol="0" anchor="ctr"/>
+          <a:lstStyle/>
+          <a:p>
+            <a:pPr algn="ctr"/>
+            <a:endParaRPr lang="zh-CN" altLang="en-US"/>
+          </a:p>
+        </p:txBody>
+      </p:sp>
+      <p:sp>
+        <p:nvSpPr>
+          <p:cNvPr id="2" name="标题 1"/>
+          <p:cNvSpPr>
+            <a:spLocks noGrp="1"/>
+          </p:cNvSpPr>
+          <p:nvPr>
+            <p:ph type="ctrTitle"/>
+          </p:nvPr>
+        </p:nvSpPr>
+        <p:spPr>
+          <a:xfrm>
+            <a:off x="4438153" y="566056"/>
+            <a:ext cx="6530945" cy="1012278"/>
+          </a:xfrm>
+        </p:spPr>
+        <p:txBody>
+          <a:bodyPr anchor="b">
+            <a:normAutofit fontScale="90000"/>
+          </a:bodyPr>
+          <a:lstStyle/>
+          <a:p>
+            <a:pPr lvl="0"/>
+            <a:r>
+              <a:rPr lang="en-US" altLang="zh-CN" dirty="0">
+                <a:solidFill>
+                  <a:schemeClr val="accent2">
+                    <a:lumMod val="60000"/>
+                    <a:lumOff val="40000"/>
+                  </a:schemeClr>
+                </a:solidFill>
+                <a:latin typeface="Cascadia Code" panose="020B0609020000020004" pitchFamily="49" charset="0"/>
+                <a:cs typeface="Cascadia Code" panose="020B0609020000020004" pitchFamily="49" charset="0"/>
+              </a:rPr>
+              <a:t>Something Funny</a:t>
+            </a:r>
+            <a:endParaRPr lang="zh-CN" dirty="0">
+              <a:solidFill>
+                <a:schemeClr val="accent2">
+                  <a:lumMod val="60000"/>
+                  <a:lumOff val="40000"/>
+                </a:schemeClr>
+              </a:solidFill>
+              <a:latin typeface="Cascadia Code" panose="020B0609020000020004" pitchFamily="49" charset="0"/>
+              <a:cs typeface="Cascadia Code" panose="020B0609020000020004" pitchFamily="49" charset="0"/>
+            </a:endParaRPr>
+          </a:p>
+        </p:txBody>
+      </p:sp>
+      <p:sp>
+        <p:nvSpPr>
+          <p:cNvPr id="6" name="图文框 5">
+            <a:extLst>
+              <a:ext uri="{FF2B5EF4-FFF2-40B4-BE49-F238E27FC236}">
+                <a16:creationId xmlns:a16="http://schemas.microsoft.com/office/drawing/2014/main" id="{F160F534-B0FC-7175-B79C-D39A51BB52D8}"/>
+              </a:ext>
+            </a:extLst>
+          </p:cNvPr>
+          <p:cNvSpPr/>
+          <p:nvPr/>
+        </p:nvSpPr>
+        <p:spPr>
+          <a:xfrm>
+            <a:off x="1591586" y="1578334"/>
+            <a:ext cx="2509961" cy="3701332"/>
+          </a:xfrm>
+          <a:prstGeom prst="frame">
+            <a:avLst>
+              <a:gd name="adj1" fmla="val 7590"/>
+            </a:avLst>
+          </a:prstGeom>
+          <a:ln>
+            <a:headEnd type="none" w="med" len="med"/>
+            <a:tailEnd type="none" w="med" len="med"/>
+          </a:ln>
+        </p:spPr>
+        <p:style>
+          <a:lnRef idx="1">
+            <a:schemeClr val="dk1"/>
+          </a:lnRef>
+          <a:fillRef idx="3">
+            <a:schemeClr val="dk1"/>
+          </a:fillRef>
+          <a:effectRef idx="2">
+            <a:schemeClr val="dk1"/>
+          </a:effectRef>
+          <a:fontRef idx="minor">
+            <a:schemeClr val="lt1"/>
+          </a:fontRef>
+        </p:style>
+        <p:txBody>
+          <a:bodyPr rtlCol="0" anchor="ctr"/>
+          <a:lstStyle/>
+          <a:p>
+            <a:pPr algn="ctr"/>
+            <a:endParaRPr lang="zh-CN" altLang="en-US">
+              <a:solidFill>
+                <a:schemeClr val="tx1"/>
+              </a:solidFill>
+            </a:endParaRPr>
+          </a:p>
+        </p:txBody>
+      </p:sp>
+      <p:sp>
+        <p:nvSpPr>
+          <p:cNvPr id="4" name="矩形 3">
+            <a:extLst>
+              <a:ext uri="{FF2B5EF4-FFF2-40B4-BE49-F238E27FC236}">
+                <a16:creationId xmlns:a16="http://schemas.microsoft.com/office/drawing/2014/main" id="{24C47476-CBE8-9B92-FB06-A56AA09703A8}"/>
+              </a:ext>
+            </a:extLst>
+          </p:cNvPr>
+          <p:cNvSpPr/>
+          <p:nvPr/>
+        </p:nvSpPr>
+        <p:spPr>
+          <a:xfrm>
+            <a:off x="2425146" y="2300465"/>
+            <a:ext cx="842839" cy="1323439"/>
+          </a:xfrm>
+          <a:prstGeom prst="rect">
+            <a:avLst/>
+          </a:prstGeom>
+          <a:noFill/>
+        </p:spPr>
+        <p:txBody>
+          <a:bodyPr wrap="square" lIns="91440" tIns="45720" rIns="91440" bIns="45720">
+            <a:spAutoFit/>
+          </a:bodyPr>
+          <a:lstStyle/>
+          <a:p>
+            <a:pPr algn="ctr"/>
+            <a:r>
+              <a:rPr lang="en-US" altLang="zh-CN" sz="8000" b="0" cap="none" spc="0" dirty="0">
+                <a:ln w="0"/>
+                <a:solidFill>
+                  <a:schemeClr val="tx1"/>
+                </a:solidFill>
+                <a:effectLst>
+                  <a:outerShdw blurRad="50800" dist="38100" dir="10800000" algn="r" rotWithShape="0">
+                    <a:prstClr val="black">
+                      <a:alpha val="40000"/>
+                    </a:prstClr>
+                  </a:outerShdw>
+                </a:effectLst>
+              </a:rPr>
+              <a:t>6</a:t>
+            </a:r>
+            <a:endParaRPr lang="zh-CN" altLang="en-US" sz="8000" b="0" cap="none" spc="0" dirty="0">
+              <a:ln w="0"/>
+              <a:solidFill>
+                <a:schemeClr val="tx1"/>
+              </a:solidFill>
+              <a:effectLst>
+                <a:outerShdw blurRad="50800" dist="38100" dir="10800000" algn="r" rotWithShape="0">
+                  <a:prstClr val="black">
+                    <a:alpha val="40000"/>
+                  </a:prstClr>
+                </a:outerShdw>
+              </a:effectLst>
+            </a:endParaRPr>
+          </a:p>
+        </p:txBody>
+      </p:sp>
+      <p:sp>
+        <p:nvSpPr>
+          <p:cNvPr id="7" name="文本框 6">
+            <a:extLst>
+              <a:ext uri="{FF2B5EF4-FFF2-40B4-BE49-F238E27FC236}">
+                <a16:creationId xmlns:a16="http://schemas.microsoft.com/office/drawing/2014/main" id="{8C038C79-9039-17A4-C782-8CA4ECA87AEE}"/>
+              </a:ext>
+            </a:extLst>
+          </p:cNvPr>
+          <p:cNvSpPr txBox="1"/>
+          <p:nvPr/>
+        </p:nvSpPr>
+        <p:spPr>
+          <a:xfrm>
+            <a:off x="2117032" y="3928565"/>
+            <a:ext cx="1459065" cy="523220"/>
+          </a:xfrm>
+          <a:prstGeom prst="rect">
+            <a:avLst/>
+          </a:prstGeom>
+          <a:noFill/>
+        </p:spPr>
+        <p:txBody>
+          <a:bodyPr wrap="square" rtlCol="0">
+            <a:spAutoFit/>
+          </a:bodyPr>
+          <a:lstStyle/>
+          <a:p>
+            <a:pPr algn="ctr"/>
+            <a:r>
+              <a:rPr lang="en-US" altLang="zh-CN" sz="2800" dirty="0">
+                <a:latin typeface="Cascadia Code" panose="020B0609020000020004" pitchFamily="49" charset="0"/>
+                <a:ea typeface="+mj-ea"/>
+                <a:cs typeface="Cascadia Code" panose="020B0609020000020004" pitchFamily="49" charset="0"/>
+              </a:rPr>
+              <a:t>PART</a:t>
+            </a:r>
+            <a:endParaRPr lang="zh-CN" altLang="en-US" sz="2800" dirty="0">
+              <a:latin typeface="Cascadia Code" panose="020B0609020000020004" pitchFamily="49" charset="0"/>
+              <a:ea typeface="+mj-ea"/>
+              <a:cs typeface="Cascadia Code" panose="020B0609020000020004" pitchFamily="49" charset="0"/>
+            </a:endParaRPr>
+          </a:p>
+        </p:txBody>
+      </p:sp>
+      <p:sp>
+        <p:nvSpPr>
+          <p:cNvPr id="3" name="矩形 2">
+            <a:extLst>
+              <a:ext uri="{FF2B5EF4-FFF2-40B4-BE49-F238E27FC236}">
+                <a16:creationId xmlns:a16="http://schemas.microsoft.com/office/drawing/2014/main" id="{CB3FF91F-8302-CBC0-F409-82B016B1655C}"/>
+              </a:ext>
+            </a:extLst>
+          </p:cNvPr>
+          <p:cNvSpPr/>
+          <p:nvPr/>
+        </p:nvSpPr>
+        <p:spPr>
+          <a:xfrm>
+            <a:off x="11347481" y="6012738"/>
+            <a:ext cx="844519" cy="845262"/>
+          </a:xfrm>
+          <a:prstGeom prst="rect">
+            <a:avLst/>
+          </a:prstGeom>
+          <a:solidFill>
+            <a:schemeClr val="bg1">
+              <a:lumMod val="95000"/>
+            </a:schemeClr>
+          </a:solidFill>
+          <a:ln>
+            <a:noFill/>
+          </a:ln>
+        </p:spPr>
+        <p:style>
+          <a:lnRef idx="2">
+            <a:schemeClr val="accent1">
+              <a:shade val="50000"/>
+            </a:schemeClr>
+          </a:lnRef>
+          <a:fillRef idx="1">
+            <a:schemeClr val="accent1"/>
+          </a:fillRef>
+          <a:effectRef idx="0">
+            <a:schemeClr val="accent1"/>
+          </a:effectRef>
+          <a:fontRef idx="minor">
+            <a:schemeClr val="lt1"/>
+          </a:fontRef>
+        </p:style>
+        <p:txBody>
+          <a:bodyPr rtlCol="0" anchor="ctr"/>
+          <a:lstStyle/>
+          <a:p>
+            <a:pPr algn="ctr"/>
+            <a:endParaRPr lang="zh-CN" altLang="en-US"/>
+          </a:p>
+        </p:txBody>
+      </p:sp>
+    </p:spTree>
+    <p:extLst>
+      <p:ext uri="{BB962C8B-B14F-4D97-AF65-F5344CB8AC3E}">
+        <p14:creationId xmlns:p14="http://schemas.microsoft.com/office/powerpoint/2010/main" val="1410855541"/>
+      </p:ext>
+    </p:extLst>
+  </p:cSld>
+  <p:clrMapOvr>
+    <a:masterClrMapping/>
+  </p:clrMapOvr>
+</p:sld>
+</file>
+
+<file path=ppt/slides/slide15.xml><?xml version="1.0" encoding="utf-8"?>
 <p:sld xmlns:a="http://schemas.openxmlformats.org/drawingml/2006/main" xmlns:r="http://schemas.openxmlformats.org/officeDocument/2006/relationships" xmlns:p="http://schemas.openxmlformats.org/presentationml/2006/main">
   <p:cSld>
     <p:spTree>
@@ -12380,7 +11119,7 @@
                 <a:latin typeface="Cascadia Code Light" panose="020B0609020000020004" pitchFamily="49" charset="0"/>
                 <a:cs typeface="Cascadia Code Light" panose="020B0609020000020004" pitchFamily="49" charset="0"/>
               </a:rPr>
-              <a:t>Propose a physical based </a:t>
+              <a:t>Reproduction physical based </a:t>
             </a:r>
             <a:r>
               <a:rPr lang="en-US" altLang="zh-CN" sz="1400" dirty="0">
@@ -15010,7 +13749,7 @@
           <a:p>
             <a:r>
               <a:rPr lang="en-US" altLang="zh-CN" sz="1600" dirty="0">
-                <a:latin typeface="Cascadia Code Light" panose="020B0609020000020004" pitchFamily="49" charset="0"/>
+                <a:latin typeface="Comic Sans MS" panose="030F0702030302020204" pitchFamily="66" charset="0"/>
                 <a:cs typeface="Cascadia Code Light" panose="020B0609020000020004" pitchFamily="49" charset="0"/>
               </a:rPr>
               <a:t>Approximation of Fresnel’s Formula</a:t>
@@ -15393,6 +14132,247 @@
           </a:prstGeom>
         </p:spPr>
       </p:pic>
+      <mc:AlternateContent xmlns:mc="http://schemas.openxmlformats.org/markup-compatibility/2006" xmlns:a14="http://schemas.microsoft.com/office/drawing/2010/main">
+        <mc:Choice Requires="a14">
+          <p:sp>
+            <p:nvSpPr>
+              <p:cNvPr id="20" name="文本框 19">
+                <a:extLst>
+                  <a:ext uri="{FF2B5EF4-FFF2-40B4-BE49-F238E27FC236}">
+                    <a16:creationId xmlns:a16="http://schemas.microsoft.com/office/drawing/2014/main" id="{765515D4-76FC-95D9-570B-91183D1BDC05}"/>
+                  </a:ext>
+                </a:extLst>
+              </p:cNvPr>
+              <p:cNvSpPr txBox="1"/>
+              <p:nvPr/>
+            </p:nvSpPr>
+            <p:spPr>
+              <a:xfrm>
+                <a:off x="8507846" y="1190382"/>
+                <a:ext cx="3749733" cy="138499"/>
+              </a:xfrm>
+              <a:prstGeom prst="rect">
+                <a:avLst/>
+              </a:prstGeom>
+              <a:noFill/>
+            </p:spPr>
+            <p:txBody>
+              <a:bodyPr wrap="square" lIns="0" tIns="0" rIns="0" bIns="0" rtlCol="0">
+                <a:spAutoFit/>
+              </a:bodyPr>
+              <a:lstStyle/>
+              <a:p>
+                <a14:m>
+                  <m:oMath xmlns:m="http://schemas.openxmlformats.org/officeDocument/2006/math">
+                    <m:sSub>
+                      <m:sSubPr>
+                        <m:ctrlPr>
+                          <a:rPr lang="en-US" altLang="zh-CN" sz="900" b="0" i="1" smtClean="0">
+                            <a:latin typeface="Cambria Math" panose="02040503050406030204" pitchFamily="18" charset="0"/>
+                          </a:rPr>
+                        </m:ctrlPr>
+                      </m:sSubPr>
+                      <m:e>
+                        <m:r>
+                          <a:rPr lang="en-US" altLang="zh-CN" sz="900" b="0" i="1" smtClean="0">
+                            <a:latin typeface="Cambria Math" panose="02040503050406030204" pitchFamily="18" charset="0"/>
+                          </a:rPr>
+                          <m:t>𝜔</m:t>
+                        </m:r>
+                      </m:e>
+                      <m:sub>
+                        <m:r>
+                          <a:rPr lang="en-US" altLang="zh-CN" sz="900" b="0" i="1" smtClean="0">
+                            <a:latin typeface="Cambria Math" panose="02040503050406030204" pitchFamily="18" charset="0"/>
+                          </a:rPr>
+                          <m:t>𝑖</m:t>
+                        </m:r>
+                      </m:sub>
+                    </m:sSub>
+                  </m:oMath>
+                </a14:m>
+                <a:r>
+                  <a:rPr lang="zh-CN" altLang="en-US" sz="900" dirty="0"/>
+                  <a:t> </a:t>
+                </a:r>
+                <a:r>
+                  <a:rPr lang="en-US" altLang="zh-CN" sz="900" dirty="0">
+                    <a:latin typeface="Cascadia Code Light" panose="020B0609020000020004" pitchFamily="49" charset="0"/>
+                    <a:cs typeface="Cascadia Code Light" panose="020B0609020000020004" pitchFamily="49" charset="0"/>
+                  </a:rPr>
+                  <a:t>is the unit vector of the incident direction  </a:t>
+                </a:r>
+              </a:p>
+            </p:txBody>
+          </p:sp>
+        </mc:Choice>
+        <mc:Fallback xmlns="">
+          <p:sp>
+            <p:nvSpPr>
+              <p:cNvPr id="20" name="文本框 19">
+                <a:extLst>
+                  <a:ext uri="{FF2B5EF4-FFF2-40B4-BE49-F238E27FC236}">
+                    <a16:creationId xmlns:a16="http://schemas.microsoft.com/office/drawing/2014/main" id="{765515D4-76FC-95D9-570B-91183D1BDC05}"/>
+                  </a:ext>
+                </a:extLst>
+              </p:cNvPr>
+              <p:cNvSpPr txBox="1">
+                <a:spLocks noRot="1" noChangeAspect="1" noMove="1" noResize="1" noEditPoints="1" noAdjustHandles="1" noChangeArrowheads="1" noChangeShapeType="1" noTextEdit="1"/>
+              </p:cNvSpPr>
+              <p:nvPr/>
+            </p:nvSpPr>
+            <p:spPr>
+              <a:xfrm>
+                <a:off x="8507846" y="1190382"/>
+                <a:ext cx="3749733" cy="138499"/>
+              </a:xfrm>
+              <a:prstGeom prst="rect">
+                <a:avLst/>
+              </a:prstGeom>
+              <a:blipFill>
+                <a:blip r:embed="rId32"/>
+                <a:stretch>
+                  <a:fillRect l="-813" t="-30435" b="-47826"/>
+                </a:stretch>
+              </a:blipFill>
+            </p:spPr>
+            <p:txBody>
+              <a:bodyPr/>
+              <a:lstStyle/>
+              <a:p>
+                <a:r>
+                  <a:rPr lang="zh-CN" altLang="en-US">
+                    <a:noFill/>
+                  </a:rPr>
+                  <a:t> </a:t>
+                </a:r>
+              </a:p>
+            </p:txBody>
+          </p:sp>
+        </mc:Fallback>
+      </mc:AlternateContent>
+      <mc:AlternateContent xmlns:mc="http://schemas.openxmlformats.org/markup-compatibility/2006" xmlns:a14="http://schemas.microsoft.com/office/drawing/2010/main">
+        <mc:Choice Requires="a14">
+          <p:sp>
+            <p:nvSpPr>
+              <p:cNvPr id="40" name="文本框 39">
+                <a:extLst>
+                  <a:ext uri="{FF2B5EF4-FFF2-40B4-BE49-F238E27FC236}">
+                    <a16:creationId xmlns:a16="http://schemas.microsoft.com/office/drawing/2014/main" id="{799A6CA8-D50F-DEC4-420E-4877B3BF2197}"/>
+                  </a:ext>
+                </a:extLst>
+              </p:cNvPr>
+              <p:cNvSpPr txBox="1"/>
+              <p:nvPr/>
+            </p:nvSpPr>
+            <p:spPr>
+              <a:xfrm>
+                <a:off x="8506907" y="1307715"/>
+                <a:ext cx="3434210" cy="138499"/>
+              </a:xfrm>
+              <a:prstGeom prst="rect">
+                <a:avLst/>
+              </a:prstGeom>
+              <a:noFill/>
+            </p:spPr>
+            <p:txBody>
+              <a:bodyPr wrap="none" lIns="0" tIns="0" rIns="0" bIns="0" rtlCol="0">
+                <a:spAutoFit/>
+              </a:bodyPr>
+              <a:lstStyle/>
+              <a:p>
+                <a14:m>
+                  <m:oMath xmlns:m="http://schemas.openxmlformats.org/officeDocument/2006/math">
+                    <m:sSub>
+                      <m:sSubPr>
+                        <m:ctrlPr>
+                          <a:rPr lang="en-US" altLang="zh-CN" sz="900" b="0" i="1" smtClean="0">
+                            <a:latin typeface="Cambria Math" panose="02040503050406030204" pitchFamily="18" charset="0"/>
+                          </a:rPr>
+                        </m:ctrlPr>
+                      </m:sSubPr>
+                      <m:e>
+                        <m:r>
+                          <a:rPr lang="en-US" altLang="zh-CN" sz="900" b="0" i="1" smtClean="0">
+                            <a:latin typeface="Cambria Math" panose="02040503050406030204" pitchFamily="18" charset="0"/>
+                          </a:rPr>
+                          <m:t>𝜔</m:t>
+                        </m:r>
+                      </m:e>
+                      <m:sub>
+                        <m:r>
+                          <a:rPr lang="en-US" altLang="zh-CN" sz="900" b="0" i="1" smtClean="0">
+                            <a:latin typeface="Cambria Math" panose="02040503050406030204" pitchFamily="18" charset="0"/>
+                          </a:rPr>
+                          <m:t>𝑜</m:t>
+                        </m:r>
+                      </m:sub>
+                    </m:sSub>
+                  </m:oMath>
+                </a14:m>
+                <a:r>
+                  <a:rPr lang="zh-CN" altLang="en-US" sz="900" dirty="0">
+                    <a:latin typeface="Cascadia Code Light" panose="020B0609020000020004" pitchFamily="49" charset="0"/>
+                    <a:cs typeface="Cascadia Code Light" panose="020B0609020000020004" pitchFamily="49" charset="0"/>
+                  </a:rPr>
+                  <a:t> </a:t>
+                </a:r>
+                <a:r>
+                  <a:rPr lang="en-US" altLang="zh-CN" sz="900" dirty="0">
+                    <a:latin typeface="Cascadia Code Light" panose="020B0609020000020004" pitchFamily="49" charset="0"/>
+                    <a:cs typeface="Cascadia Code Light" panose="020B0609020000020004" pitchFamily="49" charset="0"/>
+                  </a:rPr>
+                  <a:t>is the unit vector of the reflection direction  </a:t>
+                </a:r>
+              </a:p>
+            </p:txBody>
+          </p:sp>
+        </mc:Choice>
+        <mc:Fallback xmlns="">
+          <p:sp>
+            <p:nvSpPr>
+              <p:cNvPr id="40" name="文本框 39">
+                <a:extLst>
+                  <a:ext uri="{FF2B5EF4-FFF2-40B4-BE49-F238E27FC236}">
+                    <a16:creationId xmlns:a16="http://schemas.microsoft.com/office/drawing/2014/main" id="{799A6CA8-D50F-DEC4-420E-4877B3BF2197}"/>
+                  </a:ext>
+                </a:extLst>
+              </p:cNvPr>
+              <p:cNvSpPr txBox="1">
+                <a:spLocks noRot="1" noChangeAspect="1" noMove="1" noResize="1" noEditPoints="1" noAdjustHandles="1" noChangeArrowheads="1" noChangeShapeType="1" noTextEdit="1"/>
+              </p:cNvSpPr>
+              <p:nvPr/>
+            </p:nvSpPr>
+            <p:spPr>
+              <a:xfrm>
+                <a:off x="8506907" y="1307715"/>
+                <a:ext cx="3434210" cy="138499"/>
+              </a:xfrm>
+              <a:prstGeom prst="rect">
+                <a:avLst/>
+              </a:prstGeom>
+              <a:blipFill>
+                <a:blip r:embed="rId33"/>
+                <a:stretch>
+                  <a:fillRect l="-887" t="-36364" r="-1064" b="-54545"/>
+                </a:stretch>
+              </a:blipFill>
+            </p:spPr>
+            <p:txBody>
+              <a:bodyPr/>
+              <a:lstStyle/>
+              <a:p>
+                <a:r>
+                  <a:rPr lang="zh-CN" altLang="en-US">
+                    <a:noFill/>
+                  </a:rPr>
+                  <a:t> </a:t>
+                </a:r>
+              </a:p>
+            </p:txBody>
+          </p:sp>
+        </mc:Fallback>
+      </mc:AlternateContent>
     </p:spTree>
     <p:extLst>
       <p:ext uri="{BB962C8B-B14F-4D97-AF65-F5344CB8AC3E}">
@@ -16272,48 +15252,114 @@
           </a:p>
         </p:txBody>
       </p:sp>
-      <p:sp>
-        <p:nvSpPr>
-          <p:cNvPr id="3" name="文本框 2">
-            <a:extLst>
-              <a:ext uri="{FF2B5EF4-FFF2-40B4-BE49-F238E27FC236}">
-                <a16:creationId xmlns:a16="http://schemas.microsoft.com/office/drawing/2014/main" id="{E8513558-5716-0642-3A9B-7C6EADA465CF}"/>
-              </a:ext>
-            </a:extLst>
-          </p:cNvPr>
-          <p:cNvSpPr txBox="1"/>
-          <p:nvPr/>
-        </p:nvSpPr>
-        <p:spPr>
-          <a:xfrm>
-            <a:off x="7778183" y="646770"/>
-            <a:ext cx="4233003" cy="2031325"/>
-          </a:xfrm>
-          <a:prstGeom prst="rect">
-            <a:avLst/>
-          </a:prstGeom>
-          <a:noFill/>
-        </p:spPr>
-        <p:txBody>
-          <a:bodyPr wrap="square" rtlCol="0">
-            <a:spAutoFit/>
-          </a:bodyPr>
-          <a:lstStyle/>
-          <a:p>
-            <a:r>
-              <a:rPr lang="en-US" altLang="zh-CN" dirty="0">
-                <a:latin typeface="Cascadia Code Light" panose="020B0609020000020004" pitchFamily="49" charset="0"/>
-                <a:cs typeface="Cascadia Code Light" panose="020B0609020000020004" pitchFamily="49" charset="0"/>
-              </a:rPr>
-              <a:t>Emit a ray from each shader point to the light point, use SDF to know a range around this point without any other points. Go along this step by step, and minimum theta describes the visibility.</a:t>
-            </a:r>
-            <a:endParaRPr lang="zh-CN" altLang="en-US" dirty="0">
-              <a:latin typeface="Cascadia Code Light" panose="020B0609020000020004" pitchFamily="49" charset="0"/>
-              <a:cs typeface="Cascadia Code Light" panose="020B0609020000020004" pitchFamily="49" charset="0"/>
-            </a:endParaRPr>
-          </a:p>
-        </p:txBody>
-      </p:sp>
+      <mc:AlternateContent xmlns:mc="http://schemas.openxmlformats.org/markup-compatibility/2006" xmlns:a14="http://schemas.microsoft.com/office/drawing/2010/main">
+        <mc:Choice Requires="a14">
+          <p:sp>
+            <p:nvSpPr>
+              <p:cNvPr id="3" name="文本框 2">
+                <a:extLst>
+                  <a:ext uri="{FF2B5EF4-FFF2-40B4-BE49-F238E27FC236}">
+                    <a16:creationId xmlns:a16="http://schemas.microsoft.com/office/drawing/2014/main" id="{E8513558-5716-0642-3A9B-7C6EADA465CF}"/>
+                  </a:ext>
+                </a:extLst>
+              </p:cNvPr>
+              <p:cNvSpPr txBox="1"/>
+              <p:nvPr/>
+            </p:nvSpPr>
+            <p:spPr>
+              <a:xfrm>
+                <a:off x="7778183" y="646770"/>
+                <a:ext cx="4233003" cy="2031325"/>
+              </a:xfrm>
+              <a:prstGeom prst="rect">
+                <a:avLst/>
+              </a:prstGeom>
+              <a:noFill/>
+            </p:spPr>
+            <p:txBody>
+              <a:bodyPr wrap="square" rtlCol="0">
+                <a:spAutoFit/>
+              </a:bodyPr>
+              <a:lstStyle/>
+              <a:p>
+                <a:r>
+                  <a:rPr lang="en-US" altLang="zh-CN" dirty="0">
+                    <a:latin typeface="Cascadia Code Light" panose="020B0609020000020004" pitchFamily="49" charset="0"/>
+                    <a:cs typeface="Cascadia Code Light" panose="020B0609020000020004" pitchFamily="49" charset="0"/>
+                  </a:rPr>
+                  <a:t>Emit a ray from each shader point to the light point, use SDF to know a range around this point without any other points. Go along this step by step, and minimum </a:t>
+                </a:r>
+                <a14:m>
+                  <m:oMath xmlns:m="http://schemas.openxmlformats.org/officeDocument/2006/math">
+                    <m:r>
+                      <a:rPr lang="en-US" altLang="zh-CN" b="0" i="1" smtClean="0">
+                        <a:latin typeface="Cambria Math" panose="02040503050406030204" pitchFamily="18" charset="0"/>
+                        <a:cs typeface="Cascadia Code Light" panose="020B0609020000020004" pitchFamily="49" charset="0"/>
+                      </a:rPr>
+                      <m:t>𝜃</m:t>
+                    </m:r>
+                  </m:oMath>
+                </a14:m>
+                <a:r>
+                  <a:rPr lang="en-US" altLang="zh-CN" dirty="0">
+                    <a:latin typeface="Cascadia Code Light" panose="020B0609020000020004" pitchFamily="49" charset="0"/>
+                    <a:cs typeface="Cascadia Code Light" panose="020B0609020000020004" pitchFamily="49" charset="0"/>
+                  </a:rPr>
+                  <a:t> describes the visibility.</a:t>
+                </a:r>
+                <a:endParaRPr lang="zh-CN" altLang="en-US" dirty="0">
+                  <a:latin typeface="Cascadia Code Light" panose="020B0609020000020004" pitchFamily="49" charset="0"/>
+                  <a:cs typeface="Cascadia Code Light" panose="020B0609020000020004" pitchFamily="49" charset="0"/>
+                </a:endParaRPr>
+              </a:p>
+            </p:txBody>
+          </p:sp>
+        </mc:Choice>
+        <mc:Fallback xmlns="">
+          <p:sp>
+            <p:nvSpPr>
+              <p:cNvPr id="3" name="文本框 2">
+                <a:extLst>
+                  <a:ext uri="{FF2B5EF4-FFF2-40B4-BE49-F238E27FC236}">
+                    <a16:creationId xmlns:a16="http://schemas.microsoft.com/office/drawing/2014/main" id="{E8513558-5716-0642-3A9B-7C6EADA465CF}"/>
+                  </a:ext>
+                </a:extLst>
+              </p:cNvPr>
+              <p:cNvSpPr txBox="1">
+                <a:spLocks noRot="1" noChangeAspect="1" noMove="1" noResize="1" noEditPoints="1" noAdjustHandles="1" noChangeArrowheads="1" noChangeShapeType="1" noTextEdit="1"/>
+              </p:cNvSpPr>
+              <p:nvPr/>
+            </p:nvSpPr>
+            <p:spPr>
+              <a:xfrm>
+                <a:off x="7778183" y="646770"/>
+                <a:ext cx="4233003" cy="2031325"/>
+              </a:xfrm>
+              <a:prstGeom prst="rect">
+                <a:avLst/>
+              </a:prstGeom>
+              <a:blipFill>
+                <a:blip r:embed="rId2"/>
+                <a:stretch>
+                  <a:fillRect l="-1297" t="-1502" b="-3904"/>
+                </a:stretch>
+              </a:blipFill>
+            </p:spPr>
+            <p:txBody>
+              <a:bodyPr/>
+              <a:lstStyle/>
+              <a:p>
+                <a:r>
+                  <a:rPr lang="zh-CN" altLang="en-US">
+                    <a:noFill/>
+                  </a:rPr>
+                  <a:t> </a:t>
+                </a:r>
+              </a:p>
+            </p:txBody>
+          </p:sp>
+        </mc:Fallback>
+      </mc:AlternateContent>
       <p:sp>
         <p:nvSpPr>
           <p:cNvPr id="8" name="椭圆 7">
@@ -16384,7 +15430,7 @@
           <p:nvPr/>
         </p:nvPicPr>
         <p:blipFill>
-          <a:blip r:embed="rId2">
+          <a:blip r:embed="rId3">
             <a:extLst>
               <a:ext uri="{28A0092B-C50C-407E-A947-70E740481C1C}">
                 <a14:useLocalDpi xmlns:a14="http://schemas.microsoft.com/office/drawing/2010/main" val="0"/>
@@ -16427,7 +15473,7 @@
         </p:grpSpPr>
         <mc:AlternateContent xmlns:mc="http://schemas.openxmlformats.org/markup-compatibility/2006" xmlns:p14="http://schemas.microsoft.com/office/powerpoint/2010/main">
           <mc:Choice Requires="p14">
-            <p:contentPart p14:bwMode="auto" r:id="rId3">
+            <p:contentPart p14:bwMode="auto" r:id="rId4">
               <p14:nvContentPartPr>
                 <p14:cNvPr id="47" name="墨迹 46">
                   <a:extLst>
@@ -16459,7 +15505,7 @@
                 <p:nvPr/>
               </p:nvPicPr>
               <p:blipFill>
-                <a:blip r:embed="rId4"/>
+                <a:blip r:embed="rId5"/>
                 <a:stretch>
                   <a:fillRect/>
                 </a:stretch>
@@ -16478,7 +15524,7 @@
         </mc:AlternateContent>
         <mc:AlternateContent xmlns:mc="http://schemas.openxmlformats.org/markup-compatibility/2006" xmlns:p14="http://schemas.microsoft.com/office/powerpoint/2010/main">
           <mc:Choice Requires="p14">
-            <p:contentPart p14:bwMode="auto" r:id="rId5">
+            <p:contentPart p14:bwMode="auto" r:id="rId6">
               <p14:nvContentPartPr>
                 <p14:cNvPr id="48" name="墨迹 47">
                   <a:extLst>
@@ -16510,7 +15556,7 @@
                 <p:nvPr/>
               </p:nvPicPr>
               <p:blipFill>
-                <a:blip r:embed="rId6"/>
+                <a:blip r:embed="rId7"/>
                 <a:stretch>
                   <a:fillRect/>
                 </a:stretch>
@@ -16530,7 +15576,7 @@
       </p:grpSp>
       <mc:AlternateContent xmlns:mc="http://schemas.openxmlformats.org/markup-compatibility/2006" xmlns:p14="http://schemas.microsoft.com/office/powerpoint/2010/main">
         <mc:Choice Requires="p14">
-          <p:contentPart p14:bwMode="auto" r:id="rId7">
+          <p:contentPart p14:bwMode="auto" r:id="rId8">
             <p14:nvContentPartPr>
               <p14:cNvPr id="56" name="墨迹 55">
                 <a:extLst>
@@ -16562,7 +15608,7 @@
               <p:nvPr/>
             </p:nvPicPr>
             <p:blipFill>
-              <a:blip r:embed="rId8"/>
+              <a:blip r:embed="rId9"/>
               <a:stretch>
                 <a:fillRect/>
               </a:stretch>
@@ -16601,7 +15647,7 @@
         </p:grpSpPr>
         <mc:AlternateContent xmlns:mc="http://schemas.openxmlformats.org/markup-compatibility/2006" xmlns:p14="http://schemas.microsoft.com/office/powerpoint/2010/main">
           <mc:Choice Requires="p14">
-            <p:contentPart p14:bwMode="auto" r:id="rId9">
+            <p:contentPart p14:bwMode="auto" r:id="rId10">
               <p14:nvContentPartPr>
                 <p14:cNvPr id="65" name="墨迹 64">
                   <a:extLst>
@@ -16633,7 +15679,7 @@
                 <p:nvPr/>
               </p:nvPicPr>
               <p:blipFill>
-                <a:blip r:embed="rId10"/>
+                <a:blip r:embed="rId11"/>
                 <a:stretch>
                   <a:fillRect/>
                 </a:stretch>
@@ -16652,7 +15698,7 @@
         </mc:AlternateContent>
         <mc:AlternateContent xmlns:mc="http://schemas.openxmlformats.org/markup-compatibility/2006" xmlns:p14="http://schemas.microsoft.com/office/powerpoint/2010/main">
           <mc:Choice Requires="p14">
-            <p:contentPart p14:bwMode="auto" r:id="rId11">
+            <p:contentPart p14:bwMode="auto" r:id="rId12">
               <p14:nvContentPartPr>
                 <p14:cNvPr id="66" name="墨迹 65">
                   <a:extLst>
@@ -16684,7 +15730,7 @@
                 <p:nvPr/>
               </p:nvPicPr>
               <p:blipFill>
-                <a:blip r:embed="rId12"/>
+                <a:blip r:embed="rId13"/>
                 <a:stretch>
                   <a:fillRect/>
                 </a:stretch>
@@ -16703,7 +15749,7 @@
         </mc:AlternateContent>
         <mc:AlternateContent xmlns:mc="http://schemas.openxmlformats.org/markup-compatibility/2006" xmlns:p14="http://schemas.microsoft.com/office/powerpoint/2010/main">
           <mc:Choice Requires="p14">
-            <p:contentPart p14:bwMode="auto" r:id="rId13">
+            <p:contentPart p14:bwMode="auto" r:id="rId14">
               <p14:nvContentPartPr>
                 <p14:cNvPr id="67" name="墨迹 66">
                   <a:extLst>
@@ -16735,7 +15781,7 @@
                 <p:nvPr/>
               </p:nvPicPr>
               <p:blipFill>
-                <a:blip r:embed="rId14"/>
+                <a:blip r:embed="rId15"/>
                 <a:stretch>
                   <a:fillRect/>
                 </a:stretch>
@@ -16754,7 +15800,7 @@
         </mc:AlternateContent>
         <mc:AlternateContent xmlns:mc="http://schemas.openxmlformats.org/markup-compatibility/2006" xmlns:p14="http://schemas.microsoft.com/office/powerpoint/2010/main">
           <mc:Choice Requires="p14">
-            <p:contentPart p14:bwMode="auto" r:id="rId15">
+            <p:contentPart p14:bwMode="auto" r:id="rId16">
               <p14:nvContentPartPr>
                 <p14:cNvPr id="68" name="墨迹 67">
                   <a:extLst>
@@ -16786,7 +15832,7 @@
                 <p:nvPr/>
               </p:nvPicPr>
               <p:blipFill>
-                <a:blip r:embed="rId16"/>
+                <a:blip r:embed="rId17"/>
                 <a:stretch>
                   <a:fillRect/>
                 </a:stretch>
@@ -16805,7 +15851,7 @@
         </mc:AlternateContent>
         <mc:AlternateContent xmlns:mc="http://schemas.openxmlformats.org/markup-compatibility/2006" xmlns:p14="http://schemas.microsoft.com/office/powerpoint/2010/main">
           <mc:Choice Requires="p14">
-            <p:contentPart p14:bwMode="auto" r:id="rId17">
+            <p:contentPart p14:bwMode="auto" r:id="rId18">
               <p14:nvContentPartPr>
                 <p14:cNvPr id="69" name="墨迹 68">
                   <a:extLst>
@@ -16837,7 +15883,7 @@
                 <p:nvPr/>
               </p:nvPicPr>
               <p:blipFill>
-                <a:blip r:embed="rId18"/>
+                <a:blip r:embed="rId19"/>
                 <a:stretch>
                   <a:fillRect/>
                 </a:stretch>
@@ -16877,7 +15923,7 @@
         </p:grpSpPr>
         <mc:AlternateContent xmlns:mc="http://schemas.openxmlformats.org/markup-compatibility/2006" xmlns:p14="http://schemas.microsoft.com/office/powerpoint/2010/main">
           <mc:Choice Requires="p14">
-            <p:contentPart p14:bwMode="auto" r:id="rId19">
+            <p:contentPart p14:bwMode="auto" r:id="rId20">
               <p14:nvContentPartPr>
                 <p14:cNvPr id="70" name="墨迹 69">
                   <a:extLst>
@@ -16909,7 +15955,7 @@
                 <p:nvPr/>
               </p:nvPicPr>
               <p:blipFill>
-                <a:blip r:embed="rId20"/>
+                <a:blip r:embed="rId21"/>
                 <a:stretch>
                   <a:fillRect/>
                 </a:stretch>
@@ -16928,7 +15974,7 @@
         </mc:AlternateContent>
         <mc:AlternateContent xmlns:mc="http://schemas.openxmlformats.org/markup-compatibility/2006" xmlns:p14="http://schemas.microsoft.com/office/powerpoint/2010/main">
           <mc:Choice Requires="p14">
-            <p:contentPart p14:bwMode="auto" r:id="rId21">
+            <p:contentPart p14:bwMode="auto" r:id="rId22">
               <p14:nvContentPartPr>
                 <p14:cNvPr id="71" name="墨迹 70">
                   <a:extLst>
@@ -16960,7 +16006,7 @@
                 <p:nvPr/>
               </p:nvPicPr>
               <p:blipFill>
-                <a:blip r:embed="rId22"/>
+                <a:blip r:embed="rId23"/>
                 <a:stretch>
                   <a:fillRect/>
                 </a:stretch>
@@ -16979,7 +16025,7 @@
         </mc:AlternateContent>
         <mc:AlternateContent xmlns:mc="http://schemas.openxmlformats.org/markup-compatibility/2006" xmlns:p14="http://schemas.microsoft.com/office/powerpoint/2010/main">
           <mc:Choice Requires="p14">
-            <p:contentPart p14:bwMode="auto" r:id="rId23">
+            <p:contentPart p14:bwMode="auto" r:id="rId24">
               <p14:nvContentPartPr>
                 <p14:cNvPr id="72" name="墨迹 71">
                   <a:extLst>
@@ -17011,7 +16057,7 @@
                 <p:nvPr/>
               </p:nvPicPr>
               <p:blipFill>
-                <a:blip r:embed="rId24"/>
+                <a:blip r:embed="rId25"/>
                 <a:stretch>
                   <a:fillRect/>
                 </a:stretch>
@@ -17030,7 +16076,7 @@
         </mc:AlternateContent>
         <mc:AlternateContent xmlns:mc="http://schemas.openxmlformats.org/markup-compatibility/2006" xmlns:p14="http://schemas.microsoft.com/office/powerpoint/2010/main">
           <mc:Choice Requires="p14">
-            <p:contentPart p14:bwMode="auto" r:id="rId25">
+            <p:contentPart p14:bwMode="auto" r:id="rId26">
               <p14:nvContentPartPr>
                 <p14:cNvPr id="73" name="墨迹 72">
                   <a:extLst>
@@ -17062,7 +16108,7 @@
                 <p:nvPr/>
               </p:nvPicPr>
               <p:blipFill>
-                <a:blip r:embed="rId26"/>
+                <a:blip r:embed="rId27"/>
                 <a:stretch>
                   <a:fillRect/>
                 </a:stretch>
@@ -17081,7 +16127,7 @@
         </mc:AlternateContent>
         <mc:AlternateContent xmlns:mc="http://schemas.openxmlformats.org/markup-compatibility/2006" xmlns:p14="http://schemas.microsoft.com/office/powerpoint/2010/main">
           <mc:Choice Requires="p14">
-            <p:contentPart p14:bwMode="auto" r:id="rId27">
+            <p:contentPart p14:bwMode="auto" r:id="rId28">
               <p14:nvContentPartPr>
                 <p14:cNvPr id="74" name="墨迹 73">
                   <a:extLst>
@@ -17113,7 +16159,7 @@
                 <p:nvPr/>
               </p:nvPicPr>
               <p:blipFill>
-                <a:blip r:embed="rId28"/>
+                <a:blip r:embed="rId29"/>
                 <a:stretch>
                   <a:fillRect/>
                 </a:stretch>
@@ -17132,7 +16178,7 @@
         </mc:AlternateContent>
         <mc:AlternateContent xmlns:mc="http://schemas.openxmlformats.org/markup-compatibility/2006" xmlns:p14="http://schemas.microsoft.com/office/powerpoint/2010/main">
           <mc:Choice Requires="p14">
-            <p:contentPart p14:bwMode="auto" r:id="rId29">
+            <p:contentPart p14:bwMode="auto" r:id="rId30">
               <p14:nvContentPartPr>
                 <p14:cNvPr id="75" name="墨迹 74">
                   <a:extLst>
@@ -17164,7 +16210,7 @@
                 <p:nvPr/>
               </p:nvPicPr>
               <p:blipFill>
-                <a:blip r:embed="rId30"/>
+                <a:blip r:embed="rId31"/>
                 <a:stretch>
                   <a:fillRect/>
                 </a:stretch>
@@ -17204,7 +16250,7 @@
         </p:grpSpPr>
         <mc:AlternateContent xmlns:mc="http://schemas.openxmlformats.org/markup-compatibility/2006" xmlns:p14="http://schemas.microsoft.com/office/powerpoint/2010/main">
           <mc:Choice Requires="p14">
-            <p:contentPart p14:bwMode="auto" r:id="rId31">
+            <p:contentPart p14:bwMode="auto" r:id="rId32">
               <p14:nvContentPartPr>
                 <p14:cNvPr id="13" name="墨迹 12">
                   <a:extLst>
@@ -17236,7 +16282,7 @@
                 <p:nvPr/>
               </p:nvPicPr>
               <p:blipFill>
-                <a:blip r:embed="rId32"/>
+                <a:blip r:embed="rId33"/>
                 <a:stretch>
                   <a:fillRect/>
                 </a:stretch>
@@ -17255,7 +16301,7 @@
         </mc:AlternateContent>
         <mc:AlternateContent xmlns:mc="http://schemas.openxmlformats.org/markup-compatibility/2006" xmlns:p14="http://schemas.microsoft.com/office/powerpoint/2010/main">
           <mc:Choice Requires="p14">
-            <p:contentPart p14:bwMode="auto" r:id="rId33">
+            <p:contentPart p14:bwMode="auto" r:id="rId34">
               <p14:nvContentPartPr>
                 <p14:cNvPr id="20" name="墨迹 19">
                   <a:extLst>
@@ -17287,7 +16333,7 @@
                 <p:nvPr/>
               </p:nvPicPr>
               <p:blipFill>
-                <a:blip r:embed="rId34"/>
+                <a:blip r:embed="rId35"/>
                 <a:stretch>
                   <a:fillRect/>
                 </a:stretch>
@@ -17327,7 +16373,7 @@
         </p:grpSpPr>
         <mc:AlternateContent xmlns:mc="http://schemas.openxmlformats.org/markup-compatibility/2006" xmlns:p14="http://schemas.microsoft.com/office/powerpoint/2010/main">
           <mc:Choice Requires="p14">
-            <p:contentPart p14:bwMode="auto" r:id="rId35">
+            <p:contentPart p14:bwMode="auto" r:id="rId36">
               <p14:nvContentPartPr>
                 <p14:cNvPr id="85" name="墨迹 84">
                   <a:extLst>
@@ -17359,7 +16405,7 @@
                 <p:nvPr/>
               </p:nvPicPr>
               <p:blipFill>
-                <a:blip r:embed="rId36"/>
+                <a:blip r:embed="rId37"/>
                 <a:stretch>
                   <a:fillRect/>
                 </a:stretch>
@@ -17378,7 +16424,7 @@
         </mc:AlternateContent>
         <mc:AlternateContent xmlns:mc="http://schemas.openxmlformats.org/markup-compatibility/2006" xmlns:p14="http://schemas.microsoft.com/office/powerpoint/2010/main">
           <mc:Choice Requires="p14">
-            <p:contentPart p14:bwMode="auto" r:id="rId37">
+            <p:contentPart p14:bwMode="auto" r:id="rId38">
               <p14:nvContentPartPr>
                 <p14:cNvPr id="86" name="墨迹 85">
                   <a:extLst>
@@ -17410,7 +16456,7 @@
                 <p:nvPr/>
               </p:nvPicPr>
               <p:blipFill>
-                <a:blip r:embed="rId38"/>
+                <a:blip r:embed="rId39"/>
                 <a:stretch>
                   <a:fillRect/>
                 </a:stretch>
@@ -17429,7 +16475,7 @@
         </mc:AlternateContent>
         <mc:AlternateContent xmlns:mc="http://schemas.openxmlformats.org/markup-compatibility/2006" xmlns:p14="http://schemas.microsoft.com/office/powerpoint/2010/main">
           <mc:Choice Requires="p14">
-            <p:contentPart p14:bwMode="auto" r:id="rId39">
+            <p:contentPart p14:bwMode="auto" r:id="rId40">
               <p14:nvContentPartPr>
                 <p14:cNvPr id="87" name="墨迹 86">
                   <a:extLst>
@@ -17461,7 +16507,7 @@
                 <p:nvPr/>
               </p:nvPicPr>
               <p:blipFill>
-                <a:blip r:embed="rId40"/>
+                <a:blip r:embed="rId41"/>
                 <a:stretch>
                   <a:fillRect/>
                 </a:stretch>
@@ -17480,7 +16526,7 @@
         </mc:AlternateContent>
         <mc:AlternateContent xmlns:mc="http://schemas.openxmlformats.org/markup-compatibility/2006" xmlns:p14="http://schemas.microsoft.com/office/powerpoint/2010/main">
           <mc:Choice Requires="p14">
-            <p:contentPart p14:bwMode="auto" r:id="rId41">
+            <p:contentPart p14:bwMode="auto" r:id="rId42">
               <p14:nvContentPartPr>
                 <p14:cNvPr id="88" name="墨迹 87">
                   <a:extLst>
@@ -17512,7 +16558,7 @@
                 <p:nvPr/>
               </p:nvPicPr>
               <p:blipFill>
-                <a:blip r:embed="rId42"/>
+                <a:blip r:embed="rId43"/>
                 <a:stretch>
                   <a:fillRect/>
                 </a:stretch>
@@ -17531,7 +16577,7 @@
         </mc:AlternateContent>
         <mc:AlternateContent xmlns:mc="http://schemas.openxmlformats.org/markup-compatibility/2006" xmlns:p14="http://schemas.microsoft.com/office/powerpoint/2010/main">
           <mc:Choice Requires="p14">
-            <p:contentPart p14:bwMode="auto" r:id="rId43">
+            <p:contentPart p14:bwMode="auto" r:id="rId44">
               <p14:nvContentPartPr>
                 <p14:cNvPr id="89" name="墨迹 88">
                   <a:extLst>
@@ -17563,7 +16609,7 @@
                 <p:nvPr/>
               </p:nvPicPr>
               <p:blipFill>
-                <a:blip r:embed="rId44"/>
+                <a:blip r:embed="rId45"/>
                 <a:stretch>
                   <a:fillRect/>
                 </a:stretch>
@@ -17582,7 +16628,7 @@
         </mc:AlternateContent>
         <mc:AlternateContent xmlns:mc="http://schemas.openxmlformats.org/markup-compatibility/2006" xmlns:p14="http://schemas.microsoft.com/office/powerpoint/2010/main">
           <mc:Choice Requires="p14">
-            <p:contentPart p14:bwMode="auto" r:id="rId45">
+            <p:contentPart p14:bwMode="auto" r:id="rId46">
               <p14:nvContentPartPr>
                 <p14:cNvPr id="90" name="墨迹 89">
                   <a:extLst>
@@ -17614,7 +16660,7 @@
                 <p:nvPr/>
               </p:nvPicPr>
               <p:blipFill>
-                <a:blip r:embed="rId46"/>
+                <a:blip r:embed="rId47"/>
                 <a:stretch>
                   <a:fillRect/>
                 </a:stretch>
@@ -17654,7 +16700,7 @@
         </p:grpSpPr>
         <mc:AlternateContent xmlns:mc="http://schemas.openxmlformats.org/markup-compatibility/2006" xmlns:p14="http://schemas.microsoft.com/office/powerpoint/2010/main">
           <mc:Choice Requires="p14">
-            <p:contentPart p14:bwMode="auto" r:id="rId47">
+            <p:contentPart p14:bwMode="auto" r:id="rId48">
               <p14:nvContentPartPr>
                 <p14:cNvPr id="92" name="墨迹 91">
                   <a:extLst>
@@ -17686,7 +16732,7 @@
                 <p:nvPr/>
               </p:nvPicPr>
               <p:blipFill>
-                <a:blip r:embed="rId48"/>
+                <a:blip r:embed="rId49"/>
                 <a:stretch>
                   <a:fillRect/>
                 </a:stretch>
@@ -17705,7 +16751,7 @@
         </mc:AlternateContent>
         <mc:AlternateContent xmlns:mc="http://schemas.openxmlformats.org/markup-compatibility/2006" xmlns:p14="http://schemas.microsoft.com/office/powerpoint/2010/main">
           <mc:Choice Requires="p14">
-            <p:contentPart p14:bwMode="auto" r:id="rId49">
+            <p:contentPart p14:bwMode="auto" r:id="rId50">
               <p14:nvContentPartPr>
                 <p14:cNvPr id="93" name="墨迹 92">
                   <a:extLst>
@@ -17737,7 +16783,7 @@
                 <p:nvPr/>
               </p:nvPicPr>
               <p:blipFill>
-                <a:blip r:embed="rId50"/>
+                <a:blip r:embed="rId51"/>
                 <a:stretch>
                   <a:fillRect/>
                 </a:stretch>
@@ -17756,7 +16802,7 @@
         </mc:AlternateContent>
         <mc:AlternateContent xmlns:mc="http://schemas.openxmlformats.org/markup-compatibility/2006" xmlns:p14="http://schemas.microsoft.com/office/powerpoint/2010/main">
           <mc:Choice Requires="p14">
-            <p:contentPart p14:bwMode="auto" r:id="rId51">
+            <p:contentPart p14:bwMode="auto" r:id="rId52">
               <p14:nvContentPartPr>
                 <p14:cNvPr id="94" name="墨迹 93">
                   <a:extLst>
@@ -17788,7 +16834,7 @@
                 <p:nvPr/>
               </p:nvPicPr>
               <p:blipFill>
-                <a:blip r:embed="rId52"/>
+                <a:blip r:embed="rId53"/>
                 <a:stretch>
                   <a:fillRect/>
                 </a:stretch>
@@ -17807,7 +16853,7 @@
         </mc:AlternateContent>
         <mc:AlternateContent xmlns:mc="http://schemas.openxmlformats.org/markup-compatibility/2006" xmlns:p14="http://schemas.microsoft.com/office/powerpoint/2010/main">
           <mc:Choice Requires="p14">
-            <p:contentPart p14:bwMode="auto" r:id="rId53">
+            <p:contentPart p14:bwMode="auto" r:id="rId54">
               <p14:nvContentPartPr>
                 <p14:cNvPr id="95" name="墨迹 94">
                   <a:extLst>
@@ -17839,7 +16885,7 @@
                 <p:nvPr/>
               </p:nvPicPr>
               <p:blipFill>
-                <a:blip r:embed="rId54"/>
+                <a:blip r:embed="rId55"/>
                 <a:stretch>
                   <a:fillRect/>
                 </a:stretch>
@@ -17858,7 +16904,7 @@
         </mc:AlternateContent>
         <mc:AlternateContent xmlns:mc="http://schemas.openxmlformats.org/markup-compatibility/2006" xmlns:p14="http://schemas.microsoft.com/office/powerpoint/2010/main">
           <mc:Choice Requires="p14">
-            <p:contentPart p14:bwMode="auto" r:id="rId55">
+            <p:contentPart p14:bwMode="auto" r:id="rId56">
               <p14:nvContentPartPr>
                 <p14:cNvPr id="96" name="墨迹 95">
                   <a:extLst>
@@ -17890,7 +16936,7 @@
                 <p:nvPr/>
               </p:nvPicPr>
               <p:blipFill>
-                <a:blip r:embed="rId56"/>
+                <a:blip r:embed="rId57"/>
                 <a:stretch>
                   <a:fillRect/>
                 </a:stretch>
@@ -17909,7 +16955,7 @@
         </mc:AlternateContent>
         <mc:AlternateContent xmlns:mc="http://schemas.openxmlformats.org/markup-compatibility/2006" xmlns:p14="http://schemas.microsoft.com/office/powerpoint/2010/main">
           <mc:Choice Requires="p14">
-            <p:contentPart p14:bwMode="auto" r:id="rId57">
+            <p:contentPart p14:bwMode="auto" r:id="rId58">
               <p14:nvContentPartPr>
                 <p14:cNvPr id="97" name="墨迹 96">
                   <a:extLst>
@@ -17941,7 +16987,7 @@
                 <p:nvPr/>
               </p:nvPicPr>
               <p:blipFill>
-                <a:blip r:embed="rId58"/>
+                <a:blip r:embed="rId59"/>
                 <a:stretch>
                   <a:fillRect/>
                 </a:stretch>
@@ -17960,7 +17006,7 @@
         </mc:AlternateContent>
         <mc:AlternateContent xmlns:mc="http://schemas.openxmlformats.org/markup-compatibility/2006" xmlns:p14="http://schemas.microsoft.com/office/powerpoint/2010/main">
           <mc:Choice Requires="p14">
-            <p:contentPart p14:bwMode="auto" r:id="rId59">
+            <p:contentPart p14:bwMode="auto" r:id="rId60">
               <p14:nvContentPartPr>
                 <p14:cNvPr id="99" name="墨迹 98">
                   <a:extLst>
@@ -17992,7 +17038,7 @@
                 <p:nvPr/>
               </p:nvPicPr>
               <p:blipFill>
-                <a:blip r:embed="rId60"/>
+                <a:blip r:embed="rId61"/>
                 <a:stretch>
                   <a:fillRect/>
                 </a:stretch>
@@ -18011,7 +17057,7 @@
         </mc:AlternateContent>
         <mc:AlternateContent xmlns:mc="http://schemas.openxmlformats.org/markup-compatibility/2006" xmlns:p14="http://schemas.microsoft.com/office/powerpoint/2010/main">
           <mc:Choice Requires="p14">
-            <p:contentPart p14:bwMode="auto" r:id="rId61">
+            <p:contentPart p14:bwMode="auto" r:id="rId62">
               <p14:nvContentPartPr>
                 <p14:cNvPr id="100" name="墨迹 99">
                   <a:extLst>
@@ -18043,7 +17089,7 @@
                 <p:nvPr/>
               </p:nvPicPr>
               <p:blipFill>
-                <a:blip r:embed="rId62"/>
+                <a:blip r:embed="rId63"/>
                 <a:stretch>
                   <a:fillRect/>
                 </a:stretch>
@@ -18062,7 +17108,7 @@
         </mc:AlternateContent>
         <mc:AlternateContent xmlns:mc="http://schemas.openxmlformats.org/markup-compatibility/2006" xmlns:p14="http://schemas.microsoft.com/office/powerpoint/2010/main">
           <mc:Choice Requires="p14">
-            <p:contentPart p14:bwMode="auto" r:id="rId63">
+            <p:contentPart p14:bwMode="auto" r:id="rId64">
               <p14:nvContentPartPr>
                 <p14:cNvPr id="101" name="墨迹 100">
                   <a:extLst>
@@ -18094,7 +17140,7 @@
                 <p:nvPr/>
               </p:nvPicPr>
               <p:blipFill>
-                <a:blip r:embed="rId64"/>
+                <a:blip r:embed="rId65"/>
                 <a:stretch>
                   <a:fillRect/>
                 </a:stretch>
@@ -18114,7 +17160,7 @@
       </p:grpSp>
       <mc:AlternateContent xmlns:mc="http://schemas.openxmlformats.org/markup-compatibility/2006" xmlns:p14="http://schemas.microsoft.com/office/powerpoint/2010/main">
         <mc:Choice Requires="p14">
-          <p:contentPart p14:bwMode="auto" r:id="rId65">
+          <p:contentPart p14:bwMode="auto" r:id="rId66">
             <p14:nvContentPartPr>
               <p14:cNvPr id="102" name="墨迹 101">
                 <a:extLst>
@@ -18146,7 +17192,7 @@
               <p:nvPr/>
             </p:nvPicPr>
             <p:blipFill>
-              <a:blip r:embed="rId66"/>
+              <a:blip r:embed="rId67"/>
               <a:stretch>
                 <a:fillRect/>
               </a:stretch>
@@ -18165,7 +17211,7 @@
       </mc:AlternateContent>
       <mc:AlternateContent xmlns:mc="http://schemas.openxmlformats.org/markup-compatibility/2006" xmlns:p14="http://schemas.microsoft.com/office/powerpoint/2010/main">
         <mc:Choice Requires="p14">
-          <p:contentPart p14:bwMode="auto" r:id="rId67">
+          <p:contentPart p14:bwMode="auto" r:id="rId68">
             <p14:nvContentPartPr>
               <p14:cNvPr id="103" name="墨迹 102">
                 <a:extLst>
@@ -18197,7 +17243,7 @@
               <p:nvPr/>
             </p:nvPicPr>
             <p:blipFill>
-              <a:blip r:embed="rId68"/>
+              <a:blip r:embed="rId69"/>
               <a:stretch>
                 <a:fillRect/>
               </a:stretch>
@@ -18216,7 +17262,7 @@
       </mc:AlternateContent>
       <mc:AlternateContent xmlns:mc="http://schemas.openxmlformats.org/markup-compatibility/2006" xmlns:p14="http://schemas.microsoft.com/office/powerpoint/2010/main">
         <mc:Choice Requires="p14">
-          <p:contentPart p14:bwMode="auto" r:id="rId69">
+          <p:contentPart p14:bwMode="auto" r:id="rId70">
             <p14:nvContentPartPr>
               <p14:cNvPr id="123" name="墨迹 122">
                 <a:extLst>
@@ -18248,7 +17294,7 @@
               <p:nvPr/>
             </p:nvPicPr>
             <p:blipFill>
-              <a:blip r:embed="rId70"/>
+              <a:blip r:embed="rId71"/>
               <a:stretch>
                 <a:fillRect/>
               </a:stretch>
@@ -18267,7 +17313,7 @@
       </mc:AlternateContent>
       <mc:AlternateContent xmlns:mc="http://schemas.openxmlformats.org/markup-compatibility/2006" xmlns:p14="http://schemas.microsoft.com/office/powerpoint/2010/main">
         <mc:Choice Requires="p14">
-          <p:contentPart p14:bwMode="auto" r:id="rId71">
+          <p:contentPart p14:bwMode="auto" r:id="rId72">
             <p14:nvContentPartPr>
               <p14:cNvPr id="124" name="墨迹 123">
                 <a:extLst>
@@ -18299,7 +17345,7 @@
               <p:nvPr/>
             </p:nvPicPr>
             <p:blipFill>
-              <a:blip r:embed="rId72"/>
+              <a:blip r:embed="rId73"/>
               <a:stretch>
                 <a:fillRect/>
               </a:stretch>
@@ -18318,7 +17364,7 @@
       </mc:AlternateContent>
       <mc:AlternateContent xmlns:mc="http://schemas.openxmlformats.org/markup-compatibility/2006" xmlns:p14="http://schemas.microsoft.com/office/powerpoint/2010/main">
         <mc:Choice Requires="p14">
-          <p:contentPart p14:bwMode="auto" r:id="rId73">
+          <p:contentPart p14:bwMode="auto" r:id="rId74">
             <p14:nvContentPartPr>
               <p14:cNvPr id="125" name="墨迹 124">
                 <a:extLst>
@@ -18350,7 +17396,7 @@
               <p:nvPr/>
             </p:nvPicPr>
             <p:blipFill>
-              <a:blip r:embed="rId74"/>
+              <a:blip r:embed="rId75"/>
               <a:stretch>
                 <a:fillRect/>
               </a:stretch>
@@ -18369,7 +17415,7 @@
       </mc:AlternateContent>
       <mc:AlternateContent xmlns:mc="http://schemas.openxmlformats.org/markup-compatibility/2006" xmlns:p14="http://schemas.microsoft.com/office/powerpoint/2010/main">
         <mc:Choice Requires="p14">
-          <p:contentPart p14:bwMode="auto" r:id="rId75">
+          <p:contentPart p14:bwMode="auto" r:id="rId76">
             <p14:nvContentPartPr>
               <p14:cNvPr id="126" name="墨迹 125">
                 <a:extLst>
@@ -18401,7 +17447,7 @@
               <p:nvPr/>
             </p:nvPicPr>
             <p:blipFill>
-              <a:blip r:embed="rId76"/>
+              <a:blip r:embed="rId77"/>
               <a:stretch>
                 <a:fillRect/>
               </a:stretch>
@@ -18420,7 +17466,7 @@
       </mc:AlternateContent>
       <mc:AlternateContent xmlns:mc="http://schemas.openxmlformats.org/markup-compatibility/2006" xmlns:p14="http://schemas.microsoft.com/office/powerpoint/2010/main">
         <mc:Choice Requires="p14">
-          <p:contentPart p14:bwMode="auto" r:id="rId77">
+          <p:contentPart p14:bwMode="auto" r:id="rId78">
             <p14:nvContentPartPr>
               <p14:cNvPr id="127" name="墨迹 126">
                 <a:extLst>
@@ -18452,7 +17498,7 @@
               <p:nvPr/>
             </p:nvPicPr>
             <p:blipFill>
-              <a:blip r:embed="rId78"/>
+              <a:blip r:embed="rId79"/>
               <a:stretch>
                 <a:fillRect/>
               </a:stretch>
@@ -18471,7 +17517,7 @@
       </mc:AlternateContent>
       <mc:AlternateContent xmlns:mc="http://schemas.openxmlformats.org/markup-compatibility/2006" xmlns:p14="http://schemas.microsoft.com/office/powerpoint/2010/main">
         <mc:Choice Requires="p14">
-          <p:contentPart p14:bwMode="auto" r:id="rId79">
+          <p:contentPart p14:bwMode="auto" r:id="rId80">
             <p14:nvContentPartPr>
               <p14:cNvPr id="151" name="墨迹 150">
                 <a:extLst>
@@ -18503,7 +17549,7 @@
               <p:nvPr/>
             </p:nvPicPr>
             <p:blipFill>
-              <a:blip r:embed="rId80"/>
+              <a:blip r:embed="rId81"/>
               <a:stretch>
                 <a:fillRect/>
               </a:stretch>
@@ -18522,7 +17568,7 @@
       </mc:AlternateContent>
       <mc:AlternateContent xmlns:mc="http://schemas.openxmlformats.org/markup-compatibility/2006" xmlns:p14="http://schemas.microsoft.com/office/powerpoint/2010/main">
         <mc:Choice Requires="p14">
-          <p:contentPart p14:bwMode="auto" r:id="rId81">
+          <p:contentPart p14:bwMode="auto" r:id="rId82">
             <p14:nvContentPartPr>
               <p14:cNvPr id="152" name="墨迹 151">
                 <a:extLst>
@@ -18554,7 +17600,7 @@
               <p:nvPr/>
             </p:nvPicPr>
             <p:blipFill>
-              <a:blip r:embed="rId82"/>
+              <a:blip r:embed="rId83"/>
               <a:stretch>
                 <a:fillRect/>
               </a:stretch>
@@ -18573,7 +17619,7 @@
       </mc:AlternateContent>
       <mc:AlternateContent xmlns:mc="http://schemas.openxmlformats.org/markup-compatibility/2006" xmlns:p14="http://schemas.microsoft.com/office/powerpoint/2010/main">
         <mc:Choice Requires="p14">
-          <p:contentPart p14:bwMode="auto" r:id="rId83">
+          <p:contentPart p14:bwMode="auto" r:id="rId84">
             <p14:nvContentPartPr>
               <p14:cNvPr id="153" name="墨迹 152">
                 <a:extLst>
@@ -18605,7 +17651,7 @@
               <p:nvPr/>
             </p:nvPicPr>
             <p:blipFill>
-              <a:blip r:embed="rId84"/>
+              <a:blip r:embed="rId85"/>
               <a:stretch>
                 <a:fillRect/>
               </a:stretch>
@@ -18624,7 +17670,7 @@
       </mc:AlternateContent>
       <mc:AlternateContent xmlns:mc="http://schemas.openxmlformats.org/markup-compatibility/2006" xmlns:p14="http://schemas.microsoft.com/office/powerpoint/2010/main">
         <mc:Choice Requires="p14">
-          <p:contentPart p14:bwMode="auto" r:id="rId85">
+          <p:contentPart p14:bwMode="auto" r:id="rId86">
             <p14:nvContentPartPr>
               <p14:cNvPr id="154" name="墨迹 153">
                 <a:extLst>
@@ -18656,7 +17702,7 @@
               <p:nvPr/>
             </p:nvPicPr>
             <p:blipFill>
-              <a:blip r:embed="rId86"/>
+              <a:blip r:embed="rId87"/>
               <a:stretch>
                 <a:fillRect/>
               </a:stretch>
@@ -18675,7 +17721,7 @@
       </mc:AlternateContent>
       <mc:AlternateContent xmlns:mc="http://schemas.openxmlformats.org/markup-compatibility/2006" xmlns:p14="http://schemas.microsoft.com/office/powerpoint/2010/main">
         <mc:Choice Requires="p14">
-          <p:contentPart p14:bwMode="auto" r:id="rId87">
+          <p:contentPart p14:bwMode="auto" r:id="rId88">
             <p14:nvContentPartPr>
               <p14:cNvPr id="163" name="墨迹 162">
                 <a:extLst>
@@ -18707,7 +17753,7 @@
               <p:nvPr/>
             </p:nvPicPr>
             <p:blipFill>
-              <a:blip r:embed="rId88"/>
+              <a:blip r:embed="rId89"/>
               <a:stretch>
                 <a:fillRect/>
               </a:stretch>
@@ -18726,7 +17772,7 @@
       </mc:AlternateContent>
       <mc:AlternateContent xmlns:mc="http://schemas.openxmlformats.org/markup-compatibility/2006" xmlns:p14="http://schemas.microsoft.com/office/powerpoint/2010/main">
         <mc:Choice Requires="p14">
-          <p:contentPart p14:bwMode="auto" r:id="rId89">
+          <p:contentPart p14:bwMode="auto" r:id="rId90">
             <p14:nvContentPartPr>
               <p14:cNvPr id="164" name="墨迹 163">
                 <a:extLst>
@@ -18758,7 +17804,7 @@
               <p:nvPr/>
             </p:nvPicPr>
             <p:blipFill>
-              <a:blip r:embed="rId90"/>
+              <a:blip r:embed="rId91"/>
               <a:stretch>
                 <a:fillRect/>
               </a:stretch>
@@ -18777,7 +17823,7 @@
       </mc:AlternateContent>
       <mc:AlternateContent xmlns:mc="http://schemas.openxmlformats.org/markup-compatibility/2006" xmlns:p14="http://schemas.microsoft.com/office/powerpoint/2010/main">
         <mc:Choice Requires="p14">
-          <p:contentPart p14:bwMode="auto" r:id="rId91">
+          <p:contentPart p14:bwMode="auto" r:id="rId92">
             <p14:nvContentPartPr>
               <p14:cNvPr id="165" name="墨迹 164">
                 <a:extLst>
@@ -18809,7 +17855,7 @@
               <p:nvPr/>
             </p:nvPicPr>
             <p:blipFill>
-              <a:blip r:embed="rId92"/>
+              <a:blip r:embed="rId93"/>
               <a:stretch>
                 <a:fillRect/>
               </a:stretch>
@@ -18828,7 +17874,7 @@
       </mc:AlternateContent>
       <mc:AlternateContent xmlns:mc="http://schemas.openxmlformats.org/markup-compatibility/2006" xmlns:p14="http://schemas.microsoft.com/office/powerpoint/2010/main">
         <mc:Choice Requires="p14">
-          <p:contentPart p14:bwMode="auto" r:id="rId93">
+          <p:contentPart p14:bwMode="auto" r:id="rId94">
             <p14:nvContentPartPr>
               <p14:cNvPr id="166" name="墨迹 165">
                 <a:extLst>
@@ -18860,7 +17906,7 @@
               <p:nvPr/>
             </p:nvPicPr>
             <p:blipFill>
-              <a:blip r:embed="rId94"/>
+              <a:blip r:embed="rId95"/>
               <a:stretch>
                 <a:fillRect/>
               </a:stretch>
@@ -18879,7 +17925,7 @@
       </mc:AlternateContent>
       <mc:AlternateContent xmlns:mc="http://schemas.openxmlformats.org/markup-compatibility/2006" xmlns:p14="http://schemas.microsoft.com/office/powerpoint/2010/main">
         <mc:Choice Requires="p14">
-          <p:contentPart p14:bwMode="auto" r:id="rId95">
+          <p:contentPart p14:bwMode="auto" r:id="rId96">
             <p14:nvContentPartPr>
               <p14:cNvPr id="167" name="墨迹 166">
                 <a:extLst>
@@ -18911,7 +17957,7 @@
               <p:nvPr/>
             </p:nvPicPr>
             <p:blipFill>
-              <a:blip r:embed="rId96"/>
+              <a:blip r:embed="rId97"/>
               <a:stretch>
                 <a:fillRect/>
               </a:stretch>
@@ -18930,7 +17976,7 @@
       </mc:AlternateContent>
       <mc:AlternateContent xmlns:mc="http://schemas.openxmlformats.org/markup-compatibility/2006" xmlns:p14="http://schemas.microsoft.com/office/powerpoint/2010/main">
         <mc:Choice Requires="p14">
-          <p:contentPart p14:bwMode="auto" r:id="rId97">
+          <p:contentPart p14:bwMode="auto" r:id="rId98">
             <p14:nvContentPartPr>
               <p14:cNvPr id="168" name="墨迹 167">
                 <a:extLst>
@@ -18962,7 +18008,7 @@
               <p:nvPr/>
             </p:nvPicPr>
             <p:blipFill>
-              <a:blip r:embed="rId98"/>
+              <a:blip r:embed="rId99"/>
               <a:stretch>
                 <a:fillRect/>
               </a:stretch>
@@ -18981,7 +18027,7 @@
       </mc:AlternateContent>
       <mc:AlternateContent xmlns:mc="http://schemas.openxmlformats.org/markup-compatibility/2006" xmlns:p14="http://schemas.microsoft.com/office/powerpoint/2010/main">
         <mc:Choice Requires="p14">
-          <p:contentPart p14:bwMode="auto" r:id="rId99">
+          <p:contentPart p14:bwMode="auto" r:id="rId100">
             <p14:nvContentPartPr>
               <p14:cNvPr id="169" name="墨迹 168">
                 <a:extLst>
@@ -19013,7 +18059,7 @@
               <p:nvPr/>
             </p:nvPicPr>
             <p:blipFill>
-              <a:blip r:embed="rId100"/>
+              <a:blip r:embed="rId101"/>
               <a:stretch>
                 <a:fillRect/>
               </a:stretch>
@@ -19052,7 +18098,7 @@
         </p:grpSpPr>
         <mc:AlternateContent xmlns:mc="http://schemas.openxmlformats.org/markup-compatibility/2006" xmlns:p14="http://schemas.microsoft.com/office/powerpoint/2010/main">
           <mc:Choice Requires="p14">
-            <p:contentPart p14:bwMode="auto" r:id="rId101">
+            <p:contentPart p14:bwMode="auto" r:id="rId102">
               <p14:nvContentPartPr>
                 <p14:cNvPr id="114" name="墨迹 113">
                   <a:extLst>
@@ -19084,7 +18130,7 @@
                 <p:nvPr/>
               </p:nvPicPr>
               <p:blipFill>
-                <a:blip r:embed="rId102"/>
+                <a:blip r:embed="rId103"/>
                 <a:stretch>
                   <a:fillRect/>
                 </a:stretch>
@@ -19103,7 +18149,7 @@
         </mc:AlternateContent>
         <mc:AlternateContent xmlns:mc="http://schemas.openxmlformats.org/markup-compatibility/2006" xmlns:p14="http://schemas.microsoft.com/office/powerpoint/2010/main">
           <mc:Choice Requires="p14">
-            <p:contentPart p14:bwMode="auto" r:id="rId103">
+            <p:contentPart p14:bwMode="auto" r:id="rId104">
               <p14:nvContentPartPr>
                 <p14:cNvPr id="115" name="墨迹 114">
                   <a:extLst>
@@ -19135,7 +18181,7 @@
                 <p:nvPr/>
               </p:nvPicPr>
               <p:blipFill>
-                <a:blip r:embed="rId104"/>
+                <a:blip r:embed="rId105"/>
                 <a:stretch>
                   <a:fillRect/>
                 </a:stretch>
@@ -19154,7 +18200,7 @@
         </mc:AlternateContent>
         <mc:AlternateContent xmlns:mc="http://schemas.openxmlformats.org/markup-compatibility/2006" xmlns:p14="http://schemas.microsoft.com/office/powerpoint/2010/main">
           <mc:Choice Requires="p14">
-            <p:contentPart p14:bwMode="auto" r:id="rId105">
+            <p:contentPart p14:bwMode="auto" r:id="rId106">
               <p14:nvContentPartPr>
                 <p14:cNvPr id="117" name="墨迹 116">
                   <a:extLst>
@@ -19186,7 +18232,7 @@
                 <p:nvPr/>
               </p:nvPicPr>
               <p:blipFill>
-                <a:blip r:embed="rId106"/>
+                <a:blip r:embed="rId107"/>
                 <a:stretch>
                   <a:fillRect/>
                 </a:stretch>
@@ -19205,7 +18251,7 @@
         </mc:AlternateContent>
         <mc:AlternateContent xmlns:mc="http://schemas.openxmlformats.org/markup-compatibility/2006" xmlns:p14="http://schemas.microsoft.com/office/powerpoint/2010/main">
           <mc:Choice Requires="p14">
-            <p:contentPart p14:bwMode="auto" r:id="rId107">
+            <p:contentPart p14:bwMode="auto" r:id="rId108">
               <p14:nvContentPartPr>
                 <p14:cNvPr id="119" name="墨迹 118">
                   <a:extLst>
@@ -19237,7 +18283,7 @@
                 <p:nvPr/>
               </p:nvPicPr>
               <p:blipFill>
-                <a:blip r:embed="rId108"/>
+                <a:blip r:embed="rId109"/>
                 <a:stretch>
                   <a:fillRect/>
                 </a:stretch>
@@ -19256,7 +18302,7 @@
         </mc:AlternateContent>
         <mc:AlternateContent xmlns:mc="http://schemas.openxmlformats.org/markup-compatibility/2006" xmlns:p14="http://schemas.microsoft.com/office/powerpoint/2010/main">
           <mc:Choice Requires="p14">
-            <p:contentPart p14:bwMode="auto" r:id="rId109">
+            <p:contentPart p14:bwMode="auto" r:id="rId110">
               <p14:nvContentPartPr>
                 <p14:cNvPr id="120" name="墨迹 119">
                   <a:extLst>
@@ -19288,7 +18334,7 @@
                 <p:nvPr/>
               </p:nvPicPr>
               <p:blipFill>
-                <a:blip r:embed="rId110"/>
+                <a:blip r:embed="rId111"/>
                 <a:stretch>
                   <a:fillRect/>
                 </a:stretch>
@@ -19307,7 +18353,7 @@
         </mc:AlternateContent>
         <mc:AlternateContent xmlns:mc="http://schemas.openxmlformats.org/markup-compatibility/2006" xmlns:p14="http://schemas.microsoft.com/office/powerpoint/2010/main">
           <mc:Choice Requires="p14">
-            <p:contentPart p14:bwMode="auto" r:id="rId111">
+            <p:contentPart p14:bwMode="auto" r:id="rId112">
               <p14:nvContentPartPr>
                 <p14:cNvPr id="121" name="墨迹 120">
                   <a:extLst>
@@ -19339,7 +18385,7 @@
                 <p:nvPr/>
               </p:nvPicPr>
               <p:blipFill>
-                <a:blip r:embed="rId112"/>
+                <a:blip r:embed="rId113"/>
                 <a:stretch>
                   <a:fillRect/>
                 </a:stretch>
@@ -19358,7 +18404,7 @@
         </mc:AlternateContent>
         <mc:AlternateContent xmlns:mc="http://schemas.openxmlformats.org/markup-compatibility/2006" xmlns:p14="http://schemas.microsoft.com/office/powerpoint/2010/main">
           <mc:Choice Requires="p14">
-            <p:contentPart p14:bwMode="auto" r:id="rId113">
+            <p:contentPart p14:bwMode="auto" r:id="rId114">
               <p14:nvContentPartPr>
                 <p14:cNvPr id="122" name="墨迹 121">
                   <a:extLst>
@@ -19390,7 +18436,7 @@
                 <p:nvPr/>
               </p:nvPicPr>
               <p:blipFill>
-                <a:blip r:embed="rId114"/>
+                <a:blip r:embed="rId115"/>
                 <a:stretch>
                   <a:fillRect/>
                 </a:stretch>
@@ -19409,7 +18455,7 @@
         </mc:AlternateContent>
         <mc:AlternateContent xmlns:mc="http://schemas.openxmlformats.org/markup-compatibility/2006" xmlns:p14="http://schemas.microsoft.com/office/powerpoint/2010/main">
           <mc:Choice Requires="p14">
-            <p:contentPart p14:bwMode="auto" r:id="rId115">
+            <p:contentPart p14:bwMode="auto" r:id="rId116">
               <p14:nvContentPartPr>
                 <p14:cNvPr id="171" name="墨迹 170">
                   <a:extLst>
@@ -19441,7 +18487,7 @@
                 <p:nvPr/>
               </p:nvPicPr>
               <p:blipFill>
-                <a:blip r:embed="rId116"/>
+                <a:blip r:embed="rId117"/>
                 <a:stretch>
                   <a:fillRect/>
                 </a:stretch>
@@ -19921,8 +18967,8 @@
         </p:blipFill>
         <p:spPr>
           <a:xfrm>
-            <a:off x="3206853" y="0"/>
-            <a:ext cx="2846567" cy="2128853"/>
+            <a:off x="3912532" y="1090578"/>
+            <a:ext cx="7146715" cy="5344791"/>
           </a:xfrm>
           <a:prstGeom prst="rect">
             <a:avLst/>
@@ -19943,8 +18989,8 @@
         </p:nvSpPr>
         <p:spPr>
           <a:xfrm>
-            <a:off x="6539076" y="865335"/>
-            <a:ext cx="3345366" cy="646331"/>
+            <a:off x="4566377" y="535644"/>
+            <a:ext cx="6162260" cy="369332"/>
           </a:xfrm>
           <a:prstGeom prst="rect">
             <a:avLst/>
@@ -19985,273 +19031,7 @@
         </p:nvSpPr>
         <p:spPr>
           <a:xfrm>
-            <a:off x="6414183" y="1126053"/>
-            <a:ext cx="124893" cy="124893"/>
-          </a:xfrm>
-          <a:prstGeom prst="ellipse">
-            <a:avLst/>
-          </a:prstGeom>
-          <a:solidFill>
-            <a:schemeClr val="accent2">
-              <a:lumMod val="40000"/>
-              <a:lumOff val="60000"/>
-            </a:schemeClr>
-          </a:solidFill>
-          <a:ln>
-            <a:noFill/>
-          </a:ln>
-        </p:spPr>
-        <p:style>
-          <a:lnRef idx="2">
-            <a:schemeClr val="accent1">
-              <a:shade val="50000"/>
-            </a:schemeClr>
-          </a:lnRef>
-          <a:fillRef idx="1">
-            <a:schemeClr val="accent1"/>
-          </a:fillRef>
-          <a:effectRef idx="0">
-            <a:schemeClr val="accent1"/>
-          </a:effectRef>
-          <a:fontRef idx="minor">
-            <a:schemeClr val="lt1"/>
-          </a:fontRef>
-        </p:style>
-        <p:txBody>
-          <a:bodyPr rtlCol="0" anchor="ctr"/>
-          <a:lstStyle/>
-          <a:p>
-            <a:pPr algn="ctr"/>
-            <a:endParaRPr lang="zh-CN" altLang="en-US"/>
-          </a:p>
-        </p:txBody>
-      </p:sp>
-      <p:pic>
-        <p:nvPicPr>
-          <p:cNvPr id="10" name="图片 9" descr="桌子上的鸡蛋&#10;&#10;描述已自动生成">
-            <a:extLst>
-              <a:ext uri="{FF2B5EF4-FFF2-40B4-BE49-F238E27FC236}">
-                <a16:creationId xmlns:a16="http://schemas.microsoft.com/office/drawing/2014/main" id="{09D992B4-016E-4FB0-399F-06EBC3BC4EBB}"/>
-              </a:ext>
-            </a:extLst>
-          </p:cNvPr>
-          <p:cNvPicPr>
-            <a:picLocks noChangeAspect="1"/>
-          </p:cNvPicPr>
-          <p:nvPr/>
-        </p:nvPicPr>
-        <p:blipFill>
-          <a:blip r:embed="rId3">
-            <a:extLst>
-              <a:ext uri="{28A0092B-C50C-407E-A947-70E740481C1C}">
-                <a14:useLocalDpi xmlns:a14="http://schemas.microsoft.com/office/drawing/2010/main" val="0"/>
-              </a:ext>
-            </a:extLst>
-          </a:blip>
-          <a:stretch>
-            <a:fillRect/>
-          </a:stretch>
-        </p:blipFill>
-        <p:spPr>
-          <a:xfrm>
-            <a:off x="3195899" y="4743434"/>
-            <a:ext cx="2857520" cy="2114566"/>
-          </a:xfrm>
-          <a:prstGeom prst="rect">
-            <a:avLst/>
-          </a:prstGeom>
-        </p:spPr>
-      </p:pic>
-      <p:pic>
-        <p:nvPicPr>
-          <p:cNvPr id="12" name="图片 11" descr="黑暗的鸡蛋&#10;&#10;低可信度描述已自动生成">
-            <a:extLst>
-              <a:ext uri="{FF2B5EF4-FFF2-40B4-BE49-F238E27FC236}">
-                <a16:creationId xmlns:a16="http://schemas.microsoft.com/office/drawing/2014/main" id="{30CA9842-0853-BBBD-2B69-4877F4D16149}"/>
-              </a:ext>
-            </a:extLst>
-          </p:cNvPr>
-          <p:cNvPicPr>
-            <a:picLocks noChangeAspect="1"/>
-          </p:cNvPicPr>
-          <p:nvPr/>
-        </p:nvPicPr>
-        <p:blipFill>
-          <a:blip r:embed="rId4">
-            <a:extLst>
-              <a:ext uri="{28A0092B-C50C-407E-A947-70E740481C1C}">
-                <a14:useLocalDpi xmlns:a14="http://schemas.microsoft.com/office/drawing/2010/main" val="0"/>
-              </a:ext>
-            </a:extLst>
-          </a:blip>
-          <a:stretch>
-            <a:fillRect/>
-          </a:stretch>
-        </p:blipFill>
-        <p:spPr>
-          <a:xfrm>
-            <a:off x="3195898" y="2383147"/>
-            <a:ext cx="2857521" cy="2091705"/>
-          </a:xfrm>
-          <a:prstGeom prst="rect">
-            <a:avLst/>
-          </a:prstGeom>
-        </p:spPr>
-      </p:pic>
-      <p:sp>
-        <p:nvSpPr>
-          <p:cNvPr id="13" name="文本框 12">
-            <a:extLst>
-              <a:ext uri="{FF2B5EF4-FFF2-40B4-BE49-F238E27FC236}">
-                <a16:creationId xmlns:a16="http://schemas.microsoft.com/office/drawing/2014/main" id="{30457547-D172-F0D5-23B1-8B7F9E08FBFC}"/>
-              </a:ext>
-            </a:extLst>
-          </p:cNvPr>
-          <p:cNvSpPr txBox="1"/>
-          <p:nvPr/>
-        </p:nvSpPr>
-        <p:spPr>
-          <a:xfrm>
-            <a:off x="6539076" y="3105833"/>
-            <a:ext cx="3345366" cy="646331"/>
-          </a:xfrm>
-          <a:prstGeom prst="rect">
-            <a:avLst/>
-          </a:prstGeom>
-          <a:noFill/>
-        </p:spPr>
-        <p:txBody>
-          <a:bodyPr wrap="square" rtlCol="0">
-            <a:spAutoFit/>
-          </a:bodyPr>
-          <a:lstStyle/>
-          <a:p>
-            <a:r>
-              <a:rPr lang="en-US" altLang="zh-CN" dirty="0">
-                <a:latin typeface="Cascadia Code Light" panose="020B0609020000020004" pitchFamily="49" charset="0"/>
-                <a:cs typeface="Cascadia Code Light" panose="020B0609020000020004" pitchFamily="49" charset="0"/>
-              </a:rPr>
-              <a:t>Without Draw Sphere on Light Position</a:t>
-            </a:r>
-            <a:endParaRPr lang="zh-CN" altLang="en-US" dirty="0">
-              <a:latin typeface="Cascadia Code Light" panose="020B0609020000020004" pitchFamily="49" charset="0"/>
-              <a:cs typeface="Cascadia Code Light" panose="020B0609020000020004" pitchFamily="49" charset="0"/>
-            </a:endParaRPr>
-          </a:p>
-        </p:txBody>
-      </p:sp>
-      <p:sp>
-        <p:nvSpPr>
-          <p:cNvPr id="14" name="椭圆 13">
-            <a:extLst>
-              <a:ext uri="{FF2B5EF4-FFF2-40B4-BE49-F238E27FC236}">
-                <a16:creationId xmlns:a16="http://schemas.microsoft.com/office/drawing/2014/main" id="{10A1C368-5678-B7BC-E79E-A7A3A59FE56C}"/>
-              </a:ext>
-            </a:extLst>
-          </p:cNvPr>
-          <p:cNvSpPr/>
-          <p:nvPr/>
-        </p:nvSpPr>
-        <p:spPr>
-          <a:xfrm>
-            <a:off x="6414183" y="3366551"/>
-            <a:ext cx="124893" cy="124893"/>
-          </a:xfrm>
-          <a:prstGeom prst="ellipse">
-            <a:avLst/>
-          </a:prstGeom>
-          <a:solidFill>
-            <a:schemeClr val="accent2">
-              <a:lumMod val="40000"/>
-              <a:lumOff val="60000"/>
-            </a:schemeClr>
-          </a:solidFill>
-          <a:ln>
-            <a:noFill/>
-          </a:ln>
-        </p:spPr>
-        <p:style>
-          <a:lnRef idx="2">
-            <a:schemeClr val="accent1">
-              <a:shade val="50000"/>
-            </a:schemeClr>
-          </a:lnRef>
-          <a:fillRef idx="1">
-            <a:schemeClr val="accent1"/>
-          </a:fillRef>
-          <a:effectRef idx="0">
-            <a:schemeClr val="accent1"/>
-          </a:effectRef>
-          <a:fontRef idx="minor">
-            <a:schemeClr val="lt1"/>
-          </a:fontRef>
-        </p:style>
-        <p:txBody>
-          <a:bodyPr rtlCol="0" anchor="ctr"/>
-          <a:lstStyle/>
-          <a:p>
-            <a:pPr algn="ctr"/>
-            <a:endParaRPr lang="zh-CN" altLang="en-US"/>
-          </a:p>
-        </p:txBody>
-      </p:sp>
-      <p:sp>
-        <p:nvSpPr>
-          <p:cNvPr id="15" name="文本框 14">
-            <a:extLst>
-              <a:ext uri="{FF2B5EF4-FFF2-40B4-BE49-F238E27FC236}">
-                <a16:creationId xmlns:a16="http://schemas.microsoft.com/office/drawing/2014/main" id="{DA611C08-2E89-8E32-CF76-66A08452FE52}"/>
-              </a:ext>
-            </a:extLst>
-          </p:cNvPr>
-          <p:cNvSpPr txBox="1"/>
-          <p:nvPr/>
-        </p:nvSpPr>
-        <p:spPr>
-          <a:xfrm>
-            <a:off x="6539076" y="5510113"/>
-            <a:ext cx="3345366" cy="646331"/>
-          </a:xfrm>
-          <a:prstGeom prst="rect">
-            <a:avLst/>
-          </a:prstGeom>
-          <a:noFill/>
-        </p:spPr>
-        <p:txBody>
-          <a:bodyPr wrap="square" rtlCol="0">
-            <a:spAutoFit/>
-          </a:bodyPr>
-          <a:lstStyle/>
-          <a:p>
-            <a:r>
-              <a:rPr lang="en-US" altLang="zh-CN" dirty="0">
-                <a:latin typeface="Cascadia Code Light" panose="020B0609020000020004" pitchFamily="49" charset="0"/>
-                <a:cs typeface="Cascadia Code Light" panose="020B0609020000020004" pitchFamily="49" charset="0"/>
-              </a:rPr>
-              <a:t>Use Some Approximation to Generation SDF</a:t>
-            </a:r>
-            <a:endParaRPr lang="zh-CN" altLang="en-US" dirty="0">
-              <a:latin typeface="Cascadia Code Light" panose="020B0609020000020004" pitchFamily="49" charset="0"/>
-              <a:cs typeface="Cascadia Code Light" panose="020B0609020000020004" pitchFamily="49" charset="0"/>
-            </a:endParaRPr>
-          </a:p>
-        </p:txBody>
-      </p:sp>
-      <p:sp>
-        <p:nvSpPr>
-          <p:cNvPr id="18" name="椭圆 17">
-            <a:extLst>
-              <a:ext uri="{FF2B5EF4-FFF2-40B4-BE49-F238E27FC236}">
-                <a16:creationId xmlns:a16="http://schemas.microsoft.com/office/drawing/2014/main" id="{027822CA-7ACB-018C-C81D-4FB12E533CD3}"/>
-              </a:ext>
-            </a:extLst>
-          </p:cNvPr>
-          <p:cNvSpPr/>
-          <p:nvPr/>
-        </p:nvSpPr>
-        <p:spPr>
-          <a:xfrm>
-            <a:off x="6414183" y="5669500"/>
+            <a:off x="4411974" y="657863"/>
             <a:ext cx="124893" cy="124893"/>
           </a:xfrm>
           <a:prstGeom prst="ellipse">
